--- a/doc/workshop_slides.pptx
+++ b/doc/workshop_slides.pptx
@@ -5,15 +5,20 @@
     <p:sldMasterId id="2147483673" r:id="rId1"/>
   </p:sldMasterIdLst>
   <p:notesMasterIdLst>
-    <p:notesMasterId r:id="rId8"/>
+    <p:notesMasterId r:id="rId13"/>
   </p:notesMasterIdLst>
   <p:sldIdLst>
     <p:sldId id="256" r:id="rId2"/>
-    <p:sldId id="257" r:id="rId3"/>
-    <p:sldId id="259" r:id="rId4"/>
-    <p:sldId id="258" r:id="rId5"/>
-    <p:sldId id="260" r:id="rId6"/>
-    <p:sldId id="261" r:id="rId7"/>
+    <p:sldId id="262" r:id="rId3"/>
+    <p:sldId id="257" r:id="rId4"/>
+    <p:sldId id="259" r:id="rId5"/>
+    <p:sldId id="258" r:id="rId6"/>
+    <p:sldId id="260" r:id="rId7"/>
+    <p:sldId id="263" r:id="rId8"/>
+    <p:sldId id="264" r:id="rId9"/>
+    <p:sldId id="266" r:id="rId10"/>
+    <p:sldId id="265" r:id="rId11"/>
+    <p:sldId id="261" r:id="rId12"/>
   </p:sldIdLst>
   <p:sldSz cx="12192000" cy="6858000"/>
   <p:notesSz cx="6858000" cy="9144000"/>
@@ -112,6 +117,11 @@
       </a:defRPr>
     </a:lvl9pPr>
   </p:defaultTextStyle>
+  <p:extLst>
+    <p:ext uri="{EFAFB233-063F-42B5-8137-9DF3F51BA10A}">
+      <p15:sldGuideLst xmlns:p15="http://schemas.microsoft.com/office/powerpoint/2012/main"/>
+    </p:ext>
+  </p:extLst>
 </p:presentation>
 </file>
 
@@ -543,6 +553,180 @@
     <p:extLst>
       <p:ext uri="{BB962C8B-B14F-4D97-AF65-F5344CB8AC3E}">
         <p14:creationId xmlns:p14="http://schemas.microsoft.com/office/powerpoint/2010/main" val="4210672495"/>
+      </p:ext>
+    </p:extLst>
+  </p:cSld>
+  <p:clrMapOvr>
+    <a:masterClrMapping/>
+  </p:clrMapOvr>
+</p:notes>
+</file>
+
+<file path=ppt/notesSlides/notesSlide2.xml><?xml version="1.0" encoding="utf-8"?>
+<p:notes xmlns:a="http://schemas.openxmlformats.org/drawingml/2006/main" xmlns:r="http://schemas.openxmlformats.org/officeDocument/2006/relationships" xmlns:p="http://schemas.openxmlformats.org/presentationml/2006/main">
+  <p:cSld>
+    <p:spTree>
+      <p:nvGrpSpPr>
+        <p:cNvPr id="1" name=""/>
+        <p:cNvGrpSpPr/>
+        <p:nvPr/>
+      </p:nvGrpSpPr>
+      <p:grpSpPr>
+        <a:xfrm>
+          <a:off x="0" y="0"/>
+          <a:ext cx="0" cy="0"/>
+          <a:chOff x="0" y="0"/>
+          <a:chExt cx="0" cy="0"/>
+        </a:xfrm>
+      </p:grpSpPr>
+      <p:sp>
+        <p:nvSpPr>
+          <p:cNvPr id="2" name="Slide Image Placeholder 1"/>
+          <p:cNvSpPr>
+            <a:spLocks noGrp="1" noRot="1" noChangeAspect="1"/>
+          </p:cNvSpPr>
+          <p:nvPr>
+            <p:ph type="sldImg"/>
+          </p:nvPr>
+        </p:nvSpPr>
+        <p:spPr/>
+      </p:sp>
+      <p:sp>
+        <p:nvSpPr>
+          <p:cNvPr id="3" name="Notes Placeholder 2"/>
+          <p:cNvSpPr>
+            <a:spLocks noGrp="1"/>
+          </p:cNvSpPr>
+          <p:nvPr>
+            <p:ph type="body" idx="1"/>
+          </p:nvPr>
+        </p:nvSpPr>
+        <p:spPr/>
+        <p:txBody>
+          <a:bodyPr/>
+          <a:lstStyle/>
+          <a:p>
+            <a:r>
+              <a:rPr lang="en-NZ" dirty="0"/>
+              <a:t>Rep looks good on CV, great for networking, developing your skills</a:t>
+            </a:r>
+          </a:p>
+        </p:txBody>
+      </p:sp>
+      <p:sp>
+        <p:nvSpPr>
+          <p:cNvPr id="4" name="Slide Number Placeholder 3"/>
+          <p:cNvSpPr>
+            <a:spLocks noGrp="1"/>
+          </p:cNvSpPr>
+          <p:nvPr>
+            <p:ph type="sldNum" sz="quarter" idx="5"/>
+          </p:nvPr>
+        </p:nvSpPr>
+        <p:spPr/>
+        <p:txBody>
+          <a:bodyPr/>
+          <a:lstStyle/>
+          <a:p>
+            <a:fld id="{947B6143-73A9-458D-A6CA-502343DEF7E9}" type="slidenum">
+              <a:rPr lang="en-NZ" smtClean="0"/>
+              <a:t>2</a:t>
+            </a:fld>
+            <a:endParaRPr lang="en-NZ"/>
+          </a:p>
+        </p:txBody>
+      </p:sp>
+    </p:spTree>
+    <p:extLst>
+      <p:ext uri="{BB962C8B-B14F-4D97-AF65-F5344CB8AC3E}">
+        <p14:creationId xmlns:p14="http://schemas.microsoft.com/office/powerpoint/2010/main" val="2459404978"/>
+      </p:ext>
+    </p:extLst>
+  </p:cSld>
+  <p:clrMapOvr>
+    <a:masterClrMapping/>
+  </p:clrMapOvr>
+</p:notes>
+</file>
+
+<file path=ppt/notesSlides/notesSlide3.xml><?xml version="1.0" encoding="utf-8"?>
+<p:notes xmlns:a="http://schemas.openxmlformats.org/drawingml/2006/main" xmlns:r="http://schemas.openxmlformats.org/officeDocument/2006/relationships" xmlns:p="http://schemas.openxmlformats.org/presentationml/2006/main">
+  <p:cSld>
+    <p:spTree>
+      <p:nvGrpSpPr>
+        <p:cNvPr id="1" name=""/>
+        <p:cNvGrpSpPr/>
+        <p:nvPr/>
+      </p:nvGrpSpPr>
+      <p:grpSpPr>
+        <a:xfrm>
+          <a:off x="0" y="0"/>
+          <a:ext cx="0" cy="0"/>
+          <a:chOff x="0" y="0"/>
+          <a:chExt cx="0" cy="0"/>
+        </a:xfrm>
+      </p:grpSpPr>
+      <p:sp>
+        <p:nvSpPr>
+          <p:cNvPr id="2" name="Slide Image Placeholder 1"/>
+          <p:cNvSpPr>
+            <a:spLocks noGrp="1" noRot="1" noChangeAspect="1"/>
+          </p:cNvSpPr>
+          <p:nvPr>
+            <p:ph type="sldImg"/>
+          </p:nvPr>
+        </p:nvSpPr>
+        <p:spPr/>
+      </p:sp>
+      <p:sp>
+        <p:nvSpPr>
+          <p:cNvPr id="3" name="Notes Placeholder 2"/>
+          <p:cNvSpPr>
+            <a:spLocks noGrp="1"/>
+          </p:cNvSpPr>
+          <p:nvPr>
+            <p:ph type="body" idx="1"/>
+          </p:nvPr>
+        </p:nvSpPr>
+        <p:spPr/>
+        <p:txBody>
+          <a:bodyPr/>
+          <a:lstStyle/>
+          <a:p>
+            <a:r>
+              <a:rPr lang="en-NZ" dirty="0"/>
+              <a:t>Who uses these things already?</a:t>
+            </a:r>
+          </a:p>
+        </p:txBody>
+      </p:sp>
+      <p:sp>
+        <p:nvSpPr>
+          <p:cNvPr id="4" name="Slide Number Placeholder 3"/>
+          <p:cNvSpPr>
+            <a:spLocks noGrp="1"/>
+          </p:cNvSpPr>
+          <p:nvPr>
+            <p:ph type="sldNum" sz="quarter" idx="5"/>
+          </p:nvPr>
+        </p:nvSpPr>
+        <p:spPr/>
+        <p:txBody>
+          <a:bodyPr/>
+          <a:lstStyle/>
+          <a:p>
+            <a:fld id="{947B6143-73A9-458D-A6CA-502343DEF7E9}" type="slidenum">
+              <a:rPr lang="en-NZ" smtClean="0"/>
+              <a:t>5</a:t>
+            </a:fld>
+            <a:endParaRPr lang="en-NZ"/>
+          </a:p>
+        </p:txBody>
+      </p:sp>
+    </p:spTree>
+    <p:extLst>
+      <p:ext uri="{BB962C8B-B14F-4D97-AF65-F5344CB8AC3E}">
+        <p14:creationId xmlns:p14="http://schemas.microsoft.com/office/powerpoint/2010/main" val="3044880216"/>
       </p:ext>
     </p:extLst>
   </p:cSld>
@@ -3901,10 +4085,10 @@
       </p:grpSpPr>
       <p:sp useBgFill="1">
         <p:nvSpPr>
-          <p:cNvPr id="1038" name="Rectangle 1037">
-            <a:extLst>
-              <a:ext uri="{FF2B5EF4-FFF2-40B4-BE49-F238E27FC236}">
-                <a16:creationId xmlns:a16="http://schemas.microsoft.com/office/drawing/2014/main" id="{33E93247-6229-44AB-A550-739E971E690B}"/>
+          <p:cNvPr id="1057" name="Rectangle 1056">
+            <a:extLst>
+              <a:ext uri="{FF2B5EF4-FFF2-40B4-BE49-F238E27FC236}">
+                <a16:creationId xmlns:a16="http://schemas.microsoft.com/office/drawing/2014/main" id="{DEF92653-5D6D-47E6-8744-0DAF76E049C4}"/>
               </a:ext>
               <a:ext uri="{C183D7F6-B498-43B3-948B-1728B52AA6E4}">
                 <adec:decorative xmlns:adec="http://schemas.microsoft.com/office/drawing/2017/decorative" val="1"/>
@@ -3993,18 +4177,19 @@
         </p:nvSpPr>
         <p:spPr>
           <a:xfrm>
-            <a:off x="7830051" y="1743263"/>
-            <a:ext cx="3975869" cy="2768609"/>
+            <a:off x="800102" y="960594"/>
+            <a:ext cx="5828114" cy="4936812"/>
           </a:xfrm>
         </p:spPr>
         <p:txBody>
-          <a:bodyPr anchor="b">
+          <a:bodyPr anchor="ctr">
             <a:normAutofit/>
           </a:bodyPr>
           <a:lstStyle/>
           <a:p>
-            <a:r>
-              <a:rPr lang="en-NZ" sz="4600"/>
+            <a:pPr algn="r"/>
+            <a:r>
+              <a:rPr lang="en-NZ" sz="6000" dirty="0"/>
               <a:t>Intro to Reproducible Research </a:t>
             </a:r>
           </a:p>
@@ -4028,105 +4213,56 @@
         </p:nvSpPr>
         <p:spPr>
           <a:xfrm>
-            <a:off x="7881156" y="5067363"/>
-            <a:ext cx="3926285" cy="714511"/>
+            <a:off x="7900396" y="2172367"/>
+            <a:ext cx="3019423" cy="4076700"/>
           </a:xfrm>
         </p:spPr>
         <p:txBody>
-          <a:bodyPr anchor="t">
+          <a:bodyPr anchor="ctr">
             <a:normAutofit/>
           </a:bodyPr>
           <a:lstStyle/>
           <a:p>
-            <a:pPr>
-              <a:lnSpc>
-                <a:spcPct val="100000"/>
-              </a:lnSpc>
-            </a:pPr>
-            <a:r>
-              <a:rPr lang="en-NZ" sz="1600"/>
-              <a:t>SNAP workshop, Feb 20</a:t>
-            </a:r>
-            <a:r>
-              <a:rPr lang="en-NZ" sz="1600" baseline="30000"/>
+            <a:r>
+              <a:rPr lang="en-NZ" sz="2200" dirty="0"/>
+              <a:t>SNAP workshop</a:t>
+            </a:r>
+            <a:br>
+              <a:rPr lang="en-NZ" sz="2200" dirty="0"/>
+            </a:br>
+            <a:r>
+              <a:rPr lang="en-NZ" sz="2200" dirty="0"/>
+              <a:t>Feb 20</a:t>
+            </a:r>
+            <a:r>
+              <a:rPr lang="en-NZ" sz="2200" baseline="30000" dirty="0"/>
               <a:t>th</a:t>
             </a:r>
             <a:r>
-              <a:rPr lang="en-NZ" sz="1600"/>
+              <a:rPr lang="en-NZ" sz="2200" dirty="0"/>
               <a:t> 2025</a:t>
             </a:r>
           </a:p>
           <a:p>
-            <a:pPr>
-              <a:lnSpc>
-                <a:spcPct val="100000"/>
-              </a:lnSpc>
-            </a:pPr>
-            <a:r>
-              <a:rPr lang="en-NZ" sz="1600">
+            <a:r>
+              <a:rPr lang="en-NZ" sz="2200" dirty="0">
                 <a:hlinkClick r:id="rId3"/>
               </a:rPr>
               <a:t>daniel.wrench@vuw.ac.nz</a:t>
             </a:r>
             <a:r>
-              <a:rPr lang="en-NZ" sz="1600"/>
+              <a:rPr lang="en-NZ" sz="2200" dirty="0"/>
               <a:t> </a:t>
             </a:r>
           </a:p>
         </p:txBody>
       </p:sp>
-      <p:pic>
-        <p:nvPicPr>
-          <p:cNvPr id="1026" name="Picture 2">
-            <a:extLst>
-              <a:ext uri="{FF2B5EF4-FFF2-40B4-BE49-F238E27FC236}">
-                <a16:creationId xmlns:a16="http://schemas.microsoft.com/office/drawing/2014/main" id="{8047E042-C549-0D8F-5D2A-FF00B8B43D38}"/>
-              </a:ext>
-            </a:extLst>
-          </p:cNvPr>
-          <p:cNvPicPr>
-            <a:picLocks noChangeAspect="1" noChangeArrowheads="1"/>
-          </p:cNvPicPr>
-          <p:nvPr/>
-        </p:nvPicPr>
-        <p:blipFill>
-          <a:blip r:embed="rId4">
-            <a:extLst>
-              <a:ext uri="{28A0092B-C50C-407E-A947-70E740481C1C}">
-                <a14:useLocalDpi xmlns:a14="http://schemas.microsoft.com/office/drawing/2010/main" val="0"/>
-              </a:ext>
-            </a:extLst>
-          </a:blip>
-          <a:stretch>
-            <a:fillRect/>
-          </a:stretch>
-        </p:blipFill>
-        <p:spPr bwMode="auto">
-          <a:xfrm>
-            <a:off x="487680" y="2063108"/>
-            <a:ext cx="7097056" cy="3725953"/>
-          </a:xfrm>
-          <a:prstGeom prst="rect">
-            <a:avLst/>
-          </a:prstGeom>
-          <a:noFill/>
-          <a:extLst>
-            <a:ext uri="{909E8E84-426E-40DD-AFC4-6F175D3DCCD1}">
-              <a14:hiddenFill xmlns:a14="http://schemas.microsoft.com/office/drawing/2010/main">
-                <a:solidFill>
-                  <a:srgbClr val="FFFFFF"/>
-                </a:solidFill>
-              </a14:hiddenFill>
-            </a:ext>
-          </a:extLst>
-        </p:spPr>
-      </p:pic>
       <p:cxnSp>
         <p:nvCxnSpPr>
-          <p:cNvPr id="1040" name="Straight Connector 1039">
-            <a:extLst>
-              <a:ext uri="{FF2B5EF4-FFF2-40B4-BE49-F238E27FC236}">
-                <a16:creationId xmlns:a16="http://schemas.microsoft.com/office/drawing/2014/main" id="{EE2E603F-4A95-4FE8-BB06-211DFD75DBEF}"/>
+          <p:cNvPr id="1059" name="Straight Connector 1058">
+            <a:extLst>
+              <a:ext uri="{FF2B5EF4-FFF2-40B4-BE49-F238E27FC236}">
+                <a16:creationId xmlns:a16="http://schemas.microsoft.com/office/drawing/2014/main" id="{9CA98CE3-81A7-4FFE-A047-9AA65998D877}"/>
               </a:ext>
               <a:ext uri="{C183D7F6-B498-43B3-948B-1728B52AA6E4}">
                 <adec:decorative xmlns:adec="http://schemas.microsoft.com/office/drawing/2017/decorative" val="1"/>
@@ -4145,9 +4281,9 @@
           </p:nvPr>
         </p:nvCxnSpPr>
         <p:spPr>
-          <a:xfrm>
-            <a:off x="7960299" y="4789617"/>
-            <a:ext cx="1704841" cy="0"/>
+          <a:xfrm flipV="1">
+            <a:off x="7315200" y="1733549"/>
+            <a:ext cx="0" cy="3390901"/>
           </a:xfrm>
           <a:prstGeom prst="line">
             <a:avLst/>
@@ -4173,6 +4309,52 @@
           </a:fontRef>
         </p:style>
       </p:cxnSp>
+      <p:pic>
+        <p:nvPicPr>
+          <p:cNvPr id="4" name="Picture 2">
+            <a:extLst>
+              <a:ext uri="{FF2B5EF4-FFF2-40B4-BE49-F238E27FC236}">
+                <a16:creationId xmlns:a16="http://schemas.microsoft.com/office/drawing/2014/main" id="{EBBFAC50-1B0D-2657-0BDD-9CFBA7343C86}"/>
+              </a:ext>
+            </a:extLst>
+          </p:cNvPr>
+          <p:cNvPicPr>
+            <a:picLocks noChangeAspect="1" noChangeArrowheads="1"/>
+          </p:cNvPicPr>
+          <p:nvPr/>
+        </p:nvPicPr>
+        <p:blipFill>
+          <a:blip r:embed="rId4">
+            <a:extLst>
+              <a:ext uri="{28A0092B-C50C-407E-A947-70E740481C1C}">
+                <a14:useLocalDpi xmlns:a14="http://schemas.microsoft.com/office/drawing/2010/main" val="0"/>
+              </a:ext>
+            </a:extLst>
+          </a:blip>
+          <a:stretch>
+            <a:fillRect/>
+          </a:stretch>
+        </p:blipFill>
+        <p:spPr bwMode="auto">
+          <a:xfrm>
+            <a:off x="8076294" y="1885949"/>
+            <a:ext cx="2319744" cy="1217865"/>
+          </a:xfrm>
+          <a:prstGeom prst="rect">
+            <a:avLst/>
+          </a:prstGeom>
+          <a:noFill/>
+          <a:extLst>
+            <a:ext uri="{909E8E84-426E-40DD-AFC4-6F175D3DCCD1}">
+              <a14:hiddenFill xmlns:a14="http://schemas.microsoft.com/office/drawing/2010/main">
+                <a:solidFill>
+                  <a:srgbClr val="FFFFFF"/>
+                </a:solidFill>
+              </a14:hiddenFill>
+            </a:ext>
+          </a:extLst>
+        </p:spPr>
+      </p:pic>
     </p:spTree>
     <p:extLst>
       <p:ext uri="{BB962C8B-B14F-4D97-AF65-F5344CB8AC3E}">
@@ -4183,6 +4365,573 @@
   <p:clrMapOvr>
     <a:masterClrMapping/>
   </p:clrMapOvr>
+</p:sld>
+</file>
+
+<file path=ppt/slides/slide10.xml><?xml version="1.0" encoding="utf-8"?>
+<p:sld xmlns:a="http://schemas.openxmlformats.org/drawingml/2006/main" xmlns:r="http://schemas.openxmlformats.org/officeDocument/2006/relationships" xmlns:p="http://schemas.openxmlformats.org/presentationml/2006/main">
+  <p:cSld>
+    <p:spTree>
+      <p:nvGrpSpPr>
+        <p:cNvPr id="1" name=""/>
+        <p:cNvGrpSpPr/>
+        <p:nvPr/>
+      </p:nvGrpSpPr>
+      <p:grpSpPr>
+        <a:xfrm>
+          <a:off x="0" y="0"/>
+          <a:ext cx="0" cy="0"/>
+          <a:chOff x="0" y="0"/>
+          <a:chExt cx="0" cy="0"/>
+        </a:xfrm>
+      </p:grpSpPr>
+      <p:sp>
+        <p:nvSpPr>
+          <p:cNvPr id="2" name="Title 1">
+            <a:extLst>
+              <a:ext uri="{FF2B5EF4-FFF2-40B4-BE49-F238E27FC236}">
+                <a16:creationId xmlns:a16="http://schemas.microsoft.com/office/drawing/2014/main" id="{0428D158-0E70-060C-3FF0-2113656E777B}"/>
+              </a:ext>
+            </a:extLst>
+          </p:cNvPr>
+          <p:cNvSpPr>
+            <a:spLocks noGrp="1"/>
+          </p:cNvSpPr>
+          <p:nvPr>
+            <p:ph type="title"/>
+          </p:nvPr>
+        </p:nvSpPr>
+        <p:spPr/>
+        <p:txBody>
+          <a:bodyPr/>
+          <a:lstStyle/>
+          <a:p>
+            <a:r>
+              <a:rPr lang="en-NZ" dirty="0"/>
+              <a:t>ANY QUESTIONS?</a:t>
+            </a:r>
+          </a:p>
+        </p:txBody>
+      </p:sp>
+      <p:sp>
+        <p:nvSpPr>
+          <p:cNvPr id="3" name="Content Placeholder 2">
+            <a:extLst>
+              <a:ext uri="{FF2B5EF4-FFF2-40B4-BE49-F238E27FC236}">
+                <a16:creationId xmlns:a16="http://schemas.microsoft.com/office/drawing/2014/main" id="{EF67F7C3-C3D9-1CE3-1358-A16B45E059A4}"/>
+              </a:ext>
+            </a:extLst>
+          </p:cNvPr>
+          <p:cNvSpPr>
+            <a:spLocks noGrp="1"/>
+          </p:cNvSpPr>
+          <p:nvPr>
+            <p:ph idx="1"/>
+          </p:nvPr>
+        </p:nvSpPr>
+        <p:spPr/>
+        <p:txBody>
+          <a:bodyPr/>
+          <a:lstStyle/>
+          <a:p>
+            <a:endParaRPr lang="en-NZ"/>
+          </a:p>
+        </p:txBody>
+      </p:sp>
+      <p:sp>
+        <p:nvSpPr>
+          <p:cNvPr id="4" name="Slide Number Placeholder 3">
+            <a:extLst>
+              <a:ext uri="{FF2B5EF4-FFF2-40B4-BE49-F238E27FC236}">
+                <a16:creationId xmlns:a16="http://schemas.microsoft.com/office/drawing/2014/main" id="{5B40DAFF-2D99-9BF6-0B5C-3E65778D3DFF}"/>
+              </a:ext>
+            </a:extLst>
+          </p:cNvPr>
+          <p:cNvSpPr>
+            <a:spLocks noGrp="1"/>
+          </p:cNvSpPr>
+          <p:nvPr>
+            <p:ph type="sldNum" sz="quarter" idx="12"/>
+          </p:nvPr>
+        </p:nvSpPr>
+        <p:spPr/>
+        <p:txBody>
+          <a:bodyPr/>
+          <a:lstStyle/>
+          <a:p>
+            <a:fld id="{87E7843D-FF13-4365-9478-9625B70A2705}" type="slidenum">
+              <a:rPr lang="en-US" smtClean="0"/>
+              <a:t>10</a:t>
+            </a:fld>
+            <a:endParaRPr lang="en-US"/>
+          </a:p>
+        </p:txBody>
+      </p:sp>
+    </p:spTree>
+    <p:extLst>
+      <p:ext uri="{BB962C8B-B14F-4D97-AF65-F5344CB8AC3E}">
+        <p14:creationId xmlns:p14="http://schemas.microsoft.com/office/powerpoint/2010/main" val="667063181"/>
+      </p:ext>
+    </p:extLst>
+  </p:cSld>
+  <p:clrMapOvr>
+    <a:masterClrMapping/>
+  </p:clrMapOvr>
+</p:sld>
+</file>
+
+<file path=ppt/slides/slide11.xml><?xml version="1.0" encoding="utf-8"?>
+<p:sld xmlns:a="http://schemas.openxmlformats.org/drawingml/2006/main" xmlns:r="http://schemas.openxmlformats.org/officeDocument/2006/relationships" xmlns:p="http://schemas.openxmlformats.org/presentationml/2006/main">
+  <p:cSld>
+    <p:spTree>
+      <p:nvGrpSpPr>
+        <p:cNvPr id="1" name=""/>
+        <p:cNvGrpSpPr/>
+        <p:nvPr/>
+      </p:nvGrpSpPr>
+      <p:grpSpPr>
+        <a:xfrm>
+          <a:off x="0" y="0"/>
+          <a:ext cx="0" cy="0"/>
+          <a:chOff x="0" y="0"/>
+          <a:chExt cx="0" cy="0"/>
+        </a:xfrm>
+      </p:grpSpPr>
+      <p:sp>
+        <p:nvSpPr>
+          <p:cNvPr id="2" name="Title 1">
+            <a:extLst>
+              <a:ext uri="{FF2B5EF4-FFF2-40B4-BE49-F238E27FC236}">
+                <a16:creationId xmlns:a16="http://schemas.microsoft.com/office/drawing/2014/main" id="{5D35EF42-9A52-AEE2-4F3B-E613783397AC}"/>
+              </a:ext>
+            </a:extLst>
+          </p:cNvPr>
+          <p:cNvSpPr>
+            <a:spLocks noGrp="1"/>
+          </p:cNvSpPr>
+          <p:nvPr>
+            <p:ph type="title"/>
+          </p:nvPr>
+        </p:nvSpPr>
+        <p:spPr/>
+        <p:txBody>
+          <a:bodyPr/>
+          <a:lstStyle/>
+          <a:p>
+            <a:r>
+              <a:rPr lang="en-NZ" dirty="0"/>
+              <a:t>Final thoughts</a:t>
+            </a:r>
+          </a:p>
+        </p:txBody>
+      </p:sp>
+      <p:sp>
+        <p:nvSpPr>
+          <p:cNvPr id="3" name="Content Placeholder 2">
+            <a:extLst>
+              <a:ext uri="{FF2B5EF4-FFF2-40B4-BE49-F238E27FC236}">
+                <a16:creationId xmlns:a16="http://schemas.microsoft.com/office/drawing/2014/main" id="{3889EC90-46C7-314A-9372-06B5E4AF3101}"/>
+              </a:ext>
+            </a:extLst>
+          </p:cNvPr>
+          <p:cNvSpPr>
+            <a:spLocks noGrp="1"/>
+          </p:cNvSpPr>
+          <p:nvPr>
+            <p:ph idx="1"/>
+          </p:nvPr>
+        </p:nvSpPr>
+        <p:spPr/>
+        <p:txBody>
+          <a:bodyPr/>
+          <a:lstStyle/>
+          <a:p>
+            <a:r>
+              <a:rPr lang="en-NZ" dirty="0"/>
+              <a:t>Feel free to use my template however much you want – just remember the “Use this template” button</a:t>
+            </a:r>
+          </a:p>
+          <a:p>
+            <a:r>
+              <a:rPr lang="en-NZ" dirty="0"/>
+              <a:t>This is all extra work, but it’s worth it: for you, for your colleagues, and for science</a:t>
+            </a:r>
+          </a:p>
+          <a:p>
+            <a:r>
+              <a:rPr lang="en-NZ" dirty="0"/>
+              <a:t>It’s also not the whole picture: need tidy, readable, documented, modular code as well!</a:t>
+            </a:r>
+          </a:p>
+          <a:p>
+            <a:r>
+              <a:rPr lang="en-NZ" dirty="0"/>
+              <a:t>ChatGPT and other LLMs are an invaluable tool – as long as you’re not blindly copy-pasting!</a:t>
+            </a:r>
+          </a:p>
+          <a:p>
+            <a:pPr lvl="1"/>
+            <a:r>
+              <a:rPr lang="en-NZ" dirty="0"/>
+              <a:t>For VS Code users, highly recommend installing Copilot. Limited version free to everyone, unlimited if you sign up to a GitHub student account</a:t>
+            </a:r>
+          </a:p>
+          <a:p>
+            <a:r>
+              <a:rPr lang="en-NZ" dirty="0"/>
+              <a:t>Any volunteers for SNAP student rep?</a:t>
+            </a:r>
+          </a:p>
+        </p:txBody>
+      </p:sp>
+      <p:sp>
+        <p:nvSpPr>
+          <p:cNvPr id="4" name="Slide Number Placeholder 3">
+            <a:extLst>
+              <a:ext uri="{FF2B5EF4-FFF2-40B4-BE49-F238E27FC236}">
+                <a16:creationId xmlns:a16="http://schemas.microsoft.com/office/drawing/2014/main" id="{A59F4115-B136-44FB-5CD5-40024E5D794A}"/>
+              </a:ext>
+            </a:extLst>
+          </p:cNvPr>
+          <p:cNvSpPr>
+            <a:spLocks noGrp="1"/>
+          </p:cNvSpPr>
+          <p:nvPr>
+            <p:ph type="sldNum" sz="quarter" idx="12"/>
+          </p:nvPr>
+        </p:nvSpPr>
+        <p:spPr/>
+        <p:txBody>
+          <a:bodyPr/>
+          <a:lstStyle/>
+          <a:p>
+            <a:fld id="{87E7843D-FF13-4365-9478-9625B70A2705}" type="slidenum">
+              <a:rPr lang="en-US" smtClean="0"/>
+              <a:t>11</a:t>
+            </a:fld>
+            <a:endParaRPr lang="en-US"/>
+          </a:p>
+        </p:txBody>
+      </p:sp>
+    </p:spTree>
+    <p:extLst>
+      <p:ext uri="{BB962C8B-B14F-4D97-AF65-F5344CB8AC3E}">
+        <p14:creationId xmlns:p14="http://schemas.microsoft.com/office/powerpoint/2010/main" val="704250929"/>
+      </p:ext>
+    </p:extLst>
+  </p:cSld>
+  <p:clrMapOvr>
+    <a:masterClrMapping/>
+  </p:clrMapOvr>
+  <p:timing>
+    <p:tnLst>
+      <p:par>
+        <p:cTn id="1" dur="indefinite" restart="never" nodeType="tmRoot">
+          <p:childTnLst>
+            <p:seq concurrent="1" nextAc="seek">
+              <p:cTn id="2" dur="indefinite" nodeType="mainSeq">
+                <p:childTnLst>
+                  <p:par>
+                    <p:cTn id="3" fill="hold">
+                      <p:stCondLst>
+                        <p:cond delay="indefinite"/>
+                      </p:stCondLst>
+                      <p:childTnLst>
+                        <p:par>
+                          <p:cTn id="4" fill="hold">
+                            <p:stCondLst>
+                              <p:cond delay="0"/>
+                            </p:stCondLst>
+                            <p:childTnLst>
+                              <p:par>
+                                <p:cTn id="5" presetID="1" presetClass="entr" presetSubtype="0" fill="hold" grpId="0" nodeType="clickEffect">
+                                  <p:stCondLst>
+                                    <p:cond delay="0"/>
+                                  </p:stCondLst>
+                                  <p:childTnLst>
+                                    <p:set>
+                                      <p:cBhvr>
+                                        <p:cTn id="6" dur="1" fill="hold">
+                                          <p:stCondLst>
+                                            <p:cond delay="0"/>
+                                          </p:stCondLst>
+                                        </p:cTn>
+                                        <p:tgtEl>
+                                          <p:spTgt spid="3">
+                                            <p:txEl>
+                                              <p:pRg st="0" end="0"/>
+                                            </p:txEl>
+                                          </p:spTgt>
+                                        </p:tgtEl>
+                                        <p:attrNameLst>
+                                          <p:attrName>style.visibility</p:attrName>
+                                        </p:attrNameLst>
+                                      </p:cBhvr>
+                                      <p:to>
+                                        <p:strVal val="visible"/>
+                                      </p:to>
+                                    </p:set>
+                                  </p:childTnLst>
+                                </p:cTn>
+                              </p:par>
+                            </p:childTnLst>
+                          </p:cTn>
+                        </p:par>
+                      </p:childTnLst>
+                    </p:cTn>
+                  </p:par>
+                  <p:par>
+                    <p:cTn id="7" fill="hold">
+                      <p:stCondLst>
+                        <p:cond delay="indefinite"/>
+                      </p:stCondLst>
+                      <p:childTnLst>
+                        <p:par>
+                          <p:cTn id="8" fill="hold">
+                            <p:stCondLst>
+                              <p:cond delay="0"/>
+                            </p:stCondLst>
+                            <p:childTnLst>
+                              <p:par>
+                                <p:cTn id="9" presetID="1" presetClass="entr" presetSubtype="0" fill="hold" grpId="0" nodeType="clickEffect">
+                                  <p:stCondLst>
+                                    <p:cond delay="0"/>
+                                  </p:stCondLst>
+                                  <p:childTnLst>
+                                    <p:set>
+                                      <p:cBhvr>
+                                        <p:cTn id="10" dur="1" fill="hold">
+                                          <p:stCondLst>
+                                            <p:cond delay="0"/>
+                                          </p:stCondLst>
+                                        </p:cTn>
+                                        <p:tgtEl>
+                                          <p:spTgt spid="3">
+                                            <p:txEl>
+                                              <p:pRg st="1" end="1"/>
+                                            </p:txEl>
+                                          </p:spTgt>
+                                        </p:tgtEl>
+                                        <p:attrNameLst>
+                                          <p:attrName>style.visibility</p:attrName>
+                                        </p:attrNameLst>
+                                      </p:cBhvr>
+                                      <p:to>
+                                        <p:strVal val="visible"/>
+                                      </p:to>
+                                    </p:set>
+                                  </p:childTnLst>
+                                </p:cTn>
+                              </p:par>
+                            </p:childTnLst>
+                          </p:cTn>
+                        </p:par>
+                      </p:childTnLst>
+                    </p:cTn>
+                  </p:par>
+                  <p:par>
+                    <p:cTn id="11" fill="hold">
+                      <p:stCondLst>
+                        <p:cond delay="indefinite"/>
+                      </p:stCondLst>
+                      <p:childTnLst>
+                        <p:par>
+                          <p:cTn id="12" fill="hold">
+                            <p:stCondLst>
+                              <p:cond delay="0"/>
+                            </p:stCondLst>
+                            <p:childTnLst>
+                              <p:par>
+                                <p:cTn id="13" presetID="1" presetClass="entr" presetSubtype="0" fill="hold" grpId="0" nodeType="clickEffect">
+                                  <p:stCondLst>
+                                    <p:cond delay="0"/>
+                                  </p:stCondLst>
+                                  <p:childTnLst>
+                                    <p:set>
+                                      <p:cBhvr>
+                                        <p:cTn id="14" dur="1" fill="hold">
+                                          <p:stCondLst>
+                                            <p:cond delay="0"/>
+                                          </p:stCondLst>
+                                        </p:cTn>
+                                        <p:tgtEl>
+                                          <p:spTgt spid="3">
+                                            <p:txEl>
+                                              <p:pRg st="2" end="2"/>
+                                            </p:txEl>
+                                          </p:spTgt>
+                                        </p:tgtEl>
+                                        <p:attrNameLst>
+                                          <p:attrName>style.visibility</p:attrName>
+                                        </p:attrNameLst>
+                                      </p:cBhvr>
+                                      <p:to>
+                                        <p:strVal val="visible"/>
+                                      </p:to>
+                                    </p:set>
+                                  </p:childTnLst>
+                                </p:cTn>
+                              </p:par>
+                            </p:childTnLst>
+                          </p:cTn>
+                        </p:par>
+                      </p:childTnLst>
+                    </p:cTn>
+                  </p:par>
+                  <p:par>
+                    <p:cTn id="15" fill="hold">
+                      <p:stCondLst>
+                        <p:cond delay="indefinite"/>
+                      </p:stCondLst>
+                      <p:childTnLst>
+                        <p:par>
+                          <p:cTn id="16" fill="hold">
+                            <p:stCondLst>
+                              <p:cond delay="0"/>
+                            </p:stCondLst>
+                            <p:childTnLst>
+                              <p:par>
+                                <p:cTn id="17" presetID="1" presetClass="entr" presetSubtype="0" fill="hold" grpId="0" nodeType="clickEffect">
+                                  <p:stCondLst>
+                                    <p:cond delay="0"/>
+                                  </p:stCondLst>
+                                  <p:childTnLst>
+                                    <p:set>
+                                      <p:cBhvr>
+                                        <p:cTn id="18" dur="1" fill="hold">
+                                          <p:stCondLst>
+                                            <p:cond delay="0"/>
+                                          </p:stCondLst>
+                                        </p:cTn>
+                                        <p:tgtEl>
+                                          <p:spTgt spid="3">
+                                            <p:txEl>
+                                              <p:pRg st="3" end="3"/>
+                                            </p:txEl>
+                                          </p:spTgt>
+                                        </p:tgtEl>
+                                        <p:attrNameLst>
+                                          <p:attrName>style.visibility</p:attrName>
+                                        </p:attrNameLst>
+                                      </p:cBhvr>
+                                      <p:to>
+                                        <p:strVal val="visible"/>
+                                      </p:to>
+                                    </p:set>
+                                  </p:childTnLst>
+                                </p:cTn>
+                              </p:par>
+                              <p:par>
+                                <p:cTn id="19" presetID="1" presetClass="entr" presetSubtype="0" fill="hold" grpId="0" nodeType="withEffect">
+                                  <p:stCondLst>
+                                    <p:cond delay="0"/>
+                                  </p:stCondLst>
+                                  <p:childTnLst>
+                                    <p:set>
+                                      <p:cBhvr>
+                                        <p:cTn id="20" dur="1" fill="hold">
+                                          <p:stCondLst>
+                                            <p:cond delay="0"/>
+                                          </p:stCondLst>
+                                        </p:cTn>
+                                        <p:tgtEl>
+                                          <p:spTgt spid="3">
+                                            <p:txEl>
+                                              <p:pRg st="4" end="4"/>
+                                            </p:txEl>
+                                          </p:spTgt>
+                                        </p:tgtEl>
+                                        <p:attrNameLst>
+                                          <p:attrName>style.visibility</p:attrName>
+                                        </p:attrNameLst>
+                                      </p:cBhvr>
+                                      <p:to>
+                                        <p:strVal val="visible"/>
+                                      </p:to>
+                                    </p:set>
+                                  </p:childTnLst>
+                                </p:cTn>
+                              </p:par>
+                            </p:childTnLst>
+                          </p:cTn>
+                        </p:par>
+                      </p:childTnLst>
+                    </p:cTn>
+                  </p:par>
+                  <p:par>
+                    <p:cTn id="21" fill="hold">
+                      <p:stCondLst>
+                        <p:cond delay="indefinite"/>
+                      </p:stCondLst>
+                      <p:childTnLst>
+                        <p:par>
+                          <p:cTn id="22" fill="hold">
+                            <p:stCondLst>
+                              <p:cond delay="0"/>
+                            </p:stCondLst>
+                            <p:childTnLst>
+                              <p:par>
+                                <p:cTn id="23" presetID="1" presetClass="entr" presetSubtype="0" fill="hold" grpId="0" nodeType="clickEffect">
+                                  <p:stCondLst>
+                                    <p:cond delay="0"/>
+                                  </p:stCondLst>
+                                  <p:childTnLst>
+                                    <p:set>
+                                      <p:cBhvr>
+                                        <p:cTn id="24" dur="1" fill="hold">
+                                          <p:stCondLst>
+                                            <p:cond delay="0"/>
+                                          </p:stCondLst>
+                                        </p:cTn>
+                                        <p:tgtEl>
+                                          <p:spTgt spid="3">
+                                            <p:txEl>
+                                              <p:pRg st="5" end="5"/>
+                                            </p:txEl>
+                                          </p:spTgt>
+                                        </p:tgtEl>
+                                        <p:attrNameLst>
+                                          <p:attrName>style.visibility</p:attrName>
+                                        </p:attrNameLst>
+                                      </p:cBhvr>
+                                      <p:to>
+                                        <p:strVal val="visible"/>
+                                      </p:to>
+                                    </p:set>
+                                  </p:childTnLst>
+                                </p:cTn>
+                              </p:par>
+                            </p:childTnLst>
+                          </p:cTn>
+                        </p:par>
+                      </p:childTnLst>
+                    </p:cTn>
+                  </p:par>
+                </p:childTnLst>
+              </p:cTn>
+              <p:prevCondLst>
+                <p:cond evt="onPrev" delay="0">
+                  <p:tgtEl>
+                    <p:sldTgt/>
+                  </p:tgtEl>
+                </p:cond>
+              </p:prevCondLst>
+              <p:nextCondLst>
+                <p:cond evt="onNext" delay="0">
+                  <p:tgtEl>
+                    <p:sldTgt/>
+                  </p:tgtEl>
+                </p:cond>
+              </p:nextCondLst>
+            </p:seq>
+          </p:childTnLst>
+        </p:cTn>
+      </p:par>
+    </p:tnLst>
+    <p:bldLst>
+      <p:bldP spid="3" grpId="0" build="p"/>
+    </p:bldLst>
+  </p:timing>
 </p:sld>
 </file>
 
@@ -4213,7 +4962,7 @@
       </p:grpSpPr>
       <p:sp useBgFill="1">
         <p:nvSpPr>
-          <p:cNvPr id="10" name="Rectangle 9">
+          <p:cNvPr id="12" name="Rectangle 11">
             <a:extLst>
               <a:ext uri="{FF2B5EF4-FFF2-40B4-BE49-F238E27FC236}">
                 <a16:creationId xmlns:a16="http://schemas.microsoft.com/office/drawing/2014/main" id="{E49D7415-2F11-44C2-B6AA-13A25B6814B9}"/>
@@ -4292,6 +5041,379 @@
           <p:cNvPr id="2" name="Title 1">
             <a:extLst>
               <a:ext uri="{FF2B5EF4-FFF2-40B4-BE49-F238E27FC236}">
+                <a16:creationId xmlns:a16="http://schemas.microsoft.com/office/drawing/2014/main" id="{873FE150-E36E-8E49-03D6-C4480D0A3198}"/>
+              </a:ext>
+            </a:extLst>
+          </p:cNvPr>
+          <p:cNvSpPr>
+            <a:spLocks noGrp="1"/>
+          </p:cNvSpPr>
+          <p:nvPr>
+            <p:ph type="title"/>
+          </p:nvPr>
+        </p:nvSpPr>
+        <p:spPr>
+          <a:xfrm>
+            <a:off x="704088" y="914400"/>
+            <a:ext cx="10780776" cy="1180210"/>
+          </a:xfrm>
+        </p:spPr>
+        <p:txBody>
+          <a:bodyPr>
+            <a:normAutofit/>
+          </a:bodyPr>
+          <a:lstStyle/>
+          <a:p>
+            <a:r>
+              <a:rPr lang="en-NZ"/>
+              <a:t>What is SNAP?</a:t>
+            </a:r>
+            <a:endParaRPr lang="en-NZ" dirty="0"/>
+          </a:p>
+        </p:txBody>
+      </p:sp>
+      <p:sp>
+        <p:nvSpPr>
+          <p:cNvPr id="3" name="Content Placeholder 2">
+            <a:extLst>
+              <a:ext uri="{FF2B5EF4-FFF2-40B4-BE49-F238E27FC236}">
+                <a16:creationId xmlns:a16="http://schemas.microsoft.com/office/drawing/2014/main" id="{5FDC6CE0-6504-6D65-BA1C-4EED441A1063}"/>
+              </a:ext>
+            </a:extLst>
+          </p:cNvPr>
+          <p:cNvSpPr>
+            <a:spLocks noGrp="1"/>
+          </p:cNvSpPr>
+          <p:nvPr>
+            <p:ph idx="1"/>
+          </p:nvPr>
+        </p:nvSpPr>
+        <p:spPr>
+          <a:xfrm>
+            <a:off x="6664960" y="2346960"/>
+            <a:ext cx="4819903" cy="3775456"/>
+          </a:xfrm>
+        </p:spPr>
+        <p:txBody>
+          <a:bodyPr>
+            <a:normAutofit/>
+          </a:bodyPr>
+          <a:lstStyle/>
+          <a:p>
+            <a:r>
+              <a:rPr lang="en-NZ" dirty="0"/>
+              <a:t>Interdisciplinary community of researchers who code, simulate, use supercomputers, etc.</a:t>
+            </a:r>
+          </a:p>
+          <a:p>
+            <a:r>
+              <a:rPr lang="en-NZ" dirty="0"/>
+              <a:t>Sharing expertise across subjects</a:t>
+            </a:r>
+          </a:p>
+          <a:p>
+            <a:r>
+              <a:rPr lang="en-NZ" dirty="0"/>
+              <a:t>Looking for student rep</a:t>
+            </a:r>
+          </a:p>
+          <a:p>
+            <a:pPr lvl="1"/>
+            <a:r>
+              <a:rPr lang="en-NZ" dirty="0"/>
+              <a:t>Helping connect with postgrad student community</a:t>
+            </a:r>
+          </a:p>
+          <a:p>
+            <a:pPr lvl="1"/>
+            <a:r>
+              <a:rPr lang="en-NZ" dirty="0"/>
+              <a:t>Monthly meetings</a:t>
+            </a:r>
+          </a:p>
+        </p:txBody>
+      </p:sp>
+      <p:sp>
+        <p:nvSpPr>
+          <p:cNvPr id="4" name="Slide Number Placeholder 3">
+            <a:extLst>
+              <a:ext uri="{FF2B5EF4-FFF2-40B4-BE49-F238E27FC236}">
+                <a16:creationId xmlns:a16="http://schemas.microsoft.com/office/drawing/2014/main" id="{924D4BF2-E3FA-E546-2CAD-8BD0B1FC91F3}"/>
+              </a:ext>
+            </a:extLst>
+          </p:cNvPr>
+          <p:cNvSpPr>
+            <a:spLocks noGrp="1"/>
+          </p:cNvSpPr>
+          <p:nvPr>
+            <p:ph type="sldNum" sz="quarter" idx="12"/>
+          </p:nvPr>
+        </p:nvSpPr>
+        <p:spPr>
+          <a:xfrm>
+            <a:off x="10919012" y="6356350"/>
+            <a:ext cx="672354" cy="365125"/>
+          </a:xfrm>
+        </p:spPr>
+        <p:txBody>
+          <a:bodyPr>
+            <a:normAutofit/>
+          </a:bodyPr>
+          <a:lstStyle/>
+          <a:p>
+            <a:pPr>
+              <a:lnSpc>
+                <a:spcPct val="90000"/>
+              </a:lnSpc>
+              <a:spcAft>
+                <a:spcPts val="600"/>
+              </a:spcAft>
+            </a:pPr>
+            <a:fld id="{87E7843D-FF13-4365-9478-9625B70A2705}" type="slidenum">
+              <a:rPr lang="en-US" smtClean="0"/>
+              <a:pPr>
+                <a:lnSpc>
+                  <a:spcPct val="90000"/>
+                </a:lnSpc>
+                <a:spcAft>
+                  <a:spcPts val="600"/>
+                </a:spcAft>
+              </a:pPr>
+              <a:t>2</a:t>
+            </a:fld>
+            <a:endParaRPr lang="en-US"/>
+          </a:p>
+        </p:txBody>
+      </p:sp>
+      <p:cxnSp>
+        <p:nvCxnSpPr>
+          <p:cNvPr id="14" name="Straight Connector 13">
+            <a:extLst>
+              <a:ext uri="{FF2B5EF4-FFF2-40B4-BE49-F238E27FC236}">
+                <a16:creationId xmlns:a16="http://schemas.microsoft.com/office/drawing/2014/main" id="{4E495065-8864-87FB-2BCC-254769963EA4}"/>
+              </a:ext>
+              <a:ext uri="{C183D7F6-B498-43B3-948B-1728B52AA6E4}">
+                <adec:decorative xmlns:adec="http://schemas.microsoft.com/office/drawing/2017/decorative" val="1"/>
+              </a:ext>
+            </a:extLst>
+          </p:cNvPr>
+          <p:cNvCxnSpPr>
+            <a:cxnSpLocks noGrp="1" noRot="1" noChangeAspect="1" noMove="1" noResize="1" noEditPoints="1" noAdjustHandles="1" noChangeArrowheads="1" noChangeShapeType="1"/>
+          </p:cNvCxnSpPr>
+          <p:nvPr>
+            <p:extLst>
+              <p:ext uri="{386F3935-93C4-4BCD-93E2-E3B085C9AB24}">
+                <p16:designElem xmlns:p16="http://schemas.microsoft.com/office/powerpoint/2015/main" val="1"/>
+              </p:ext>
+            </p:extLst>
+          </p:nvPr>
+        </p:nvCxnSpPr>
+        <p:spPr>
+          <a:xfrm>
+            <a:off x="804672" y="722376"/>
+            <a:ext cx="1638300" cy="0"/>
+          </a:xfrm>
+          <a:prstGeom prst="line">
+            <a:avLst/>
+          </a:prstGeom>
+          <a:ln w="44450">
+            <a:solidFill>
+              <a:schemeClr val="tx1"/>
+            </a:solidFill>
+          </a:ln>
+        </p:spPr>
+        <p:style>
+          <a:lnRef idx="1">
+            <a:schemeClr val="accent1"/>
+          </a:lnRef>
+          <a:fillRef idx="0">
+            <a:schemeClr val="accent1"/>
+          </a:fillRef>
+          <a:effectRef idx="0">
+            <a:schemeClr val="accent1"/>
+          </a:effectRef>
+          <a:fontRef idx="minor">
+            <a:schemeClr val="tx1"/>
+          </a:fontRef>
+        </p:style>
+      </p:cxnSp>
+      <p:pic>
+        <p:nvPicPr>
+          <p:cNvPr id="7" name="Picture 2">
+            <a:extLst>
+              <a:ext uri="{FF2B5EF4-FFF2-40B4-BE49-F238E27FC236}">
+                <a16:creationId xmlns:a16="http://schemas.microsoft.com/office/drawing/2014/main" id="{546229E4-B348-3B81-AF82-26FB6D897977}"/>
+              </a:ext>
+            </a:extLst>
+          </p:cNvPr>
+          <p:cNvPicPr>
+            <a:picLocks noChangeAspect="1" noChangeArrowheads="1"/>
+          </p:cNvPicPr>
+          <p:nvPr/>
+        </p:nvPicPr>
+        <p:blipFill>
+          <a:blip r:embed="rId3">
+            <a:extLst>
+              <a:ext uri="{28A0092B-C50C-407E-A947-70E740481C1C}">
+                <a14:useLocalDpi xmlns:a14="http://schemas.microsoft.com/office/drawing/2010/main" val="0"/>
+              </a:ext>
+            </a:extLst>
+          </a:blip>
+          <a:stretch>
+            <a:fillRect/>
+          </a:stretch>
+        </p:blipFill>
+        <p:spPr bwMode="auto">
+          <a:xfrm>
+            <a:off x="474978" y="2286633"/>
+            <a:ext cx="5549902" cy="2913698"/>
+          </a:xfrm>
+          <a:prstGeom prst="rect">
+            <a:avLst/>
+          </a:prstGeom>
+          <a:noFill/>
+          <a:extLst>
+            <a:ext uri="{909E8E84-426E-40DD-AFC4-6F175D3DCCD1}">
+              <a14:hiddenFill xmlns:a14="http://schemas.microsoft.com/office/drawing/2010/main">
+                <a:solidFill>
+                  <a:srgbClr val="FFFFFF"/>
+                </a:solidFill>
+              </a14:hiddenFill>
+            </a:ext>
+          </a:extLst>
+        </p:spPr>
+      </p:pic>
+    </p:spTree>
+    <p:extLst>
+      <p:ext uri="{BB962C8B-B14F-4D97-AF65-F5344CB8AC3E}">
+        <p14:creationId xmlns:p14="http://schemas.microsoft.com/office/powerpoint/2010/main" val="3627323512"/>
+      </p:ext>
+    </p:extLst>
+  </p:cSld>
+  <p:clrMapOvr>
+    <a:masterClrMapping/>
+  </p:clrMapOvr>
+  <mc:AlternateContent xmlns:mc="http://schemas.openxmlformats.org/markup-compatibility/2006">
+    <mc:Choice xmlns:p159="http://schemas.microsoft.com/office/powerpoint/2015/09/main" Requires="p159">
+      <p:transition xmlns:p14="http://schemas.microsoft.com/office/powerpoint/2010/main" spd="slow" p14:dur="2000">
+        <p159:morph option="byObject"/>
+      </p:transition>
+    </mc:Choice>
+    <mc:Fallback>
+      <p:transition spd="slow">
+        <p:fade/>
+      </p:transition>
+    </mc:Fallback>
+  </mc:AlternateContent>
+</p:sld>
+</file>
+
+<file path=ppt/slides/slide3.xml><?xml version="1.0" encoding="utf-8"?>
+<p:sld xmlns:a="http://schemas.openxmlformats.org/drawingml/2006/main" xmlns:r="http://schemas.openxmlformats.org/officeDocument/2006/relationships" xmlns:p="http://schemas.openxmlformats.org/presentationml/2006/main">
+  <p:cSld>
+    <p:bg>
+      <p:bgPr>
+        <a:solidFill>
+          <a:schemeClr val="bg1"/>
+        </a:solidFill>
+        <a:effectLst/>
+      </p:bgPr>
+    </p:bg>
+    <p:spTree>
+      <p:nvGrpSpPr>
+        <p:cNvPr id="1" name=""/>
+        <p:cNvGrpSpPr/>
+        <p:nvPr/>
+      </p:nvGrpSpPr>
+      <p:grpSpPr>
+        <a:xfrm>
+          <a:off x="0" y="0"/>
+          <a:ext cx="0" cy="0"/>
+          <a:chOff x="0" y="0"/>
+          <a:chExt cx="0" cy="0"/>
+        </a:xfrm>
+      </p:grpSpPr>
+      <p:sp useBgFill="1">
+        <p:nvSpPr>
+          <p:cNvPr id="10" name="Rectangle 9">
+            <a:extLst>
+              <a:ext uri="{FF2B5EF4-FFF2-40B4-BE49-F238E27FC236}">
+                <a16:creationId xmlns:a16="http://schemas.microsoft.com/office/drawing/2014/main" id="{E49D7415-2F11-44C2-B6AA-13A25B6814B9}"/>
+              </a:ext>
+              <a:ext uri="{C183D7F6-B498-43B3-948B-1728B52AA6E4}">
+                <adec:decorative xmlns:adec="http://schemas.microsoft.com/office/drawing/2017/decorative" val="1"/>
+              </a:ext>
+            </a:extLst>
+          </p:cNvPr>
+          <p:cNvSpPr>
+            <a:spLocks noGrp="1" noRot="1" noChangeAspect="1" noMove="1" noResize="1" noEditPoints="1" noAdjustHandles="1" noChangeArrowheads="1" noChangeShapeType="1" noTextEdit="1"/>
+          </p:cNvSpPr>
+          <p:nvPr>
+            <p:extLst>
+              <p:ext uri="{386F3935-93C4-4BCD-93E2-E3B085C9AB24}">
+                <p16:designElem xmlns:p16="http://schemas.microsoft.com/office/powerpoint/2015/main" val="1"/>
+              </p:ext>
+            </p:extLst>
+          </p:nvPr>
+        </p:nvSpPr>
+        <p:spPr>
+          <a:xfrm>
+            <a:off x="0" y="0"/>
+            <a:ext cx="12192000" cy="6858000"/>
+          </a:xfrm>
+          <a:prstGeom prst="rect">
+            <a:avLst/>
+          </a:prstGeom>
+          <a:ln w="12700" cap="flat" cmpd="sng" algn="ctr">
+            <a:noFill/>
+            <a:prstDash val="solid"/>
+            <a:miter lim="800000"/>
+          </a:ln>
+          <a:effectLst/>
+          <a:extLst>
+            <a:ext uri="{91240B29-F687-4F45-9708-019B960494DF}">
+              <a14:hiddenLine xmlns:a14="http://schemas.microsoft.com/office/drawing/2010/main" w="12700" cap="flat" cmpd="sng" algn="ctr">
+                <a:solidFill>
+                  <a:schemeClr val="accent1">
+                    <a:shade val="50000"/>
+                  </a:schemeClr>
+                </a:solidFill>
+                <a:prstDash val="solid"/>
+                <a:miter lim="800000"/>
+              </a14:hiddenLine>
+            </a:ext>
+          </a:extLst>
+        </p:spPr>
+        <p:style>
+          <a:lnRef idx="2">
+            <a:schemeClr val="accent1">
+              <a:shade val="50000"/>
+            </a:schemeClr>
+          </a:lnRef>
+          <a:fillRef idx="1">
+            <a:schemeClr val="accent1"/>
+          </a:fillRef>
+          <a:effectRef idx="0">
+            <a:schemeClr val="accent1"/>
+          </a:effectRef>
+          <a:fontRef idx="minor">
+            <a:schemeClr val="lt1"/>
+          </a:fontRef>
+        </p:style>
+        <p:txBody>
+          <a:bodyPr rtlCol="0" anchor="ctr"/>
+          <a:lstStyle/>
+          <a:p>
+            <a:pPr algn="ctr"/>
+            <a:endParaRPr lang="en-US"/>
+          </a:p>
+        </p:txBody>
+      </p:sp>
+      <p:sp>
+        <p:nvSpPr>
+          <p:cNvPr id="2" name="Title 1">
+            <a:extLst>
+              <a:ext uri="{FF2B5EF4-FFF2-40B4-BE49-F238E27FC236}">
                 <a16:creationId xmlns:a16="http://schemas.microsoft.com/office/drawing/2014/main" id="{15A3BD60-A6E8-56C9-BF56-170D71D3DF9E}"/>
               </a:ext>
             </a:extLst>
@@ -4347,7 +5469,7 @@
         </p:spPr>
         <p:txBody>
           <a:bodyPr>
-            <a:normAutofit fontScale="92500" lnSpcReduction="10000"/>
+            <a:normAutofit fontScale="92500" lnSpcReduction="20000"/>
           </a:bodyPr>
           <a:lstStyle/>
           <a:p>
@@ -4407,6 +5529,17 @@
             <a:r>
               <a:rPr lang="en-NZ" b="1" dirty="0"/>
               <a:t>Virtual environments</a:t>
+            </a:r>
+          </a:p>
+          <a:p>
+            <a:pPr lvl="1">
+              <a:lnSpc>
+                <a:spcPct val="100000"/>
+              </a:lnSpc>
+            </a:pPr>
+            <a:r>
+              <a:rPr lang="en-NZ" b="1" dirty="0"/>
+              <a:t>Citing your software</a:t>
             </a:r>
           </a:p>
           <a:p>
@@ -4652,7 +5785,7 @@
           <a:p>
             <a:fld id="{87E7843D-FF13-4365-9478-9625B70A2705}" type="slidenum">
               <a:rPr lang="en-US" smtClean="0"/>
-              <a:t>2</a:t>
+              <a:t>3</a:t>
             </a:fld>
             <a:endParaRPr lang="en-US"/>
           </a:p>
@@ -4861,33 +5994,15 @@
                                   </p:childTnLst>
                                 </p:cTn>
                               </p:par>
-                            </p:childTnLst>
-                          </p:cTn>
-                        </p:par>
-                      </p:childTnLst>
-                    </p:cTn>
-                  </p:par>
-                  <p:par>
-                    <p:cTn id="17" fill="hold">
-                      <p:stCondLst>
-                        <p:cond delay="indefinite"/>
-                      </p:stCondLst>
-                      <p:childTnLst>
-                        <p:par>
-                          <p:cTn id="18" fill="hold">
-                            <p:stCondLst>
-                              <p:cond delay="0"/>
-                            </p:stCondLst>
-                            <p:childTnLst>
                               <p:par>
-                                <p:cTn id="19" presetID="1" presetClass="entr" presetSubtype="0" fill="hold" grpId="0" nodeType="clickEffect">
+                                <p:cTn id="17" presetID="1" presetClass="entr" presetSubtype="0" fill="hold" grpId="0" nodeType="withEffect">
                                   <p:stCondLst>
                                     <p:cond delay="0"/>
                                   </p:stCondLst>
                                   <p:childTnLst>
                                     <p:set>
                                       <p:cBhvr>
-                                        <p:cTn id="20" dur="1" fill="hold">
+                                        <p:cTn id="18" dur="1" fill="hold">
                                           <p:stCondLst>
                                             <p:cond delay="0"/>
                                           </p:stCondLst>
@@ -4910,8 +6025,26 @@
                                   </p:childTnLst>
                                 </p:cTn>
                               </p:par>
+                            </p:childTnLst>
+                          </p:cTn>
+                        </p:par>
+                      </p:childTnLst>
+                    </p:cTn>
+                  </p:par>
+                  <p:par>
+                    <p:cTn id="19" fill="hold">
+                      <p:stCondLst>
+                        <p:cond delay="indefinite"/>
+                      </p:stCondLst>
+                      <p:childTnLst>
+                        <p:par>
+                          <p:cTn id="20" fill="hold">
+                            <p:stCondLst>
+                              <p:cond delay="0"/>
+                            </p:stCondLst>
+                            <p:childTnLst>
                               <p:par>
-                                <p:cTn id="21" presetID="1" presetClass="entr" presetSubtype="0" fill="hold" grpId="0" nodeType="withEffect">
+                                <p:cTn id="21" presetID="1" presetClass="entr" presetSubtype="0" fill="hold" grpId="0" nodeType="clickEffect">
                                   <p:stCondLst>
                                     <p:cond delay="0"/>
                                   </p:stCondLst>
@@ -5034,6 +6167,37 @@
                                   </p:childTnLst>
                                 </p:cTn>
                               </p:par>
+                              <p:par>
+                                <p:cTn id="29" presetID="1" presetClass="entr" presetSubtype="0" fill="hold" grpId="0" nodeType="withEffect">
+                                  <p:stCondLst>
+                                    <p:cond delay="0"/>
+                                  </p:stCondLst>
+                                  <p:childTnLst>
+                                    <p:set>
+                                      <p:cBhvr>
+                                        <p:cTn id="30" dur="1" fill="hold">
+                                          <p:stCondLst>
+                                            <p:cond delay="0"/>
+                                          </p:stCondLst>
+                                        </p:cTn>
+                                        <p:tgtEl>
+                                          <p:spTgt spid="13">
+                                            <p:txEl>
+                                              <p:pRg st="10" end="10"/>
+                                            </p:txEl>
+                                          </p:spTgt>
+                                        </p:tgtEl>
+                                        <p:attrNameLst>
+                                          <p:attrName>style.visibility</p:attrName>
+                                        </p:attrNameLst>
+                                      </p:cBhvr>
+                                      <p:to>
+                                        <p:strVal val="visible"/>
+                                      </p:to>
+                                    </p:set>
+                                  </p:childTnLst>
+                                </p:cTn>
+                              </p:par>
                             </p:childTnLst>
                           </p:cTn>
                         </p:par>
@@ -5068,7 +6232,7 @@
 </p:sld>
 </file>
 
-<file path=ppt/slides/slide3.xml><?xml version="1.0" encoding="utf-8"?>
+<file path=ppt/slides/slide4.xml><?xml version="1.0" encoding="utf-8"?>
 <p:sld xmlns:a="http://schemas.openxmlformats.org/drawingml/2006/main" xmlns:r="http://schemas.openxmlformats.org/officeDocument/2006/relationships" xmlns:p="http://schemas.openxmlformats.org/presentationml/2006/main">
   <p:cSld>
     <p:spTree>
@@ -5196,7 +6360,7 @@
           <a:p>
             <a:fld id="{87E7843D-FF13-4365-9478-9625B70A2705}" type="slidenum">
               <a:rPr lang="en-US" smtClean="0"/>
-              <a:t>3</a:t>
+              <a:t>4</a:t>
             </a:fld>
             <a:endParaRPr lang="en-US"/>
           </a:p>
@@ -5215,7 +6379,7 @@
 </p:sld>
 </file>
 
-<file path=ppt/slides/slide4.xml><?xml version="1.0" encoding="utf-8"?>
+<file path=ppt/slides/slide5.xml><?xml version="1.0" encoding="utf-8"?>
 <p:sld xmlns:a="http://schemas.openxmlformats.org/drawingml/2006/main" xmlns:r="http://schemas.openxmlformats.org/officeDocument/2006/relationships" xmlns:p="http://schemas.openxmlformats.org/presentationml/2006/main">
   <p:cSld>
     <p:bg>
@@ -5562,13 +6726,13 @@
           <p:nvPr/>
         </p:nvPicPr>
         <p:blipFill>
-          <a:blip r:embed="rId2">
+          <a:blip r:embed="rId3">
             <a:extLst>
               <a:ext uri="{28A0092B-C50C-407E-A947-70E740481C1C}">
                 <a14:useLocalDpi xmlns:a14="http://schemas.microsoft.com/office/drawing/2010/main" val="0"/>
               </a:ext>
               <a:ext uri="{96DAC541-7B7A-43D3-8B79-37D633B846F1}">
-                <asvg:svgBlip xmlns:asvg="http://schemas.microsoft.com/office/drawing/2016/SVG/main" r:embed="rId3"/>
+                <asvg:svgBlip xmlns:asvg="http://schemas.microsoft.com/office/drawing/2016/SVG/main" r:embed="rId4"/>
               </a:ext>
             </a:extLst>
           </a:blip>
@@ -5661,7 +6825,7 @@
           <a:p>
             <a:fld id="{87E7843D-FF13-4365-9478-9625B70A2705}" type="slidenum">
               <a:rPr lang="en-US" smtClean="0"/>
-              <a:t>4</a:t>
+              <a:t>5</a:t>
             </a:fld>
             <a:endParaRPr lang="en-US"/>
           </a:p>
@@ -6095,133 +7259,6 @@
 </p:sld>
 </file>
 
-<file path=ppt/slides/slide5.xml><?xml version="1.0" encoding="utf-8"?>
-<p:sld xmlns:a="http://schemas.openxmlformats.org/drawingml/2006/main" xmlns:r="http://schemas.openxmlformats.org/officeDocument/2006/relationships" xmlns:p="http://schemas.openxmlformats.org/presentationml/2006/main">
-  <p:cSld>
-    <p:spTree>
-      <p:nvGrpSpPr>
-        <p:cNvPr id="1" name=""/>
-        <p:cNvGrpSpPr/>
-        <p:nvPr/>
-      </p:nvGrpSpPr>
-      <p:grpSpPr>
-        <a:xfrm>
-          <a:off x="0" y="0"/>
-          <a:ext cx="0" cy="0"/>
-          <a:chOff x="0" y="0"/>
-          <a:chExt cx="0" cy="0"/>
-        </a:xfrm>
-      </p:grpSpPr>
-      <p:sp>
-        <p:nvSpPr>
-          <p:cNvPr id="2" name="Title 1">
-            <a:extLst>
-              <a:ext uri="{FF2B5EF4-FFF2-40B4-BE49-F238E27FC236}">
-                <a16:creationId xmlns:a16="http://schemas.microsoft.com/office/drawing/2014/main" id="{63A2BF47-3134-E065-75EC-56D83FA70D27}"/>
-              </a:ext>
-            </a:extLst>
-          </p:cNvPr>
-          <p:cNvSpPr>
-            <a:spLocks noGrp="1"/>
-          </p:cNvSpPr>
-          <p:nvPr>
-            <p:ph type="title"/>
-          </p:nvPr>
-        </p:nvSpPr>
-        <p:spPr/>
-        <p:txBody>
-          <a:bodyPr>
-            <a:normAutofit fontScale="90000"/>
-          </a:bodyPr>
-          <a:lstStyle/>
-          <a:p>
-            <a:r>
-              <a:rPr lang="en-NZ" dirty="0"/>
-              <a:t>TASK 1: CREATE A REPO FROM GITHUB TEMPLATE</a:t>
-            </a:r>
-          </a:p>
-        </p:txBody>
-      </p:sp>
-      <p:sp>
-        <p:nvSpPr>
-          <p:cNvPr id="3" name="Content Placeholder 2">
-            <a:extLst>
-              <a:ext uri="{FF2B5EF4-FFF2-40B4-BE49-F238E27FC236}">
-                <a16:creationId xmlns:a16="http://schemas.microsoft.com/office/drawing/2014/main" id="{F3295559-9A4D-A670-0678-8F69480FD94C}"/>
-              </a:ext>
-            </a:extLst>
-          </p:cNvPr>
-          <p:cNvSpPr>
-            <a:spLocks noGrp="1"/>
-          </p:cNvSpPr>
-          <p:nvPr>
-            <p:ph idx="1"/>
-          </p:nvPr>
-        </p:nvSpPr>
-        <p:spPr/>
-        <p:txBody>
-          <a:bodyPr/>
-          <a:lstStyle/>
-          <a:p>
-            <a:r>
-              <a:rPr lang="en-NZ" dirty="0"/>
-              <a:t>Go to </a:t>
-            </a:r>
-            <a:r>
-              <a:rPr lang="en-NZ" dirty="0">
-                <a:hlinkClick r:id="rId2"/>
-              </a:rPr>
-              <a:t>https://github.com/daniel-wrench/snap-research-template</a:t>
-            </a:r>
-            <a:r>
-              <a:rPr lang="en-NZ" dirty="0"/>
-              <a:t> </a:t>
-            </a:r>
-          </a:p>
-        </p:txBody>
-      </p:sp>
-      <p:sp>
-        <p:nvSpPr>
-          <p:cNvPr id="4" name="Slide Number Placeholder 3">
-            <a:extLst>
-              <a:ext uri="{FF2B5EF4-FFF2-40B4-BE49-F238E27FC236}">
-                <a16:creationId xmlns:a16="http://schemas.microsoft.com/office/drawing/2014/main" id="{C98373A6-8AC9-96EB-4811-AE996B24B849}"/>
-              </a:ext>
-            </a:extLst>
-          </p:cNvPr>
-          <p:cNvSpPr>
-            <a:spLocks noGrp="1"/>
-          </p:cNvSpPr>
-          <p:nvPr>
-            <p:ph type="sldNum" sz="quarter" idx="12"/>
-          </p:nvPr>
-        </p:nvSpPr>
-        <p:spPr/>
-        <p:txBody>
-          <a:bodyPr/>
-          <a:lstStyle/>
-          <a:p>
-            <a:fld id="{87E7843D-FF13-4365-9478-9625B70A2705}" type="slidenum">
-              <a:rPr lang="en-US" smtClean="0"/>
-              <a:t>5</a:t>
-            </a:fld>
-            <a:endParaRPr lang="en-US"/>
-          </a:p>
-        </p:txBody>
-      </p:sp>
-    </p:spTree>
-    <p:extLst>
-      <p:ext uri="{BB962C8B-B14F-4D97-AF65-F5344CB8AC3E}">
-        <p14:creationId xmlns:p14="http://schemas.microsoft.com/office/powerpoint/2010/main" val="3249260786"/>
-      </p:ext>
-    </p:extLst>
-  </p:cSld>
-  <p:clrMapOvr>
-    <a:masterClrMapping/>
-  </p:clrMapOvr>
-</p:sld>
-</file>
-
 <file path=ppt/slides/slide6.xml><?xml version="1.0" encoding="utf-8"?>
 <p:sld xmlns:a="http://schemas.openxmlformats.org/drawingml/2006/main" xmlns:r="http://schemas.openxmlformats.org/officeDocument/2006/relationships" xmlns:p="http://schemas.openxmlformats.org/presentationml/2006/main">
   <p:cSld>
@@ -6244,7 +7281,7 @@
           <p:cNvPr id="2" name="Title 1">
             <a:extLst>
               <a:ext uri="{FF2B5EF4-FFF2-40B4-BE49-F238E27FC236}">
-                <a16:creationId xmlns:a16="http://schemas.microsoft.com/office/drawing/2014/main" id="{5D35EF42-9A52-AEE2-4F3B-E613783397AC}"/>
+                <a16:creationId xmlns:a16="http://schemas.microsoft.com/office/drawing/2014/main" id="{63A2BF47-3134-E065-75EC-56D83FA70D27}"/>
               </a:ext>
             </a:extLst>
           </p:cNvPr>
@@ -6257,12 +7294,18 @@
         </p:nvSpPr>
         <p:spPr/>
         <p:txBody>
-          <a:bodyPr/>
+          <a:bodyPr>
+            <a:normAutofit/>
+          </a:bodyPr>
           <a:lstStyle/>
           <a:p>
             <a:r>
               <a:rPr lang="en-NZ" dirty="0"/>
-              <a:t>Final thoughts</a:t>
+              <a:t>TASK 1: </a:t>
+            </a:r>
+            <a:r>
+              <a:rPr lang="en-NZ" b="1" dirty="0"/>
+              <a:t>GET STARTED WITH A REPO TEMPLATE</a:t>
             </a:r>
           </a:p>
         </p:txBody>
@@ -6272,7 +7315,7 @@
           <p:cNvPr id="3" name="Content Placeholder 2">
             <a:extLst>
               <a:ext uri="{FF2B5EF4-FFF2-40B4-BE49-F238E27FC236}">
-                <a16:creationId xmlns:a16="http://schemas.microsoft.com/office/drawing/2014/main" id="{3889EC90-46C7-314A-9372-06B5E4AF3101}"/>
+                <a16:creationId xmlns:a16="http://schemas.microsoft.com/office/drawing/2014/main" id="{F3295559-9A4D-A670-0678-8F69480FD94C}"/>
               </a:ext>
             </a:extLst>
           </p:cNvPr>
@@ -6285,11 +7328,171 @@
         </p:nvSpPr>
         <p:spPr/>
         <p:txBody>
-          <a:bodyPr/>
-          <a:lstStyle/>
-          <a:p>
+          <a:bodyPr>
+            <a:normAutofit fontScale="92500" lnSpcReduction="10000"/>
+          </a:bodyPr>
+          <a:lstStyle/>
+          <a:p>
+            <a:pPr marL="457200" indent="-457200">
+              <a:buAutoNum type="arabicPeriod"/>
+            </a:pPr>
+            <a:r>
+              <a:rPr lang="en-NZ" dirty="0"/>
+              <a:t>Go to </a:t>
+            </a:r>
+            <a:r>
+              <a:rPr lang="en-NZ" dirty="0">
+                <a:hlinkClick r:id="rId2"/>
+              </a:rPr>
+              <a:t>https://github.com/daniel-wrench/snap-research-template</a:t>
+            </a:r>
             <a:endParaRPr lang="en-NZ" dirty="0"/>
           </a:p>
+          <a:p>
+            <a:pPr marL="457200" indent="-457200">
+              <a:buAutoNum type="arabicPeriod"/>
+            </a:pPr>
+            <a:r>
+              <a:rPr lang="en-NZ" b="1" dirty="0"/>
+              <a:t>Clone vs. Fork vs. Use </a:t>
+            </a:r>
+            <a:r>
+              <a:rPr lang="en-NZ" b="1" dirty="0" err="1"/>
+              <a:t>tempate</a:t>
+            </a:r>
+            <a:endParaRPr lang="en-NZ" b="1" dirty="0"/>
+          </a:p>
+          <a:p>
+            <a:pPr marL="457200" indent="-457200">
+              <a:buAutoNum type="arabicPeriod"/>
+            </a:pPr>
+            <a:r>
+              <a:rPr lang="en-NZ" dirty="0"/>
+              <a:t>Use this template   -&gt; Create a new repository</a:t>
+            </a:r>
+          </a:p>
+          <a:p>
+            <a:pPr marL="457200" indent="-457200">
+              <a:buAutoNum type="arabicPeriod"/>
+            </a:pPr>
+            <a:r>
+              <a:rPr lang="en-NZ" dirty="0"/>
+              <a:t>Give your own name</a:t>
+            </a:r>
+          </a:p>
+          <a:p>
+            <a:pPr marL="457200" indent="-457200">
+              <a:buAutoNum type="arabicPeriod"/>
+            </a:pPr>
+            <a:r>
+              <a:rPr lang="en-NZ" dirty="0"/>
+              <a:t>Wonder at your perfectly-structured creation!</a:t>
+            </a:r>
+          </a:p>
+          <a:p>
+            <a:pPr marL="457200" indent="-457200">
+              <a:buAutoNum type="arabicPeriod"/>
+            </a:pPr>
+            <a:r>
+              <a:rPr lang="en-NZ" dirty="0"/>
+              <a:t>Code -&gt; Local -&gt; copy HTTPs URL</a:t>
+            </a:r>
+          </a:p>
+          <a:p>
+            <a:pPr marL="457200" indent="-457200">
+              <a:buAutoNum type="arabicPeriod"/>
+            </a:pPr>
+            <a:r>
+              <a:rPr lang="en-NZ" dirty="0"/>
+              <a:t>Open a terminal (in VS Code, Git Bash, whatever)</a:t>
+            </a:r>
+          </a:p>
+          <a:p>
+            <a:pPr marL="457200" indent="-457200">
+              <a:buFont typeface="Arial" panose="020B0604020202020204" pitchFamily="34" charset="0"/>
+              <a:buAutoNum type="arabicPeriod"/>
+            </a:pPr>
+            <a:r>
+              <a:rPr lang="en-NZ" b="1" dirty="0">
+                <a:solidFill>
+                  <a:srgbClr val="7030A0"/>
+                </a:solidFill>
+                <a:effectLst/>
+                <a:latin typeface="Consolas" panose="020B0609020204030204" pitchFamily="49" charset="0"/>
+              </a:rPr>
+              <a:t>git clone </a:t>
+            </a:r>
+            <a:r>
+              <a:rPr lang="en-NZ" b="1" dirty="0" err="1">
+                <a:solidFill>
+                  <a:srgbClr val="7030A0"/>
+                </a:solidFill>
+                <a:latin typeface="Consolas" panose="020B0609020204030204" pitchFamily="49" charset="0"/>
+              </a:rPr>
+              <a:t>paste_url_here</a:t>
+            </a:r>
+            <a:endParaRPr lang="en-NZ" b="1" dirty="0">
+              <a:solidFill>
+                <a:srgbClr val="7030A0"/>
+              </a:solidFill>
+              <a:latin typeface="Consolas" panose="020B0609020204030204" pitchFamily="49" charset="0"/>
+            </a:endParaRPr>
+          </a:p>
+          <a:p>
+            <a:pPr marL="457200" indent="-457200">
+              <a:buFont typeface="Arial" panose="020B0604020202020204" pitchFamily="34" charset="0"/>
+              <a:buAutoNum type="arabicPeriod"/>
+            </a:pPr>
+            <a:r>
+              <a:rPr lang="en-NZ" b="1" dirty="0">
+                <a:solidFill>
+                  <a:srgbClr val="7030A0"/>
+                </a:solidFill>
+                <a:effectLst/>
+                <a:latin typeface="Consolas" panose="020B0609020204030204" pitchFamily="49" charset="0"/>
+              </a:rPr>
+              <a:t>cd your-repo-name</a:t>
+            </a:r>
+            <a:endParaRPr lang="en-NZ" b="1" dirty="0">
+              <a:solidFill>
+                <a:srgbClr val="7030A0"/>
+              </a:solidFill>
+              <a:latin typeface="Consolas" panose="020B0609020204030204" pitchFamily="49" charset="0"/>
+            </a:endParaRPr>
+          </a:p>
+          <a:p>
+            <a:pPr marL="457200" indent="-457200">
+              <a:buFont typeface="Arial" panose="020B0604020202020204" pitchFamily="34" charset="0"/>
+              <a:buAutoNum type="arabicPeriod"/>
+            </a:pPr>
+            <a:endParaRPr lang="en-NZ" b="1" dirty="0">
+              <a:solidFill>
+                <a:srgbClr val="7030A0"/>
+              </a:solidFill>
+              <a:latin typeface="Consolas" panose="020B0609020204030204" pitchFamily="49" charset="0"/>
+            </a:endParaRPr>
+          </a:p>
+          <a:p>
+            <a:pPr marL="457200" indent="-457200">
+              <a:buFont typeface="Arial" panose="020B0604020202020204" pitchFamily="34" charset="0"/>
+              <a:buAutoNum type="arabicPeriod"/>
+            </a:pPr>
+            <a:endParaRPr lang="en-NZ" i="1" dirty="0">
+              <a:effectLst/>
+            </a:endParaRPr>
+          </a:p>
+          <a:p>
+            <a:pPr marL="457200" indent="-457200">
+              <a:buAutoNum type="arabicPeriod"/>
+            </a:pPr>
+            <a:endParaRPr lang="en-NZ" dirty="0"/>
+          </a:p>
+          <a:p>
+            <a:pPr marL="457200" indent="-457200">
+              <a:buAutoNum type="arabicPeriod"/>
+            </a:pPr>
+            <a:endParaRPr lang="en-NZ" dirty="0"/>
+          </a:p>
         </p:txBody>
       </p:sp>
       <p:sp>
@@ -6297,7 +7500,7 @@
           <p:cNvPr id="4" name="Slide Number Placeholder 3">
             <a:extLst>
               <a:ext uri="{FF2B5EF4-FFF2-40B4-BE49-F238E27FC236}">
-                <a16:creationId xmlns:a16="http://schemas.microsoft.com/office/drawing/2014/main" id="{A59F4115-B136-44FB-5CD5-40024E5D794A}"/>
+                <a16:creationId xmlns:a16="http://schemas.microsoft.com/office/drawing/2014/main" id="{C98373A6-8AC9-96EB-4811-AE996B24B849}"/>
               </a:ext>
             </a:extLst>
           </p:cNvPr>
@@ -6321,10 +7524,498 @@
           </a:p>
         </p:txBody>
       </p:sp>
+      <p:pic>
+        <p:nvPicPr>
+          <p:cNvPr id="6" name="Picture 5">
+            <a:extLst>
+              <a:ext uri="{FF2B5EF4-FFF2-40B4-BE49-F238E27FC236}">
+                <a16:creationId xmlns:a16="http://schemas.microsoft.com/office/drawing/2014/main" id="{23C3823C-7045-9D9A-C204-F2B27CED8252}"/>
+              </a:ext>
+            </a:extLst>
+          </p:cNvPr>
+          <p:cNvPicPr>
+            <a:picLocks noChangeAspect="1"/>
+          </p:cNvPicPr>
+          <p:nvPr/>
+        </p:nvPicPr>
+        <p:blipFill>
+          <a:blip r:embed="rId3"/>
+          <a:stretch>
+            <a:fillRect/>
+          </a:stretch>
+        </p:blipFill>
+        <p:spPr>
+          <a:xfrm>
+            <a:off x="1162050" y="2942844"/>
+            <a:ext cx="2033123" cy="586740"/>
+          </a:xfrm>
+          <a:prstGeom prst="rect">
+            <a:avLst/>
+          </a:prstGeom>
+        </p:spPr>
+      </p:pic>
     </p:spTree>
     <p:extLst>
       <p:ext uri="{BB962C8B-B14F-4D97-AF65-F5344CB8AC3E}">
-        <p14:creationId xmlns:p14="http://schemas.microsoft.com/office/powerpoint/2010/main" val="704250929"/>
+        <p14:creationId xmlns:p14="http://schemas.microsoft.com/office/powerpoint/2010/main" val="3249260786"/>
+      </p:ext>
+    </p:extLst>
+  </p:cSld>
+  <p:clrMapOvr>
+    <a:masterClrMapping/>
+  </p:clrMapOvr>
+</p:sld>
+</file>
+
+<file path=ppt/slides/slide7.xml><?xml version="1.0" encoding="utf-8"?>
+<p:sld xmlns:a="http://schemas.openxmlformats.org/drawingml/2006/main" xmlns:r="http://schemas.openxmlformats.org/officeDocument/2006/relationships" xmlns:p="http://schemas.openxmlformats.org/presentationml/2006/main">
+  <p:cSld>
+    <p:spTree>
+      <p:nvGrpSpPr>
+        <p:cNvPr id="1" name=""/>
+        <p:cNvGrpSpPr/>
+        <p:nvPr/>
+      </p:nvGrpSpPr>
+      <p:grpSpPr>
+        <a:xfrm>
+          <a:off x="0" y="0"/>
+          <a:ext cx="0" cy="0"/>
+          <a:chOff x="0" y="0"/>
+          <a:chExt cx="0" cy="0"/>
+        </a:xfrm>
+      </p:grpSpPr>
+      <p:sp>
+        <p:nvSpPr>
+          <p:cNvPr id="2" name="Title 1">
+            <a:extLst>
+              <a:ext uri="{FF2B5EF4-FFF2-40B4-BE49-F238E27FC236}">
+                <a16:creationId xmlns:a16="http://schemas.microsoft.com/office/drawing/2014/main" id="{461089B8-F35F-B038-E140-133B6B5AC6D8}"/>
+              </a:ext>
+            </a:extLst>
+          </p:cNvPr>
+          <p:cNvSpPr>
+            <a:spLocks noGrp="1"/>
+          </p:cNvSpPr>
+          <p:nvPr>
+            <p:ph type="title"/>
+          </p:nvPr>
+        </p:nvSpPr>
+        <p:spPr/>
+        <p:txBody>
+          <a:bodyPr/>
+          <a:lstStyle/>
+          <a:p>
+            <a:r>
+              <a:rPr lang="en-NZ" dirty="0"/>
+              <a:t>TASK 2: </a:t>
+            </a:r>
+            <a:r>
+              <a:rPr lang="en-NZ" b="1" dirty="0"/>
+              <a:t>SET UP VIRTUAL ENVIRONMENT</a:t>
+            </a:r>
+            <a:endParaRPr lang="en-NZ" dirty="0"/>
+          </a:p>
+        </p:txBody>
+      </p:sp>
+      <p:sp>
+        <p:nvSpPr>
+          <p:cNvPr id="3" name="Content Placeholder 2">
+            <a:extLst>
+              <a:ext uri="{FF2B5EF4-FFF2-40B4-BE49-F238E27FC236}">
+                <a16:creationId xmlns:a16="http://schemas.microsoft.com/office/drawing/2014/main" id="{083A6193-B74B-E8C5-39FC-C86CE4BEC0B6}"/>
+              </a:ext>
+            </a:extLst>
+          </p:cNvPr>
+          <p:cNvSpPr>
+            <a:spLocks noGrp="1"/>
+          </p:cNvSpPr>
+          <p:nvPr>
+            <p:ph idx="1"/>
+          </p:nvPr>
+        </p:nvSpPr>
+        <p:spPr/>
+        <p:txBody>
+          <a:bodyPr/>
+          <a:lstStyle/>
+          <a:p>
+            <a:pPr marL="457200" indent="-457200">
+              <a:buFont typeface="+mj-lt"/>
+              <a:buAutoNum type="arabicPeriod"/>
+            </a:pPr>
+            <a:r>
+              <a:rPr lang="en-NZ" dirty="0"/>
+              <a:t>Follow steps in README</a:t>
+            </a:r>
+          </a:p>
+          <a:p>
+            <a:pPr marL="457200" indent="-457200">
+              <a:buFont typeface="+mj-lt"/>
+              <a:buAutoNum type="arabicPeriod"/>
+            </a:pPr>
+            <a:r>
+              <a:rPr lang="en-NZ" dirty="0"/>
+              <a:t>In step 3, first pip install the following packages</a:t>
+            </a:r>
+          </a:p>
+          <a:p>
+            <a:pPr marL="914400" lvl="1" indent="-457200">
+              <a:buFont typeface="+mj-lt"/>
+              <a:buAutoNum type="arabicPeriod"/>
+            </a:pPr>
+            <a:r>
+              <a:rPr lang="en-NZ" dirty="0"/>
+              <a:t>Pandas</a:t>
+            </a:r>
+          </a:p>
+          <a:p>
+            <a:pPr marL="914400" lvl="1" indent="-457200">
+              <a:buFont typeface="+mj-lt"/>
+              <a:buAutoNum type="arabicPeriod"/>
+            </a:pPr>
+            <a:r>
+              <a:rPr lang="en-NZ" dirty="0"/>
+              <a:t>Requests</a:t>
+            </a:r>
+          </a:p>
+          <a:p>
+            <a:pPr marL="914400" lvl="1" indent="-457200">
+              <a:buFont typeface="+mj-lt"/>
+              <a:buAutoNum type="arabicPeriod"/>
+            </a:pPr>
+            <a:r>
+              <a:rPr lang="en-NZ" dirty="0"/>
+              <a:t>Matplotlib</a:t>
+            </a:r>
+          </a:p>
+          <a:p>
+            <a:pPr marL="457200" indent="-457200">
+              <a:buFont typeface="+mj-lt"/>
+              <a:buAutoNum type="arabicPeriod"/>
+            </a:pPr>
+            <a:r>
+              <a:rPr lang="en-NZ" dirty="0"/>
+              <a:t>Make your first commit!</a:t>
+            </a:r>
+          </a:p>
+        </p:txBody>
+      </p:sp>
+      <p:sp>
+        <p:nvSpPr>
+          <p:cNvPr id="4" name="Slide Number Placeholder 3">
+            <a:extLst>
+              <a:ext uri="{FF2B5EF4-FFF2-40B4-BE49-F238E27FC236}">
+                <a16:creationId xmlns:a16="http://schemas.microsoft.com/office/drawing/2014/main" id="{5C925182-04F8-D145-20AE-89FD5712F9CA}"/>
+              </a:ext>
+            </a:extLst>
+          </p:cNvPr>
+          <p:cNvSpPr>
+            <a:spLocks noGrp="1"/>
+          </p:cNvSpPr>
+          <p:nvPr>
+            <p:ph type="sldNum" sz="quarter" idx="12"/>
+          </p:nvPr>
+        </p:nvSpPr>
+        <p:spPr/>
+        <p:txBody>
+          <a:bodyPr/>
+          <a:lstStyle/>
+          <a:p>
+            <a:fld id="{87E7843D-FF13-4365-9478-9625B70A2705}" type="slidenum">
+              <a:rPr lang="en-US" smtClean="0"/>
+              <a:t>7</a:t>
+            </a:fld>
+            <a:endParaRPr lang="en-US"/>
+          </a:p>
+        </p:txBody>
+      </p:sp>
+    </p:spTree>
+    <p:extLst>
+      <p:ext uri="{BB962C8B-B14F-4D97-AF65-F5344CB8AC3E}">
+        <p14:creationId xmlns:p14="http://schemas.microsoft.com/office/powerpoint/2010/main" val="4109253545"/>
+      </p:ext>
+    </p:extLst>
+  </p:cSld>
+  <p:clrMapOvr>
+    <a:masterClrMapping/>
+  </p:clrMapOvr>
+</p:sld>
+</file>
+
+<file path=ppt/slides/slide8.xml><?xml version="1.0" encoding="utf-8"?>
+<p:sld xmlns:a="http://schemas.openxmlformats.org/drawingml/2006/main" xmlns:r="http://schemas.openxmlformats.org/officeDocument/2006/relationships" xmlns:p="http://schemas.openxmlformats.org/presentationml/2006/main">
+  <p:cSld>
+    <p:spTree>
+      <p:nvGrpSpPr>
+        <p:cNvPr id="1" name=""/>
+        <p:cNvGrpSpPr/>
+        <p:nvPr/>
+      </p:nvGrpSpPr>
+      <p:grpSpPr>
+        <a:xfrm>
+          <a:off x="0" y="0"/>
+          <a:ext cx="0" cy="0"/>
+          <a:chOff x="0" y="0"/>
+          <a:chExt cx="0" cy="0"/>
+        </a:xfrm>
+      </p:grpSpPr>
+      <p:sp>
+        <p:nvSpPr>
+          <p:cNvPr id="2" name="Title 1">
+            <a:extLst>
+              <a:ext uri="{FF2B5EF4-FFF2-40B4-BE49-F238E27FC236}">
+                <a16:creationId xmlns:a16="http://schemas.microsoft.com/office/drawing/2014/main" id="{1EBB9C15-193D-15CF-43FB-95B5687F766A}"/>
+              </a:ext>
+            </a:extLst>
+          </p:cNvPr>
+          <p:cNvSpPr>
+            <a:spLocks noGrp="1"/>
+          </p:cNvSpPr>
+          <p:nvPr>
+            <p:ph type="title"/>
+          </p:nvPr>
+        </p:nvSpPr>
+        <p:spPr/>
+        <p:txBody>
+          <a:bodyPr>
+            <a:normAutofit/>
+          </a:bodyPr>
+          <a:lstStyle/>
+          <a:p>
+            <a:r>
+              <a:rPr lang="en-NZ" dirty="0"/>
+              <a:t>TASK 3: </a:t>
+            </a:r>
+            <a:r>
+              <a:rPr lang="en-NZ" b="1" dirty="0"/>
+              <a:t>run pipeline, with version control</a:t>
+            </a:r>
+            <a:endParaRPr lang="en-NZ" dirty="0"/>
+          </a:p>
+        </p:txBody>
+      </p:sp>
+      <p:sp>
+        <p:nvSpPr>
+          <p:cNvPr id="3" name="Content Placeholder 2">
+            <a:extLst>
+              <a:ext uri="{FF2B5EF4-FFF2-40B4-BE49-F238E27FC236}">
+                <a16:creationId xmlns:a16="http://schemas.microsoft.com/office/drawing/2014/main" id="{86812468-64AF-A4E2-C36C-58F45BBECE8F}"/>
+              </a:ext>
+            </a:extLst>
+          </p:cNvPr>
+          <p:cNvSpPr>
+            <a:spLocks noGrp="1"/>
+          </p:cNvSpPr>
+          <p:nvPr>
+            <p:ph idx="1"/>
+          </p:nvPr>
+        </p:nvSpPr>
+        <p:spPr/>
+        <p:txBody>
+          <a:bodyPr/>
+          <a:lstStyle/>
+          <a:p>
+            <a:endParaRPr lang="en-NZ" dirty="0"/>
+          </a:p>
+        </p:txBody>
+      </p:sp>
+      <p:sp>
+        <p:nvSpPr>
+          <p:cNvPr id="4" name="Slide Number Placeholder 3">
+            <a:extLst>
+              <a:ext uri="{FF2B5EF4-FFF2-40B4-BE49-F238E27FC236}">
+                <a16:creationId xmlns:a16="http://schemas.microsoft.com/office/drawing/2014/main" id="{F1B157AF-0FEA-0F04-B2C6-0E34B59CC577}"/>
+              </a:ext>
+            </a:extLst>
+          </p:cNvPr>
+          <p:cNvSpPr>
+            <a:spLocks noGrp="1"/>
+          </p:cNvSpPr>
+          <p:nvPr>
+            <p:ph type="sldNum" sz="quarter" idx="12"/>
+          </p:nvPr>
+        </p:nvSpPr>
+        <p:spPr/>
+        <p:txBody>
+          <a:bodyPr/>
+          <a:lstStyle/>
+          <a:p>
+            <a:fld id="{87E7843D-FF13-4365-9478-9625B70A2705}" type="slidenum">
+              <a:rPr lang="en-US" smtClean="0"/>
+              <a:t>8</a:t>
+            </a:fld>
+            <a:endParaRPr lang="en-US"/>
+          </a:p>
+        </p:txBody>
+      </p:sp>
+    </p:spTree>
+    <p:extLst>
+      <p:ext uri="{BB962C8B-B14F-4D97-AF65-F5344CB8AC3E}">
+        <p14:creationId xmlns:p14="http://schemas.microsoft.com/office/powerpoint/2010/main" val="110190689"/>
+      </p:ext>
+    </p:extLst>
+  </p:cSld>
+  <p:clrMapOvr>
+    <a:masterClrMapping/>
+  </p:clrMapOvr>
+</p:sld>
+</file>
+
+<file path=ppt/slides/slide9.xml><?xml version="1.0" encoding="utf-8"?>
+<p:sld xmlns:a="http://schemas.openxmlformats.org/drawingml/2006/main" xmlns:r="http://schemas.openxmlformats.org/officeDocument/2006/relationships" xmlns:p="http://schemas.openxmlformats.org/presentationml/2006/main">
+  <p:cSld>
+    <p:spTree>
+      <p:nvGrpSpPr>
+        <p:cNvPr id="1" name=""/>
+        <p:cNvGrpSpPr/>
+        <p:nvPr/>
+      </p:nvGrpSpPr>
+      <p:grpSpPr>
+        <a:xfrm>
+          <a:off x="0" y="0"/>
+          <a:ext cx="0" cy="0"/>
+          <a:chOff x="0" y="0"/>
+          <a:chExt cx="0" cy="0"/>
+        </a:xfrm>
+      </p:grpSpPr>
+      <p:sp>
+        <p:nvSpPr>
+          <p:cNvPr id="2" name="Title 1">
+            <a:extLst>
+              <a:ext uri="{FF2B5EF4-FFF2-40B4-BE49-F238E27FC236}">
+                <a16:creationId xmlns:a16="http://schemas.microsoft.com/office/drawing/2014/main" id="{1D7A232C-750D-CCEB-52F6-D3FA0B62157B}"/>
+              </a:ext>
+            </a:extLst>
+          </p:cNvPr>
+          <p:cNvSpPr>
+            <a:spLocks noGrp="1"/>
+          </p:cNvSpPr>
+          <p:nvPr>
+            <p:ph type="title"/>
+          </p:nvPr>
+        </p:nvSpPr>
+        <p:spPr/>
+        <p:txBody>
+          <a:bodyPr/>
+          <a:lstStyle/>
+          <a:p>
+            <a:r>
+              <a:rPr lang="en-NZ" dirty="0"/>
+              <a:t>SHARING YOUR REPO</a:t>
+            </a:r>
+          </a:p>
+        </p:txBody>
+      </p:sp>
+      <p:sp>
+        <p:nvSpPr>
+          <p:cNvPr id="3" name="Content Placeholder 2">
+            <a:extLst>
+              <a:ext uri="{FF2B5EF4-FFF2-40B4-BE49-F238E27FC236}">
+                <a16:creationId xmlns:a16="http://schemas.microsoft.com/office/drawing/2014/main" id="{5D64C27A-CD81-95A3-23BE-540C2BE90733}"/>
+              </a:ext>
+            </a:extLst>
+          </p:cNvPr>
+          <p:cNvSpPr>
+            <a:spLocks noGrp="1"/>
+          </p:cNvSpPr>
+          <p:nvPr>
+            <p:ph idx="1"/>
+          </p:nvPr>
+        </p:nvSpPr>
+        <p:spPr/>
+        <p:txBody>
+          <a:bodyPr/>
+          <a:lstStyle/>
+          <a:p>
+            <a:r>
+              <a:rPr lang="en-NZ" b="1" dirty="0"/>
+              <a:t>Want reproducible analysis not just for ourselves or our colleagues, but for the whole scientific community</a:t>
+            </a:r>
+          </a:p>
+          <a:p>
+            <a:r>
+              <a:rPr lang="en-NZ" b="1" dirty="0"/>
+              <a:t>How could we share our codes?</a:t>
+            </a:r>
+          </a:p>
+          <a:p>
+            <a:r>
+              <a:rPr lang="en-NZ" dirty="0"/>
+              <a:t>Citation</a:t>
+            </a:r>
+          </a:p>
+          <a:p>
+            <a:r>
+              <a:rPr lang="en-NZ" dirty="0" err="1"/>
+              <a:t>Zenodo</a:t>
+            </a:r>
+            <a:r>
+              <a:rPr lang="en-NZ" dirty="0"/>
+              <a:t>-GitHub integration!</a:t>
+            </a:r>
+          </a:p>
+          <a:p>
+            <a:r>
+              <a:rPr lang="en-NZ" dirty="0"/>
+              <a:t>Once you have DOI, add to GitHub, then easy citation </a:t>
+            </a:r>
+            <a:r>
+              <a:rPr lang="en-NZ" dirty="0" err="1"/>
+              <a:t>BibTex</a:t>
+            </a:r>
+            <a:r>
+              <a:rPr lang="en-NZ" dirty="0"/>
+              <a:t> snippet</a:t>
+            </a:r>
+          </a:p>
+          <a:p>
+            <a:r>
+              <a:rPr lang="en-NZ" b="1" dirty="0"/>
+              <a:t>Finally, ensure you have good documentation for when they get the codes! </a:t>
+            </a:r>
+            <a:r>
+              <a:rPr lang="en-NZ" dirty="0"/>
+              <a:t>At minimum, a comprehensive README and metadata (explanation of the data and where it came from)</a:t>
+            </a:r>
+            <a:endParaRPr lang="en-NZ" b="1" dirty="0"/>
+          </a:p>
+          <a:p>
+            <a:endParaRPr lang="en-NZ" dirty="0"/>
+          </a:p>
+        </p:txBody>
+      </p:sp>
+      <p:sp>
+        <p:nvSpPr>
+          <p:cNvPr id="4" name="Slide Number Placeholder 3">
+            <a:extLst>
+              <a:ext uri="{FF2B5EF4-FFF2-40B4-BE49-F238E27FC236}">
+                <a16:creationId xmlns:a16="http://schemas.microsoft.com/office/drawing/2014/main" id="{2BA43C81-E3F2-2CC5-4115-BE881812AF57}"/>
+              </a:ext>
+            </a:extLst>
+          </p:cNvPr>
+          <p:cNvSpPr>
+            <a:spLocks noGrp="1"/>
+          </p:cNvSpPr>
+          <p:nvPr>
+            <p:ph type="sldNum" sz="quarter" idx="12"/>
+          </p:nvPr>
+        </p:nvSpPr>
+        <p:spPr/>
+        <p:txBody>
+          <a:bodyPr/>
+          <a:lstStyle/>
+          <a:p>
+            <a:fld id="{87E7843D-FF13-4365-9478-9625B70A2705}" type="slidenum">
+              <a:rPr lang="en-US" smtClean="0"/>
+              <a:t>9</a:t>
+            </a:fld>
+            <a:endParaRPr lang="en-US"/>
+          </a:p>
+        </p:txBody>
+      </p:sp>
+    </p:spTree>
+    <p:extLst>
+      <p:ext uri="{BB962C8B-B14F-4D97-AF65-F5344CB8AC3E}">
+        <p14:creationId xmlns:p14="http://schemas.microsoft.com/office/powerpoint/2010/main" val="2651438960"/>
       </p:ext>
     </p:extLst>
   </p:cSld>

--- a/doc/workshop_slides.pptx
+++ b/doc/workshop_slides.pptx
@@ -5,7 +5,7 @@
     <p:sldMasterId id="2147483673" r:id="rId1"/>
   </p:sldMasterIdLst>
   <p:notesMasterIdLst>
-    <p:notesMasterId r:id="rId13"/>
+    <p:notesMasterId r:id="rId16"/>
   </p:notesMasterIdLst>
   <p:sldIdLst>
     <p:sldId id="256" r:id="rId2"/>
@@ -16,9 +16,12 @@
     <p:sldId id="260" r:id="rId7"/>
     <p:sldId id="263" r:id="rId8"/>
     <p:sldId id="264" r:id="rId9"/>
-    <p:sldId id="266" r:id="rId10"/>
-    <p:sldId id="265" r:id="rId11"/>
-    <p:sldId id="261" r:id="rId12"/>
+    <p:sldId id="267" r:id="rId10"/>
+    <p:sldId id="269" r:id="rId11"/>
+    <p:sldId id="266" r:id="rId12"/>
+    <p:sldId id="261" r:id="rId13"/>
+    <p:sldId id="265" r:id="rId14"/>
+    <p:sldId id="268" r:id="rId15"/>
   </p:sldIdLst>
   <p:sldSz cx="12192000" cy="6858000"/>
   <p:notesSz cx="6858000" cy="9144000"/>
@@ -562,6 +565,117 @@
 </p:notes>
 </file>
 
+<file path=ppt/notesSlides/notesSlide10.xml><?xml version="1.0" encoding="utf-8"?>
+<p:notes xmlns:a="http://schemas.openxmlformats.org/drawingml/2006/main" xmlns:r="http://schemas.openxmlformats.org/officeDocument/2006/relationships" xmlns:p="http://schemas.openxmlformats.org/presentationml/2006/main">
+  <p:cSld>
+    <p:spTree>
+      <p:nvGrpSpPr>
+        <p:cNvPr id="1" name="">
+          <a:extLst>
+            <a:ext uri="{FF2B5EF4-FFF2-40B4-BE49-F238E27FC236}">
+              <a16:creationId xmlns:a16="http://schemas.microsoft.com/office/drawing/2014/main" id="{835EE7D1-69E5-A298-5056-F3AAE9E745C9}"/>
+            </a:ext>
+          </a:extLst>
+        </p:cNvPr>
+        <p:cNvGrpSpPr/>
+        <p:nvPr/>
+      </p:nvGrpSpPr>
+      <p:grpSpPr>
+        <a:xfrm>
+          <a:off x="0" y="0"/>
+          <a:ext cx="0" cy="0"/>
+          <a:chOff x="0" y="0"/>
+          <a:chExt cx="0" cy="0"/>
+        </a:xfrm>
+      </p:grpSpPr>
+      <p:sp>
+        <p:nvSpPr>
+          <p:cNvPr id="2" name="Slide Image Placeholder 1">
+            <a:extLst>
+              <a:ext uri="{FF2B5EF4-FFF2-40B4-BE49-F238E27FC236}">
+                <a16:creationId xmlns:a16="http://schemas.microsoft.com/office/drawing/2014/main" id="{84591B96-6F24-817C-3506-A46BC3813638}"/>
+              </a:ext>
+            </a:extLst>
+          </p:cNvPr>
+          <p:cNvSpPr>
+            <a:spLocks noGrp="1" noRot="1" noChangeAspect="1"/>
+          </p:cNvSpPr>
+          <p:nvPr>
+            <p:ph type="sldImg"/>
+          </p:nvPr>
+        </p:nvSpPr>
+        <p:spPr/>
+      </p:sp>
+      <p:sp>
+        <p:nvSpPr>
+          <p:cNvPr id="3" name="Notes Placeholder 2">
+            <a:extLst>
+              <a:ext uri="{FF2B5EF4-FFF2-40B4-BE49-F238E27FC236}">
+                <a16:creationId xmlns:a16="http://schemas.microsoft.com/office/drawing/2014/main" id="{364F66D0-41B2-B5A1-1545-1C42C039A751}"/>
+              </a:ext>
+            </a:extLst>
+          </p:cNvPr>
+          <p:cNvSpPr>
+            <a:spLocks noGrp="1"/>
+          </p:cNvSpPr>
+          <p:nvPr>
+            <p:ph type="body" idx="1"/>
+          </p:nvPr>
+        </p:nvSpPr>
+        <p:spPr/>
+        <p:txBody>
+          <a:bodyPr/>
+          <a:lstStyle/>
+          <a:p>
+            <a:r>
+              <a:rPr lang="en-NZ" dirty="0"/>
+              <a:t>Who am I? Data scientist, currently working on PhD in the physics department, doing data analysis of solar wind turbulence.</a:t>
+            </a:r>
+          </a:p>
+        </p:txBody>
+      </p:sp>
+      <p:sp>
+        <p:nvSpPr>
+          <p:cNvPr id="4" name="Slide Number Placeholder 3">
+            <a:extLst>
+              <a:ext uri="{FF2B5EF4-FFF2-40B4-BE49-F238E27FC236}">
+                <a16:creationId xmlns:a16="http://schemas.microsoft.com/office/drawing/2014/main" id="{18950851-4DB3-22E1-A382-1C77615F616A}"/>
+              </a:ext>
+            </a:extLst>
+          </p:cNvPr>
+          <p:cNvSpPr>
+            <a:spLocks noGrp="1"/>
+          </p:cNvSpPr>
+          <p:nvPr>
+            <p:ph type="sldNum" sz="quarter" idx="5"/>
+          </p:nvPr>
+        </p:nvSpPr>
+        <p:spPr/>
+        <p:txBody>
+          <a:bodyPr/>
+          <a:lstStyle/>
+          <a:p>
+            <a:fld id="{947B6143-73A9-458D-A6CA-502343DEF7E9}" type="slidenum">
+              <a:rPr lang="en-NZ" smtClean="0"/>
+              <a:t>14</a:t>
+            </a:fld>
+            <a:endParaRPr lang="en-NZ"/>
+          </a:p>
+        </p:txBody>
+      </p:sp>
+    </p:spTree>
+    <p:extLst>
+      <p:ext uri="{BB962C8B-B14F-4D97-AF65-F5344CB8AC3E}">
+        <p14:creationId xmlns:p14="http://schemas.microsoft.com/office/powerpoint/2010/main" val="1194992311"/>
+      </p:ext>
+    </p:extLst>
+  </p:cSld>
+  <p:clrMapOvr>
+    <a:masterClrMapping/>
+  </p:clrMapOvr>
+</p:notes>
+</file>
+
 <file path=ppt/notesSlides/notesSlide2.xml><?xml version="1.0" encoding="utf-8"?>
 <p:notes xmlns:a="http://schemas.openxmlformats.org/drawingml/2006/main" xmlns:r="http://schemas.openxmlformats.org/officeDocument/2006/relationships" xmlns:p="http://schemas.openxmlformats.org/presentationml/2006/main">
   <p:cSld>
@@ -605,6 +719,12 @@
         <p:txBody>
           <a:bodyPr/>
           <a:lstStyle/>
+          <a:p>
+            <a:r>
+              <a:rPr lang="en-NZ" dirty="0"/>
+              <a:t>Who’s never been to a SNAP event before?</a:t>
+            </a:r>
+          </a:p>
           <a:p>
             <a:r>
               <a:rPr lang="en-NZ" dirty="0"/>
@@ -693,9 +813,200 @@
           <a:bodyPr/>
           <a:lstStyle/>
           <a:p>
+            <a:pPr marL="171450" indent="-171450">
+              <a:buFont typeface="Arial" panose="020B0604020202020204" pitchFamily="34" charset="0"/>
+              <a:buChar char="•"/>
+            </a:pPr>
+            <a:r>
+              <a:rPr lang="en-NZ" dirty="0"/>
+              <a:t>(Mentioned a link to a Git tutorial in the workshop description – we actually won’t be working through this, but still a useful guide for more info!)</a:t>
+            </a:r>
+          </a:p>
+          <a:p>
+            <a:pPr marL="171450" indent="-171450">
+              <a:buFont typeface="Arial" panose="020B0604020202020204" pitchFamily="34" charset="0"/>
+              <a:buChar char="•"/>
+            </a:pPr>
+            <a:r>
+              <a:rPr lang="en-NZ" dirty="0"/>
+              <a:t>Has anyone never used: Git, virtual environments?</a:t>
+            </a:r>
+          </a:p>
+        </p:txBody>
+      </p:sp>
+      <p:sp>
+        <p:nvSpPr>
+          <p:cNvPr id="4" name="Slide Number Placeholder 3"/>
+          <p:cNvSpPr>
+            <a:spLocks noGrp="1"/>
+          </p:cNvSpPr>
+          <p:nvPr>
+            <p:ph type="sldNum" sz="quarter" idx="5"/>
+          </p:nvPr>
+        </p:nvSpPr>
+        <p:spPr/>
+        <p:txBody>
+          <a:bodyPr/>
+          <a:lstStyle/>
+          <a:p>
+            <a:fld id="{947B6143-73A9-458D-A6CA-502343DEF7E9}" type="slidenum">
+              <a:rPr lang="en-NZ" smtClean="0"/>
+              <a:t>3</a:t>
+            </a:fld>
+            <a:endParaRPr lang="en-NZ"/>
+          </a:p>
+        </p:txBody>
+      </p:sp>
+    </p:spTree>
+    <p:extLst>
+      <p:ext uri="{BB962C8B-B14F-4D97-AF65-F5344CB8AC3E}">
+        <p14:creationId xmlns:p14="http://schemas.microsoft.com/office/powerpoint/2010/main" val="3304543767"/>
+      </p:ext>
+    </p:extLst>
+  </p:cSld>
+  <p:clrMapOvr>
+    <a:masterClrMapping/>
+  </p:clrMapOvr>
+</p:notes>
+</file>
+
+<file path=ppt/notesSlides/notesSlide4.xml><?xml version="1.0" encoding="utf-8"?>
+<p:notes xmlns:a="http://schemas.openxmlformats.org/drawingml/2006/main" xmlns:r="http://schemas.openxmlformats.org/officeDocument/2006/relationships" xmlns:p="http://schemas.openxmlformats.org/presentationml/2006/main">
+  <p:cSld>
+    <p:spTree>
+      <p:nvGrpSpPr>
+        <p:cNvPr id="1" name=""/>
+        <p:cNvGrpSpPr/>
+        <p:nvPr/>
+      </p:nvGrpSpPr>
+      <p:grpSpPr>
+        <a:xfrm>
+          <a:off x="0" y="0"/>
+          <a:ext cx="0" cy="0"/>
+          <a:chOff x="0" y="0"/>
+          <a:chExt cx="0" cy="0"/>
+        </a:xfrm>
+      </p:grpSpPr>
+      <p:sp>
+        <p:nvSpPr>
+          <p:cNvPr id="2" name="Slide Image Placeholder 1"/>
+          <p:cNvSpPr>
+            <a:spLocks noGrp="1" noRot="1" noChangeAspect="1"/>
+          </p:cNvSpPr>
+          <p:nvPr>
+            <p:ph type="sldImg"/>
+          </p:nvPr>
+        </p:nvSpPr>
+        <p:spPr/>
+      </p:sp>
+      <p:sp>
+        <p:nvSpPr>
+          <p:cNvPr id="3" name="Notes Placeholder 2"/>
+          <p:cNvSpPr>
+            <a:spLocks noGrp="1"/>
+          </p:cNvSpPr>
+          <p:nvPr>
+            <p:ph type="body" idx="1"/>
+          </p:nvPr>
+        </p:nvSpPr>
+        <p:spPr/>
+        <p:txBody>
+          <a:bodyPr/>
+          <a:lstStyle/>
+          <a:p>
+            <a:endParaRPr lang="en-NZ" dirty="0"/>
+          </a:p>
+        </p:txBody>
+      </p:sp>
+      <p:sp>
+        <p:nvSpPr>
+          <p:cNvPr id="4" name="Slide Number Placeholder 3"/>
+          <p:cNvSpPr>
+            <a:spLocks noGrp="1"/>
+          </p:cNvSpPr>
+          <p:nvPr>
+            <p:ph type="sldNum" sz="quarter" idx="5"/>
+          </p:nvPr>
+        </p:nvSpPr>
+        <p:spPr/>
+        <p:txBody>
+          <a:bodyPr/>
+          <a:lstStyle/>
+          <a:p>
+            <a:fld id="{947B6143-73A9-458D-A6CA-502343DEF7E9}" type="slidenum">
+              <a:rPr lang="en-NZ" smtClean="0"/>
+              <a:t>4</a:t>
+            </a:fld>
+            <a:endParaRPr lang="en-NZ"/>
+          </a:p>
+        </p:txBody>
+      </p:sp>
+    </p:spTree>
+    <p:extLst>
+      <p:ext uri="{BB962C8B-B14F-4D97-AF65-F5344CB8AC3E}">
+        <p14:creationId xmlns:p14="http://schemas.microsoft.com/office/powerpoint/2010/main" val="2561709696"/>
+      </p:ext>
+    </p:extLst>
+  </p:cSld>
+  <p:clrMapOvr>
+    <a:masterClrMapping/>
+  </p:clrMapOvr>
+</p:notes>
+</file>
+
+<file path=ppt/notesSlides/notesSlide5.xml><?xml version="1.0" encoding="utf-8"?>
+<p:notes xmlns:a="http://schemas.openxmlformats.org/drawingml/2006/main" xmlns:r="http://schemas.openxmlformats.org/officeDocument/2006/relationships" xmlns:p="http://schemas.openxmlformats.org/presentationml/2006/main">
+  <p:cSld>
+    <p:spTree>
+      <p:nvGrpSpPr>
+        <p:cNvPr id="1" name=""/>
+        <p:cNvGrpSpPr/>
+        <p:nvPr/>
+      </p:nvGrpSpPr>
+      <p:grpSpPr>
+        <a:xfrm>
+          <a:off x="0" y="0"/>
+          <a:ext cx="0" cy="0"/>
+          <a:chOff x="0" y="0"/>
+          <a:chExt cx="0" cy="0"/>
+        </a:xfrm>
+      </p:grpSpPr>
+      <p:sp>
+        <p:nvSpPr>
+          <p:cNvPr id="2" name="Slide Image Placeholder 1"/>
+          <p:cNvSpPr>
+            <a:spLocks noGrp="1" noRot="1" noChangeAspect="1"/>
+          </p:cNvSpPr>
+          <p:nvPr>
+            <p:ph type="sldImg"/>
+          </p:nvPr>
+        </p:nvSpPr>
+        <p:spPr/>
+      </p:sp>
+      <p:sp>
+        <p:nvSpPr>
+          <p:cNvPr id="3" name="Notes Placeholder 2"/>
+          <p:cNvSpPr>
+            <a:spLocks noGrp="1"/>
+          </p:cNvSpPr>
+          <p:nvPr>
+            <p:ph type="body" idx="1"/>
+          </p:nvPr>
+        </p:nvSpPr>
+        <p:spPr/>
+        <p:txBody>
+          <a:bodyPr/>
+          <a:lstStyle/>
+          <a:p>
             <a:r>
               <a:rPr lang="en-NZ" dirty="0"/>
               <a:t>Who uses these things already?</a:t>
+            </a:r>
+          </a:p>
+          <a:p>
+            <a:r>
+              <a:rPr lang="en-NZ" dirty="0"/>
+              <a:t>Is version control only important when working in a team</a:t>
             </a:r>
           </a:p>
         </p:txBody>
@@ -727,6 +1038,541 @@
     <p:extLst>
       <p:ext uri="{BB962C8B-B14F-4D97-AF65-F5344CB8AC3E}">
         <p14:creationId xmlns:p14="http://schemas.microsoft.com/office/powerpoint/2010/main" val="3044880216"/>
+      </p:ext>
+    </p:extLst>
+  </p:cSld>
+  <p:clrMapOvr>
+    <a:masterClrMapping/>
+  </p:clrMapOvr>
+</p:notes>
+</file>
+
+<file path=ppt/notesSlides/notesSlide6.xml><?xml version="1.0" encoding="utf-8"?>
+<p:notes xmlns:a="http://schemas.openxmlformats.org/drawingml/2006/main" xmlns:r="http://schemas.openxmlformats.org/officeDocument/2006/relationships" xmlns:p="http://schemas.openxmlformats.org/presentationml/2006/main">
+  <p:cSld>
+    <p:spTree>
+      <p:nvGrpSpPr>
+        <p:cNvPr id="1" name=""/>
+        <p:cNvGrpSpPr/>
+        <p:nvPr/>
+      </p:nvGrpSpPr>
+      <p:grpSpPr>
+        <a:xfrm>
+          <a:off x="0" y="0"/>
+          <a:ext cx="0" cy="0"/>
+          <a:chOff x="0" y="0"/>
+          <a:chExt cx="0" cy="0"/>
+        </a:xfrm>
+      </p:grpSpPr>
+      <p:sp>
+        <p:nvSpPr>
+          <p:cNvPr id="2" name="Slide Image Placeholder 1"/>
+          <p:cNvSpPr>
+            <a:spLocks noGrp="1" noRot="1" noChangeAspect="1"/>
+          </p:cNvSpPr>
+          <p:nvPr>
+            <p:ph type="sldImg"/>
+          </p:nvPr>
+        </p:nvSpPr>
+        <p:spPr/>
+      </p:sp>
+      <p:sp>
+        <p:nvSpPr>
+          <p:cNvPr id="3" name="Notes Placeholder 2"/>
+          <p:cNvSpPr>
+            <a:spLocks noGrp="1"/>
+          </p:cNvSpPr>
+          <p:nvPr>
+            <p:ph type="body" idx="1"/>
+          </p:nvPr>
+        </p:nvSpPr>
+        <p:spPr/>
+        <p:txBody>
+          <a:bodyPr/>
+          <a:lstStyle/>
+          <a:p>
+            <a:pPr>
+              <a:lnSpc>
+                <a:spcPts val="1425"/>
+              </a:lnSpc>
+            </a:pPr>
+            <a:r>
+              <a:rPr lang="en-US" b="0" dirty="0">
+                <a:solidFill>
+                  <a:srgbClr val="CCCCCC"/>
+                </a:solidFill>
+                <a:effectLst/>
+                <a:latin typeface="Consolas" panose="020B0609020204030204" pitchFamily="49" charset="0"/>
+              </a:rPr>
+              <a:t>2 ways you might get going with a version controlled repo. Either start from an existing folder of codes and </a:t>
+            </a:r>
+            <a:r>
+              <a:rPr lang="en-US" b="0" dirty="0">
+                <a:solidFill>
+                  <a:srgbClr val="CE9178"/>
+                </a:solidFill>
+                <a:effectLst/>
+                <a:latin typeface="Consolas" panose="020B0609020204030204" pitchFamily="49" charset="0"/>
+              </a:rPr>
+              <a:t>`git </a:t>
+            </a:r>
+            <a:r>
+              <a:rPr lang="en-US" b="0" dirty="0" err="1">
+                <a:solidFill>
+                  <a:srgbClr val="CE9178"/>
+                </a:solidFill>
+                <a:effectLst/>
+                <a:latin typeface="Consolas" panose="020B0609020204030204" pitchFamily="49" charset="0"/>
+              </a:rPr>
+              <a:t>init</a:t>
+            </a:r>
+            <a:r>
+              <a:rPr lang="en-US" b="0" dirty="0">
+                <a:solidFill>
+                  <a:srgbClr val="CE9178"/>
+                </a:solidFill>
+                <a:effectLst/>
+                <a:latin typeface="Consolas" panose="020B0609020204030204" pitchFamily="49" charset="0"/>
+              </a:rPr>
+              <a:t>`</a:t>
+            </a:r>
+            <a:r>
+              <a:rPr lang="en-US" b="0" dirty="0">
+                <a:solidFill>
+                  <a:srgbClr val="CCCCCC"/>
+                </a:solidFill>
+                <a:effectLst/>
+                <a:latin typeface="Consolas" panose="020B0609020204030204" pitchFamily="49" charset="0"/>
+              </a:rPr>
+              <a:t>. </a:t>
+            </a:r>
+          </a:p>
+          <a:p>
+            <a:pPr>
+              <a:lnSpc>
+                <a:spcPts val="1425"/>
+              </a:lnSpc>
+            </a:pPr>
+            <a:r>
+              <a:rPr lang="en-US" b="0" dirty="0">
+                <a:solidFill>
+                  <a:srgbClr val="CCCCCC"/>
+                </a:solidFill>
+                <a:effectLst/>
+                <a:latin typeface="Consolas" panose="020B0609020204030204" pitchFamily="49" charset="0"/>
+              </a:rPr>
+              <a:t>Or, start from scratch. Nice thing about this is you can do it from GitHub and use a template, and then move in any files you might already have.</a:t>
+            </a:r>
+          </a:p>
+          <a:p>
+            <a:pPr>
+              <a:lnSpc>
+                <a:spcPts val="1425"/>
+              </a:lnSpc>
+            </a:pPr>
+            <a:r>
+              <a:rPr lang="en-US" b="0" dirty="0">
+                <a:solidFill>
+                  <a:srgbClr val="CCCCCC"/>
+                </a:solidFill>
+                <a:effectLst/>
+                <a:latin typeface="Consolas" panose="020B0609020204030204" pitchFamily="49" charset="0"/>
+              </a:rPr>
+              <a:t>We'll be doing this, to show you a good project structure. But later on if you want to version control your existing codes, we can go through that in more detail.</a:t>
+            </a:r>
+          </a:p>
+          <a:p>
+            <a:endParaRPr lang="en-NZ" dirty="0"/>
+          </a:p>
+          <a:p>
+            <a:r>
+              <a:rPr lang="en-NZ" dirty="0"/>
+              <a:t>Clone = local copy on your computer </a:t>
+            </a:r>
+            <a:r>
+              <a:rPr lang="en-NZ" b="1" i="0" dirty="0"/>
+              <a:t>that you want to collaborate on</a:t>
+            </a:r>
+          </a:p>
+          <a:p>
+            <a:r>
+              <a:rPr lang="en-NZ" b="0" i="0" dirty="0"/>
+              <a:t>Fork = independent copy on your computer </a:t>
+            </a:r>
+            <a:r>
+              <a:rPr lang="en-NZ" b="1" i="0" dirty="0"/>
+              <a:t>for when you don’t want to affect the original version</a:t>
+            </a:r>
+          </a:p>
+          <a:p>
+            <a:r>
+              <a:rPr lang="en-NZ" b="0" i="0" dirty="0"/>
+              <a:t>Template = Generate new repo with same structure, branches and files, but without the commit history</a:t>
+            </a:r>
+            <a:endParaRPr lang="en-NZ" b="0" dirty="0"/>
+          </a:p>
+        </p:txBody>
+      </p:sp>
+      <p:sp>
+        <p:nvSpPr>
+          <p:cNvPr id="4" name="Slide Number Placeholder 3"/>
+          <p:cNvSpPr>
+            <a:spLocks noGrp="1"/>
+          </p:cNvSpPr>
+          <p:nvPr>
+            <p:ph type="sldNum" sz="quarter" idx="5"/>
+          </p:nvPr>
+        </p:nvSpPr>
+        <p:spPr/>
+        <p:txBody>
+          <a:bodyPr/>
+          <a:lstStyle/>
+          <a:p>
+            <a:fld id="{947B6143-73A9-458D-A6CA-502343DEF7E9}" type="slidenum">
+              <a:rPr lang="en-NZ" smtClean="0"/>
+              <a:t>6</a:t>
+            </a:fld>
+            <a:endParaRPr lang="en-NZ"/>
+          </a:p>
+        </p:txBody>
+      </p:sp>
+    </p:spTree>
+    <p:extLst>
+      <p:ext uri="{BB962C8B-B14F-4D97-AF65-F5344CB8AC3E}">
+        <p14:creationId xmlns:p14="http://schemas.microsoft.com/office/powerpoint/2010/main" val="2543849199"/>
+      </p:ext>
+    </p:extLst>
+  </p:cSld>
+  <p:clrMapOvr>
+    <a:masterClrMapping/>
+  </p:clrMapOvr>
+</p:notes>
+</file>
+
+<file path=ppt/notesSlides/notesSlide7.xml><?xml version="1.0" encoding="utf-8"?>
+<p:notes xmlns:a="http://schemas.openxmlformats.org/drawingml/2006/main" xmlns:r="http://schemas.openxmlformats.org/officeDocument/2006/relationships" xmlns:p="http://schemas.openxmlformats.org/presentationml/2006/main">
+  <p:cSld>
+    <p:spTree>
+      <p:nvGrpSpPr>
+        <p:cNvPr id="1" name=""/>
+        <p:cNvGrpSpPr/>
+        <p:nvPr/>
+      </p:nvGrpSpPr>
+      <p:grpSpPr>
+        <a:xfrm>
+          <a:off x="0" y="0"/>
+          <a:ext cx="0" cy="0"/>
+          <a:chOff x="0" y="0"/>
+          <a:chExt cx="0" cy="0"/>
+        </a:xfrm>
+      </p:grpSpPr>
+      <p:sp>
+        <p:nvSpPr>
+          <p:cNvPr id="2" name="Slide Image Placeholder 1"/>
+          <p:cNvSpPr>
+            <a:spLocks noGrp="1" noRot="1" noChangeAspect="1"/>
+          </p:cNvSpPr>
+          <p:nvPr>
+            <p:ph type="sldImg"/>
+          </p:nvPr>
+        </p:nvSpPr>
+        <p:spPr/>
+      </p:sp>
+      <p:sp>
+        <p:nvSpPr>
+          <p:cNvPr id="3" name="Notes Placeholder 2"/>
+          <p:cNvSpPr>
+            <a:spLocks noGrp="1"/>
+          </p:cNvSpPr>
+          <p:nvPr>
+            <p:ph type="body" idx="1"/>
+          </p:nvPr>
+        </p:nvSpPr>
+        <p:spPr/>
+        <p:txBody>
+          <a:bodyPr/>
+          <a:lstStyle/>
+          <a:p>
+            <a:pPr>
+              <a:lnSpc>
+                <a:spcPts val="1425"/>
+              </a:lnSpc>
+            </a:pPr>
+            <a:r>
+              <a:rPr lang="en-US" b="0" dirty="0">
+                <a:solidFill>
+                  <a:srgbClr val="6796E6"/>
+                </a:solidFill>
+                <a:effectLst/>
+                <a:latin typeface="Consolas" panose="020B0609020204030204" pitchFamily="49" charset="0"/>
+              </a:rPr>
+              <a:t>-</a:t>
+            </a:r>
+            <a:r>
+              <a:rPr lang="en-US" b="0" dirty="0">
+                <a:solidFill>
+                  <a:srgbClr val="CCCCCC"/>
+                </a:solidFill>
+                <a:effectLst/>
+                <a:latin typeface="Consolas" panose="020B0609020204030204" pitchFamily="49" charset="0"/>
+              </a:rPr>
+              <a:t>   Prevents dependency conflicts.</a:t>
+            </a:r>
+          </a:p>
+          <a:p>
+            <a:pPr>
+              <a:lnSpc>
+                <a:spcPts val="1425"/>
+              </a:lnSpc>
+            </a:pPr>
+            <a:r>
+              <a:rPr lang="en-US" b="0" dirty="0">
+                <a:solidFill>
+                  <a:srgbClr val="6796E6"/>
+                </a:solidFill>
+                <a:effectLst/>
+                <a:latin typeface="Consolas" panose="020B0609020204030204" pitchFamily="49" charset="0"/>
+              </a:rPr>
+              <a:t>-</a:t>
+            </a:r>
+            <a:r>
+              <a:rPr lang="en-US" b="0" dirty="0">
+                <a:solidFill>
+                  <a:srgbClr val="CCCCCC"/>
+                </a:solidFill>
+                <a:effectLst/>
+                <a:latin typeface="Consolas" panose="020B0609020204030204" pitchFamily="49" charset="0"/>
+              </a:rPr>
+              <a:t>   Important part of research reproducibility.</a:t>
+            </a:r>
+          </a:p>
+          <a:p>
+            <a:pPr>
+              <a:lnSpc>
+                <a:spcPts val="1425"/>
+              </a:lnSpc>
+            </a:pPr>
+            <a:r>
+              <a:rPr lang="en-US" b="0" dirty="0">
+                <a:solidFill>
+                  <a:srgbClr val="6796E6"/>
+                </a:solidFill>
+                <a:effectLst/>
+                <a:latin typeface="Consolas" panose="020B0609020204030204" pitchFamily="49" charset="0"/>
+              </a:rPr>
+              <a:t>-</a:t>
+            </a:r>
+            <a:r>
+              <a:rPr lang="en-US" b="0" dirty="0">
+                <a:solidFill>
+                  <a:srgbClr val="CCCCCC"/>
+                </a:solidFill>
+                <a:effectLst/>
+                <a:latin typeface="Consolas" panose="020B0609020204030204" pitchFamily="49" charset="0"/>
+              </a:rPr>
+              <a:t>   May have heard of Docker or Singularity: "containers" for greater independence of software from your machine. Here we will stick with the basic but very common implementation: virtual environments and the requirements.txt file.</a:t>
+            </a:r>
+          </a:p>
+        </p:txBody>
+      </p:sp>
+      <p:sp>
+        <p:nvSpPr>
+          <p:cNvPr id="4" name="Slide Number Placeholder 3"/>
+          <p:cNvSpPr>
+            <a:spLocks noGrp="1"/>
+          </p:cNvSpPr>
+          <p:nvPr>
+            <p:ph type="sldNum" sz="quarter" idx="5"/>
+          </p:nvPr>
+        </p:nvSpPr>
+        <p:spPr/>
+        <p:txBody>
+          <a:bodyPr/>
+          <a:lstStyle/>
+          <a:p>
+            <a:fld id="{947B6143-73A9-458D-A6CA-502343DEF7E9}" type="slidenum">
+              <a:rPr lang="en-NZ" smtClean="0"/>
+              <a:t>7</a:t>
+            </a:fld>
+            <a:endParaRPr lang="en-NZ"/>
+          </a:p>
+        </p:txBody>
+      </p:sp>
+    </p:spTree>
+    <p:extLst>
+      <p:ext uri="{BB962C8B-B14F-4D97-AF65-F5344CB8AC3E}">
+        <p14:creationId xmlns:p14="http://schemas.microsoft.com/office/powerpoint/2010/main" val="2170677127"/>
+      </p:ext>
+    </p:extLst>
+  </p:cSld>
+  <p:clrMapOvr>
+    <a:masterClrMapping/>
+  </p:clrMapOvr>
+</p:notes>
+</file>
+
+<file path=ppt/notesSlides/notesSlide8.xml><?xml version="1.0" encoding="utf-8"?>
+<p:notes xmlns:a="http://schemas.openxmlformats.org/drawingml/2006/main" xmlns:r="http://schemas.openxmlformats.org/officeDocument/2006/relationships" xmlns:p="http://schemas.openxmlformats.org/presentationml/2006/main">
+  <p:cSld>
+    <p:spTree>
+      <p:nvGrpSpPr>
+        <p:cNvPr id="1" name=""/>
+        <p:cNvGrpSpPr/>
+        <p:nvPr/>
+      </p:nvGrpSpPr>
+      <p:grpSpPr>
+        <a:xfrm>
+          <a:off x="0" y="0"/>
+          <a:ext cx="0" cy="0"/>
+          <a:chOff x="0" y="0"/>
+          <a:chExt cx="0" cy="0"/>
+        </a:xfrm>
+      </p:grpSpPr>
+      <p:sp>
+        <p:nvSpPr>
+          <p:cNvPr id="2" name="Slide Image Placeholder 1"/>
+          <p:cNvSpPr>
+            <a:spLocks noGrp="1" noRot="1" noChangeAspect="1"/>
+          </p:cNvSpPr>
+          <p:nvPr>
+            <p:ph type="sldImg"/>
+          </p:nvPr>
+        </p:nvSpPr>
+        <p:spPr/>
+      </p:sp>
+      <p:sp>
+        <p:nvSpPr>
+          <p:cNvPr id="3" name="Notes Placeholder 2"/>
+          <p:cNvSpPr>
+            <a:spLocks noGrp="1"/>
+          </p:cNvSpPr>
+          <p:nvPr>
+            <p:ph type="body" idx="1"/>
+          </p:nvPr>
+        </p:nvSpPr>
+        <p:spPr/>
+        <p:txBody>
+          <a:bodyPr/>
+          <a:lstStyle/>
+          <a:p>
+            <a:r>
+              <a:rPr lang="en-NZ" dirty="0"/>
+              <a:t>NESI also have lots of great workshops! Command line, machine learning</a:t>
+            </a:r>
+          </a:p>
+        </p:txBody>
+      </p:sp>
+      <p:sp>
+        <p:nvSpPr>
+          <p:cNvPr id="4" name="Slide Number Placeholder 3"/>
+          <p:cNvSpPr>
+            <a:spLocks noGrp="1"/>
+          </p:cNvSpPr>
+          <p:nvPr>
+            <p:ph type="sldNum" sz="quarter" idx="5"/>
+          </p:nvPr>
+        </p:nvSpPr>
+        <p:spPr/>
+        <p:txBody>
+          <a:bodyPr/>
+          <a:lstStyle/>
+          <a:p>
+            <a:fld id="{947B6143-73A9-458D-A6CA-502343DEF7E9}" type="slidenum">
+              <a:rPr lang="en-NZ" smtClean="0"/>
+              <a:t>10</a:t>
+            </a:fld>
+            <a:endParaRPr lang="en-NZ"/>
+          </a:p>
+        </p:txBody>
+      </p:sp>
+    </p:spTree>
+    <p:extLst>
+      <p:ext uri="{BB962C8B-B14F-4D97-AF65-F5344CB8AC3E}">
+        <p14:creationId xmlns:p14="http://schemas.microsoft.com/office/powerpoint/2010/main" val="1430325904"/>
+      </p:ext>
+    </p:extLst>
+  </p:cSld>
+  <p:clrMapOvr>
+    <a:masterClrMapping/>
+  </p:clrMapOvr>
+</p:notes>
+</file>
+
+<file path=ppt/notesSlides/notesSlide9.xml><?xml version="1.0" encoding="utf-8"?>
+<p:notes xmlns:a="http://schemas.openxmlformats.org/drawingml/2006/main" xmlns:r="http://schemas.openxmlformats.org/officeDocument/2006/relationships" xmlns:p="http://schemas.openxmlformats.org/presentationml/2006/main">
+  <p:cSld>
+    <p:spTree>
+      <p:nvGrpSpPr>
+        <p:cNvPr id="1" name=""/>
+        <p:cNvGrpSpPr/>
+        <p:nvPr/>
+      </p:nvGrpSpPr>
+      <p:grpSpPr>
+        <a:xfrm>
+          <a:off x="0" y="0"/>
+          <a:ext cx="0" cy="0"/>
+          <a:chOff x="0" y="0"/>
+          <a:chExt cx="0" cy="0"/>
+        </a:xfrm>
+      </p:grpSpPr>
+      <p:sp>
+        <p:nvSpPr>
+          <p:cNvPr id="2" name="Slide Image Placeholder 1"/>
+          <p:cNvSpPr>
+            <a:spLocks noGrp="1" noRot="1" noChangeAspect="1"/>
+          </p:cNvSpPr>
+          <p:nvPr>
+            <p:ph type="sldImg"/>
+          </p:nvPr>
+        </p:nvSpPr>
+        <p:spPr/>
+      </p:sp>
+      <p:sp>
+        <p:nvSpPr>
+          <p:cNvPr id="3" name="Notes Placeholder 2"/>
+          <p:cNvSpPr>
+            <a:spLocks noGrp="1"/>
+          </p:cNvSpPr>
+          <p:nvPr>
+            <p:ph type="body" idx="1"/>
+          </p:nvPr>
+        </p:nvSpPr>
+        <p:spPr/>
+        <p:txBody>
+          <a:bodyPr/>
+          <a:lstStyle/>
+          <a:p>
+            <a:endParaRPr lang="en-NZ" dirty="0"/>
+          </a:p>
+        </p:txBody>
+      </p:sp>
+      <p:sp>
+        <p:nvSpPr>
+          <p:cNvPr id="4" name="Slide Number Placeholder 3"/>
+          <p:cNvSpPr>
+            <a:spLocks noGrp="1"/>
+          </p:cNvSpPr>
+          <p:nvPr>
+            <p:ph type="sldNum" sz="quarter" idx="5"/>
+          </p:nvPr>
+        </p:nvSpPr>
+        <p:spPr/>
+        <p:txBody>
+          <a:bodyPr/>
+          <a:lstStyle/>
+          <a:p>
+            <a:fld id="{947B6143-73A9-458D-A6CA-502343DEF7E9}" type="slidenum">
+              <a:rPr lang="en-NZ" smtClean="0"/>
+              <a:t>12</a:t>
+            </a:fld>
+            <a:endParaRPr lang="en-NZ"/>
+          </a:p>
+        </p:txBody>
+      </p:sp>
+    </p:spTree>
+    <p:extLst>
+      <p:ext uri="{BB962C8B-B14F-4D97-AF65-F5344CB8AC3E}">
+        <p14:creationId xmlns:p14="http://schemas.microsoft.com/office/powerpoint/2010/main" val="932527005"/>
       </p:ext>
     </p:extLst>
   </p:cSld>
@@ -4390,7 +5236,7 @@
           <p:cNvPr id="2" name="Title 1">
             <a:extLst>
               <a:ext uri="{FF2B5EF4-FFF2-40B4-BE49-F238E27FC236}">
-                <a16:creationId xmlns:a16="http://schemas.microsoft.com/office/drawing/2014/main" id="{0428D158-0E70-060C-3FF0-2113656E777B}"/>
+                <a16:creationId xmlns:a16="http://schemas.microsoft.com/office/drawing/2014/main" id="{9B5AE8CE-6975-8C6A-4A03-809D2D5115D5}"/>
               </a:ext>
             </a:extLst>
           </p:cNvPr>
@@ -4408,7 +5254,15 @@
           <a:p>
             <a:r>
               <a:rPr lang="en-NZ" dirty="0"/>
-              <a:t>ANY QUESTIONS?</a:t>
+              <a:t>Demo of using git with </a:t>
+            </a:r>
+            <a:r>
+              <a:rPr lang="en-NZ" dirty="0" err="1"/>
+              <a:t>hpc</a:t>
+            </a:r>
+            <a:r>
+              <a:rPr lang="en-NZ" dirty="0"/>
+              <a:t> cluster</a:t>
             </a:r>
           </a:p>
         </p:txBody>
@@ -4418,7 +5272,7 @@
           <p:cNvPr id="3" name="Content Placeholder 2">
             <a:extLst>
               <a:ext uri="{FF2B5EF4-FFF2-40B4-BE49-F238E27FC236}">
-                <a16:creationId xmlns:a16="http://schemas.microsoft.com/office/drawing/2014/main" id="{EF67F7C3-C3D9-1CE3-1358-A16B45E059A4}"/>
+                <a16:creationId xmlns:a16="http://schemas.microsoft.com/office/drawing/2014/main" id="{98153988-A762-04F9-581F-AAB78053FA5A}"/>
               </a:ext>
             </a:extLst>
           </p:cNvPr>
@@ -4434,7 +5288,7 @@
           <a:bodyPr/>
           <a:lstStyle/>
           <a:p>
-            <a:endParaRPr lang="en-NZ"/>
+            <a:endParaRPr lang="en-NZ" dirty="0"/>
           </a:p>
         </p:txBody>
       </p:sp>
@@ -4443,7 +5297,7 @@
           <p:cNvPr id="4" name="Slide Number Placeholder 3">
             <a:extLst>
               <a:ext uri="{FF2B5EF4-FFF2-40B4-BE49-F238E27FC236}">
-                <a16:creationId xmlns:a16="http://schemas.microsoft.com/office/drawing/2014/main" id="{5B40DAFF-2D99-9BF6-0B5C-3E65778D3DFF}"/>
+                <a16:creationId xmlns:a16="http://schemas.microsoft.com/office/drawing/2014/main" id="{11E65893-55E5-6BF1-5585-B4D74FA66ABC}"/>
               </a:ext>
             </a:extLst>
           </p:cNvPr>
@@ -4467,10 +5321,87 @@
           </a:p>
         </p:txBody>
       </p:sp>
+      <p:pic>
+        <p:nvPicPr>
+          <p:cNvPr id="13" name="Picture 12">
+            <a:extLst>
+              <a:ext uri="{FF2B5EF4-FFF2-40B4-BE49-F238E27FC236}">
+                <a16:creationId xmlns:a16="http://schemas.microsoft.com/office/drawing/2014/main" id="{9B0D5607-FCCF-F753-BC24-3BEB8816E098}"/>
+              </a:ext>
+            </a:extLst>
+          </p:cNvPr>
+          <p:cNvPicPr>
+            <a:picLocks noChangeAspect="1"/>
+          </p:cNvPicPr>
+          <p:nvPr/>
+        </p:nvPicPr>
+        <p:blipFill>
+          <a:blip r:embed="rId3"/>
+          <a:stretch>
+            <a:fillRect/>
+          </a:stretch>
+        </p:blipFill>
+        <p:spPr>
+          <a:xfrm>
+            <a:off x="800100" y="2847523"/>
+            <a:ext cx="4710653" cy="2069534"/>
+          </a:xfrm>
+          <a:prstGeom prst="rect">
+            <a:avLst/>
+          </a:prstGeom>
+        </p:spPr>
+      </p:pic>
+      <p:pic>
+        <p:nvPicPr>
+          <p:cNvPr id="1026" name="Picture 2">
+            <a:extLst>
+              <a:ext uri="{FF2B5EF4-FFF2-40B4-BE49-F238E27FC236}">
+                <a16:creationId xmlns:a16="http://schemas.microsoft.com/office/drawing/2014/main" id="{D1868639-5740-073E-6BA7-65A696141DC9}"/>
+              </a:ext>
+            </a:extLst>
+          </p:cNvPr>
+          <p:cNvPicPr>
+            <a:picLocks noChangeAspect="1" noChangeArrowheads="1"/>
+          </p:cNvPicPr>
+          <p:nvPr/>
+        </p:nvPicPr>
+        <p:blipFill>
+          <a:blip r:embed="rId4">
+            <a:extLst>
+              <a:ext uri="{28A0092B-C50C-407E-A947-70E740481C1C}">
+                <a14:useLocalDpi xmlns:a14="http://schemas.microsoft.com/office/drawing/2010/main" val="0"/>
+              </a:ext>
+            </a:extLst>
+          </a:blip>
+          <a:srcRect/>
+          <a:stretch>
+            <a:fillRect/>
+          </a:stretch>
+        </p:blipFill>
+        <p:spPr bwMode="auto">
+          <a:xfrm>
+            <a:off x="5977791" y="2994079"/>
+            <a:ext cx="5414109" cy="2195722"/>
+          </a:xfrm>
+          <a:prstGeom prst="rect">
+            <a:avLst/>
+          </a:prstGeom>
+          <a:noFill/>
+          <a:extLst>
+            <a:ext uri="{909E8E84-426E-40DD-AFC4-6F175D3DCCD1}">
+              <a14:hiddenFill xmlns:a14="http://schemas.microsoft.com/office/drawing/2010/main">
+                <a:solidFill>
+                  <a:srgbClr val="FFFFFF"/>
+                </a:solidFill>
+              </a14:hiddenFill>
+            </a:ext>
+          </a:extLst>
+        </p:spPr>
+      </p:pic>
     </p:spTree>
     <p:extLst>
       <p:ext uri="{BB962C8B-B14F-4D97-AF65-F5344CB8AC3E}">
-        <p14:creationId xmlns:p14="http://schemas.microsoft.com/office/powerpoint/2010/main" val="667063181"/>
+        <p14:creationId xmlns:p14="http://schemas.microsoft.com/office/powerpoint/2010/main" val="3375059563"/>
       </p:ext>
     </p:extLst>
   </p:cSld>
@@ -4502,7 +5433,7 @@
           <p:cNvPr id="2" name="Title 1">
             <a:extLst>
               <a:ext uri="{FF2B5EF4-FFF2-40B4-BE49-F238E27FC236}">
-                <a16:creationId xmlns:a16="http://schemas.microsoft.com/office/drawing/2014/main" id="{5D35EF42-9A52-AEE2-4F3B-E613783397AC}"/>
+                <a16:creationId xmlns:a16="http://schemas.microsoft.com/office/drawing/2014/main" id="{1D7A232C-750D-CCEB-52F6-D3FA0B62157B}"/>
               </a:ext>
             </a:extLst>
           </p:cNvPr>
@@ -4520,7 +5451,7 @@
           <a:p>
             <a:r>
               <a:rPr lang="en-NZ" dirty="0"/>
-              <a:t>Final thoughts</a:t>
+              <a:t>SHARING YOUR REPO</a:t>
             </a:r>
           </a:p>
         </p:txBody>
@@ -4530,7 +5461,7 @@
           <p:cNvPr id="3" name="Content Placeholder 2">
             <a:extLst>
               <a:ext uri="{FF2B5EF4-FFF2-40B4-BE49-F238E27FC236}">
-                <a16:creationId xmlns:a16="http://schemas.microsoft.com/office/drawing/2014/main" id="{3889EC90-46C7-314A-9372-06B5E4AF3101}"/>
+                <a16:creationId xmlns:a16="http://schemas.microsoft.com/office/drawing/2014/main" id="{5D64C27A-CD81-95A3-23BE-540C2BE90733}"/>
               </a:ext>
             </a:extLst>
           </p:cNvPr>
@@ -4543,44 +5474,109 @@
         </p:nvSpPr>
         <p:spPr/>
         <p:txBody>
-          <a:bodyPr/>
-          <a:lstStyle/>
-          <a:p>
+          <a:bodyPr>
+            <a:normAutofit fontScale="92500"/>
+          </a:bodyPr>
+          <a:lstStyle/>
+          <a:p>
+            <a:r>
+              <a:rPr lang="en-NZ" b="1" dirty="0"/>
+              <a:t>Want reproducible analysis not just for ourselves or our colleagues, but for the whole scientific community. </a:t>
+            </a:r>
             <a:r>
               <a:rPr lang="en-NZ" dirty="0"/>
-              <a:t>Feel free to use my template however much you want – just remember the “Use this template” button</a:t>
+              <a:t>Share data and software in your papers!</a:t>
+            </a:r>
+            <a:endParaRPr lang="en-NZ" b="1" dirty="0"/>
+          </a:p>
+          <a:p>
+            <a:r>
+              <a:rPr lang="en-NZ" b="1" dirty="0"/>
+              <a:t>How could we do this?</a:t>
             </a:r>
           </a:p>
           <a:p>
             <a:r>
               <a:rPr lang="en-NZ" dirty="0"/>
-              <a:t>This is all extra work, but it’s worth it: for you, for your colleagues, and for science</a:t>
+              <a:t>All too common: </a:t>
+            </a:r>
+            <a:r>
+              <a:rPr lang="en-NZ" i="1" dirty="0"/>
+              <a:t>The data (and maybe poorly documented code) are available on reasonable request</a:t>
             </a:r>
           </a:p>
           <a:p>
             <a:r>
               <a:rPr lang="en-NZ" dirty="0"/>
-              <a:t>It’s also not the whole picture: need tidy, readable, documented, modular code as well!</a:t>
+              <a:t>Better: </a:t>
+            </a:r>
+            <a:r>
+              <a:rPr lang="en-NZ" i="1" dirty="0"/>
+              <a:t>Here’s the link to my GitHub repo</a:t>
             </a:r>
           </a:p>
           <a:p>
             <a:r>
               <a:rPr lang="en-NZ" dirty="0"/>
-              <a:t>ChatGPT and other LLMs are an invaluable tool – as long as you’re not blindly copy-pasting!</a:t>
-            </a:r>
-          </a:p>
-          <a:p>
-            <a:pPr lvl="1"/>
+              <a:t>Best: </a:t>
+            </a:r>
+            <a:r>
+              <a:rPr lang="en-NZ" i="1" dirty="0"/>
+              <a:t>The code is available on GitHub (link) and </a:t>
+            </a:r>
+            <a:r>
+              <a:rPr lang="en-NZ" b="1" i="1" dirty="0"/>
+              <a:t>is archived in </a:t>
+            </a:r>
+            <a:r>
+              <a:rPr lang="en-NZ" b="1" i="1" dirty="0" err="1"/>
+              <a:t>Zenodo</a:t>
+            </a:r>
+            <a:r>
+              <a:rPr lang="en-NZ" b="1" i="1" dirty="0"/>
+              <a:t> (citation with DOI)</a:t>
+            </a:r>
+            <a:endParaRPr lang="en-NZ" b="1" dirty="0"/>
+          </a:p>
+          <a:p>
+            <a:r>
+              <a:rPr lang="en-NZ" dirty="0" err="1"/>
+              <a:t>Zenodo</a:t>
+            </a:r>
             <a:r>
               <a:rPr lang="en-NZ" dirty="0"/>
-              <a:t>For VS Code users, highly recommend installing Copilot. Limited version free to everyone, unlimited if you sign up to a GitHub student account</a:t>
-            </a:r>
-          </a:p>
-          <a:p>
+              <a:t>-GitHub integration -&gt; </a:t>
+            </a:r>
+            <a:r>
+              <a:rPr lang="en-NZ" dirty="0" err="1"/>
+              <a:t>CITATION.cff</a:t>
+            </a:r>
             <a:r>
               <a:rPr lang="en-NZ" dirty="0"/>
-              <a:t>Any volunteers for SNAP student rep?</a:t>
-            </a:r>
+              <a:t> file in repo -&gt; easy copy-and-paste </a:t>
+            </a:r>
+            <a:r>
+              <a:rPr lang="en-NZ" dirty="0" err="1"/>
+              <a:t>BibTex</a:t>
+            </a:r>
+            <a:r>
+              <a:rPr lang="en-NZ" dirty="0"/>
+              <a:t> citation</a:t>
+            </a:r>
+          </a:p>
+          <a:p>
+            <a:r>
+              <a:rPr lang="en-NZ" b="1" dirty="0"/>
+              <a:t>Finally, ensure you have good documentation for when they get the codes! </a:t>
+            </a:r>
+            <a:r>
+              <a:rPr lang="en-NZ" dirty="0"/>
+              <a:t>At minimum, a comprehensive README and metadata (explanation of the data and where it came from)</a:t>
+            </a:r>
+            <a:endParaRPr lang="en-NZ" b="1" dirty="0"/>
+          </a:p>
+          <a:p>
+            <a:endParaRPr lang="en-NZ" dirty="0"/>
           </a:p>
         </p:txBody>
       </p:sp>
@@ -4589,7 +5585,7 @@
           <p:cNvPr id="4" name="Slide Number Placeholder 3">
             <a:extLst>
               <a:ext uri="{FF2B5EF4-FFF2-40B4-BE49-F238E27FC236}">
-                <a16:creationId xmlns:a16="http://schemas.microsoft.com/office/drawing/2014/main" id="{A59F4115-B136-44FB-5CD5-40024E5D794A}"/>
+                <a16:creationId xmlns:a16="http://schemas.microsoft.com/office/drawing/2014/main" id="{2BA43C81-E3F2-2CC5-4115-BE881812AF57}"/>
               </a:ext>
             </a:extLst>
           </p:cNvPr>
@@ -4608,6 +5604,588 @@
             <a:fld id="{87E7843D-FF13-4365-9478-9625B70A2705}" type="slidenum">
               <a:rPr lang="en-US" smtClean="0"/>
               <a:t>11</a:t>
+            </a:fld>
+            <a:endParaRPr lang="en-US"/>
+          </a:p>
+        </p:txBody>
+      </p:sp>
+      <p:pic>
+        <p:nvPicPr>
+          <p:cNvPr id="6" name="Picture 5">
+            <a:extLst>
+              <a:ext uri="{FF2B5EF4-FFF2-40B4-BE49-F238E27FC236}">
+                <a16:creationId xmlns:a16="http://schemas.microsoft.com/office/drawing/2014/main" id="{4DA38D3D-39F7-BDAA-54A9-83ED0275D911}"/>
+              </a:ext>
+            </a:extLst>
+          </p:cNvPr>
+          <p:cNvPicPr>
+            <a:picLocks noChangeAspect="1"/>
+          </p:cNvPicPr>
+          <p:nvPr/>
+        </p:nvPicPr>
+        <p:blipFill>
+          <a:blip r:embed="rId2"/>
+          <a:stretch>
+            <a:fillRect/>
+          </a:stretch>
+        </p:blipFill>
+        <p:spPr>
+          <a:xfrm>
+            <a:off x="6394570" y="1040462"/>
+            <a:ext cx="2213629" cy="787068"/>
+          </a:xfrm>
+          <a:prstGeom prst="rect">
+            <a:avLst/>
+          </a:prstGeom>
+        </p:spPr>
+      </p:pic>
+      <p:pic>
+        <p:nvPicPr>
+          <p:cNvPr id="8" name="Picture 7">
+            <a:extLst>
+              <a:ext uri="{FF2B5EF4-FFF2-40B4-BE49-F238E27FC236}">
+                <a16:creationId xmlns:a16="http://schemas.microsoft.com/office/drawing/2014/main" id="{2E294227-DB94-7AFC-87CD-D470C870301B}"/>
+              </a:ext>
+            </a:extLst>
+          </p:cNvPr>
+          <p:cNvPicPr>
+            <a:picLocks noChangeAspect="1"/>
+          </p:cNvPicPr>
+          <p:nvPr/>
+        </p:nvPicPr>
+        <p:blipFill>
+          <a:blip r:embed="rId3"/>
+          <a:stretch>
+            <a:fillRect/>
+          </a:stretch>
+        </p:blipFill>
+        <p:spPr>
+          <a:xfrm>
+            <a:off x="9281051" y="1027349"/>
+            <a:ext cx="1437997" cy="813294"/>
+          </a:xfrm>
+          <a:prstGeom prst="rect">
+            <a:avLst/>
+          </a:prstGeom>
+        </p:spPr>
+      </p:pic>
+    </p:spTree>
+    <p:extLst>
+      <p:ext uri="{BB962C8B-B14F-4D97-AF65-F5344CB8AC3E}">
+        <p14:creationId xmlns:p14="http://schemas.microsoft.com/office/powerpoint/2010/main" val="2651438960"/>
+      </p:ext>
+    </p:extLst>
+  </p:cSld>
+  <p:clrMapOvr>
+    <a:masterClrMapping/>
+  </p:clrMapOvr>
+  <p:timing>
+    <p:tnLst>
+      <p:par>
+        <p:cTn id="1" dur="indefinite" restart="never" nodeType="tmRoot">
+          <p:childTnLst>
+            <p:seq concurrent="1" nextAc="seek">
+              <p:cTn id="2" dur="indefinite" nodeType="mainSeq">
+                <p:childTnLst>
+                  <p:par>
+                    <p:cTn id="3" fill="hold">
+                      <p:stCondLst>
+                        <p:cond delay="indefinite"/>
+                      </p:stCondLst>
+                      <p:childTnLst>
+                        <p:par>
+                          <p:cTn id="4" fill="hold">
+                            <p:stCondLst>
+                              <p:cond delay="0"/>
+                            </p:stCondLst>
+                            <p:childTnLst>
+                              <p:par>
+                                <p:cTn id="5" presetID="1" presetClass="entr" presetSubtype="0" fill="hold" grpId="0" nodeType="clickEffect">
+                                  <p:stCondLst>
+                                    <p:cond delay="0"/>
+                                  </p:stCondLst>
+                                  <p:childTnLst>
+                                    <p:set>
+                                      <p:cBhvr>
+                                        <p:cTn id="6" dur="1" fill="hold">
+                                          <p:stCondLst>
+                                            <p:cond delay="0"/>
+                                          </p:stCondLst>
+                                        </p:cTn>
+                                        <p:tgtEl>
+                                          <p:spTgt spid="3">
+                                            <p:txEl>
+                                              <p:pRg st="0" end="0"/>
+                                            </p:txEl>
+                                          </p:spTgt>
+                                        </p:tgtEl>
+                                        <p:attrNameLst>
+                                          <p:attrName>style.visibility</p:attrName>
+                                        </p:attrNameLst>
+                                      </p:cBhvr>
+                                      <p:to>
+                                        <p:strVal val="visible"/>
+                                      </p:to>
+                                    </p:set>
+                                  </p:childTnLst>
+                                </p:cTn>
+                              </p:par>
+                            </p:childTnLst>
+                          </p:cTn>
+                        </p:par>
+                      </p:childTnLst>
+                    </p:cTn>
+                  </p:par>
+                  <p:par>
+                    <p:cTn id="7" fill="hold">
+                      <p:stCondLst>
+                        <p:cond delay="indefinite"/>
+                      </p:stCondLst>
+                      <p:childTnLst>
+                        <p:par>
+                          <p:cTn id="8" fill="hold">
+                            <p:stCondLst>
+                              <p:cond delay="0"/>
+                            </p:stCondLst>
+                            <p:childTnLst>
+                              <p:par>
+                                <p:cTn id="9" presetID="1" presetClass="entr" presetSubtype="0" fill="hold" grpId="0" nodeType="clickEffect">
+                                  <p:stCondLst>
+                                    <p:cond delay="0"/>
+                                  </p:stCondLst>
+                                  <p:childTnLst>
+                                    <p:set>
+                                      <p:cBhvr>
+                                        <p:cTn id="10" dur="1" fill="hold">
+                                          <p:stCondLst>
+                                            <p:cond delay="0"/>
+                                          </p:stCondLst>
+                                        </p:cTn>
+                                        <p:tgtEl>
+                                          <p:spTgt spid="3">
+                                            <p:txEl>
+                                              <p:pRg st="1" end="1"/>
+                                            </p:txEl>
+                                          </p:spTgt>
+                                        </p:tgtEl>
+                                        <p:attrNameLst>
+                                          <p:attrName>style.visibility</p:attrName>
+                                        </p:attrNameLst>
+                                      </p:cBhvr>
+                                      <p:to>
+                                        <p:strVal val="visible"/>
+                                      </p:to>
+                                    </p:set>
+                                  </p:childTnLst>
+                                </p:cTn>
+                              </p:par>
+                            </p:childTnLst>
+                          </p:cTn>
+                        </p:par>
+                      </p:childTnLst>
+                    </p:cTn>
+                  </p:par>
+                  <p:par>
+                    <p:cTn id="11" fill="hold">
+                      <p:stCondLst>
+                        <p:cond delay="indefinite"/>
+                      </p:stCondLst>
+                      <p:childTnLst>
+                        <p:par>
+                          <p:cTn id="12" fill="hold">
+                            <p:stCondLst>
+                              <p:cond delay="0"/>
+                            </p:stCondLst>
+                            <p:childTnLst>
+                              <p:par>
+                                <p:cTn id="13" presetID="1" presetClass="entr" presetSubtype="0" fill="hold" grpId="0" nodeType="clickEffect">
+                                  <p:stCondLst>
+                                    <p:cond delay="0"/>
+                                  </p:stCondLst>
+                                  <p:childTnLst>
+                                    <p:set>
+                                      <p:cBhvr>
+                                        <p:cTn id="14" dur="1" fill="hold">
+                                          <p:stCondLst>
+                                            <p:cond delay="0"/>
+                                          </p:stCondLst>
+                                        </p:cTn>
+                                        <p:tgtEl>
+                                          <p:spTgt spid="3">
+                                            <p:txEl>
+                                              <p:pRg st="2" end="2"/>
+                                            </p:txEl>
+                                          </p:spTgt>
+                                        </p:tgtEl>
+                                        <p:attrNameLst>
+                                          <p:attrName>style.visibility</p:attrName>
+                                        </p:attrNameLst>
+                                      </p:cBhvr>
+                                      <p:to>
+                                        <p:strVal val="visible"/>
+                                      </p:to>
+                                    </p:set>
+                                  </p:childTnLst>
+                                </p:cTn>
+                              </p:par>
+                            </p:childTnLst>
+                          </p:cTn>
+                        </p:par>
+                      </p:childTnLst>
+                    </p:cTn>
+                  </p:par>
+                  <p:par>
+                    <p:cTn id="15" fill="hold">
+                      <p:stCondLst>
+                        <p:cond delay="indefinite"/>
+                      </p:stCondLst>
+                      <p:childTnLst>
+                        <p:par>
+                          <p:cTn id="16" fill="hold">
+                            <p:stCondLst>
+                              <p:cond delay="0"/>
+                            </p:stCondLst>
+                            <p:childTnLst>
+                              <p:par>
+                                <p:cTn id="17" presetID="1" presetClass="entr" presetSubtype="0" fill="hold" grpId="0" nodeType="clickEffect">
+                                  <p:stCondLst>
+                                    <p:cond delay="0"/>
+                                  </p:stCondLst>
+                                  <p:childTnLst>
+                                    <p:set>
+                                      <p:cBhvr>
+                                        <p:cTn id="18" dur="1" fill="hold">
+                                          <p:stCondLst>
+                                            <p:cond delay="0"/>
+                                          </p:stCondLst>
+                                        </p:cTn>
+                                        <p:tgtEl>
+                                          <p:spTgt spid="3">
+                                            <p:txEl>
+                                              <p:pRg st="3" end="3"/>
+                                            </p:txEl>
+                                          </p:spTgt>
+                                        </p:tgtEl>
+                                        <p:attrNameLst>
+                                          <p:attrName>style.visibility</p:attrName>
+                                        </p:attrNameLst>
+                                      </p:cBhvr>
+                                      <p:to>
+                                        <p:strVal val="visible"/>
+                                      </p:to>
+                                    </p:set>
+                                  </p:childTnLst>
+                                </p:cTn>
+                              </p:par>
+                            </p:childTnLst>
+                          </p:cTn>
+                        </p:par>
+                      </p:childTnLst>
+                    </p:cTn>
+                  </p:par>
+                  <p:par>
+                    <p:cTn id="19" fill="hold">
+                      <p:stCondLst>
+                        <p:cond delay="indefinite"/>
+                      </p:stCondLst>
+                      <p:childTnLst>
+                        <p:par>
+                          <p:cTn id="20" fill="hold">
+                            <p:stCondLst>
+                              <p:cond delay="0"/>
+                            </p:stCondLst>
+                            <p:childTnLst>
+                              <p:par>
+                                <p:cTn id="21" presetID="1" presetClass="entr" presetSubtype="0" fill="hold" grpId="0" nodeType="clickEffect">
+                                  <p:stCondLst>
+                                    <p:cond delay="0"/>
+                                  </p:stCondLst>
+                                  <p:childTnLst>
+                                    <p:set>
+                                      <p:cBhvr>
+                                        <p:cTn id="22" dur="1" fill="hold">
+                                          <p:stCondLst>
+                                            <p:cond delay="0"/>
+                                          </p:stCondLst>
+                                        </p:cTn>
+                                        <p:tgtEl>
+                                          <p:spTgt spid="3">
+                                            <p:txEl>
+                                              <p:pRg st="4" end="4"/>
+                                            </p:txEl>
+                                          </p:spTgt>
+                                        </p:tgtEl>
+                                        <p:attrNameLst>
+                                          <p:attrName>style.visibility</p:attrName>
+                                        </p:attrNameLst>
+                                      </p:cBhvr>
+                                      <p:to>
+                                        <p:strVal val="visible"/>
+                                      </p:to>
+                                    </p:set>
+                                  </p:childTnLst>
+                                </p:cTn>
+                              </p:par>
+                            </p:childTnLst>
+                          </p:cTn>
+                        </p:par>
+                      </p:childTnLst>
+                    </p:cTn>
+                  </p:par>
+                  <p:par>
+                    <p:cTn id="23" fill="hold">
+                      <p:stCondLst>
+                        <p:cond delay="indefinite"/>
+                      </p:stCondLst>
+                      <p:childTnLst>
+                        <p:par>
+                          <p:cTn id="24" fill="hold">
+                            <p:stCondLst>
+                              <p:cond delay="0"/>
+                            </p:stCondLst>
+                            <p:childTnLst>
+                              <p:par>
+                                <p:cTn id="25" presetID="1" presetClass="entr" presetSubtype="0" fill="hold" grpId="0" nodeType="clickEffect">
+                                  <p:stCondLst>
+                                    <p:cond delay="0"/>
+                                  </p:stCondLst>
+                                  <p:childTnLst>
+                                    <p:set>
+                                      <p:cBhvr>
+                                        <p:cTn id="26" dur="1" fill="hold">
+                                          <p:stCondLst>
+                                            <p:cond delay="0"/>
+                                          </p:stCondLst>
+                                        </p:cTn>
+                                        <p:tgtEl>
+                                          <p:spTgt spid="3">
+                                            <p:txEl>
+                                              <p:pRg st="5" end="5"/>
+                                            </p:txEl>
+                                          </p:spTgt>
+                                        </p:tgtEl>
+                                        <p:attrNameLst>
+                                          <p:attrName>style.visibility</p:attrName>
+                                        </p:attrNameLst>
+                                      </p:cBhvr>
+                                      <p:to>
+                                        <p:strVal val="visible"/>
+                                      </p:to>
+                                    </p:set>
+                                  </p:childTnLst>
+                                </p:cTn>
+                              </p:par>
+                            </p:childTnLst>
+                          </p:cTn>
+                        </p:par>
+                      </p:childTnLst>
+                    </p:cTn>
+                  </p:par>
+                  <p:par>
+                    <p:cTn id="27" fill="hold">
+                      <p:stCondLst>
+                        <p:cond delay="indefinite"/>
+                      </p:stCondLst>
+                      <p:childTnLst>
+                        <p:par>
+                          <p:cTn id="28" fill="hold">
+                            <p:stCondLst>
+                              <p:cond delay="0"/>
+                            </p:stCondLst>
+                            <p:childTnLst>
+                              <p:par>
+                                <p:cTn id="29" presetID="1" presetClass="entr" presetSubtype="0" fill="hold" grpId="0" nodeType="clickEffect">
+                                  <p:stCondLst>
+                                    <p:cond delay="0"/>
+                                  </p:stCondLst>
+                                  <p:childTnLst>
+                                    <p:set>
+                                      <p:cBhvr>
+                                        <p:cTn id="30" dur="1" fill="hold">
+                                          <p:stCondLst>
+                                            <p:cond delay="0"/>
+                                          </p:stCondLst>
+                                        </p:cTn>
+                                        <p:tgtEl>
+                                          <p:spTgt spid="3">
+                                            <p:txEl>
+                                              <p:pRg st="6" end="6"/>
+                                            </p:txEl>
+                                          </p:spTgt>
+                                        </p:tgtEl>
+                                        <p:attrNameLst>
+                                          <p:attrName>style.visibility</p:attrName>
+                                        </p:attrNameLst>
+                                      </p:cBhvr>
+                                      <p:to>
+                                        <p:strVal val="visible"/>
+                                      </p:to>
+                                    </p:set>
+                                  </p:childTnLst>
+                                </p:cTn>
+                              </p:par>
+                            </p:childTnLst>
+                          </p:cTn>
+                        </p:par>
+                      </p:childTnLst>
+                    </p:cTn>
+                  </p:par>
+                </p:childTnLst>
+              </p:cTn>
+              <p:prevCondLst>
+                <p:cond evt="onPrev" delay="0">
+                  <p:tgtEl>
+                    <p:sldTgt/>
+                  </p:tgtEl>
+                </p:cond>
+              </p:prevCondLst>
+              <p:nextCondLst>
+                <p:cond evt="onNext" delay="0">
+                  <p:tgtEl>
+                    <p:sldTgt/>
+                  </p:tgtEl>
+                </p:cond>
+              </p:nextCondLst>
+            </p:seq>
+          </p:childTnLst>
+        </p:cTn>
+      </p:par>
+    </p:tnLst>
+    <p:bldLst>
+      <p:bldP spid="3" grpId="0" build="p"/>
+    </p:bldLst>
+  </p:timing>
+</p:sld>
+</file>
+
+<file path=ppt/slides/slide12.xml><?xml version="1.0" encoding="utf-8"?>
+<p:sld xmlns:a="http://schemas.openxmlformats.org/drawingml/2006/main" xmlns:r="http://schemas.openxmlformats.org/officeDocument/2006/relationships" xmlns:p="http://schemas.openxmlformats.org/presentationml/2006/main">
+  <p:cSld>
+    <p:spTree>
+      <p:nvGrpSpPr>
+        <p:cNvPr id="1" name=""/>
+        <p:cNvGrpSpPr/>
+        <p:nvPr/>
+      </p:nvGrpSpPr>
+      <p:grpSpPr>
+        <a:xfrm>
+          <a:off x="0" y="0"/>
+          <a:ext cx="0" cy="0"/>
+          <a:chOff x="0" y="0"/>
+          <a:chExt cx="0" cy="0"/>
+        </a:xfrm>
+      </p:grpSpPr>
+      <p:sp>
+        <p:nvSpPr>
+          <p:cNvPr id="2" name="Title 1">
+            <a:extLst>
+              <a:ext uri="{FF2B5EF4-FFF2-40B4-BE49-F238E27FC236}">
+                <a16:creationId xmlns:a16="http://schemas.microsoft.com/office/drawing/2014/main" id="{5D35EF42-9A52-AEE2-4F3B-E613783397AC}"/>
+              </a:ext>
+            </a:extLst>
+          </p:cNvPr>
+          <p:cNvSpPr>
+            <a:spLocks noGrp="1"/>
+          </p:cNvSpPr>
+          <p:nvPr>
+            <p:ph type="title"/>
+          </p:nvPr>
+        </p:nvSpPr>
+        <p:spPr/>
+        <p:txBody>
+          <a:bodyPr/>
+          <a:lstStyle/>
+          <a:p>
+            <a:r>
+              <a:rPr lang="en-NZ" dirty="0"/>
+              <a:t>Final thoughts</a:t>
+            </a:r>
+          </a:p>
+        </p:txBody>
+      </p:sp>
+      <p:sp>
+        <p:nvSpPr>
+          <p:cNvPr id="3" name="Content Placeholder 2">
+            <a:extLst>
+              <a:ext uri="{FF2B5EF4-FFF2-40B4-BE49-F238E27FC236}">
+                <a16:creationId xmlns:a16="http://schemas.microsoft.com/office/drawing/2014/main" id="{3889EC90-46C7-314A-9372-06B5E4AF3101}"/>
+              </a:ext>
+            </a:extLst>
+          </p:cNvPr>
+          <p:cNvSpPr>
+            <a:spLocks noGrp="1"/>
+          </p:cNvSpPr>
+          <p:nvPr>
+            <p:ph idx="1"/>
+          </p:nvPr>
+        </p:nvSpPr>
+        <p:spPr/>
+        <p:txBody>
+          <a:bodyPr/>
+          <a:lstStyle/>
+          <a:p>
+            <a:r>
+              <a:rPr lang="en-NZ" dirty="0"/>
+              <a:t>Feel free to use my template however much you want – just remember the “Use this template” button</a:t>
+            </a:r>
+          </a:p>
+          <a:p>
+            <a:r>
+              <a:rPr lang="en-NZ" dirty="0"/>
+              <a:t>This is all extra work, but it’s worth it: for you, for your colleagues, and for science</a:t>
+            </a:r>
+          </a:p>
+          <a:p>
+            <a:r>
+              <a:rPr lang="en-NZ" dirty="0"/>
+              <a:t>It’s also not the whole picture: need tidy, readable, documented, modular code as well!</a:t>
+            </a:r>
+          </a:p>
+          <a:p>
+            <a:r>
+              <a:rPr lang="en-NZ" dirty="0"/>
+              <a:t>ChatGPT and other LLMs are an invaluable tool – as long as you’re not blindly copy-pasting!</a:t>
+            </a:r>
+          </a:p>
+          <a:p>
+            <a:pPr lvl="1"/>
+            <a:r>
+              <a:rPr lang="en-NZ" dirty="0"/>
+              <a:t>For VS Code users, highly recommend installing Copilot. Limited version free to everyone, unlimited if you sign up to a GitHub student account</a:t>
+            </a:r>
+          </a:p>
+          <a:p>
+            <a:r>
+              <a:rPr lang="en-NZ" dirty="0"/>
+              <a:t>Any volunteers for SNAP student rep?</a:t>
+            </a:r>
+          </a:p>
+        </p:txBody>
+      </p:sp>
+      <p:sp>
+        <p:nvSpPr>
+          <p:cNvPr id="4" name="Slide Number Placeholder 3">
+            <a:extLst>
+              <a:ext uri="{FF2B5EF4-FFF2-40B4-BE49-F238E27FC236}">
+                <a16:creationId xmlns:a16="http://schemas.microsoft.com/office/drawing/2014/main" id="{A59F4115-B136-44FB-5CD5-40024E5D794A}"/>
+              </a:ext>
+            </a:extLst>
+          </p:cNvPr>
+          <p:cNvSpPr>
+            <a:spLocks noGrp="1"/>
+          </p:cNvSpPr>
+          <p:nvPr>
+            <p:ph type="sldNum" sz="quarter" idx="12"/>
+          </p:nvPr>
+        </p:nvSpPr>
+        <p:spPr/>
+        <p:txBody>
+          <a:bodyPr/>
+          <a:lstStyle/>
+          <a:p>
+            <a:fld id="{87E7843D-FF13-4365-9478-9625B70A2705}" type="slidenum">
+              <a:rPr lang="en-US" smtClean="0"/>
+              <a:t>12</a:t>
             </a:fld>
             <a:endParaRPr lang="en-US"/>
           </a:p>
@@ -4935,7 +6513,7 @@
 </p:sld>
 </file>
 
-<file path=ppt/slides/slide2.xml><?xml version="1.0" encoding="utf-8"?>
+<file path=ppt/slides/slide13.xml><?xml version="1.0" encoding="utf-8"?>
 <p:sld xmlns:a="http://schemas.openxmlformats.org/drawingml/2006/main" xmlns:r="http://schemas.openxmlformats.org/officeDocument/2006/relationships" xmlns:p="http://schemas.openxmlformats.org/presentationml/2006/main">
   <p:cSld>
     <p:bg>
@@ -4960,12 +6538,116 @@
           <a:chExt cx="0" cy="0"/>
         </a:xfrm>
       </p:grpSpPr>
+      <p:cxnSp>
+        <p:nvCxnSpPr>
+          <p:cNvPr id="10" name="Straight Connector 9">
+            <a:extLst>
+              <a:ext uri="{FF2B5EF4-FFF2-40B4-BE49-F238E27FC236}">
+                <a16:creationId xmlns:a16="http://schemas.microsoft.com/office/drawing/2014/main" id="{F64F9B95-9045-48D2-B9F3-2927E98F54AA}"/>
+              </a:ext>
+              <a:ext uri="{C183D7F6-B498-43B3-948B-1728B52AA6E4}">
+                <adec:decorative xmlns:adec="http://schemas.microsoft.com/office/drawing/2017/decorative" val="1"/>
+              </a:ext>
+            </a:extLst>
+          </p:cNvPr>
+          <p:cNvCxnSpPr>
+            <a:cxnSpLocks noGrp="1" noRot="1" noChangeAspect="1" noMove="1" noResize="1" noEditPoints="1" noAdjustHandles="1" noChangeArrowheads="1" noChangeShapeType="1"/>
+          </p:cNvCxnSpPr>
+          <p:nvPr>
+            <p:extLst>
+              <p:ext uri="{386F3935-93C4-4BCD-93E2-E3B085C9AB24}">
+                <p16:designElem xmlns:p16="http://schemas.microsoft.com/office/powerpoint/2015/main" val="1"/>
+              </p:ext>
+            </p:extLst>
+          </p:nvPr>
+        </p:nvCxnSpPr>
+        <p:spPr>
+          <a:xfrm>
+            <a:off x="800100" y="723900"/>
+            <a:ext cx="10591800" cy="0"/>
+          </a:xfrm>
+          <a:prstGeom prst="line">
+            <a:avLst/>
+          </a:prstGeom>
+          <a:ln w="44450">
+            <a:solidFill>
+              <a:schemeClr val="tx1"/>
+            </a:solidFill>
+          </a:ln>
+        </p:spPr>
+        <p:style>
+          <a:lnRef idx="1">
+            <a:schemeClr val="accent1"/>
+          </a:lnRef>
+          <a:fillRef idx="0">
+            <a:schemeClr val="accent1"/>
+          </a:fillRef>
+          <a:effectRef idx="0">
+            <a:schemeClr val="accent1"/>
+          </a:effectRef>
+          <a:fontRef idx="minor">
+            <a:schemeClr val="tx1"/>
+          </a:fontRef>
+        </p:style>
+      </p:cxnSp>
+      <p:cxnSp>
+        <p:nvCxnSpPr>
+          <p:cNvPr id="12" name="Straight Connector 11">
+            <a:extLst>
+              <a:ext uri="{FF2B5EF4-FFF2-40B4-BE49-F238E27FC236}">
+                <a16:creationId xmlns:a16="http://schemas.microsoft.com/office/drawing/2014/main" id="{085AA86F-6A4D-4BCB-A045-D992CDC2959B}"/>
+              </a:ext>
+              <a:ext uri="{C183D7F6-B498-43B3-948B-1728B52AA6E4}">
+                <adec:decorative xmlns:adec="http://schemas.microsoft.com/office/drawing/2017/decorative" val="1"/>
+              </a:ext>
+            </a:extLst>
+          </p:cNvPr>
+          <p:cNvCxnSpPr>
+            <a:cxnSpLocks noGrp="1" noRot="1" noChangeAspect="1" noMove="1" noResize="1" noEditPoints="1" noAdjustHandles="1" noChangeArrowheads="1" noChangeShapeType="1"/>
+          </p:cNvCxnSpPr>
+          <p:nvPr>
+            <p:extLst>
+              <p:ext uri="{386F3935-93C4-4BCD-93E2-E3B085C9AB24}">
+                <p16:designElem xmlns:p16="http://schemas.microsoft.com/office/powerpoint/2015/main" val="1"/>
+              </p:ext>
+            </p:extLst>
+          </p:nvPr>
+        </p:nvCxnSpPr>
+        <p:spPr>
+          <a:xfrm>
+            <a:off x="800100" y="6142781"/>
+            <a:ext cx="10591800" cy="0"/>
+          </a:xfrm>
+          <a:prstGeom prst="line">
+            <a:avLst/>
+          </a:prstGeom>
+          <a:ln w="12700">
+            <a:solidFill>
+              <a:schemeClr val="tx1"/>
+            </a:solidFill>
+          </a:ln>
+        </p:spPr>
+        <p:style>
+          <a:lnRef idx="1">
+            <a:schemeClr val="accent1"/>
+          </a:lnRef>
+          <a:fillRef idx="0">
+            <a:schemeClr val="accent1"/>
+          </a:fillRef>
+          <a:effectRef idx="0">
+            <a:schemeClr val="accent1"/>
+          </a:effectRef>
+          <a:fontRef idx="minor">
+            <a:schemeClr val="tx1"/>
+          </a:fontRef>
+        </p:style>
+      </p:cxnSp>
       <p:sp useBgFill="1">
         <p:nvSpPr>
-          <p:cNvPr id="12" name="Rectangle 11">
-            <a:extLst>
-              <a:ext uri="{FF2B5EF4-FFF2-40B4-BE49-F238E27FC236}">
-                <a16:creationId xmlns:a16="http://schemas.microsoft.com/office/drawing/2014/main" id="{E49D7415-2F11-44C2-B6AA-13A25B6814B9}"/>
+          <p:cNvPr id="14" name="Rectangle 13">
+            <a:extLst>
+              <a:ext uri="{FF2B5EF4-FFF2-40B4-BE49-F238E27FC236}">
+                <a16:creationId xmlns:a16="http://schemas.microsoft.com/office/drawing/2014/main" id="{33E93247-6229-44AB-A550-739E971E690B}"/>
               </a:ext>
               <a:ext uri="{C183D7F6-B498-43B3-948B-1728B52AA6E4}">
                 <adec:decorative xmlns:adec="http://schemas.microsoft.com/office/drawing/2017/decorative" val="1"/>
@@ -5036,6 +6718,567 @@
           </a:p>
         </p:txBody>
       </p:sp>
+      <p:pic>
+        <p:nvPicPr>
+          <p:cNvPr id="6" name="Picture 5" descr="Yellow question mark">
+            <a:extLst>
+              <a:ext uri="{FF2B5EF4-FFF2-40B4-BE49-F238E27FC236}">
+                <a16:creationId xmlns:a16="http://schemas.microsoft.com/office/drawing/2014/main" id="{C6E03F89-7B13-68CA-1F91-843DDA515ADE}"/>
+              </a:ext>
+            </a:extLst>
+          </p:cNvPr>
+          <p:cNvPicPr>
+            <a:picLocks noChangeAspect="1"/>
+          </p:cNvPicPr>
+          <p:nvPr/>
+        </p:nvPicPr>
+        <p:blipFill>
+          <a:blip r:embed="rId2"/>
+          <a:srcRect b="6250"/>
+          <a:stretch/>
+        </p:blipFill>
+        <p:spPr>
+          <a:xfrm>
+            <a:off x="20" y="10"/>
+            <a:ext cx="12191980" cy="6857990"/>
+          </a:xfrm>
+          <a:prstGeom prst="rect">
+            <a:avLst/>
+          </a:prstGeom>
+        </p:spPr>
+      </p:pic>
+      <p:sp>
+        <p:nvSpPr>
+          <p:cNvPr id="16" name="Rectangle 15">
+            <a:extLst>
+              <a:ext uri="{FF2B5EF4-FFF2-40B4-BE49-F238E27FC236}">
+                <a16:creationId xmlns:a16="http://schemas.microsoft.com/office/drawing/2014/main" id="{6BB6B482-ACCA-4938-8AEA-49D525C17221}"/>
+              </a:ext>
+              <a:ext uri="{C183D7F6-B498-43B3-948B-1728B52AA6E4}">
+                <adec:decorative xmlns:adec="http://schemas.microsoft.com/office/drawing/2017/decorative" val="1"/>
+              </a:ext>
+            </a:extLst>
+          </p:cNvPr>
+          <p:cNvSpPr>
+            <a:spLocks noGrp="1" noRot="1" noChangeAspect="1" noMove="1" noResize="1" noEditPoints="1" noAdjustHandles="1" noChangeArrowheads="1" noChangeShapeType="1" noTextEdit="1"/>
+          </p:cNvSpPr>
+          <p:nvPr>
+            <p:extLst>
+              <p:ext uri="{386F3935-93C4-4BCD-93E2-E3B085C9AB24}">
+                <p16:designElem xmlns:p16="http://schemas.microsoft.com/office/powerpoint/2015/main" val="1"/>
+              </p:ext>
+            </p:extLst>
+          </p:nvPr>
+        </p:nvSpPr>
+        <p:spPr>
+          <a:xfrm rot="5400000">
+            <a:off x="-46905" y="46904"/>
+            <a:ext cx="6865150" cy="6771342"/>
+          </a:xfrm>
+          <a:prstGeom prst="rect">
+            <a:avLst/>
+          </a:prstGeom>
+          <a:gradFill>
+            <a:gsLst>
+              <a:gs pos="42000">
+                <a:srgbClr val="000000">
+                  <a:alpha val="18000"/>
+                </a:srgbClr>
+              </a:gs>
+              <a:gs pos="0">
+                <a:srgbClr val="000000">
+                  <a:alpha val="0"/>
+                </a:srgbClr>
+              </a:gs>
+              <a:gs pos="100000">
+                <a:srgbClr val="000000">
+                  <a:alpha val="39000"/>
+                </a:srgbClr>
+              </a:gs>
+            </a:gsLst>
+            <a:lin ang="5400000" scaled="1"/>
+          </a:gradFill>
+          <a:ln>
+            <a:noFill/>
+          </a:ln>
+        </p:spPr>
+        <p:style>
+          <a:lnRef idx="2">
+            <a:schemeClr val="accent1">
+              <a:shade val="50000"/>
+            </a:schemeClr>
+          </a:lnRef>
+          <a:fillRef idx="1">
+            <a:schemeClr val="accent1"/>
+          </a:fillRef>
+          <a:effectRef idx="0">
+            <a:schemeClr val="accent1"/>
+          </a:effectRef>
+          <a:fontRef idx="minor">
+            <a:schemeClr val="lt1"/>
+          </a:fontRef>
+        </p:style>
+        <p:txBody>
+          <a:bodyPr rtlCol="0" anchor="ctr"/>
+          <a:lstStyle/>
+          <a:p>
+            <a:pPr algn="ctr"/>
+            <a:endParaRPr lang="en-US" dirty="0"/>
+          </a:p>
+        </p:txBody>
+      </p:sp>
+      <p:sp>
+        <p:nvSpPr>
+          <p:cNvPr id="2" name="Title 1">
+            <a:extLst>
+              <a:ext uri="{FF2B5EF4-FFF2-40B4-BE49-F238E27FC236}">
+                <a16:creationId xmlns:a16="http://schemas.microsoft.com/office/drawing/2014/main" id="{0428D158-0E70-060C-3FF0-2113656E777B}"/>
+              </a:ext>
+            </a:extLst>
+          </p:cNvPr>
+          <p:cNvSpPr>
+            <a:spLocks noGrp="1"/>
+          </p:cNvSpPr>
+          <p:nvPr>
+            <p:ph type="title"/>
+          </p:nvPr>
+        </p:nvSpPr>
+        <p:spPr>
+          <a:xfrm>
+            <a:off x="704088" y="871759"/>
+            <a:ext cx="5067300" cy="3497042"/>
+          </a:xfrm>
+        </p:spPr>
+        <p:txBody>
+          <a:bodyPr vert="horz" lIns="91440" tIns="45720" rIns="91440" bIns="45720" rtlCol="0" anchor="t">
+            <a:normAutofit/>
+          </a:bodyPr>
+          <a:lstStyle/>
+          <a:p>
+            <a:r>
+              <a:rPr lang="en-US" sz="5400">
+                <a:solidFill>
+                  <a:srgbClr val="FFFFFF"/>
+                </a:solidFill>
+              </a:rPr>
+              <a:t>ANY QUESTIONS?</a:t>
+            </a:r>
+          </a:p>
+        </p:txBody>
+      </p:sp>
+      <p:sp>
+        <p:nvSpPr>
+          <p:cNvPr id="4" name="Slide Number Placeholder 3">
+            <a:extLst>
+              <a:ext uri="{FF2B5EF4-FFF2-40B4-BE49-F238E27FC236}">
+                <a16:creationId xmlns:a16="http://schemas.microsoft.com/office/drawing/2014/main" id="{5B40DAFF-2D99-9BF6-0B5C-3E65778D3DFF}"/>
+              </a:ext>
+            </a:extLst>
+          </p:cNvPr>
+          <p:cNvSpPr>
+            <a:spLocks noGrp="1"/>
+          </p:cNvSpPr>
+          <p:nvPr>
+            <p:ph type="sldNum" sz="quarter" idx="12"/>
+          </p:nvPr>
+        </p:nvSpPr>
+        <p:spPr>
+          <a:xfrm>
+            <a:off x="10919012" y="6356350"/>
+            <a:ext cx="672354" cy="365125"/>
+          </a:xfrm>
+        </p:spPr>
+        <p:txBody>
+          <a:bodyPr vert="horz" lIns="91440" tIns="45720" rIns="91440" bIns="45720" rtlCol="0" anchor="ctr">
+            <a:normAutofit/>
+          </a:bodyPr>
+          <a:lstStyle/>
+          <a:p>
+            <a:pPr>
+              <a:lnSpc>
+                <a:spcPct val="90000"/>
+              </a:lnSpc>
+              <a:spcAft>
+                <a:spcPts val="600"/>
+              </a:spcAft>
+            </a:pPr>
+            <a:fld id="{87E7843D-FF13-4365-9478-9625B70A2705}" type="slidenum">
+              <a:rPr lang="en-US">
+                <a:solidFill>
+                  <a:srgbClr val="FFFFFF"/>
+                </a:solidFill>
+              </a:rPr>
+              <a:pPr>
+                <a:lnSpc>
+                  <a:spcPct val="90000"/>
+                </a:lnSpc>
+                <a:spcAft>
+                  <a:spcPts val="600"/>
+                </a:spcAft>
+              </a:pPr>
+              <a:t>13</a:t>
+            </a:fld>
+            <a:endParaRPr lang="en-US">
+              <a:solidFill>
+                <a:srgbClr val="FFFFFF"/>
+              </a:solidFill>
+            </a:endParaRPr>
+          </a:p>
+        </p:txBody>
+      </p:sp>
+      <p:cxnSp>
+        <p:nvCxnSpPr>
+          <p:cNvPr id="18" name="Straight Connector 17">
+            <a:extLst>
+              <a:ext uri="{FF2B5EF4-FFF2-40B4-BE49-F238E27FC236}">
+                <a16:creationId xmlns:a16="http://schemas.microsoft.com/office/drawing/2014/main" id="{EE2E603F-4A95-4FE8-BB06-211DFD75DBEF}"/>
+              </a:ext>
+              <a:ext uri="{C183D7F6-B498-43B3-948B-1728B52AA6E4}">
+                <adec:decorative xmlns:adec="http://schemas.microsoft.com/office/drawing/2017/decorative" val="1"/>
+              </a:ext>
+            </a:extLst>
+          </p:cNvPr>
+          <p:cNvCxnSpPr>
+            <a:cxnSpLocks noGrp="1" noRot="1" noChangeAspect="1" noMove="1" noResize="1" noEditPoints="1" noAdjustHandles="1" noChangeArrowheads="1" noChangeShapeType="1"/>
+          </p:cNvCxnSpPr>
+          <p:nvPr>
+            <p:extLst>
+              <p:ext uri="{386F3935-93C4-4BCD-93E2-E3B085C9AB24}">
+                <p16:designElem xmlns:p16="http://schemas.microsoft.com/office/powerpoint/2015/main" val="1"/>
+              </p:ext>
+            </p:extLst>
+          </p:nvPr>
+        </p:nvCxnSpPr>
+        <p:spPr>
+          <a:xfrm>
+            <a:off x="800100" y="723900"/>
+            <a:ext cx="1638300" cy="0"/>
+          </a:xfrm>
+          <a:prstGeom prst="line">
+            <a:avLst/>
+          </a:prstGeom>
+          <a:ln w="44450">
+            <a:solidFill>
+              <a:srgbClr val="FFFFFF"/>
+            </a:solidFill>
+          </a:ln>
+          <a:effectLst>
+            <a:outerShdw blurRad="50800" dist="38100" dir="2700000" algn="tl" rotWithShape="0">
+              <a:prstClr val="black">
+                <a:alpha val="13000"/>
+              </a:prstClr>
+            </a:outerShdw>
+          </a:effectLst>
+        </p:spPr>
+        <p:style>
+          <a:lnRef idx="1">
+            <a:schemeClr val="accent1"/>
+          </a:lnRef>
+          <a:fillRef idx="0">
+            <a:schemeClr val="accent1"/>
+          </a:fillRef>
+          <a:effectRef idx="0">
+            <a:schemeClr val="accent1"/>
+          </a:effectRef>
+          <a:fontRef idx="minor">
+            <a:schemeClr val="tx1"/>
+          </a:fontRef>
+        </p:style>
+      </p:cxnSp>
+    </p:spTree>
+    <p:extLst>
+      <p:ext uri="{BB962C8B-B14F-4D97-AF65-F5344CB8AC3E}">
+        <p14:creationId xmlns:p14="http://schemas.microsoft.com/office/powerpoint/2010/main" val="667063181"/>
+      </p:ext>
+    </p:extLst>
+  </p:cSld>
+  <p:clrMapOvr>
+    <a:overrideClrMapping bg1="dk1" tx1="lt1" bg2="dk2" tx2="lt2" accent1="accent1" accent2="accent2" accent3="accent3" accent4="accent4" accent5="accent5" accent6="accent6" hlink="hlink" folHlink="folHlink"/>
+  </p:clrMapOvr>
+</p:sld>
+</file>
+
+<file path=ppt/slides/slide14.xml><?xml version="1.0" encoding="utf-8"?>
+<p:sld xmlns:a="http://schemas.openxmlformats.org/drawingml/2006/main" xmlns:r="http://schemas.openxmlformats.org/officeDocument/2006/relationships" xmlns:p="http://schemas.openxmlformats.org/presentationml/2006/main">
+  <p:cSld>
+    <p:spTree>
+      <p:nvGrpSpPr>
+        <p:cNvPr id="1" name="">
+          <a:extLst>
+            <a:ext uri="{FF2B5EF4-FFF2-40B4-BE49-F238E27FC236}">
+              <a16:creationId xmlns:a16="http://schemas.microsoft.com/office/drawing/2014/main" id="{4E40EC0A-7EE8-59B9-041F-47B062F31622}"/>
+            </a:ext>
+          </a:extLst>
+        </p:cNvPr>
+        <p:cNvGrpSpPr/>
+        <p:nvPr/>
+      </p:nvGrpSpPr>
+      <p:grpSpPr>
+        <a:xfrm>
+          <a:off x="0" y="0"/>
+          <a:ext cx="0" cy="0"/>
+          <a:chOff x="0" y="0"/>
+          <a:chExt cx="0" cy="0"/>
+        </a:xfrm>
+      </p:grpSpPr>
+      <p:sp>
+        <p:nvSpPr>
+          <p:cNvPr id="2" name="Title 1">
+            <a:extLst>
+              <a:ext uri="{FF2B5EF4-FFF2-40B4-BE49-F238E27FC236}">
+                <a16:creationId xmlns:a16="http://schemas.microsoft.com/office/drawing/2014/main" id="{A63E37E3-A76D-3A7A-56FE-0767DBA252F9}"/>
+              </a:ext>
+            </a:extLst>
+          </p:cNvPr>
+          <p:cNvSpPr>
+            <a:spLocks noGrp="1"/>
+          </p:cNvSpPr>
+          <p:nvPr>
+            <p:ph type="ctrTitle"/>
+          </p:nvPr>
+        </p:nvSpPr>
+        <p:spPr>
+          <a:xfrm>
+            <a:off x="800102" y="960594"/>
+            <a:ext cx="5828114" cy="4936812"/>
+          </a:xfrm>
+        </p:spPr>
+        <p:txBody>
+          <a:bodyPr anchor="ctr">
+            <a:normAutofit/>
+          </a:bodyPr>
+          <a:lstStyle/>
+          <a:p>
+            <a:pPr algn="r"/>
+            <a:r>
+              <a:rPr lang="en-NZ" sz="6000" dirty="0"/>
+              <a:t>Intro to Reproducible Research </a:t>
+            </a:r>
+          </a:p>
+        </p:txBody>
+      </p:sp>
+      <p:sp>
+        <p:nvSpPr>
+          <p:cNvPr id="3" name="Subtitle 2">
+            <a:extLst>
+              <a:ext uri="{FF2B5EF4-FFF2-40B4-BE49-F238E27FC236}">
+                <a16:creationId xmlns:a16="http://schemas.microsoft.com/office/drawing/2014/main" id="{205F3FDF-56C2-F4FE-151F-1817B6525120}"/>
+              </a:ext>
+            </a:extLst>
+          </p:cNvPr>
+          <p:cNvSpPr>
+            <a:spLocks noGrp="1"/>
+          </p:cNvSpPr>
+          <p:nvPr>
+            <p:ph type="subTitle" idx="1"/>
+          </p:nvPr>
+        </p:nvSpPr>
+        <p:spPr>
+          <a:xfrm>
+            <a:off x="7900396" y="2172367"/>
+            <a:ext cx="3019423" cy="4076700"/>
+          </a:xfrm>
+        </p:spPr>
+        <p:txBody>
+          <a:bodyPr anchor="ctr">
+            <a:normAutofit/>
+          </a:bodyPr>
+          <a:lstStyle/>
+          <a:p>
+            <a:r>
+              <a:rPr lang="en-NZ" sz="2200" dirty="0"/>
+              <a:t>SNAP workshop</a:t>
+            </a:r>
+            <a:br>
+              <a:rPr lang="en-NZ" sz="2200" dirty="0"/>
+            </a:br>
+            <a:r>
+              <a:rPr lang="en-NZ" sz="2200" dirty="0"/>
+              <a:t>Feb 20</a:t>
+            </a:r>
+            <a:r>
+              <a:rPr lang="en-NZ" sz="2200" baseline="30000" dirty="0"/>
+              <a:t>th</a:t>
+            </a:r>
+            <a:r>
+              <a:rPr lang="en-NZ" sz="2200" dirty="0"/>
+              <a:t> 2025</a:t>
+            </a:r>
+          </a:p>
+          <a:p>
+            <a:r>
+              <a:rPr lang="en-NZ" sz="2200" dirty="0">
+                <a:hlinkClick r:id="rId3"/>
+              </a:rPr>
+              <a:t>daniel.wrench@vuw.ac.nz</a:t>
+            </a:r>
+            <a:r>
+              <a:rPr lang="en-NZ" sz="2200" dirty="0"/>
+              <a:t> </a:t>
+            </a:r>
+          </a:p>
+        </p:txBody>
+      </p:sp>
+      <p:pic>
+        <p:nvPicPr>
+          <p:cNvPr id="4" name="Picture 2">
+            <a:extLst>
+              <a:ext uri="{FF2B5EF4-FFF2-40B4-BE49-F238E27FC236}">
+                <a16:creationId xmlns:a16="http://schemas.microsoft.com/office/drawing/2014/main" id="{9B8ADC1E-ADA3-7BDB-870B-A1D61FB6A083}"/>
+              </a:ext>
+            </a:extLst>
+          </p:cNvPr>
+          <p:cNvPicPr>
+            <a:picLocks noChangeAspect="1" noChangeArrowheads="1"/>
+          </p:cNvPicPr>
+          <p:nvPr/>
+        </p:nvPicPr>
+        <p:blipFill>
+          <a:blip r:embed="rId4">
+            <a:extLst>
+              <a:ext uri="{28A0092B-C50C-407E-A947-70E740481C1C}">
+                <a14:useLocalDpi xmlns:a14="http://schemas.microsoft.com/office/drawing/2010/main" val="0"/>
+              </a:ext>
+            </a:extLst>
+          </a:blip>
+          <a:stretch>
+            <a:fillRect/>
+          </a:stretch>
+        </p:blipFill>
+        <p:spPr bwMode="auto">
+          <a:xfrm>
+            <a:off x="8076294" y="1885949"/>
+            <a:ext cx="2319744" cy="1217865"/>
+          </a:xfrm>
+          <a:prstGeom prst="rect">
+            <a:avLst/>
+          </a:prstGeom>
+          <a:noFill/>
+          <a:extLst>
+            <a:ext uri="{909E8E84-426E-40DD-AFC4-6F175D3DCCD1}">
+              <a14:hiddenFill xmlns:a14="http://schemas.microsoft.com/office/drawing/2010/main">
+                <a:solidFill>
+                  <a:srgbClr val="FFFFFF"/>
+                </a:solidFill>
+              </a14:hiddenFill>
+            </a:ext>
+          </a:extLst>
+        </p:spPr>
+      </p:pic>
+    </p:spTree>
+    <p:extLst>
+      <p:ext uri="{BB962C8B-B14F-4D97-AF65-F5344CB8AC3E}">
+        <p14:creationId xmlns:p14="http://schemas.microsoft.com/office/powerpoint/2010/main" val="3716689747"/>
+      </p:ext>
+    </p:extLst>
+  </p:cSld>
+  <p:clrMapOvr>
+    <a:masterClrMapping/>
+  </p:clrMapOvr>
+</p:sld>
+</file>
+
+<file path=ppt/slides/slide2.xml><?xml version="1.0" encoding="utf-8"?>
+<p:sld xmlns:a="http://schemas.openxmlformats.org/drawingml/2006/main" xmlns:r="http://schemas.openxmlformats.org/officeDocument/2006/relationships" xmlns:p="http://schemas.openxmlformats.org/presentationml/2006/main">
+  <p:cSld>
+    <p:bg>
+      <p:bgPr>
+        <a:solidFill>
+          <a:schemeClr val="bg1"/>
+        </a:solidFill>
+        <a:effectLst/>
+      </p:bgPr>
+    </p:bg>
+    <p:spTree>
+      <p:nvGrpSpPr>
+        <p:cNvPr id="1" name=""/>
+        <p:cNvGrpSpPr/>
+        <p:nvPr/>
+      </p:nvGrpSpPr>
+      <p:grpSpPr>
+        <a:xfrm>
+          <a:off x="0" y="0"/>
+          <a:ext cx="0" cy="0"/>
+          <a:chOff x="0" y="0"/>
+          <a:chExt cx="0" cy="0"/>
+        </a:xfrm>
+      </p:grpSpPr>
+      <p:sp useBgFill="1">
+        <p:nvSpPr>
+          <p:cNvPr id="12" name="Rectangle 11">
+            <a:extLst>
+              <a:ext uri="{FF2B5EF4-FFF2-40B4-BE49-F238E27FC236}">
+                <a16:creationId xmlns:a16="http://schemas.microsoft.com/office/drawing/2014/main" id="{E49D7415-2F11-44C2-B6AA-13A25B6814B9}"/>
+              </a:ext>
+              <a:ext uri="{C183D7F6-B498-43B3-948B-1728B52AA6E4}">
+                <adec:decorative xmlns:adec="http://schemas.microsoft.com/office/drawing/2017/decorative" val="1"/>
+              </a:ext>
+            </a:extLst>
+          </p:cNvPr>
+          <p:cNvSpPr>
+            <a:spLocks noGrp="1" noRot="1" noChangeAspect="1" noMove="1" noResize="1" noEditPoints="1" noAdjustHandles="1" noChangeArrowheads="1" noChangeShapeType="1" noTextEdit="1"/>
+          </p:cNvSpPr>
+          <p:nvPr>
+            <p:extLst>
+              <p:ext uri="{386F3935-93C4-4BCD-93E2-E3B085C9AB24}">
+                <p16:designElem xmlns:p16="http://schemas.microsoft.com/office/powerpoint/2015/main" val="1"/>
+              </p:ext>
+            </p:extLst>
+          </p:nvPr>
+        </p:nvSpPr>
+        <p:spPr>
+          <a:xfrm>
+            <a:off x="0" y="0"/>
+            <a:ext cx="12192000" cy="6858000"/>
+          </a:xfrm>
+          <a:prstGeom prst="rect">
+            <a:avLst/>
+          </a:prstGeom>
+          <a:ln w="12700" cap="flat" cmpd="sng" algn="ctr">
+            <a:noFill/>
+            <a:prstDash val="solid"/>
+            <a:miter lim="800000"/>
+          </a:ln>
+          <a:effectLst/>
+          <a:extLst>
+            <a:ext uri="{91240B29-F687-4F45-9708-019B960494DF}">
+              <a14:hiddenLine xmlns:a14="http://schemas.microsoft.com/office/drawing/2010/main" w="12700" cap="flat" cmpd="sng" algn="ctr">
+                <a:solidFill>
+                  <a:schemeClr val="accent1">
+                    <a:shade val="50000"/>
+                  </a:schemeClr>
+                </a:solidFill>
+                <a:prstDash val="solid"/>
+                <a:miter lim="800000"/>
+              </a14:hiddenLine>
+            </a:ext>
+          </a:extLst>
+        </p:spPr>
+        <p:style>
+          <a:lnRef idx="2">
+            <a:schemeClr val="accent1">
+              <a:shade val="50000"/>
+            </a:schemeClr>
+          </a:lnRef>
+          <a:fillRef idx="1">
+            <a:schemeClr val="accent1"/>
+          </a:fillRef>
+          <a:effectRef idx="0">
+            <a:schemeClr val="accent1"/>
+          </a:effectRef>
+          <a:fontRef idx="minor">
+            <a:schemeClr val="lt1"/>
+          </a:fontRef>
+        </p:style>
+        <p:txBody>
+          <a:bodyPr rtlCol="0" anchor="ctr"/>
+          <a:lstStyle/>
+          <a:p>
+            <a:pPr algn="ctr"/>
+            <a:endParaRPr lang="en-US"/>
+          </a:p>
+        </p:txBody>
+      </p:sp>
       <p:sp>
         <p:nvSpPr>
           <p:cNvPr id="2" name="Title 1">
@@ -5102,7 +7345,15 @@
           <a:p>
             <a:r>
               <a:rPr lang="en-NZ" dirty="0"/>
-              <a:t>Interdisciplinary community of researchers who code, simulate, use supercomputers, etc.</a:t>
+              <a:t>Interdisciplinary community of researchers who code, simulate, use supercomputers (e.g. </a:t>
+            </a:r>
+            <a:r>
+              <a:rPr lang="en-NZ" dirty="0" err="1"/>
+              <a:t>Rāpoi</a:t>
+            </a:r>
+            <a:r>
+              <a:rPr lang="en-NZ" dirty="0"/>
+              <a:t>), etc.</a:t>
             </a:r>
           </a:p>
           <a:p>
@@ -5438,10 +7689,9 @@
           <a:lstStyle/>
           <a:p>
             <a:r>
-              <a:rPr lang="en-NZ"/>
+              <a:rPr lang="en-NZ" dirty="0"/>
               <a:t>SUMMARY OF WORKSHOP</a:t>
             </a:r>
-            <a:endParaRPr lang="en-NZ" dirty="0"/>
           </a:p>
         </p:txBody>
       </p:sp>
@@ -5480,7 +7730,7 @@
             </a:pPr>
             <a:r>
               <a:rPr lang="en-NZ" sz="1800" b="1" dirty="0"/>
-              <a:t>What is reproducible research</a:t>
+              <a:t>What is reproducible research?</a:t>
             </a:r>
           </a:p>
           <a:p>
@@ -5539,7 +7789,7 @@
             </a:pPr>
             <a:r>
               <a:rPr lang="en-NZ" b="1" dirty="0"/>
-              <a:t>Citing your software</a:t>
+              <a:t>Sharing your codes</a:t>
             </a:r>
           </a:p>
           <a:p>
@@ -5686,13 +7936,13 @@
           <p:nvPr/>
         </p:nvPicPr>
         <p:blipFill>
-          <a:blip r:embed="rId2">
+          <a:blip r:embed="rId3">
             <a:extLst>
               <a:ext uri="{28A0092B-C50C-407E-A947-70E740481C1C}">
                 <a14:useLocalDpi xmlns:a14="http://schemas.microsoft.com/office/drawing/2010/main" val="0"/>
               </a:ext>
               <a:ext uri="{96DAC541-7B7A-43D3-8B79-37D633B846F1}">
-                <asvg:svgBlip xmlns:asvg="http://schemas.microsoft.com/office/drawing/2016/SVG/main" r:embed="rId3"/>
+                <asvg:svgBlip xmlns:asvg="http://schemas.microsoft.com/office/drawing/2016/SVG/main" r:embed="rId4"/>
               </a:ext>
             </a:extLst>
           </a:blip>
@@ -6307,7 +8557,7 @@
             <a:pPr lvl="1"/>
             <a:r>
               <a:rPr lang="en-NZ" dirty="0"/>
-              <a:t>Git</a:t>
+              <a:t>Git (can provide link to step-by-step instructions)</a:t>
             </a:r>
           </a:p>
           <a:p>
@@ -6332,7 +8582,7 @@
           <a:p>
             <a:r>
               <a:rPr lang="en-NZ" b="1" dirty="0"/>
-              <a:t>Ask if you need getting set up</a:t>
+              <a:t>Ask if you need help getting set up</a:t>
             </a:r>
           </a:p>
         </p:txBody>
@@ -7342,7 +9592,7 @@
             </a:r>
             <a:r>
               <a:rPr lang="en-NZ" dirty="0">
-                <a:hlinkClick r:id="rId2"/>
+                <a:hlinkClick r:id="rId3"/>
               </a:rPr>
               <a:t>https://github.com/daniel-wrench/snap-research-template</a:t>
             </a:r>
@@ -7354,13 +9604,8 @@
             </a:pPr>
             <a:r>
               <a:rPr lang="en-NZ" b="1" dirty="0"/>
-              <a:t>Clone vs. Fork vs. Use </a:t>
-            </a:r>
-            <a:r>
-              <a:rPr lang="en-NZ" b="1" dirty="0" err="1"/>
-              <a:t>tempate</a:t>
-            </a:r>
-            <a:endParaRPr lang="en-NZ" b="1" dirty="0"/>
+              <a:t>Understand Clone vs. Fork vs. Use template</a:t>
+            </a:r>
           </a:p>
           <a:p>
             <a:pPr marL="457200" indent="-457200">
@@ -7377,7 +9622,7 @@
             </a:pPr>
             <a:r>
               <a:rPr lang="en-NZ" dirty="0"/>
-              <a:t>Give your own name</a:t>
+              <a:t>Give it your own name</a:t>
             </a:r>
           </a:p>
           <a:p>
@@ -7404,7 +9649,7 @@
             </a:pPr>
             <a:r>
               <a:rPr lang="en-NZ" dirty="0"/>
-              <a:t>Open a terminal (in VS Code, Git Bash, whatever)</a:t>
+              <a:t>Open a terminal (in VS Code, Git Bash, whatever) and navigate to where you want to work</a:t>
             </a:r>
           </a:p>
           <a:p>
@@ -7539,7 +9784,7 @@
           <p:nvPr/>
         </p:nvPicPr>
         <p:blipFill>
-          <a:blip r:embed="rId3"/>
+          <a:blip r:embed="rId4"/>
           <a:stretch>
             <a:fillRect/>
           </a:stretch>
@@ -7554,6 +9799,212 @@
           </a:prstGeom>
         </p:spPr>
       </p:pic>
+      <p:sp>
+        <p:nvSpPr>
+          <p:cNvPr id="9" name="Title 1">
+            <a:extLst>
+              <a:ext uri="{FF2B5EF4-FFF2-40B4-BE49-F238E27FC236}">
+                <a16:creationId xmlns:a16="http://schemas.microsoft.com/office/drawing/2014/main" id="{25BD3716-1105-2792-8952-457356E516B8}"/>
+              </a:ext>
+            </a:extLst>
+          </p:cNvPr>
+          <p:cNvSpPr txBox="1">
+            <a:spLocks/>
+          </p:cNvSpPr>
+          <p:nvPr/>
+        </p:nvSpPr>
+        <p:spPr>
+          <a:xfrm>
+            <a:off x="7212303" y="2942844"/>
+            <a:ext cx="4641012" cy="1565005"/>
+          </a:xfrm>
+          <a:prstGeom prst="rect">
+            <a:avLst/>
+          </a:prstGeom>
+          <a:ln>
+            <a:solidFill>
+              <a:schemeClr val="tx1"/>
+            </a:solidFill>
+          </a:ln>
+        </p:spPr>
+        <p:txBody>
+          <a:bodyPr vert="horz" lIns="91440" tIns="45720" rIns="91440" bIns="45720" rtlCol="0" anchor="t">
+            <a:normAutofit fontScale="92500"/>
+          </a:bodyPr>
+          <a:lstStyle>
+            <a:lvl1pPr algn="l" defTabSz="914400" rtl="0" eaLnBrk="1" latinLnBrk="0" hangingPunct="1">
+              <a:lnSpc>
+                <a:spcPct val="100000"/>
+              </a:lnSpc>
+              <a:spcBef>
+                <a:spcPct val="0"/>
+              </a:spcBef>
+              <a:buNone/>
+              <a:defRPr sz="4000" kern="1200" cap="all" spc="30" baseline="0">
+                <a:solidFill>
+                  <a:schemeClr val="tx1"/>
+                </a:solidFill>
+                <a:latin typeface="+mj-lt"/>
+                <a:ea typeface="+mj-ea"/>
+                <a:cs typeface="+mj-cs"/>
+              </a:defRPr>
+            </a:lvl1pPr>
+          </a:lstStyle>
+          <a:p>
+            <a:r>
+              <a:rPr lang="en-NZ" sz="1800" b="1" dirty="0"/>
+              <a:t>OR </a:t>
+            </a:r>
+            <a:r>
+              <a:rPr lang="en-NZ" sz="1800" dirty="0"/>
+              <a:t>start with an existing folder on your computer</a:t>
+            </a:r>
+          </a:p>
+          <a:p>
+            <a:endParaRPr lang="en-NZ" sz="1800" b="1" dirty="0"/>
+          </a:p>
+          <a:p>
+            <a:pPr marL="0" marR="0" lvl="0" indent="0" algn="l" defTabSz="914400" rtl="0" eaLnBrk="1" fontAlgn="auto" latinLnBrk="0" hangingPunct="1">
+              <a:lnSpc>
+                <a:spcPct val="100000"/>
+              </a:lnSpc>
+              <a:spcBef>
+                <a:spcPts val="0"/>
+              </a:spcBef>
+              <a:spcAft>
+                <a:spcPts val="0"/>
+              </a:spcAft>
+              <a:buClrTx/>
+              <a:buSzTx/>
+              <a:buFontTx/>
+              <a:buNone/>
+              <a:tabLst/>
+              <a:defRPr/>
+            </a:pPr>
+            <a:r>
+              <a:rPr kumimoji="0" lang="en-US" sz="1800" b="0" i="0" u="none" strike="noStrike" kern="1200" cap="none" spc="0" normalizeH="0" baseline="0" noProof="0" dirty="0">
+                <a:ln>
+                  <a:noFill/>
+                </a:ln>
+                <a:solidFill>
+                  <a:srgbClr val="CE9178"/>
+                </a:solidFill>
+                <a:effectLst/>
+                <a:uLnTx/>
+                <a:uFillTx/>
+                <a:latin typeface="Consolas" panose="020B0609020204030204" pitchFamily="49" charset="0"/>
+                <a:ea typeface="+mn-ea"/>
+                <a:cs typeface="+mn-cs"/>
+              </a:rPr>
+              <a:t>git </a:t>
+            </a:r>
+            <a:r>
+              <a:rPr kumimoji="0" lang="en-US" sz="1800" b="0" i="0" u="none" strike="noStrike" kern="1200" cap="none" spc="0" normalizeH="0" baseline="0" noProof="0" dirty="0" err="1">
+                <a:ln>
+                  <a:noFill/>
+                </a:ln>
+                <a:solidFill>
+                  <a:srgbClr val="CE9178"/>
+                </a:solidFill>
+                <a:effectLst/>
+                <a:uLnTx/>
+                <a:uFillTx/>
+                <a:latin typeface="Consolas" panose="020B0609020204030204" pitchFamily="49" charset="0"/>
+                <a:ea typeface="+mn-ea"/>
+                <a:cs typeface="+mn-cs"/>
+              </a:rPr>
+              <a:t>init</a:t>
+            </a:r>
+            <a:endParaRPr kumimoji="0" lang="en-US" sz="1800" b="0" i="0" u="none" strike="noStrike" kern="1200" cap="none" spc="0" normalizeH="0" baseline="0" noProof="0" dirty="0">
+              <a:ln>
+                <a:noFill/>
+              </a:ln>
+              <a:solidFill>
+                <a:srgbClr val="CE9178"/>
+              </a:solidFill>
+              <a:effectLst/>
+              <a:uLnTx/>
+              <a:uFillTx/>
+              <a:latin typeface="Consolas" panose="020B0609020204030204" pitchFamily="49" charset="0"/>
+              <a:ea typeface="+mn-ea"/>
+              <a:cs typeface="+mn-cs"/>
+            </a:endParaRPr>
+          </a:p>
+          <a:p>
+            <a:pPr marL="0" marR="0" lvl="0" indent="0" algn="l" defTabSz="914400" rtl="0" eaLnBrk="1" fontAlgn="auto" latinLnBrk="0" hangingPunct="1">
+              <a:lnSpc>
+                <a:spcPct val="100000"/>
+              </a:lnSpc>
+              <a:spcBef>
+                <a:spcPts val="0"/>
+              </a:spcBef>
+              <a:spcAft>
+                <a:spcPts val="0"/>
+              </a:spcAft>
+              <a:buClrTx/>
+              <a:buSzTx/>
+              <a:buFontTx/>
+              <a:buNone/>
+              <a:tabLst/>
+              <a:defRPr/>
+            </a:pPr>
+            <a:r>
+              <a:rPr kumimoji="0" lang="en-NZ" sz="1800" b="0" i="0" u="none" strike="noStrike" kern="1200" cap="none" spc="0" normalizeH="0" baseline="0" noProof="0" dirty="0">
+                <a:ln>
+                  <a:noFill/>
+                </a:ln>
+                <a:solidFill>
+                  <a:srgbClr val="000000"/>
+                </a:solidFill>
+                <a:effectLst/>
+                <a:uLnTx/>
+                <a:uFillTx/>
+                <a:latin typeface="Consolas" panose="020B0609020204030204" pitchFamily="49" charset="0"/>
+                <a:ea typeface="+mn-ea"/>
+                <a:cs typeface="Courier New" panose="02070309020205020404" pitchFamily="49" charset="0"/>
+              </a:rPr>
+              <a:t>git remote add origin </a:t>
+            </a:r>
+            <a:r>
+              <a:rPr kumimoji="0" lang="en-NZ" sz="1800" b="0" i="0" u="none" strike="noStrike" kern="1200" cap="none" spc="0" normalizeH="0" baseline="0" noProof="0" dirty="0" err="1">
+                <a:ln>
+                  <a:noFill/>
+                </a:ln>
+                <a:solidFill>
+                  <a:srgbClr val="000000"/>
+                </a:solidFill>
+                <a:effectLst/>
+                <a:uLnTx/>
+                <a:uFillTx/>
+                <a:latin typeface="Consolas" panose="020B0609020204030204" pitchFamily="49" charset="0"/>
+                <a:ea typeface="+mn-ea"/>
+                <a:cs typeface="Courier New" panose="02070309020205020404" pitchFamily="49" charset="0"/>
+              </a:rPr>
+              <a:t>github_url.git</a:t>
+            </a:r>
+            <a:endParaRPr kumimoji="0" lang="en-NZ" sz="1800" b="0" i="0" u="none" strike="noStrike" kern="1200" cap="none" spc="0" normalizeH="0" baseline="0" noProof="0" dirty="0">
+              <a:ln>
+                <a:noFill/>
+              </a:ln>
+              <a:solidFill>
+                <a:srgbClr val="000000"/>
+              </a:solidFill>
+              <a:effectLst/>
+              <a:uLnTx/>
+              <a:uFillTx/>
+              <a:latin typeface="Consolas" panose="020B0609020204030204" pitchFamily="49" charset="0"/>
+              <a:ea typeface="+mn-ea"/>
+              <a:cs typeface="Courier New" panose="02070309020205020404" pitchFamily="49" charset="0"/>
+            </a:endParaRPr>
+          </a:p>
+          <a:p>
+            <a:endParaRPr lang="en-NZ" sz="1800" b="1" dirty="0"/>
+          </a:p>
+          <a:p>
+            <a:endParaRPr lang="en-NZ" sz="1800" b="1" dirty="0"/>
+          </a:p>
+        </p:txBody>
+      </p:sp>
     </p:spTree>
     <p:extLst>
       <p:ext uri="{BB962C8B-B14F-4D97-AF65-F5344CB8AC3E}">
@@ -7611,7 +10062,7 @@
             </a:r>
             <a:r>
               <a:rPr lang="en-NZ" b="1" dirty="0"/>
-              <a:t>SET UP VIRTUAL ENVIRONMENT</a:t>
+              <a:t>SET UP A VIRTUAL ENVIRONMENT</a:t>
             </a:r>
             <a:endParaRPr lang="en-NZ" dirty="0"/>
           </a:p>
@@ -7635,7 +10086,9 @@
         </p:nvSpPr>
         <p:spPr/>
         <p:txBody>
-          <a:bodyPr/>
+          <a:bodyPr>
+            <a:normAutofit fontScale="85000" lnSpcReduction="20000"/>
+          </a:bodyPr>
           <a:lstStyle/>
           <a:p>
             <a:pPr marL="457200" indent="-457200">
@@ -7643,8 +10096,8 @@
               <a:buAutoNum type="arabicPeriod"/>
             </a:pPr>
             <a:r>
-              <a:rPr lang="en-NZ" dirty="0"/>
-              <a:t>Follow steps in README</a:t>
+              <a:rPr lang="en-NZ" b="1" dirty="0"/>
+              <a:t>What is a virtual environment?</a:t>
             </a:r>
           </a:p>
           <a:p>
@@ -7654,37 +10107,7 @@
             </a:pPr>
             <a:r>
               <a:rPr lang="en-NZ" dirty="0"/>
-              <a:t>In step 3, first pip install the following packages</a:t>
-            </a:r>
-          </a:p>
-          <a:p>
-            <a:pPr marL="914400" lvl="1" indent="-457200">
-              <a:buFont typeface="+mj-lt"/>
-              <a:buAutoNum type="arabicPeriod"/>
-            </a:pPr>
-            <a:r>
-              <a:rPr lang="en-NZ" dirty="0"/>
-              <a:t>Pandas</a:t>
-            </a:r>
-          </a:p>
-          <a:p>
-            <a:pPr marL="914400" lvl="1" indent="-457200">
-              <a:buFont typeface="+mj-lt"/>
-              <a:buAutoNum type="arabicPeriod"/>
-            </a:pPr>
-            <a:r>
-              <a:rPr lang="en-NZ" dirty="0"/>
-              <a:t>Requests</a:t>
-            </a:r>
-          </a:p>
-          <a:p>
-            <a:pPr marL="914400" lvl="1" indent="-457200">
-              <a:buFont typeface="+mj-lt"/>
-              <a:buAutoNum type="arabicPeriod"/>
-            </a:pPr>
-            <a:r>
-              <a:rPr lang="en-NZ" dirty="0"/>
-              <a:t>Matplotlib</a:t>
+              <a:t>Follow steps in README</a:t>
             </a:r>
           </a:p>
           <a:p>
@@ -7694,7 +10117,137 @@
             </a:pPr>
             <a:r>
               <a:rPr lang="en-NZ" dirty="0"/>
-              <a:t>Make your first commit!</a:t>
+              <a:t>In step 3, first </a:t>
+            </a:r>
+            <a:r>
+              <a:rPr lang="en-NZ" dirty="0">
+                <a:latin typeface="Courier New" panose="02070309020205020404" pitchFamily="49" charset="0"/>
+                <a:cs typeface="Courier New" panose="02070309020205020404" pitchFamily="49" charset="0"/>
+              </a:rPr>
+              <a:t>pip install </a:t>
+            </a:r>
+            <a:r>
+              <a:rPr lang="en-NZ" dirty="0"/>
+              <a:t>the following packages</a:t>
+            </a:r>
+          </a:p>
+          <a:p>
+            <a:pPr lvl="1"/>
+            <a:r>
+              <a:rPr lang="en-NZ" dirty="0">
+                <a:latin typeface="Courier New" panose="02070309020205020404" pitchFamily="49" charset="0"/>
+                <a:cs typeface="Courier New" panose="02070309020205020404" pitchFamily="49" charset="0"/>
+              </a:rPr>
+              <a:t>pandas</a:t>
+            </a:r>
+          </a:p>
+          <a:p>
+            <a:pPr lvl="1"/>
+            <a:r>
+              <a:rPr lang="en-NZ" dirty="0">
+                <a:latin typeface="Courier New" panose="02070309020205020404" pitchFamily="49" charset="0"/>
+                <a:cs typeface="Courier New" panose="02070309020205020404" pitchFamily="49" charset="0"/>
+              </a:rPr>
+              <a:t>requests</a:t>
+            </a:r>
+          </a:p>
+          <a:p>
+            <a:pPr lvl="1"/>
+            <a:r>
+              <a:rPr lang="en-NZ" dirty="0">
+                <a:latin typeface="Courier New" panose="02070309020205020404" pitchFamily="49" charset="0"/>
+                <a:cs typeface="Courier New" panose="02070309020205020404" pitchFamily="49" charset="0"/>
+              </a:rPr>
+              <a:t>matplotlib</a:t>
+            </a:r>
+          </a:p>
+          <a:p>
+            <a:pPr marL="457200" indent="-457200">
+              <a:buFont typeface="+mj-lt"/>
+              <a:buAutoNum type="arabicPeriod"/>
+            </a:pPr>
+            <a:r>
+              <a:rPr lang="en-NZ" dirty="0"/>
+              <a:t>Make your first commit! (requirements.txt)</a:t>
+            </a:r>
+          </a:p>
+          <a:p>
+            <a:pPr marL="914400" lvl="1" indent="-457200">
+              <a:buFont typeface="+mj-lt"/>
+              <a:buAutoNum type="alphaLcPeriod"/>
+            </a:pPr>
+            <a:r>
+              <a:rPr lang="en-NZ" dirty="0">
+                <a:latin typeface="Courier New" panose="02070309020205020404" pitchFamily="49" charset="0"/>
+                <a:cs typeface="Courier New" panose="02070309020205020404" pitchFamily="49" charset="0"/>
+              </a:rPr>
+              <a:t>git status</a:t>
+            </a:r>
+          </a:p>
+          <a:p>
+            <a:pPr marL="914400" lvl="1" indent="-457200">
+              <a:buFont typeface="+mj-lt"/>
+              <a:buAutoNum type="alphaLcPeriod"/>
+            </a:pPr>
+            <a:r>
+              <a:rPr lang="en-NZ" dirty="0">
+                <a:latin typeface="Courier New" panose="02070309020205020404" pitchFamily="49" charset="0"/>
+                <a:cs typeface="Courier New" panose="02070309020205020404" pitchFamily="49" charset="0"/>
+              </a:rPr>
+              <a:t>git add requirements.txt</a:t>
+            </a:r>
+          </a:p>
+          <a:p>
+            <a:pPr marL="914400" lvl="1" indent="-457200">
+              <a:buFont typeface="+mj-lt"/>
+              <a:buAutoNum type="alphaLcPeriod"/>
+            </a:pPr>
+            <a:r>
+              <a:rPr lang="en-NZ" dirty="0">
+                <a:latin typeface="Courier New" panose="02070309020205020404" pitchFamily="49" charset="0"/>
+                <a:cs typeface="Courier New" panose="02070309020205020404" pitchFamily="49" charset="0"/>
+              </a:rPr>
+              <a:t>git commit –m “informative-commit-</a:t>
+            </a:r>
+            <a:r>
+              <a:rPr lang="en-NZ" dirty="0" err="1">
+                <a:latin typeface="Courier New" panose="02070309020205020404" pitchFamily="49" charset="0"/>
+                <a:cs typeface="Courier New" panose="02070309020205020404" pitchFamily="49" charset="0"/>
+              </a:rPr>
+              <a:t>mssg</a:t>
+            </a:r>
+            <a:r>
+              <a:rPr lang="en-NZ" dirty="0">
+                <a:latin typeface="Courier New" panose="02070309020205020404" pitchFamily="49" charset="0"/>
+                <a:cs typeface="Courier New" panose="02070309020205020404" pitchFamily="49" charset="0"/>
+              </a:rPr>
+              <a:t>”</a:t>
+            </a:r>
+          </a:p>
+          <a:p>
+            <a:pPr marL="914400" lvl="1" indent="-457200">
+              <a:buFont typeface="+mj-lt"/>
+              <a:buAutoNum type="alphaLcPeriod"/>
+            </a:pPr>
+            <a:r>
+              <a:rPr lang="en-NZ" dirty="0">
+                <a:latin typeface="Courier New" panose="02070309020205020404" pitchFamily="49" charset="0"/>
+                <a:cs typeface="Courier New" panose="02070309020205020404" pitchFamily="49" charset="0"/>
+              </a:rPr>
+              <a:t>git push</a:t>
+            </a:r>
+          </a:p>
+          <a:p>
+            <a:pPr marL="914400" lvl="1" indent="-457200">
+              <a:buFont typeface="+mj-lt"/>
+              <a:buAutoNum type="alphaLcPeriod"/>
+            </a:pPr>
+            <a:r>
+              <a:rPr lang="en-NZ" dirty="0">
+                <a:latin typeface="Courier New" panose="02070309020205020404" pitchFamily="49" charset="0"/>
+                <a:cs typeface="Courier New" panose="02070309020205020404" pitchFamily="49" charset="0"/>
+              </a:rPr>
+              <a:t>git status</a:t>
             </a:r>
           </a:p>
         </p:txBody>
@@ -7787,7 +10340,7 @@
             </a:r>
             <a:r>
               <a:rPr lang="en-NZ" b="1" dirty="0"/>
-              <a:t>run pipeline, with version control</a:t>
+              <a:t>download data</a:t>
             </a:r>
             <a:endParaRPr lang="en-NZ" dirty="0"/>
           </a:p>
@@ -7811,10 +10364,135 @@
         </p:nvSpPr>
         <p:spPr/>
         <p:txBody>
-          <a:bodyPr/>
-          <a:lstStyle/>
-          <a:p>
-            <a:endParaRPr lang="en-NZ" dirty="0"/>
+          <a:bodyPr>
+            <a:normAutofit fontScale="92500" lnSpcReduction="10000"/>
+          </a:bodyPr>
+          <a:lstStyle/>
+          <a:p>
+            <a:pPr marL="457200" indent="-457200">
+              <a:buFont typeface="+mj-lt"/>
+              <a:buAutoNum type="arabicPeriod"/>
+            </a:pPr>
+            <a:r>
+              <a:rPr lang="en-NZ" dirty="0"/>
+              <a:t>Run the code in </a:t>
+            </a:r>
+            <a:r>
+              <a:rPr lang="en-NZ" dirty="0">
+                <a:latin typeface="Courier New" panose="02070309020205020404" pitchFamily="49" charset="0"/>
+                <a:cs typeface="Courier New" panose="02070309020205020404" pitchFamily="49" charset="0"/>
+              </a:rPr>
+              <a:t>scripts/</a:t>
+            </a:r>
+            <a:r>
+              <a:rPr lang="en-NZ" dirty="0"/>
+              <a:t> from the terminal or VS Code play button</a:t>
+            </a:r>
+          </a:p>
+          <a:p>
+            <a:pPr marL="457200" indent="-457200">
+              <a:buFont typeface="+mj-lt"/>
+              <a:buAutoNum type="arabicPeriod"/>
+            </a:pPr>
+            <a:r>
+              <a:rPr lang="en-NZ" b="1" dirty="0"/>
+              <a:t>Can/should we commit this file?</a:t>
+            </a:r>
+          </a:p>
+          <a:p>
+            <a:pPr marL="457200" indent="-457200">
+              <a:buFont typeface="+mj-lt"/>
+              <a:buAutoNum type="arabicPeriod"/>
+            </a:pPr>
+            <a:r>
+              <a:rPr lang="en-NZ" dirty="0"/>
+              <a:t>Delete from the terminal</a:t>
+            </a:r>
+          </a:p>
+          <a:p>
+            <a:pPr marL="457200" indent="-457200">
+              <a:buFont typeface="+mj-lt"/>
+              <a:buAutoNum type="arabicPeriod"/>
+            </a:pPr>
+            <a:r>
+              <a:rPr lang="en-NZ" dirty="0"/>
+              <a:t>Correct the </a:t>
+            </a:r>
+            <a:r>
+              <a:rPr lang="en-NZ" dirty="0" err="1">
+                <a:latin typeface="Courier New" panose="02070309020205020404" pitchFamily="49" charset="0"/>
+                <a:cs typeface="Courier New" panose="02070309020205020404" pitchFamily="49" charset="0"/>
+              </a:rPr>
+              <a:t>output_path</a:t>
+            </a:r>
+            <a:r>
+              <a:rPr lang="en-NZ" dirty="0">
+                <a:latin typeface="Courier New" panose="02070309020205020404" pitchFamily="49" charset="0"/>
+                <a:cs typeface="Courier New" panose="02070309020205020404" pitchFamily="49" charset="0"/>
+              </a:rPr>
+              <a:t> </a:t>
+            </a:r>
+            <a:r>
+              <a:rPr lang="en-NZ" dirty="0"/>
+              <a:t>in the script</a:t>
+            </a:r>
+          </a:p>
+          <a:p>
+            <a:pPr marL="457200" indent="-457200">
+              <a:buFont typeface="+mj-lt"/>
+              <a:buAutoNum type="arabicPeriod"/>
+            </a:pPr>
+            <a:r>
+              <a:rPr lang="en-NZ" dirty="0"/>
+              <a:t>Re-run</a:t>
+            </a:r>
+          </a:p>
+          <a:p>
+            <a:pPr marL="457200" indent="-457200">
+              <a:buFont typeface="+mj-lt"/>
+              <a:buAutoNum type="arabicPeriod"/>
+            </a:pPr>
+            <a:r>
+              <a:rPr lang="en-NZ" dirty="0"/>
+              <a:t>Note </a:t>
+            </a:r>
+            <a:r>
+              <a:rPr lang="en-NZ" dirty="0">
+                <a:latin typeface="Courier New" panose="02070309020205020404" pitchFamily="49" charset="0"/>
+                <a:cs typeface="Courier New" panose="02070309020205020404" pitchFamily="49" charset="0"/>
+              </a:rPr>
+              <a:t>git status</a:t>
+            </a:r>
+          </a:p>
+          <a:p>
+            <a:pPr marL="457200" indent="-457200">
+              <a:buFont typeface="+mj-lt"/>
+              <a:buAutoNum type="arabicPeriod"/>
+            </a:pPr>
+            <a:r>
+              <a:rPr lang="en-NZ" b="1" dirty="0"/>
+              <a:t>What if I only wanted to ignore the raw data, not the processed stuff?</a:t>
+            </a:r>
+          </a:p>
+          <a:p>
+            <a:pPr marL="457200" indent="-457200">
+              <a:buFont typeface="+mj-lt"/>
+              <a:buAutoNum type="arabicPeriod"/>
+            </a:pPr>
+            <a:r>
+              <a:rPr lang="en-NZ" dirty="0"/>
+              <a:t>Pull up changes made to the script</a:t>
+            </a:r>
+          </a:p>
+          <a:p>
+            <a:pPr marL="457200" indent="-457200">
+              <a:buFont typeface="+mj-lt"/>
+              <a:buAutoNum type="arabicPeriod"/>
+            </a:pPr>
+            <a:r>
+              <a:rPr lang="en-NZ" dirty="0"/>
+              <a:t>Commit this change</a:t>
+            </a:r>
           </a:p>
         </p:txBody>
       </p:sp>
@@ -7865,7 +10543,13 @@
   <p:cSld>
     <p:spTree>
       <p:nvGrpSpPr>
-        <p:cNvPr id="1" name=""/>
+        <p:cNvPr id="1" name="">
+          <a:extLst>
+            <a:ext uri="{FF2B5EF4-FFF2-40B4-BE49-F238E27FC236}">
+              <a16:creationId xmlns:a16="http://schemas.microsoft.com/office/drawing/2014/main" id="{94436194-D848-ED86-C008-30068294A5AF}"/>
+            </a:ext>
+          </a:extLst>
+        </p:cNvPr>
         <p:cNvGrpSpPr/>
         <p:nvPr/>
       </p:nvGrpSpPr>
@@ -7882,7 +10566,7 @@
           <p:cNvPr id="2" name="Title 1">
             <a:extLst>
               <a:ext uri="{FF2B5EF4-FFF2-40B4-BE49-F238E27FC236}">
-                <a16:creationId xmlns:a16="http://schemas.microsoft.com/office/drawing/2014/main" id="{1D7A232C-750D-CCEB-52F6-D3FA0B62157B}"/>
+                <a16:creationId xmlns:a16="http://schemas.microsoft.com/office/drawing/2014/main" id="{D5876659-41D3-7E5D-1790-A028A66AA953}"/>
               </a:ext>
             </a:extLst>
           </p:cNvPr>
@@ -7895,13 +10579,20 @@
         </p:nvSpPr>
         <p:spPr/>
         <p:txBody>
-          <a:bodyPr/>
+          <a:bodyPr>
+            <a:normAutofit/>
+          </a:bodyPr>
           <a:lstStyle/>
           <a:p>
             <a:r>
               <a:rPr lang="en-NZ" dirty="0"/>
-              <a:t>SHARING YOUR REPO</a:t>
-            </a:r>
+              <a:t>TASK 4: </a:t>
+            </a:r>
+            <a:r>
+              <a:rPr lang="en-NZ" b="1" dirty="0"/>
+              <a:t>plot data</a:t>
+            </a:r>
+            <a:endParaRPr lang="en-NZ" dirty="0"/>
           </a:p>
         </p:txBody>
       </p:sp>
@@ -7910,7 +10601,7 @@
           <p:cNvPr id="3" name="Content Placeholder 2">
             <a:extLst>
               <a:ext uri="{FF2B5EF4-FFF2-40B4-BE49-F238E27FC236}">
-                <a16:creationId xmlns:a16="http://schemas.microsoft.com/office/drawing/2014/main" id="{5D64C27A-CD81-95A3-23BE-540C2BE90733}"/>
+                <a16:creationId xmlns:a16="http://schemas.microsoft.com/office/drawing/2014/main" id="{717B3656-E521-1A34-3B31-B5C8EE088450}"/>
               </a:ext>
             </a:extLst>
           </p:cNvPr>
@@ -7923,63 +10614,119 @@
         </p:nvSpPr>
         <p:spPr/>
         <p:txBody>
-          <a:bodyPr/>
-          <a:lstStyle/>
-          <a:p>
-            <a:r>
-              <a:rPr lang="en-NZ" b="1" dirty="0"/>
-              <a:t>Want reproducible analysis not just for ourselves or our colleagues, but for the whole scientific community</a:t>
-            </a:r>
-          </a:p>
-          <a:p>
-            <a:r>
-              <a:rPr lang="en-NZ" b="1" dirty="0"/>
-              <a:t>How could we share our codes?</a:t>
-            </a:r>
-          </a:p>
-          <a:p>
+          <a:bodyPr>
+            <a:normAutofit/>
+          </a:bodyPr>
+          <a:lstStyle/>
+          <a:p>
+            <a:pPr marL="457200" indent="-457200">
+              <a:buFont typeface="+mj-lt"/>
+              <a:buAutoNum type="arabicPeriod"/>
+            </a:pPr>
+            <a:r>
+              <a:rPr lang="en-US" b="1" dirty="0"/>
+              <a:t>Make a plot of this data. </a:t>
+            </a:r>
+            <a:r>
+              <a:rPr lang="en-US" dirty="0"/>
+              <a:t>Up to you how to do it: doesn't need to be anything fancy. Think about where the code should go, a good name for it, etc.</a:t>
+            </a:r>
+          </a:p>
+          <a:p>
+            <a:pPr marL="457200" indent="-457200">
+              <a:buFont typeface="+mj-lt"/>
+              <a:buAutoNum type="arabicPeriod"/>
+            </a:pPr>
             <a:r>
               <a:rPr lang="en-NZ" dirty="0"/>
-              <a:t>Citation</a:t>
-            </a:r>
-          </a:p>
-          <a:p>
-            <a:r>
-              <a:rPr lang="en-NZ" dirty="0" err="1"/>
-              <a:t>Zenodo</a:t>
-            </a:r>
+              <a:t>Commit this file</a:t>
+            </a:r>
+          </a:p>
+          <a:p>
+            <a:pPr marL="457200" indent="-457200">
+              <a:buFont typeface="+mj-lt"/>
+              <a:buAutoNum type="arabicPeriod"/>
+            </a:pPr>
             <a:r>
               <a:rPr lang="en-NZ" dirty="0"/>
-              <a:t>-GitHub integration!</a:t>
-            </a:r>
-          </a:p>
-          <a:p>
+              <a:t>Delete a bunch of the file and save it</a:t>
+            </a:r>
+          </a:p>
+          <a:p>
+            <a:pPr marL="457200" indent="-457200">
+              <a:buFont typeface="+mj-lt"/>
+              <a:buAutoNum type="arabicPeriod"/>
+            </a:pPr>
             <a:r>
               <a:rPr lang="en-NZ" dirty="0"/>
-              <a:t>Once you have DOI, add to GitHub, then easy citation </a:t>
-            </a:r>
-            <a:r>
-              <a:rPr lang="en-NZ" dirty="0" err="1"/>
-              <a:t>BibTex</a:t>
-            </a:r>
+              <a:t>Check with </a:t>
+            </a:r>
+            <a:r>
+              <a:rPr lang="en-NZ" dirty="0">
+                <a:latin typeface="Courier New" panose="02070309020205020404" pitchFamily="49" charset="0"/>
+                <a:cs typeface="Courier New" panose="02070309020205020404" pitchFamily="49" charset="0"/>
+              </a:rPr>
+              <a:t>git status</a:t>
+            </a:r>
+          </a:p>
+          <a:p>
+            <a:pPr marL="457200" indent="-457200">
+              <a:buFont typeface="+mj-lt"/>
+              <a:buAutoNum type="arabicPeriod"/>
+            </a:pPr>
             <a:r>
               <a:rPr lang="en-NZ" dirty="0"/>
-              <a:t> snippet</a:t>
-            </a:r>
-          </a:p>
-          <a:p>
-            <a:r>
-              <a:rPr lang="en-NZ" b="1" dirty="0"/>
-              <a:t>Finally, ensure you have good documentation for when they get the codes! </a:t>
-            </a:r>
-            <a:r>
-              <a:rPr lang="en-NZ" dirty="0"/>
-              <a:t>At minimum, a comprehensive README and metadata (explanation of the data and where it came from)</a:t>
-            </a:r>
-            <a:endParaRPr lang="en-NZ" b="1" dirty="0"/>
-          </a:p>
-          <a:p>
-            <a:endParaRPr lang="en-NZ" dirty="0"/>
+              <a:t>Undo the change: </a:t>
+            </a:r>
+            <a:r>
+              <a:rPr lang="en-NZ" dirty="0">
+                <a:latin typeface="Courier New" panose="02070309020205020404" pitchFamily="49" charset="0"/>
+                <a:cs typeface="Courier New" panose="02070309020205020404" pitchFamily="49" charset="0"/>
+              </a:rPr>
+              <a:t>git restore </a:t>
+            </a:r>
+            <a:r>
+              <a:rPr lang="en-NZ" dirty="0" err="1">
+                <a:latin typeface="Courier New" panose="02070309020205020404" pitchFamily="49" charset="0"/>
+                <a:cs typeface="Courier New" panose="02070309020205020404" pitchFamily="49" charset="0"/>
+              </a:rPr>
+              <a:t>file_name</a:t>
+            </a:r>
+            <a:endParaRPr lang="en-NZ" dirty="0">
+              <a:latin typeface="Courier New" panose="02070309020205020404" pitchFamily="49" charset="0"/>
+              <a:cs typeface="Courier New" panose="02070309020205020404" pitchFamily="49" charset="0"/>
+            </a:endParaRPr>
+          </a:p>
+          <a:p>
+            <a:pPr marL="457200" indent="-457200">
+              <a:buFont typeface="+mj-lt"/>
+              <a:buAutoNum type="arabicPeriod"/>
+            </a:pPr>
+            <a:r>
+              <a:rPr lang="en-NZ" dirty="0">
+                <a:cs typeface="Courier New" panose="02070309020205020404" pitchFamily="49" charset="0"/>
+              </a:rPr>
+              <a:t>Change it again, commit, push</a:t>
+            </a:r>
+          </a:p>
+          <a:p>
+            <a:pPr marL="457200" indent="-457200">
+              <a:buFont typeface="+mj-lt"/>
+              <a:buAutoNum type="arabicPeriod"/>
+            </a:pPr>
+            <a:r>
+              <a:rPr lang="en-NZ" dirty="0">
+                <a:cs typeface="Courier New" panose="02070309020205020404" pitchFamily="49" charset="0"/>
+              </a:rPr>
+              <a:t>Undo the commit: </a:t>
+            </a:r>
+            <a:r>
+              <a:rPr lang="en-NZ" dirty="0">
+                <a:latin typeface="Courier New" panose="02070309020205020404" pitchFamily="49" charset="0"/>
+                <a:cs typeface="Courier New" panose="02070309020205020404" pitchFamily="49" charset="0"/>
+              </a:rPr>
+              <a:t>git revert HEAD</a:t>
+            </a:r>
           </a:p>
         </p:txBody>
       </p:sp>
@@ -7988,7 +10735,7 @@
           <p:cNvPr id="4" name="Slide Number Placeholder 3">
             <a:extLst>
               <a:ext uri="{FF2B5EF4-FFF2-40B4-BE49-F238E27FC236}">
-                <a16:creationId xmlns:a16="http://schemas.microsoft.com/office/drawing/2014/main" id="{2BA43C81-E3F2-2CC5-4115-BE881812AF57}"/>
+                <a16:creationId xmlns:a16="http://schemas.microsoft.com/office/drawing/2014/main" id="{9D0651DC-9238-95F6-939D-19CC0FB9C16F}"/>
               </a:ext>
             </a:extLst>
           </p:cNvPr>
@@ -8015,7 +10762,7 @@
     </p:spTree>
     <p:extLst>
       <p:ext uri="{BB962C8B-B14F-4D97-AF65-F5344CB8AC3E}">
-        <p14:creationId xmlns:p14="http://schemas.microsoft.com/office/powerpoint/2010/main" val="2651438960"/>
+        <p14:creationId xmlns:p14="http://schemas.microsoft.com/office/powerpoint/2010/main" val="194657018"/>
       </p:ext>
     </p:extLst>
   </p:cSld>

--- a/doc/workshop_slides.pptx
+++ b/doc/workshop_slides.pptx
@@ -570,6 +570,90 @@
   <p:cSld>
     <p:spTree>
       <p:nvGrpSpPr>
+        <p:cNvPr id="1" name=""/>
+        <p:cNvGrpSpPr/>
+        <p:nvPr/>
+      </p:nvGrpSpPr>
+      <p:grpSpPr>
+        <a:xfrm>
+          <a:off x="0" y="0"/>
+          <a:ext cx="0" cy="0"/>
+          <a:chOff x="0" y="0"/>
+          <a:chExt cx="0" cy="0"/>
+        </a:xfrm>
+      </p:grpSpPr>
+      <p:sp>
+        <p:nvSpPr>
+          <p:cNvPr id="2" name="Slide Image Placeholder 1"/>
+          <p:cNvSpPr>
+            <a:spLocks noGrp="1" noRot="1" noChangeAspect="1"/>
+          </p:cNvSpPr>
+          <p:nvPr>
+            <p:ph type="sldImg"/>
+          </p:nvPr>
+        </p:nvSpPr>
+        <p:spPr/>
+      </p:sp>
+      <p:sp>
+        <p:nvSpPr>
+          <p:cNvPr id="3" name="Notes Placeholder 2"/>
+          <p:cNvSpPr>
+            <a:spLocks noGrp="1"/>
+          </p:cNvSpPr>
+          <p:nvPr>
+            <p:ph type="body" idx="1"/>
+          </p:nvPr>
+        </p:nvSpPr>
+        <p:spPr/>
+        <p:txBody>
+          <a:bodyPr/>
+          <a:lstStyle/>
+          <a:p>
+            <a:endParaRPr lang="en-NZ" dirty="0"/>
+          </a:p>
+        </p:txBody>
+      </p:sp>
+      <p:sp>
+        <p:nvSpPr>
+          <p:cNvPr id="4" name="Slide Number Placeholder 3"/>
+          <p:cNvSpPr>
+            <a:spLocks noGrp="1"/>
+          </p:cNvSpPr>
+          <p:nvPr>
+            <p:ph type="sldNum" sz="quarter" idx="5"/>
+          </p:nvPr>
+        </p:nvSpPr>
+        <p:spPr/>
+        <p:txBody>
+          <a:bodyPr/>
+          <a:lstStyle/>
+          <a:p>
+            <a:fld id="{947B6143-73A9-458D-A6CA-502343DEF7E9}" type="slidenum">
+              <a:rPr lang="en-NZ" smtClean="0"/>
+              <a:t>12</a:t>
+            </a:fld>
+            <a:endParaRPr lang="en-NZ"/>
+          </a:p>
+        </p:txBody>
+      </p:sp>
+    </p:spTree>
+    <p:extLst>
+      <p:ext uri="{BB962C8B-B14F-4D97-AF65-F5344CB8AC3E}">
+        <p14:creationId xmlns:p14="http://schemas.microsoft.com/office/powerpoint/2010/main" val="932527005"/>
+      </p:ext>
+    </p:extLst>
+  </p:cSld>
+  <p:clrMapOvr>
+    <a:masterClrMapping/>
+  </p:clrMapOvr>
+</p:notes>
+</file>
+
+<file path=ppt/notesSlides/notesSlide11.xml><?xml version="1.0" encoding="utf-8"?>
+<p:notes xmlns:a="http://schemas.openxmlformats.org/drawingml/2006/main" xmlns:r="http://schemas.openxmlformats.org/officeDocument/2006/relationships" xmlns:p="http://schemas.openxmlformats.org/presentationml/2006/main">
+  <p:cSld>
+    <p:spTree>
+      <p:nvGrpSpPr>
         <p:cNvPr id="1" name="">
           <a:extLst>
             <a:ext uri="{FF2B5EF4-FFF2-40B4-BE49-F238E27FC236}">
@@ -1104,37 +1188,17 @@
                 <a:effectLst/>
                 <a:latin typeface="Consolas" panose="020B0609020204030204" pitchFamily="49" charset="0"/>
               </a:rPr>
-              <a:t>2 ways you might get going with a version controlled repo. Either start from an existing folder of codes and </a:t>
-            </a:r>
-            <a:r>
-              <a:rPr lang="en-US" b="0" dirty="0">
+              <a:t>Technically, all you need to get started with version control is one command: git </a:t>
+            </a:r>
+            <a:r>
+              <a:rPr lang="en-US" b="0" dirty="0" err="1">
                 <a:solidFill>
-                  <a:srgbClr val="CE9178"/>
+                  <a:srgbClr val="CCCCCC"/>
                 </a:solidFill>
                 <a:effectLst/>
                 <a:latin typeface="Consolas" panose="020B0609020204030204" pitchFamily="49" charset="0"/>
               </a:rPr>
-              <a:t>`git </a:t>
-            </a:r>
-            <a:r>
-              <a:rPr lang="en-US" b="0" dirty="0" err="1">
-                <a:solidFill>
-                  <a:srgbClr val="CE9178"/>
-                </a:solidFill>
-                <a:effectLst/>
-                <a:latin typeface="Consolas" panose="020B0609020204030204" pitchFamily="49" charset="0"/>
-              </a:rPr>
-              <a:t>init</a:t>
-            </a:r>
-            <a:r>
-              <a:rPr lang="en-US" b="0" dirty="0">
-                <a:solidFill>
-                  <a:srgbClr val="CE9178"/>
-                </a:solidFill>
-                <a:effectLst/>
-                <a:latin typeface="Consolas" panose="020B0609020204030204" pitchFamily="49" charset="0"/>
-              </a:rPr>
-              <a:t>`</a:t>
+              <a:t>init.</a:t>
             </a:r>
             <a:r>
               <a:rPr lang="en-US" b="0" dirty="0">
@@ -1144,7 +1208,7 @@
                 <a:effectLst/>
                 <a:latin typeface="Consolas" panose="020B0609020204030204" pitchFamily="49" charset="0"/>
               </a:rPr>
-              <a:t>. </a:t>
+              <a:t> </a:t>
             </a:r>
           </a:p>
           <a:p>
@@ -1161,7 +1225,7 @@
                 <a:effectLst/>
                 <a:latin typeface="Consolas" panose="020B0609020204030204" pitchFamily="49" charset="0"/>
               </a:rPr>
-              <a:t>Or, start from scratch. Nice thing about this is you can do it from GitHub and use a template, and then move in any files you might already have.</a:t>
+              <a:t>But if you use it with GitHub, you can share codes much more easily (including with future employers)</a:t>
             </a:r>
           </a:p>
           <a:p>
@@ -1178,16 +1242,85 @@
                 <a:effectLst/>
                 <a:latin typeface="Consolas" panose="020B0609020204030204" pitchFamily="49" charset="0"/>
               </a:rPr>
-              <a:t>We'll be doing this, to show you a good project structure. But later on if you want to version control your existing codes, we can go through that in more detail.</a:t>
-            </a:r>
+              <a:t>4 ways to set up a repo on Git: </a:t>
+            </a:r>
+          </a:p>
+          <a:p>
+            <a:pPr marL="171450" marR="0" lvl="0" indent="-171450" algn="l" defTabSz="914400" rtl="0" eaLnBrk="1" fontAlgn="auto" latinLnBrk="0" hangingPunct="1">
+              <a:lnSpc>
+                <a:spcPts val="1425"/>
+              </a:lnSpc>
+              <a:spcBef>
+                <a:spcPts val="0"/>
+              </a:spcBef>
+              <a:spcAft>
+                <a:spcPts val="0"/>
+              </a:spcAft>
+              <a:buClrTx/>
+              <a:buSzTx/>
+              <a:buFont typeface="Arial" panose="020B0604020202020204" pitchFamily="34" charset="0"/>
+              <a:buChar char="•"/>
+              <a:tabLst/>
+              <a:defRPr/>
+            </a:pPr>
+            <a:r>
+              <a:rPr lang="en-US" b="0" dirty="0">
+                <a:solidFill>
+                  <a:srgbClr val="CCCCCC"/>
+                </a:solidFill>
+                <a:effectLst/>
+                <a:latin typeface="Consolas" panose="020B0609020204030204" pitchFamily="49" charset="0"/>
+              </a:rPr>
+              <a:t>Someone else’s code? Fork and then clone, or clone directly (explain diffs)</a:t>
+            </a:r>
+          </a:p>
+          <a:p>
+            <a:pPr marL="171450" indent="-171450">
+              <a:lnSpc>
+                <a:spcPts val="1425"/>
+              </a:lnSpc>
+              <a:buFont typeface="Arial" panose="020B0604020202020204" pitchFamily="34" charset="0"/>
+              <a:buChar char="•"/>
+            </a:pPr>
+            <a:r>
+              <a:rPr lang="en-US" b="0" dirty="0">
+                <a:solidFill>
+                  <a:srgbClr val="CCCCCC"/>
+                </a:solidFill>
+                <a:effectLst/>
+                <a:latin typeface="Consolas" panose="020B0609020204030204" pitchFamily="49" charset="0"/>
+              </a:rPr>
+              <a:t>Your code? Create new, or use template. </a:t>
+            </a:r>
+            <a:r>
+              <a:rPr lang="en-US" b="1" dirty="0">
+                <a:solidFill>
+                  <a:srgbClr val="CCCCCC"/>
+                </a:solidFill>
+                <a:effectLst/>
+                <a:latin typeface="Consolas" panose="020B0609020204030204" pitchFamily="49" charset="0"/>
+              </a:rPr>
+              <a:t>This is what we’ll be doing, to show good project structure</a:t>
+            </a:r>
+            <a:endParaRPr lang="en-US" b="0" dirty="0">
+              <a:solidFill>
+                <a:srgbClr val="CCCCCC"/>
+              </a:solidFill>
+              <a:effectLst/>
+              <a:latin typeface="Consolas" panose="020B0609020204030204" pitchFamily="49" charset="0"/>
+            </a:endParaRPr>
           </a:p>
           <a:p>
             <a:endParaRPr lang="en-NZ" dirty="0"/>
           </a:p>
           <a:p>
             <a:r>
+              <a:rPr lang="en-NZ" b="1" dirty="0"/>
+              <a:t>Clone </a:t>
+            </a:r>
+            <a:r>
               <a:rPr lang="en-NZ" dirty="0"/>
-              <a:t>Clone = local copy on your computer </a:t>
+              <a:t>= local copy on your computer </a:t>
             </a:r>
             <a:r>
               <a:rPr lang="en-NZ" b="1" i="0" dirty="0"/>
@@ -1196,8 +1329,12 @@
           </a:p>
           <a:p>
             <a:r>
+              <a:rPr lang="en-NZ" b="1" i="0" dirty="0"/>
+              <a:t>Fork</a:t>
+            </a:r>
+            <a:r>
               <a:rPr lang="en-NZ" b="0" i="0" dirty="0"/>
-              <a:t>Fork = independent copy on your computer </a:t>
+              <a:t> = independent copy on your computer </a:t>
             </a:r>
             <a:r>
               <a:rPr lang="en-NZ" b="1" i="0" dirty="0"/>
@@ -1206,8 +1343,12 @@
           </a:p>
           <a:p>
             <a:r>
+              <a:rPr lang="en-NZ" b="1" i="0" dirty="0"/>
+              <a:t>Template</a:t>
+            </a:r>
+            <a:r>
               <a:rPr lang="en-NZ" b="0" i="0" dirty="0"/>
-              <a:t>Template = Generate new repo with same structure, branches and files, but without the commit history</a:t>
+              <a:t> = Generate new repo with same structure, branches and files, but without the commit history</a:t>
             </a:r>
             <a:endParaRPr lang="en-NZ" b="0" dirty="0"/>
           </a:p>
@@ -1347,21 +1488,13 @@
             </a:r>
           </a:p>
           <a:p>
-            <a:pPr>
+            <a:pPr marL="171450" indent="-171450">
               <a:lnSpc>
                 <a:spcPts val="1425"/>
               </a:lnSpc>
+              <a:buFontTx/>
+              <a:buChar char="-"/>
             </a:pPr>
-            <a:r>
-              <a:rPr lang="en-US" b="0" dirty="0">
-                <a:solidFill>
-                  <a:srgbClr val="6796E6"/>
-                </a:solidFill>
-                <a:effectLst/>
-                <a:latin typeface="Consolas" panose="020B0609020204030204" pitchFamily="49" charset="0"/>
-              </a:rPr>
-              <a:t>-</a:t>
-            </a:r>
             <a:r>
               <a:rPr lang="en-US" b="0" dirty="0">
                 <a:solidFill>
@@ -1370,7 +1503,42 @@
                 <a:effectLst/>
                 <a:latin typeface="Consolas" panose="020B0609020204030204" pitchFamily="49" charset="0"/>
               </a:rPr>
-              <a:t>   May have heard of Docker or Singularity: "containers" for greater independence of software from your machine. Here we will stick with the basic but very common implementation: virtual environments and the requirements.txt file.</a:t>
+              <a:t>  May have heard of Docker or Singularity: "containers" for greater independence of software from your machine. Here we will stick with the basic but very common implementation: virtual environments and the requirements.txt file.</a:t>
+            </a:r>
+          </a:p>
+          <a:p>
+            <a:pPr marL="171450" indent="-171450">
+              <a:lnSpc>
+                <a:spcPts val="1425"/>
+              </a:lnSpc>
+              <a:buFontTx/>
+              <a:buChar char="-"/>
+            </a:pPr>
+            <a:endParaRPr lang="en-US" b="0" dirty="0">
+              <a:solidFill>
+                <a:srgbClr val="CCCCCC"/>
+              </a:solidFill>
+              <a:effectLst/>
+              <a:latin typeface="Consolas" panose="020B0609020204030204" pitchFamily="49" charset="0"/>
+            </a:endParaRPr>
+          </a:p>
+          <a:p>
+            <a:pPr marL="0" indent="0">
+              <a:lnSpc>
+                <a:spcPts val="1425"/>
+              </a:lnSpc>
+              <a:buFontTx/>
+              <a:buNone/>
+            </a:pPr>
+            <a:r>
+              <a:rPr lang="en-US" b="0" dirty="0">
+                <a:solidFill>
+                  <a:srgbClr val="CCCCCC"/>
+                </a:solidFill>
+                <a:effectLst/>
+                <a:latin typeface="Consolas" panose="020B0609020204030204" pitchFamily="49" charset="0"/>
+              </a:rPr>
+              <a:t>Try installation step – should say “already satisfied”</a:t>
             </a:r>
           </a:p>
         </p:txBody>
@@ -1457,8 +1625,27 @@
           <a:p>
             <a:r>
               <a:rPr lang="en-NZ" dirty="0"/>
-              <a:t>NESI also have lots of great workshops! Command line, machine learning</a:t>
-            </a:r>
+              <a:t>Undoing changes is not only for undoing edits to a file, but also for bringing back entire deleted files. (Just so long as the file had been committed previously, and not in .</a:t>
+            </a:r>
+            <a:r>
+              <a:rPr lang="en-NZ" dirty="0" err="1"/>
+              <a:t>gitignore</a:t>
+            </a:r>
+            <a:r>
+              <a:rPr lang="en-NZ" dirty="0"/>
+              <a:t>!)</a:t>
+            </a:r>
+          </a:p>
+          <a:p>
+            <a:r>
+              <a:rPr lang="en-NZ" dirty="0"/>
+              <a:t>How to find commit hash? Git log, or handy VS code Source </a:t>
+            </a:r>
+            <a:r>
+              <a:rPr lang="en-NZ"/>
+              <a:t>Control Graph</a:t>
+            </a:r>
+            <a:endParaRPr lang="en-NZ" dirty="0"/>
           </a:p>
         </p:txBody>
       </p:sp>
@@ -1479,7 +1666,7 @@
           <a:p>
             <a:fld id="{947B6143-73A9-458D-A6CA-502343DEF7E9}" type="slidenum">
               <a:rPr lang="en-NZ" smtClean="0"/>
-              <a:t>10</a:t>
+              <a:t>9</a:t>
             </a:fld>
             <a:endParaRPr lang="en-NZ"/>
           </a:p>
@@ -1488,7 +1675,7 @@
     </p:spTree>
     <p:extLst>
       <p:ext uri="{BB962C8B-B14F-4D97-AF65-F5344CB8AC3E}">
-        <p14:creationId xmlns:p14="http://schemas.microsoft.com/office/powerpoint/2010/main" val="1430325904"/>
+        <p14:creationId xmlns:p14="http://schemas.microsoft.com/office/powerpoint/2010/main" val="3965041065"/>
       </p:ext>
     </p:extLst>
   </p:cSld>
@@ -1542,7 +1729,10 @@
           <a:bodyPr/>
           <a:lstStyle/>
           <a:p>
-            <a:endParaRPr lang="en-NZ" dirty="0"/>
+            <a:r>
+              <a:rPr lang="en-NZ" dirty="0"/>
+              <a:t>NESI also have lots of great workshops! Command line, machine learning</a:t>
+            </a:r>
           </a:p>
         </p:txBody>
       </p:sp>
@@ -1563,7 +1753,7 @@
           <a:p>
             <a:fld id="{947B6143-73A9-458D-A6CA-502343DEF7E9}" type="slidenum">
               <a:rPr lang="en-NZ" smtClean="0"/>
-              <a:t>12</a:t>
+              <a:t>10</a:t>
             </a:fld>
             <a:endParaRPr lang="en-NZ"/>
           </a:p>
@@ -1572,7 +1762,7 @@
     </p:spTree>
     <p:extLst>
       <p:ext uri="{BB962C8B-B14F-4D97-AF65-F5344CB8AC3E}">
-        <p14:creationId xmlns:p14="http://schemas.microsoft.com/office/powerpoint/2010/main" val="932527005"/>
+        <p14:creationId xmlns:p14="http://schemas.microsoft.com/office/powerpoint/2010/main" val="1430325904"/>
       </p:ext>
     </p:extLst>
   </p:cSld>
@@ -7848,7 +8038,7 @@
             </a:r>
             <a:r>
               <a:rPr lang="en-US" dirty="0">
-                <a:latin typeface="Courier New" panose="02070309020205020404" pitchFamily="49" charset="0"/>
+                <a:latin typeface="Consolas" panose="020B0609020204030204" pitchFamily="49" charset="0"/>
                 <a:cs typeface="Courier New" panose="02070309020205020404" pitchFamily="49" charset="0"/>
               </a:rPr>
               <a:t>__init__.py</a:t>
@@ -9555,7 +9745,7 @@
             </a:r>
             <a:r>
               <a:rPr lang="en-NZ" b="1" dirty="0"/>
-              <a:t>GET STARTED WITH A REPO TEMPLATE</a:t>
+              <a:t>GET STARTED WITH A GIT REPO</a:t>
             </a:r>
           </a:p>
         </p:txBody>
@@ -9584,27 +9774,25 @@
           <a:lstStyle/>
           <a:p>
             <a:pPr marL="457200" indent="-457200">
+              <a:buFont typeface="Arial" panose="020B0604020202020204" pitchFamily="34" charset="0"/>
               <a:buAutoNum type="arabicPeriod"/>
             </a:pPr>
             <a:r>
               <a:rPr lang="en-NZ" dirty="0"/>
-              <a:t>Go to </a:t>
-            </a:r>
-            <a:r>
-              <a:rPr lang="en-NZ" dirty="0">
-                <a:hlinkClick r:id="rId3"/>
-              </a:rPr>
-              <a:t>https://github.com/daniel-wrench/snap-research-template</a:t>
-            </a:r>
-            <a:endParaRPr lang="en-NZ" dirty="0"/>
+              <a:t>Understand Clone vs. Fork vs. Use template</a:t>
+            </a:r>
           </a:p>
           <a:p>
             <a:pPr marL="457200" indent="-457200">
               <a:buAutoNum type="arabicPeriod"/>
             </a:pPr>
             <a:r>
+              <a:rPr lang="en-NZ" dirty="0"/>
+              <a:t>Go to github.com, search </a:t>
+            </a:r>
+            <a:r>
               <a:rPr lang="en-NZ" b="1" dirty="0"/>
-              <a:t>Understand Clone vs. Fork vs. Use template</a:t>
+              <a:t>snap research template</a:t>
             </a:r>
           </a:p>
           <a:p>
@@ -9659,9 +9847,6 @@
             </a:pPr>
             <a:r>
               <a:rPr lang="en-NZ" b="1" dirty="0">
-                <a:solidFill>
-                  <a:srgbClr val="7030A0"/>
-                </a:solidFill>
                 <a:effectLst/>
                 <a:latin typeface="Consolas" panose="020B0609020204030204" pitchFamily="49" charset="0"/>
               </a:rPr>
@@ -9669,17 +9854,11 @@
             </a:r>
             <a:r>
               <a:rPr lang="en-NZ" b="1" dirty="0" err="1">
-                <a:solidFill>
-                  <a:srgbClr val="7030A0"/>
-                </a:solidFill>
                 <a:latin typeface="Consolas" panose="020B0609020204030204" pitchFamily="49" charset="0"/>
               </a:rPr>
               <a:t>paste_url_here</a:t>
             </a:r>
             <a:endParaRPr lang="en-NZ" b="1" dirty="0">
-              <a:solidFill>
-                <a:srgbClr val="7030A0"/>
-              </a:solidFill>
               <a:latin typeface="Consolas" panose="020B0609020204030204" pitchFamily="49" charset="0"/>
             </a:endParaRPr>
           </a:p>
@@ -9690,20 +9869,25 @@
             </a:pPr>
             <a:r>
               <a:rPr lang="en-NZ" b="1" dirty="0">
-                <a:solidFill>
-                  <a:srgbClr val="7030A0"/>
-                </a:solidFill>
                 <a:effectLst/>
                 <a:latin typeface="Consolas" panose="020B0609020204030204" pitchFamily="49" charset="0"/>
               </a:rPr>
               <a:t>cd your-repo-name</a:t>
             </a:r>
-            <a:endParaRPr lang="en-NZ" b="1" dirty="0">
-              <a:solidFill>
-                <a:srgbClr val="7030A0"/>
-              </a:solidFill>
-              <a:latin typeface="Consolas" panose="020B0609020204030204" pitchFamily="49" charset="0"/>
-            </a:endParaRPr>
+            <a:r>
+              <a:rPr lang="en-NZ" dirty="0">
+                <a:effectLst/>
+                <a:latin typeface="Consolas" panose="020B0609020204030204" pitchFamily="49" charset="0"/>
+              </a:rPr>
+              <a:t> </a:t>
+            </a:r>
+            <a:r>
+              <a:rPr lang="en-NZ" dirty="0">
+                <a:effectLst/>
+              </a:rPr>
+              <a:t>Check out structure, requirements.txt</a:t>
+            </a:r>
+            <a:endParaRPr lang="en-NZ" dirty="0"/>
           </a:p>
           <a:p>
             <a:pPr marL="457200" indent="-457200">
@@ -9784,7 +9968,7 @@
           <p:nvPr/>
         </p:nvPicPr>
         <p:blipFill>
-          <a:blip r:embed="rId4"/>
+          <a:blip r:embed="rId3"/>
           <a:stretch>
             <a:fillRect/>
           </a:stretch>
@@ -9815,8 +9999,8 @@
         </p:nvSpPr>
         <p:spPr>
           <a:xfrm>
-            <a:off x="7212303" y="2942844"/>
-            <a:ext cx="4641012" cy="1565005"/>
+            <a:off x="6850353" y="2231136"/>
+            <a:ext cx="5002962" cy="1565005"/>
           </a:xfrm>
           <a:prstGeom prst="rect">
             <a:avLst/>
@@ -9829,7 +10013,7 @@
         </p:spPr>
         <p:txBody>
           <a:bodyPr vert="horz" lIns="91440" tIns="45720" rIns="91440" bIns="45720" rtlCol="0" anchor="t">
-            <a:normAutofit fontScale="92500"/>
+            <a:normAutofit/>
           </a:bodyPr>
           <a:lstStyle>
             <a:lvl1pPr algn="l" defTabSz="914400" rtl="0" eaLnBrk="1" latinLnBrk="0" hangingPunct="1">
@@ -9886,9 +10070,6 @@
                 <a:ln>
                   <a:noFill/>
                 </a:ln>
-                <a:solidFill>
-                  <a:srgbClr val="CE9178"/>
-                </a:solidFill>
                 <a:effectLst/>
                 <a:uLnTx/>
                 <a:uFillTx/>
@@ -9903,9 +10084,6 @@
                 <a:ln>
                   <a:noFill/>
                 </a:ln>
-                <a:solidFill>
-                  <a:srgbClr val="CE9178"/>
-                </a:solidFill>
                 <a:effectLst/>
                 <a:uLnTx/>
                 <a:uFillTx/>
@@ -9919,9 +10097,6 @@
               <a:ln>
                 <a:noFill/>
               </a:ln>
-              <a:solidFill>
-                <a:srgbClr val="CE9178"/>
-              </a:solidFill>
               <a:effectLst/>
               <a:uLnTx/>
               <a:uFillTx/>
@@ -9963,7 +10138,7 @@
                 <a:ea typeface="+mn-ea"/>
                 <a:cs typeface="Courier New" panose="02070309020205020404" pitchFamily="49" charset="0"/>
               </a:rPr>
-              <a:t>git remote add origin </a:t>
+              <a:t>(git remote add origin </a:t>
             </a:r>
             <a:r>
               <a:rPr kumimoji="0" lang="en-NZ" sz="1800" b="0" i="0" u="none" strike="noStrike" kern="1200" cap="none" spc="0" normalizeH="0" baseline="0" noProof="0" dirty="0" err="1">
@@ -9982,20 +10157,23 @@
               </a:rPr>
               <a:t>github_url.git</a:t>
             </a:r>
-            <a:endParaRPr kumimoji="0" lang="en-NZ" sz="1800" b="0" i="0" u="none" strike="noStrike" kern="1200" cap="none" spc="0" normalizeH="0" baseline="0" noProof="0" dirty="0">
-              <a:ln>
-                <a:noFill/>
-              </a:ln>
-              <a:solidFill>
-                <a:srgbClr val="000000"/>
-              </a:solidFill>
-              <a:effectLst/>
-              <a:uLnTx/>
-              <a:uFillTx/>
-              <a:latin typeface="Consolas" panose="020B0609020204030204" pitchFamily="49" charset="0"/>
-              <a:ea typeface="+mn-ea"/>
-              <a:cs typeface="Courier New" panose="02070309020205020404" pitchFamily="49" charset="0"/>
-            </a:endParaRPr>
+            <a:r>
+              <a:rPr kumimoji="0" lang="en-NZ" sz="1800" b="0" i="0" u="none" strike="noStrike" kern="1200" cap="none" spc="0" normalizeH="0" baseline="0" noProof="0" dirty="0">
+                <a:ln>
+                  <a:noFill/>
+                </a:ln>
+                <a:solidFill>
+                  <a:srgbClr val="000000"/>
+                </a:solidFill>
+                <a:effectLst/>
+                <a:uLnTx/>
+                <a:uFillTx/>
+                <a:latin typeface="Consolas" panose="020B0609020204030204" pitchFamily="49" charset="0"/>
+                <a:ea typeface="+mn-ea"/>
+                <a:cs typeface="Courier New" panose="02070309020205020404" pitchFamily="49" charset="0"/>
+              </a:rPr>
+              <a:t>)</a:t>
+            </a:r>
           </a:p>
           <a:p>
             <a:endParaRPr lang="en-NZ" sz="1800" b="1" dirty="0"/>
@@ -10087,7 +10265,7 @@
         <p:spPr/>
         <p:txBody>
           <a:bodyPr>
-            <a:normAutofit fontScale="85000" lnSpcReduction="20000"/>
+            <a:normAutofit fontScale="77500" lnSpcReduction="20000"/>
           </a:bodyPr>
           <a:lstStyle/>
           <a:p>
@@ -10120,8 +10298,8 @@
               <a:t>In step 3, first </a:t>
             </a:r>
             <a:r>
-              <a:rPr lang="en-NZ" dirty="0">
-                <a:latin typeface="Courier New" panose="02070309020205020404" pitchFamily="49" charset="0"/>
+              <a:rPr lang="en-NZ" b="1" dirty="0">
+                <a:latin typeface="Consolas" panose="020B0609020204030204" pitchFamily="49" charset="0"/>
                 <a:cs typeface="Courier New" panose="02070309020205020404" pitchFamily="49" charset="0"/>
               </a:rPr>
               <a:t>pip install </a:t>
@@ -10135,7 +10313,7 @@
             <a:pPr lvl="1"/>
             <a:r>
               <a:rPr lang="en-NZ" dirty="0">
-                <a:latin typeface="Courier New" panose="02070309020205020404" pitchFamily="49" charset="0"/>
+                <a:latin typeface="Consolas" panose="020B0609020204030204" pitchFamily="49" charset="0"/>
                 <a:cs typeface="Courier New" panose="02070309020205020404" pitchFamily="49" charset="0"/>
               </a:rPr>
               <a:t>pandas</a:t>
@@ -10145,7 +10323,7 @@
             <a:pPr lvl="1"/>
             <a:r>
               <a:rPr lang="en-NZ" dirty="0">
-                <a:latin typeface="Courier New" panose="02070309020205020404" pitchFamily="49" charset="0"/>
+                <a:latin typeface="Consolas" panose="020B0609020204030204" pitchFamily="49" charset="0"/>
                 <a:cs typeface="Courier New" panose="02070309020205020404" pitchFamily="49" charset="0"/>
               </a:rPr>
               <a:t>requests</a:t>
@@ -10155,7 +10333,7 @@
             <a:pPr lvl="1"/>
             <a:r>
               <a:rPr lang="en-NZ" dirty="0">
-                <a:latin typeface="Courier New" panose="02070309020205020404" pitchFamily="49" charset="0"/>
+                <a:latin typeface="Consolas" panose="020B0609020204030204" pitchFamily="49" charset="0"/>
                 <a:cs typeface="Courier New" panose="02070309020205020404" pitchFamily="49" charset="0"/>
               </a:rPr>
               <a:t>matplotlib</a:t>
@@ -10168,7 +10346,7 @@
             </a:pPr>
             <a:r>
               <a:rPr lang="en-NZ" dirty="0"/>
-              <a:t>Make your first commit! (requirements.txt)</a:t>
+              <a:t>Make your first commit! (requirements.txt). Note changes in git status.</a:t>
             </a:r>
           </a:p>
           <a:p>
@@ -10177,8 +10355,8 @@
               <a:buAutoNum type="alphaLcPeriod"/>
             </a:pPr>
             <a:r>
-              <a:rPr lang="en-NZ" dirty="0">
-                <a:latin typeface="Courier New" panose="02070309020205020404" pitchFamily="49" charset="0"/>
+              <a:rPr lang="en-NZ" b="1" dirty="0">
+                <a:latin typeface="Consolas" panose="020B0609020204030204" pitchFamily="49" charset="0"/>
                 <a:cs typeface="Courier New" panose="02070309020205020404" pitchFamily="49" charset="0"/>
               </a:rPr>
               <a:t>git status</a:t>
@@ -10190,8 +10368,8 @@
               <a:buAutoNum type="alphaLcPeriod"/>
             </a:pPr>
             <a:r>
-              <a:rPr lang="en-NZ" dirty="0">
-                <a:latin typeface="Courier New" panose="02070309020205020404" pitchFamily="49" charset="0"/>
+              <a:rPr lang="en-NZ" b="1" dirty="0">
+                <a:latin typeface="Consolas" panose="020B0609020204030204" pitchFamily="49" charset="0"/>
                 <a:cs typeface="Courier New" panose="02070309020205020404" pitchFamily="49" charset="0"/>
               </a:rPr>
               <a:t>git add requirements.txt</a:t>
@@ -10203,22 +10381,22 @@
               <a:buAutoNum type="alphaLcPeriod"/>
             </a:pPr>
             <a:r>
-              <a:rPr lang="en-NZ" dirty="0">
-                <a:latin typeface="Courier New" panose="02070309020205020404" pitchFamily="49" charset="0"/>
+              <a:rPr lang="en-NZ" b="1" dirty="0">
+                <a:latin typeface="Consolas" panose="020B0609020204030204" pitchFamily="49" charset="0"/>
                 <a:cs typeface="Courier New" panose="02070309020205020404" pitchFamily="49" charset="0"/>
               </a:rPr>
               <a:t>git commit –m “informative-commit-</a:t>
             </a:r>
             <a:r>
-              <a:rPr lang="en-NZ" dirty="0" err="1">
-                <a:latin typeface="Courier New" panose="02070309020205020404" pitchFamily="49" charset="0"/>
+              <a:rPr lang="en-NZ" b="1" dirty="0" err="1">
+                <a:latin typeface="Consolas" panose="020B0609020204030204" pitchFamily="49" charset="0"/>
                 <a:cs typeface="Courier New" panose="02070309020205020404" pitchFamily="49" charset="0"/>
               </a:rPr>
               <a:t>mssg</a:t>
             </a:r>
             <a:r>
-              <a:rPr lang="en-NZ" dirty="0">
-                <a:latin typeface="Courier New" panose="02070309020205020404" pitchFamily="49" charset="0"/>
+              <a:rPr lang="en-NZ" b="1" dirty="0">
+                <a:latin typeface="Consolas" panose="020B0609020204030204" pitchFamily="49" charset="0"/>
                 <a:cs typeface="Courier New" panose="02070309020205020404" pitchFamily="49" charset="0"/>
               </a:rPr>
               <a:t>”</a:t>
@@ -10230,11 +10408,11 @@
               <a:buAutoNum type="alphaLcPeriod"/>
             </a:pPr>
             <a:r>
-              <a:rPr lang="en-NZ" dirty="0">
-                <a:latin typeface="Courier New" panose="02070309020205020404" pitchFamily="49" charset="0"/>
+              <a:rPr lang="en-NZ" b="1" dirty="0">
+                <a:latin typeface="Consolas" panose="020B0609020204030204" pitchFamily="49" charset="0"/>
                 <a:cs typeface="Courier New" panose="02070309020205020404" pitchFamily="49" charset="0"/>
               </a:rPr>
-              <a:t>git push</a:t>
+              <a:t>git status</a:t>
             </a:r>
           </a:p>
           <a:p>
@@ -10243,8 +10421,21 @@
               <a:buAutoNum type="alphaLcPeriod"/>
             </a:pPr>
             <a:r>
-              <a:rPr lang="en-NZ" dirty="0">
-                <a:latin typeface="Courier New" panose="02070309020205020404" pitchFamily="49" charset="0"/>
+              <a:rPr lang="en-NZ" b="1" dirty="0">
+                <a:latin typeface="Consolas" panose="020B0609020204030204" pitchFamily="49" charset="0"/>
+                <a:cs typeface="Courier New" panose="02070309020205020404" pitchFamily="49" charset="0"/>
+              </a:rPr>
+              <a:t>git push</a:t>
+            </a:r>
+          </a:p>
+          <a:p>
+            <a:pPr marL="914400" lvl="1" indent="-457200">
+              <a:buFont typeface="+mj-lt"/>
+              <a:buAutoNum type="alphaLcPeriod"/>
+            </a:pPr>
+            <a:r>
+              <a:rPr lang="en-NZ" b="1" dirty="0">
+                <a:latin typeface="Consolas" panose="020B0609020204030204" pitchFamily="49" charset="0"/>
                 <a:cs typeface="Courier New" panose="02070309020205020404" pitchFamily="49" charset="0"/>
               </a:rPr>
               <a:t>git status</a:t>
@@ -10278,6 +10469,323 @@
               <a:t>7</a:t>
             </a:fld>
             <a:endParaRPr lang="en-US"/>
+          </a:p>
+        </p:txBody>
+      </p:sp>
+      <p:sp>
+        <p:nvSpPr>
+          <p:cNvPr id="5" name="Title 1">
+            <a:extLst>
+              <a:ext uri="{FF2B5EF4-FFF2-40B4-BE49-F238E27FC236}">
+                <a16:creationId xmlns:a16="http://schemas.microsoft.com/office/drawing/2014/main" id="{91E05780-52A9-CD18-E735-7F75D11A9F96}"/>
+              </a:ext>
+            </a:extLst>
+          </p:cNvPr>
+          <p:cNvSpPr txBox="1">
+            <a:spLocks/>
+          </p:cNvSpPr>
+          <p:nvPr/>
+        </p:nvSpPr>
+        <p:spPr>
+          <a:xfrm>
+            <a:off x="8082636" y="2616454"/>
+            <a:ext cx="3088468" cy="1364751"/>
+          </a:xfrm>
+          <a:prstGeom prst="rect">
+            <a:avLst/>
+          </a:prstGeom>
+          <a:ln>
+            <a:solidFill>
+              <a:schemeClr val="tx1"/>
+            </a:solidFill>
+          </a:ln>
+        </p:spPr>
+        <p:txBody>
+          <a:bodyPr vert="horz" lIns="91440" tIns="45720" rIns="91440" bIns="45720" rtlCol="0" anchor="t">
+            <a:normAutofit/>
+          </a:bodyPr>
+          <a:lstStyle>
+            <a:lvl1pPr algn="l" defTabSz="914400" rtl="0" eaLnBrk="1" latinLnBrk="0" hangingPunct="1">
+              <a:lnSpc>
+                <a:spcPct val="100000"/>
+              </a:lnSpc>
+              <a:spcBef>
+                <a:spcPct val="0"/>
+              </a:spcBef>
+              <a:buNone/>
+              <a:defRPr sz="4000" kern="1200" cap="all" spc="30" baseline="0">
+                <a:solidFill>
+                  <a:schemeClr val="tx1"/>
+                </a:solidFill>
+                <a:latin typeface="+mj-lt"/>
+                <a:ea typeface="+mj-ea"/>
+                <a:cs typeface="+mj-cs"/>
+              </a:defRPr>
+            </a:lvl1pPr>
+          </a:lstStyle>
+          <a:p>
+            <a:r>
+              <a:rPr lang="en-NZ" sz="1800" b="1" dirty="0"/>
+              <a:t>OR </a:t>
+            </a:r>
+            <a:r>
+              <a:rPr lang="en-NZ" sz="1800" dirty="0"/>
+              <a:t>other options</a:t>
+            </a:r>
+          </a:p>
+          <a:p>
+            <a:endParaRPr lang="en-NZ" sz="1800" b="1" dirty="0"/>
+          </a:p>
+          <a:p>
+            <a:pPr marL="0" marR="0" lvl="0" indent="0" algn="l" defTabSz="914400" rtl="0" eaLnBrk="1" fontAlgn="auto" latinLnBrk="0" hangingPunct="1">
+              <a:lnSpc>
+                <a:spcPct val="100000"/>
+              </a:lnSpc>
+              <a:spcBef>
+                <a:spcPts val="0"/>
+              </a:spcBef>
+              <a:spcAft>
+                <a:spcPts val="0"/>
+              </a:spcAft>
+              <a:buClrTx/>
+              <a:buSzTx/>
+              <a:buFontTx/>
+              <a:buNone/>
+              <a:tabLst/>
+              <a:defRPr/>
+            </a:pPr>
+            <a:r>
+              <a:rPr kumimoji="0" lang="en-NZ" sz="1800" b="0" i="0" u="none" strike="noStrike" kern="1200" cap="none" spc="0" normalizeH="0" baseline="0" noProof="0" dirty="0">
+                <a:ln>
+                  <a:noFill/>
+                </a:ln>
+                <a:effectLst/>
+                <a:uLnTx/>
+                <a:uFillTx/>
+                <a:latin typeface="Consolas" panose="020B0609020204030204" pitchFamily="49" charset="0"/>
+                <a:ea typeface="+mn-ea"/>
+                <a:cs typeface="+mn-cs"/>
+              </a:rPr>
+              <a:t>Conda: </a:t>
+            </a:r>
+            <a:r>
+              <a:rPr kumimoji="0" lang="en-NZ" sz="1800" b="0" i="0" u="none" strike="noStrike" kern="1200" cap="none" spc="0" normalizeH="0" baseline="0" noProof="0" dirty="0" err="1">
+                <a:ln>
+                  <a:noFill/>
+                </a:ln>
+                <a:effectLst/>
+                <a:uLnTx/>
+                <a:uFillTx/>
+                <a:latin typeface="Consolas" panose="020B0609020204030204" pitchFamily="49" charset="0"/>
+                <a:ea typeface="+mn-ea"/>
+                <a:cs typeface="+mn-cs"/>
+              </a:rPr>
+              <a:t>environment.yml</a:t>
+            </a:r>
+            <a:endParaRPr kumimoji="0" lang="en-NZ" sz="1800" b="0" i="0" u="none" strike="noStrike" kern="1200" cap="none" spc="0" normalizeH="0" baseline="0" noProof="0" dirty="0">
+              <a:ln>
+                <a:noFill/>
+              </a:ln>
+              <a:effectLst/>
+              <a:uLnTx/>
+              <a:uFillTx/>
+              <a:latin typeface="Consolas" panose="020B0609020204030204" pitchFamily="49" charset="0"/>
+              <a:ea typeface="+mn-ea"/>
+              <a:cs typeface="+mn-cs"/>
+            </a:endParaRPr>
+          </a:p>
+          <a:p>
+            <a:pPr marL="0" marR="0" lvl="0" indent="0" algn="l" defTabSz="914400" rtl="0" eaLnBrk="1" fontAlgn="auto" latinLnBrk="0" hangingPunct="1">
+              <a:lnSpc>
+                <a:spcPct val="100000"/>
+              </a:lnSpc>
+              <a:spcBef>
+                <a:spcPts val="0"/>
+              </a:spcBef>
+              <a:spcAft>
+                <a:spcPts val="0"/>
+              </a:spcAft>
+              <a:buClrTx/>
+              <a:buSzTx/>
+              <a:buFontTx/>
+              <a:buNone/>
+              <a:tabLst/>
+              <a:defRPr/>
+            </a:pPr>
+            <a:r>
+              <a:rPr lang="en-NZ" sz="1800" cap="none" spc="0" dirty="0">
+                <a:latin typeface="Consolas" panose="020B0609020204030204" pitchFamily="49" charset="0"/>
+                <a:ea typeface="+mn-ea"/>
+                <a:cs typeface="+mn-cs"/>
+              </a:rPr>
+              <a:t>R: </a:t>
+            </a:r>
+            <a:r>
+              <a:rPr lang="en-NZ" sz="1800" cap="none" spc="0" dirty="0" err="1">
+                <a:latin typeface="Consolas" panose="020B0609020204030204" pitchFamily="49" charset="0"/>
+                <a:ea typeface="+mn-ea"/>
+                <a:cs typeface="+mn-cs"/>
+              </a:rPr>
+              <a:t>renv</a:t>
+            </a:r>
+            <a:endParaRPr kumimoji="0" lang="en-NZ" sz="1800" b="0" i="0" u="none" strike="noStrike" kern="1200" cap="none" spc="0" normalizeH="0" baseline="0" noProof="0" dirty="0">
+              <a:ln>
+                <a:noFill/>
+              </a:ln>
+              <a:effectLst/>
+              <a:uLnTx/>
+              <a:uFillTx/>
+              <a:latin typeface="Consolas" panose="020B0609020204030204" pitchFamily="49" charset="0"/>
+              <a:ea typeface="+mn-ea"/>
+              <a:cs typeface="Courier New" panose="02070309020205020404" pitchFamily="49" charset="0"/>
+            </a:endParaRPr>
+          </a:p>
+          <a:p>
+            <a:endParaRPr lang="en-NZ" sz="1800" b="1" dirty="0"/>
+          </a:p>
+          <a:p>
+            <a:endParaRPr lang="en-NZ" sz="1800" b="1" dirty="0"/>
+          </a:p>
+        </p:txBody>
+      </p:sp>
+      <p:sp>
+        <p:nvSpPr>
+          <p:cNvPr id="6" name="Title 1">
+            <a:extLst>
+              <a:ext uri="{FF2B5EF4-FFF2-40B4-BE49-F238E27FC236}">
+                <a16:creationId xmlns:a16="http://schemas.microsoft.com/office/drawing/2014/main" id="{8EDCE04C-D4B0-9126-57D8-2CFAF47F1286}"/>
+              </a:ext>
+            </a:extLst>
+          </p:cNvPr>
+          <p:cNvSpPr txBox="1">
+            <a:spLocks/>
+          </p:cNvSpPr>
+          <p:nvPr/>
+        </p:nvSpPr>
+        <p:spPr>
+          <a:xfrm>
+            <a:off x="8082636" y="4597137"/>
+            <a:ext cx="3088468" cy="1364751"/>
+          </a:xfrm>
+          <a:prstGeom prst="rect">
+            <a:avLst/>
+          </a:prstGeom>
+          <a:ln>
+            <a:solidFill>
+              <a:schemeClr val="tx1"/>
+            </a:solidFill>
+          </a:ln>
+        </p:spPr>
+        <p:txBody>
+          <a:bodyPr vert="horz" lIns="91440" tIns="45720" rIns="91440" bIns="45720" rtlCol="0" anchor="t">
+            <a:normAutofit/>
+          </a:bodyPr>
+          <a:lstStyle>
+            <a:lvl1pPr algn="l" defTabSz="914400" rtl="0" eaLnBrk="1" latinLnBrk="0" hangingPunct="1">
+              <a:lnSpc>
+                <a:spcPct val="100000"/>
+              </a:lnSpc>
+              <a:spcBef>
+                <a:spcPct val="0"/>
+              </a:spcBef>
+              <a:buNone/>
+              <a:defRPr sz="4000" kern="1200" cap="all" spc="30" baseline="0">
+                <a:solidFill>
+                  <a:schemeClr val="tx1"/>
+                </a:solidFill>
+                <a:latin typeface="+mj-lt"/>
+                <a:ea typeface="+mj-ea"/>
+                <a:cs typeface="+mj-cs"/>
+              </a:defRPr>
+            </a:lvl1pPr>
+          </a:lstStyle>
+          <a:p>
+            <a:r>
+              <a:rPr lang="en-NZ" sz="1800" b="1" dirty="0"/>
+              <a:t>Extra for experts</a:t>
+            </a:r>
+            <a:endParaRPr lang="en-NZ" sz="1800" dirty="0"/>
+          </a:p>
+          <a:p>
+            <a:endParaRPr lang="en-NZ" sz="1800" b="1" dirty="0"/>
+          </a:p>
+          <a:p>
+            <a:pPr marL="0" marR="0" lvl="0" indent="0" algn="l" defTabSz="914400" rtl="0" eaLnBrk="1" fontAlgn="auto" latinLnBrk="0" hangingPunct="1">
+              <a:lnSpc>
+                <a:spcPct val="100000"/>
+              </a:lnSpc>
+              <a:spcBef>
+                <a:spcPts val="0"/>
+              </a:spcBef>
+              <a:spcAft>
+                <a:spcPts val="0"/>
+              </a:spcAft>
+              <a:buClrTx/>
+              <a:buSzTx/>
+              <a:buFontTx/>
+              <a:buNone/>
+              <a:tabLst/>
+              <a:defRPr/>
+            </a:pPr>
+            <a:r>
+              <a:rPr kumimoji="0" lang="en-NZ" sz="1800" b="0" i="0" u="none" strike="noStrike" kern="1200" cap="none" spc="0" normalizeH="0" baseline="0" noProof="0" dirty="0">
+                <a:ln>
+                  <a:noFill/>
+                </a:ln>
+                <a:effectLst/>
+                <a:uLnTx/>
+                <a:uFillTx/>
+                <a:latin typeface="+mn-lt"/>
+                <a:ea typeface="+mn-ea"/>
+                <a:cs typeface="+mn-cs"/>
+              </a:rPr>
+              <a:t>Look at </a:t>
+            </a:r>
+            <a:r>
+              <a:rPr kumimoji="0" lang="en-NZ" sz="1800" b="0" i="0" u="none" strike="noStrike" kern="1200" cap="none" spc="0" normalizeH="0" baseline="0" noProof="0" dirty="0" err="1">
+                <a:ln>
+                  <a:noFill/>
+                </a:ln>
+                <a:effectLst/>
+                <a:uLnTx/>
+                <a:uFillTx/>
+                <a:latin typeface="+mn-lt"/>
+                <a:ea typeface="+mn-ea"/>
+                <a:cs typeface="+mn-cs"/>
+              </a:rPr>
+              <a:t>calmcode</a:t>
+            </a:r>
+            <a:r>
+              <a:rPr kumimoji="0" lang="en-NZ" sz="1800" b="0" i="0" u="none" strike="noStrike" kern="1200" cap="none" spc="0" normalizeH="0" baseline="0" noProof="0" dirty="0">
+                <a:ln>
+                  <a:noFill/>
+                </a:ln>
+                <a:effectLst/>
+                <a:uLnTx/>
+                <a:uFillTx/>
+                <a:latin typeface="+mn-lt"/>
+                <a:ea typeface="+mn-ea"/>
+                <a:cs typeface="+mn-cs"/>
+              </a:rPr>
+              <a:t> guide to pip-tools compile</a:t>
+            </a:r>
+            <a:endParaRPr kumimoji="0" lang="en-NZ" sz="1800" b="0" i="0" u="none" strike="noStrike" kern="1200" cap="none" spc="0" normalizeH="0" baseline="0" noProof="0" dirty="0">
+              <a:ln>
+                <a:noFill/>
+              </a:ln>
+              <a:effectLst/>
+              <a:uLnTx/>
+              <a:uFillTx/>
+              <a:latin typeface="+mn-lt"/>
+              <a:ea typeface="+mn-ea"/>
+              <a:cs typeface="Courier New" panose="02070309020205020404" pitchFamily="49" charset="0"/>
+            </a:endParaRPr>
+          </a:p>
+          <a:p>
+            <a:endParaRPr lang="en-NZ" sz="1800" b="1" dirty="0"/>
+          </a:p>
+          <a:p>
+            <a:endParaRPr lang="en-NZ" sz="1800" b="1" dirty="0"/>
           </a:p>
         </p:txBody>
       </p:sp>
@@ -10379,7 +10887,7 @@
             </a:r>
             <a:r>
               <a:rPr lang="en-NZ" dirty="0">
-                <a:latin typeface="Courier New" panose="02070309020205020404" pitchFamily="49" charset="0"/>
+                <a:latin typeface="Consolas" panose="020B0609020204030204" pitchFamily="49" charset="0"/>
                 <a:cs typeface="Courier New" panose="02070309020205020404" pitchFamily="49" charset="0"/>
               </a:rPr>
               <a:t>scripts/</a:t>
@@ -10420,14 +10928,14 @@
             </a:r>
             <a:r>
               <a:rPr lang="en-NZ" dirty="0" err="1">
-                <a:latin typeface="Courier New" panose="02070309020205020404" pitchFamily="49" charset="0"/>
+                <a:latin typeface="Consolas" panose="020B0609020204030204" pitchFamily="49" charset="0"/>
                 <a:cs typeface="Courier New" panose="02070309020205020404" pitchFamily="49" charset="0"/>
               </a:rPr>
               <a:t>output_path</a:t>
             </a:r>
             <a:r>
               <a:rPr lang="en-NZ" dirty="0">
-                <a:latin typeface="Courier New" panose="02070309020205020404" pitchFamily="49" charset="0"/>
+                <a:latin typeface="Consolas" panose="020B0609020204030204" pitchFamily="49" charset="0"/>
                 <a:cs typeface="Courier New" panose="02070309020205020404" pitchFamily="49" charset="0"/>
               </a:rPr>
               <a:t> </a:t>
@@ -10457,8 +10965,8 @@
               <a:t>Note </a:t>
             </a:r>
             <a:r>
-              <a:rPr lang="en-NZ" dirty="0">
-                <a:latin typeface="Courier New" panose="02070309020205020404" pitchFamily="49" charset="0"/>
+              <a:rPr lang="en-NZ" b="1" dirty="0">
+                <a:latin typeface="Consolas" panose="020B0609020204030204" pitchFamily="49" charset="0"/>
                 <a:cs typeface="Courier New" panose="02070309020205020404" pitchFamily="49" charset="0"/>
               </a:rPr>
               <a:t>git status</a:t>
@@ -10590,7 +11098,7 @@
             </a:r>
             <a:r>
               <a:rPr lang="en-NZ" b="1" dirty="0"/>
-              <a:t>plot data</a:t>
+              <a:t>plot data AND UNDO MISTAKES</a:t>
             </a:r>
             <a:endParaRPr lang="en-NZ" dirty="0"/>
           </a:p>
@@ -10612,10 +11120,15 @@
             <p:ph idx="1"/>
           </p:nvPr>
         </p:nvSpPr>
-        <p:spPr/>
+        <p:spPr>
+          <a:xfrm>
+            <a:off x="700635" y="2221992"/>
+            <a:ext cx="10691265" cy="3931158"/>
+          </a:xfrm>
+        </p:spPr>
         <p:txBody>
           <a:bodyPr>
-            <a:normAutofit/>
+            <a:normAutofit lnSpcReduction="10000"/>
           </a:bodyPr>
           <a:lstStyle/>
           <a:p>
@@ -10629,7 +11142,7 @@
             </a:r>
             <a:r>
               <a:rPr lang="en-US" dirty="0"/>
-              <a:t>Up to you how to do it: doesn't need to be anything fancy. Think about where the code should go, a good name for it, etc.</a:t>
+              <a:t>Up to you how to do it: doesn't need to be anything fancy. Think about where the code and output should go, a good name for it, etc.</a:t>
             </a:r>
           </a:p>
           <a:p>
@@ -10649,8 +11162,71 @@
             </a:pPr>
             <a:r>
               <a:rPr lang="en-NZ" dirty="0"/>
+              <a:t>Undoing saved (but </a:t>
+            </a:r>
+            <a:r>
+              <a:rPr lang="en-NZ" b="1" dirty="0" err="1"/>
+              <a:t>uncommited</a:t>
+            </a:r>
+            <a:r>
+              <a:rPr lang="en-NZ" dirty="0"/>
+              <a:t> changes)</a:t>
+            </a:r>
+          </a:p>
+          <a:p>
+            <a:pPr marL="914400" lvl="1" indent="-457200">
+              <a:buFont typeface="+mj-lt"/>
+              <a:buAutoNum type="arabicPeriod"/>
+            </a:pPr>
+            <a:r>
+              <a:rPr lang="en-NZ" dirty="0"/>
               <a:t>Delete a bunch of the file and save it</a:t>
             </a:r>
+          </a:p>
+          <a:p>
+            <a:pPr marL="914400" lvl="1" indent="-457200">
+              <a:buFont typeface="+mj-lt"/>
+              <a:buAutoNum type="arabicPeriod"/>
+            </a:pPr>
+            <a:r>
+              <a:rPr lang="en-NZ" dirty="0"/>
+              <a:t>Check with </a:t>
+            </a:r>
+            <a:r>
+              <a:rPr lang="en-NZ" b="1" dirty="0">
+                <a:latin typeface="Consolas" panose="020B0609020204030204" pitchFamily="49" charset="0"/>
+                <a:cs typeface="Courier New" panose="02070309020205020404" pitchFamily="49" charset="0"/>
+              </a:rPr>
+              <a:t>git status</a:t>
+            </a:r>
+          </a:p>
+          <a:p>
+            <a:pPr marL="914400" lvl="1" indent="-457200">
+              <a:buFont typeface="+mj-lt"/>
+              <a:buAutoNum type="arabicPeriod"/>
+            </a:pPr>
+            <a:r>
+              <a:rPr lang="en-NZ" dirty="0"/>
+              <a:t>Undo the change: </a:t>
+            </a:r>
+            <a:r>
+              <a:rPr lang="en-NZ" b="1" dirty="0">
+                <a:latin typeface="Consolas" panose="020B0609020204030204" pitchFamily="49" charset="0"/>
+                <a:cs typeface="Courier New" panose="02070309020205020404" pitchFamily="49" charset="0"/>
+              </a:rPr>
+              <a:t>git restore </a:t>
+            </a:r>
+            <a:r>
+              <a:rPr lang="en-NZ" b="1" dirty="0" err="1">
+                <a:latin typeface="Consolas" panose="020B0609020204030204" pitchFamily="49" charset="0"/>
+                <a:cs typeface="Courier New" panose="02070309020205020404" pitchFamily="49" charset="0"/>
+              </a:rPr>
+              <a:t>file_name</a:t>
+            </a:r>
+            <a:endParaRPr lang="en-NZ" b="1" dirty="0">
+              <a:latin typeface="Consolas" panose="020B0609020204030204" pitchFamily="49" charset="0"/>
+              <a:cs typeface="Courier New" panose="02070309020205020404" pitchFamily="49" charset="0"/>
+            </a:endParaRPr>
           </a:p>
           <a:p>
             <a:pPr marL="457200" indent="-457200">
@@ -10658,47 +11234,26 @@
               <a:buAutoNum type="arabicPeriod"/>
             </a:pPr>
             <a:r>
-              <a:rPr lang="en-NZ" dirty="0"/>
-              <a:t>Check with </a:t>
-            </a:r>
-            <a:r>
               <a:rPr lang="en-NZ" dirty="0">
-                <a:latin typeface="Courier New" panose="02070309020205020404" pitchFamily="49" charset="0"/>
                 <a:cs typeface="Courier New" panose="02070309020205020404" pitchFamily="49" charset="0"/>
               </a:rPr>
-              <a:t>git status</a:t>
-            </a:r>
-          </a:p>
-          <a:p>
-            <a:pPr marL="457200" indent="-457200">
-              <a:buFont typeface="+mj-lt"/>
-              <a:buAutoNum type="arabicPeriod"/>
-            </a:pPr>
-            <a:r>
-              <a:rPr lang="en-NZ" dirty="0"/>
-              <a:t>Undo the change: </a:t>
-            </a:r>
-            <a:r>
-              <a:rPr lang="en-NZ" dirty="0">
-                <a:latin typeface="Courier New" panose="02070309020205020404" pitchFamily="49" charset="0"/>
+              <a:t>Undoing </a:t>
+            </a:r>
+            <a:r>
+              <a:rPr lang="en-NZ" b="1" dirty="0">
                 <a:cs typeface="Courier New" panose="02070309020205020404" pitchFamily="49" charset="0"/>
               </a:rPr>
-              <a:t>git restore </a:t>
-            </a:r>
-            <a:r>
-              <a:rPr lang="en-NZ" dirty="0" err="1">
-                <a:latin typeface="Courier New" panose="02070309020205020404" pitchFamily="49" charset="0"/>
+              <a:t>committed</a:t>
+            </a:r>
+            <a:r>
+              <a:rPr lang="en-NZ" dirty="0">
                 <a:cs typeface="Courier New" panose="02070309020205020404" pitchFamily="49" charset="0"/>
               </a:rPr>
-              <a:t>file_name</a:t>
-            </a:r>
-            <a:endParaRPr lang="en-NZ" dirty="0">
-              <a:latin typeface="Courier New" panose="02070309020205020404" pitchFamily="49" charset="0"/>
-              <a:cs typeface="Courier New" panose="02070309020205020404" pitchFamily="49" charset="0"/>
-            </a:endParaRPr>
-          </a:p>
-          <a:p>
-            <a:pPr marL="457200" indent="-457200">
+              <a:t> changes</a:t>
+            </a:r>
+          </a:p>
+          <a:p>
+            <a:pPr marL="914400" lvl="1" indent="-457200">
               <a:buFont typeface="+mj-lt"/>
               <a:buAutoNum type="arabicPeriod"/>
             </a:pPr>
@@ -10710,7 +11265,7 @@
             </a:r>
           </a:p>
           <a:p>
-            <a:pPr marL="457200" indent="-457200">
+            <a:pPr marL="914400" lvl="1" indent="-457200">
               <a:buFont typeface="+mj-lt"/>
               <a:buAutoNum type="arabicPeriod"/>
             </a:pPr>
@@ -10718,11 +11273,11 @@
               <a:rPr lang="en-NZ" dirty="0">
                 <a:cs typeface="Courier New" panose="02070309020205020404" pitchFamily="49" charset="0"/>
               </a:rPr>
-              <a:t>Undo the commit: </a:t>
-            </a:r>
-            <a:r>
-              <a:rPr lang="en-NZ" dirty="0">
-                <a:latin typeface="Courier New" panose="02070309020205020404" pitchFamily="49" charset="0"/>
+              <a:t>Undo the latest commit: </a:t>
+            </a:r>
+            <a:r>
+              <a:rPr lang="en-NZ" b="1" dirty="0">
+                <a:latin typeface="Consolas" panose="020B0609020204030204" pitchFamily="49" charset="0"/>
                 <a:cs typeface="Courier New" panose="02070309020205020404" pitchFamily="49" charset="0"/>
               </a:rPr>
               <a:t>git revert HEAD</a:t>
@@ -10759,6 +11314,280 @@
           </a:p>
         </p:txBody>
       </p:sp>
+      <p:sp>
+        <p:nvSpPr>
+          <p:cNvPr id="5" name="Title 1">
+            <a:extLst>
+              <a:ext uri="{FF2B5EF4-FFF2-40B4-BE49-F238E27FC236}">
+                <a16:creationId xmlns:a16="http://schemas.microsoft.com/office/drawing/2014/main" id="{548081AF-03DD-2A7C-EBC2-DEC6AB02F9BD}"/>
+              </a:ext>
+            </a:extLst>
+          </p:cNvPr>
+          <p:cNvSpPr txBox="1">
+            <a:spLocks/>
+          </p:cNvSpPr>
+          <p:nvPr/>
+        </p:nvSpPr>
+        <p:spPr>
+          <a:xfrm>
+            <a:off x="7045139" y="3371347"/>
+            <a:ext cx="4210050" cy="1364751"/>
+          </a:xfrm>
+          <a:prstGeom prst="rect">
+            <a:avLst/>
+          </a:prstGeom>
+          <a:ln>
+            <a:solidFill>
+              <a:schemeClr val="tx1"/>
+            </a:solidFill>
+          </a:ln>
+        </p:spPr>
+        <p:txBody>
+          <a:bodyPr vert="horz" lIns="91440" tIns="45720" rIns="91440" bIns="45720" rtlCol="0" anchor="t">
+            <a:normAutofit/>
+          </a:bodyPr>
+          <a:lstStyle>
+            <a:lvl1pPr algn="l" defTabSz="914400" rtl="0" eaLnBrk="1" latinLnBrk="0" hangingPunct="1">
+              <a:lnSpc>
+                <a:spcPct val="100000"/>
+              </a:lnSpc>
+              <a:spcBef>
+                <a:spcPct val="0"/>
+              </a:spcBef>
+              <a:buNone/>
+              <a:defRPr sz="4000" kern="1200" cap="all" spc="30" baseline="0">
+                <a:solidFill>
+                  <a:schemeClr val="tx1"/>
+                </a:solidFill>
+                <a:latin typeface="+mj-lt"/>
+                <a:ea typeface="+mj-ea"/>
+                <a:cs typeface="+mj-cs"/>
+              </a:defRPr>
+            </a:lvl1pPr>
+          </a:lstStyle>
+          <a:p>
+            <a:r>
+              <a:rPr lang="en-NZ" sz="1800" b="1" dirty="0"/>
+              <a:t>PLOTTING TIPS:</a:t>
+            </a:r>
+            <a:r>
+              <a:rPr lang="en-NZ" sz="1800" dirty="0"/>
+              <a:t> May want to include</a:t>
+            </a:r>
+          </a:p>
+          <a:p>
+            <a:endParaRPr lang="en-NZ" sz="1800" b="1" dirty="0"/>
+          </a:p>
+          <a:p>
+            <a:pPr marL="0" marR="0" lvl="0" indent="0" algn="l" defTabSz="914400" rtl="0" eaLnBrk="1" fontAlgn="auto" latinLnBrk="0" hangingPunct="1">
+              <a:lnSpc>
+                <a:spcPct val="100000"/>
+              </a:lnSpc>
+              <a:spcBef>
+                <a:spcPts val="0"/>
+              </a:spcBef>
+              <a:spcAft>
+                <a:spcPts val="0"/>
+              </a:spcAft>
+              <a:buClrTx/>
+              <a:buSzTx/>
+              <a:buFontTx/>
+              <a:buNone/>
+              <a:tabLst/>
+              <a:defRPr/>
+            </a:pPr>
+            <a:r>
+              <a:rPr kumimoji="0" lang="en-US" sz="1800" b="0" i="0" u="none" strike="noStrike" kern="1200" cap="none" spc="0" normalizeH="0" baseline="0" noProof="0" dirty="0" err="1">
+                <a:ln>
+                  <a:noFill/>
+                </a:ln>
+                <a:effectLst/>
+                <a:uLnTx/>
+                <a:uFillTx/>
+                <a:latin typeface="Consolas" panose="020B0609020204030204" pitchFamily="49" charset="0"/>
+                <a:ea typeface="+mn-ea"/>
+                <a:cs typeface="+mn-cs"/>
+              </a:rPr>
+              <a:t>plt.xticks</a:t>
+            </a:r>
+            <a:r>
+              <a:rPr kumimoji="0" lang="en-US" sz="1800" b="0" i="0" u="none" strike="noStrike" kern="1200" cap="none" spc="0" normalizeH="0" baseline="0" noProof="0" dirty="0">
+                <a:ln>
+                  <a:noFill/>
+                </a:ln>
+                <a:effectLst/>
+                <a:uLnTx/>
+                <a:uFillTx/>
+                <a:latin typeface="Consolas" panose="020B0609020204030204" pitchFamily="49" charset="0"/>
+                <a:ea typeface="+mn-ea"/>
+                <a:cs typeface="+mn-cs"/>
+              </a:rPr>
+              <a:t>(rotation=45)</a:t>
+            </a:r>
+          </a:p>
+          <a:p>
+            <a:pPr marL="0" marR="0" lvl="0" indent="0" algn="l" defTabSz="914400" rtl="0" eaLnBrk="1" fontAlgn="auto" latinLnBrk="0" hangingPunct="1">
+              <a:lnSpc>
+                <a:spcPct val="100000"/>
+              </a:lnSpc>
+              <a:spcBef>
+                <a:spcPts val="0"/>
+              </a:spcBef>
+              <a:spcAft>
+                <a:spcPts val="0"/>
+              </a:spcAft>
+              <a:buClrTx/>
+              <a:buSzTx/>
+              <a:buFontTx/>
+              <a:buNone/>
+              <a:tabLst/>
+              <a:defRPr/>
+            </a:pPr>
+            <a:r>
+              <a:rPr kumimoji="0" lang="en-US" sz="1800" b="0" i="0" u="none" strike="noStrike" kern="1200" cap="none" spc="0" normalizeH="0" baseline="0" noProof="0" dirty="0" err="1">
+                <a:ln>
+                  <a:noFill/>
+                </a:ln>
+                <a:effectLst/>
+                <a:uLnTx/>
+                <a:uFillTx/>
+                <a:latin typeface="Consolas" panose="020B0609020204030204" pitchFamily="49" charset="0"/>
+                <a:ea typeface="+mn-ea"/>
+                <a:cs typeface="+mn-cs"/>
+              </a:rPr>
+              <a:t>plt.tight_layout</a:t>
+            </a:r>
+            <a:r>
+              <a:rPr kumimoji="0" lang="en-US" sz="1800" b="0" i="0" u="none" strike="noStrike" kern="1200" cap="none" spc="0" normalizeH="0" baseline="0" noProof="0" dirty="0">
+                <a:ln>
+                  <a:noFill/>
+                </a:ln>
+                <a:effectLst/>
+                <a:uLnTx/>
+                <a:uFillTx/>
+                <a:latin typeface="Consolas" panose="020B0609020204030204" pitchFamily="49" charset="0"/>
+                <a:ea typeface="+mn-ea"/>
+                <a:cs typeface="+mn-cs"/>
+              </a:rPr>
+              <a:t>()</a:t>
+            </a:r>
+            <a:endParaRPr lang="en-NZ" sz="1800" b="1" dirty="0">
+              <a:latin typeface="Consolas" panose="020B0609020204030204" pitchFamily="49" charset="0"/>
+            </a:endParaRPr>
+          </a:p>
+          <a:p>
+            <a:endParaRPr lang="en-NZ" sz="1800" b="1" dirty="0"/>
+          </a:p>
+        </p:txBody>
+      </p:sp>
+      <p:sp>
+        <p:nvSpPr>
+          <p:cNvPr id="6" name="Title 1">
+            <a:extLst>
+              <a:ext uri="{FF2B5EF4-FFF2-40B4-BE49-F238E27FC236}">
+                <a16:creationId xmlns:a16="http://schemas.microsoft.com/office/drawing/2014/main" id="{0BC9EC70-F71B-AFBE-C552-A0C4FBF6CE93}"/>
+              </a:ext>
+            </a:extLst>
+          </p:cNvPr>
+          <p:cNvSpPr txBox="1">
+            <a:spLocks/>
+          </p:cNvSpPr>
+          <p:nvPr/>
+        </p:nvSpPr>
+        <p:spPr>
+          <a:xfrm>
+            <a:off x="7045139" y="5294904"/>
+            <a:ext cx="4210050" cy="666750"/>
+          </a:xfrm>
+          <a:prstGeom prst="rect">
+            <a:avLst/>
+          </a:prstGeom>
+          <a:ln>
+            <a:solidFill>
+              <a:schemeClr val="tx1"/>
+            </a:solidFill>
+          </a:ln>
+        </p:spPr>
+        <p:txBody>
+          <a:bodyPr vert="horz" lIns="91440" tIns="45720" rIns="91440" bIns="45720" rtlCol="0" anchor="t">
+            <a:normAutofit fontScale="92500"/>
+          </a:bodyPr>
+          <a:lstStyle>
+            <a:lvl1pPr algn="l" defTabSz="914400" rtl="0" eaLnBrk="1" latinLnBrk="0" hangingPunct="1">
+              <a:lnSpc>
+                <a:spcPct val="100000"/>
+              </a:lnSpc>
+              <a:spcBef>
+                <a:spcPct val="0"/>
+              </a:spcBef>
+              <a:buNone/>
+              <a:defRPr sz="4000" kern="1200" cap="all" spc="30" baseline="0">
+                <a:solidFill>
+                  <a:schemeClr val="tx1"/>
+                </a:solidFill>
+                <a:latin typeface="+mj-lt"/>
+                <a:ea typeface="+mj-ea"/>
+                <a:cs typeface="+mj-cs"/>
+              </a:defRPr>
+            </a:lvl1pPr>
+          </a:lstStyle>
+          <a:p>
+            <a:r>
+              <a:rPr lang="en-NZ" sz="1800" dirty="0"/>
+              <a:t>Go back to a specific commit by replacing </a:t>
+            </a:r>
+            <a:r>
+              <a:rPr lang="en-NZ" sz="1800" dirty="0">
+                <a:latin typeface="Consolas" panose="020B0609020204030204" pitchFamily="49" charset="0"/>
+              </a:rPr>
+              <a:t>head</a:t>
+            </a:r>
+            <a:r>
+              <a:rPr lang="en-NZ" sz="1800" dirty="0"/>
+              <a:t> with the COMMIT HASH</a:t>
+            </a:r>
+          </a:p>
+        </p:txBody>
+      </p:sp>
+      <p:cxnSp>
+        <p:nvCxnSpPr>
+          <p:cNvPr id="8" name="Straight Arrow Connector 7">
+            <a:extLst>
+              <a:ext uri="{FF2B5EF4-FFF2-40B4-BE49-F238E27FC236}">
+                <a16:creationId xmlns:a16="http://schemas.microsoft.com/office/drawing/2014/main" id="{E96550FC-0FDB-960D-58AC-D0E0758D7871}"/>
+              </a:ext>
+            </a:extLst>
+          </p:cNvPr>
+          <p:cNvCxnSpPr/>
+          <p:nvPr/>
+        </p:nvCxnSpPr>
+        <p:spPr>
+          <a:xfrm flipH="1">
+            <a:off x="6096000" y="5791200"/>
+            <a:ext cx="949139" cy="0"/>
+          </a:xfrm>
+          <a:prstGeom prst="straightConnector1">
+            <a:avLst/>
+          </a:prstGeom>
+          <a:ln>
+            <a:tailEnd type="triangle"/>
+          </a:ln>
+        </p:spPr>
+        <p:style>
+          <a:lnRef idx="1">
+            <a:schemeClr val="accent1"/>
+          </a:lnRef>
+          <a:fillRef idx="0">
+            <a:schemeClr val="accent1"/>
+          </a:fillRef>
+          <a:effectRef idx="0">
+            <a:schemeClr val="accent1"/>
+          </a:effectRef>
+          <a:fontRef idx="minor">
+            <a:schemeClr val="tx1"/>
+          </a:fontRef>
+        </p:style>
+      </p:cxnSp>
     </p:spTree>
     <p:extLst>
       <p:ext uri="{BB962C8B-B14F-4D97-AF65-F5344CB8AC3E}">

--- a/doc/workshop_slides.pptx
+++ b/doc/workshop_slides.pptx
@@ -609,6 +609,93 @@
           <a:bodyPr/>
           <a:lstStyle/>
           <a:p>
+            <a:r>
+              <a:rPr lang="en-NZ" dirty="0"/>
+              <a:t>NESI also have lots of great workshops! Command line, machine learning</a:t>
+            </a:r>
+          </a:p>
+        </p:txBody>
+      </p:sp>
+      <p:sp>
+        <p:nvSpPr>
+          <p:cNvPr id="4" name="Slide Number Placeholder 3"/>
+          <p:cNvSpPr>
+            <a:spLocks noGrp="1"/>
+          </p:cNvSpPr>
+          <p:nvPr>
+            <p:ph type="sldNum" sz="quarter" idx="5"/>
+          </p:nvPr>
+        </p:nvSpPr>
+        <p:spPr/>
+        <p:txBody>
+          <a:bodyPr/>
+          <a:lstStyle/>
+          <a:p>
+            <a:fld id="{947B6143-73A9-458D-A6CA-502343DEF7E9}" type="slidenum">
+              <a:rPr lang="en-NZ" smtClean="0"/>
+              <a:t>10</a:t>
+            </a:fld>
+            <a:endParaRPr lang="en-NZ"/>
+          </a:p>
+        </p:txBody>
+      </p:sp>
+    </p:spTree>
+    <p:extLst>
+      <p:ext uri="{BB962C8B-B14F-4D97-AF65-F5344CB8AC3E}">
+        <p14:creationId xmlns:p14="http://schemas.microsoft.com/office/powerpoint/2010/main" val="1430325904"/>
+      </p:ext>
+    </p:extLst>
+  </p:cSld>
+  <p:clrMapOvr>
+    <a:masterClrMapping/>
+  </p:clrMapOvr>
+</p:notes>
+</file>
+
+<file path=ppt/notesSlides/notesSlide11.xml><?xml version="1.0" encoding="utf-8"?>
+<p:notes xmlns:a="http://schemas.openxmlformats.org/drawingml/2006/main" xmlns:r="http://schemas.openxmlformats.org/officeDocument/2006/relationships" xmlns:p="http://schemas.openxmlformats.org/presentationml/2006/main">
+  <p:cSld>
+    <p:spTree>
+      <p:nvGrpSpPr>
+        <p:cNvPr id="1" name=""/>
+        <p:cNvGrpSpPr/>
+        <p:nvPr/>
+      </p:nvGrpSpPr>
+      <p:grpSpPr>
+        <a:xfrm>
+          <a:off x="0" y="0"/>
+          <a:ext cx="0" cy="0"/>
+          <a:chOff x="0" y="0"/>
+          <a:chExt cx="0" cy="0"/>
+        </a:xfrm>
+      </p:grpSpPr>
+      <p:sp>
+        <p:nvSpPr>
+          <p:cNvPr id="2" name="Slide Image Placeholder 1"/>
+          <p:cNvSpPr>
+            <a:spLocks noGrp="1" noRot="1" noChangeAspect="1"/>
+          </p:cNvSpPr>
+          <p:nvPr>
+            <p:ph type="sldImg"/>
+          </p:nvPr>
+        </p:nvSpPr>
+        <p:spPr/>
+      </p:sp>
+      <p:sp>
+        <p:nvSpPr>
+          <p:cNvPr id="3" name="Notes Placeholder 2"/>
+          <p:cNvSpPr>
+            <a:spLocks noGrp="1"/>
+          </p:cNvSpPr>
+          <p:nvPr>
+            <p:ph type="body" idx="1"/>
+          </p:nvPr>
+        </p:nvSpPr>
+        <p:spPr/>
+        <p:txBody>
+          <a:bodyPr/>
+          <a:lstStyle/>
+          <a:p>
             <a:endParaRPr lang="en-NZ" dirty="0"/>
           </a:p>
         </p:txBody>
@@ -649,7 +736,7 @@
 </p:notes>
 </file>
 
-<file path=ppt/notesSlides/notesSlide11.xml><?xml version="1.0" encoding="utf-8"?>
+<file path=ppt/notesSlides/notesSlide12.xml><?xml version="1.0" encoding="utf-8"?>
 <p:notes xmlns:a="http://schemas.openxmlformats.org/drawingml/2006/main" xmlns:r="http://schemas.openxmlformats.org/officeDocument/2006/relationships" xmlns:p="http://schemas.openxmlformats.org/presentationml/2006/main">
   <p:cSld>
     <p:spTree>
@@ -1625,27 +1712,8 @@
           <a:p>
             <a:r>
               <a:rPr lang="en-NZ" dirty="0"/>
-              <a:t>Undoing changes is not only for undoing edits to a file, but also for bringing back entire deleted files. (Just so long as the file had been committed previously, and not in .</a:t>
-            </a:r>
-            <a:r>
-              <a:rPr lang="en-NZ" dirty="0" err="1"/>
-              <a:t>gitignore</a:t>
-            </a:r>
-            <a:r>
-              <a:rPr lang="en-NZ" dirty="0"/>
-              <a:t>!)</a:t>
-            </a:r>
-          </a:p>
-          <a:p>
-            <a:r>
-              <a:rPr lang="en-NZ" dirty="0"/>
-              <a:t>How to find commit hash? Git log, or handy VS code Source </a:t>
-            </a:r>
-            <a:r>
-              <a:rPr lang="en-NZ"/>
-              <a:t>Control Graph</a:t>
-            </a:r>
-            <a:endParaRPr lang="en-NZ" dirty="0"/>
+              <a:t>If we don’t commit the data, make sure you have a script that downloads it, or other description of how to access it.</a:t>
+            </a:r>
           </a:p>
         </p:txBody>
       </p:sp>
@@ -1666,7 +1734,7 @@
           <a:p>
             <a:fld id="{947B6143-73A9-458D-A6CA-502343DEF7E9}" type="slidenum">
               <a:rPr lang="en-NZ" smtClean="0"/>
-              <a:t>9</a:t>
+              <a:t>8</a:t>
             </a:fld>
             <a:endParaRPr lang="en-NZ"/>
           </a:p>
@@ -1675,7 +1743,7 @@
     </p:spTree>
     <p:extLst>
       <p:ext uri="{BB962C8B-B14F-4D97-AF65-F5344CB8AC3E}">
-        <p14:creationId xmlns:p14="http://schemas.microsoft.com/office/powerpoint/2010/main" val="3965041065"/>
+        <p14:creationId xmlns:p14="http://schemas.microsoft.com/office/powerpoint/2010/main" val="3140737604"/>
       </p:ext>
     </p:extLst>
   </p:cSld>
@@ -1731,7 +1799,21 @@
           <a:p>
             <a:r>
               <a:rPr lang="en-NZ" dirty="0"/>
-              <a:t>NESI also have lots of great workshops! Command line, machine learning</a:t>
+              <a:t>Undoing changes is not only for undoing edits to a file, but also for bringing back entire deleted files. (Just so long as the file had been committed previously, and not in .</a:t>
+            </a:r>
+            <a:r>
+              <a:rPr lang="en-NZ" dirty="0" err="1"/>
+              <a:t>gitignore</a:t>
+            </a:r>
+            <a:r>
+              <a:rPr lang="en-NZ" dirty="0"/>
+              <a:t>!)</a:t>
+            </a:r>
+          </a:p>
+          <a:p>
+            <a:r>
+              <a:rPr lang="en-NZ" dirty="0"/>
+              <a:t>How to find commit hash? Git log, or handy VS code Source Control Graph</a:t>
             </a:r>
           </a:p>
         </p:txBody>
@@ -1753,7 +1835,7 @@
           <a:p>
             <a:fld id="{947B6143-73A9-458D-A6CA-502343DEF7E9}" type="slidenum">
               <a:rPr lang="en-NZ" smtClean="0"/>
-              <a:t>10</a:t>
+              <a:t>9</a:t>
             </a:fld>
             <a:endParaRPr lang="en-NZ"/>
           </a:p>
@@ -1762,7 +1844,7 @@
     </p:spTree>
     <p:extLst>
       <p:ext uri="{BB962C8B-B14F-4D97-AF65-F5344CB8AC3E}">
-        <p14:creationId xmlns:p14="http://schemas.microsoft.com/office/powerpoint/2010/main" val="1430325904"/>
+        <p14:creationId xmlns:p14="http://schemas.microsoft.com/office/powerpoint/2010/main" val="3965041065"/>
       </p:ext>
     </p:extLst>
   </p:cSld>
@@ -5250,7 +5332,7 @@
         <p:spPr>
           <a:xfrm>
             <a:off x="7900396" y="2172367"/>
-            <a:ext cx="3019423" cy="4076700"/>
+            <a:ext cx="3335451" cy="4076700"/>
           </a:xfrm>
         </p:spPr>
         <p:txBody>
@@ -5373,8 +5455,8 @@
         </p:blipFill>
         <p:spPr bwMode="auto">
           <a:xfrm>
-            <a:off x="8076294" y="1885949"/>
-            <a:ext cx="2319744" cy="1217865"/>
+            <a:off x="7900396" y="1858961"/>
+            <a:ext cx="2657461" cy="1395166"/>
           </a:xfrm>
           <a:prstGeom prst="rect">
             <a:avLst/>
@@ -8012,7 +8094,7 @@
             </a:pPr>
             <a:r>
               <a:rPr lang="en-US" dirty="0"/>
-              <a:t>Pull requests and other intermediate/advanced aspects of Git</a:t>
+              <a:t>Branches, pull requests and other intermediate/advanced aspects of Git (unless we have time and interest)</a:t>
             </a:r>
           </a:p>
           <a:p>
@@ -8747,7 +8829,7 @@
             <a:pPr lvl="1"/>
             <a:r>
               <a:rPr lang="en-NZ" dirty="0"/>
-              <a:t>Git (can provide link to step-by-step instructions)</a:t>
+              <a:t>Git (see file doc/git_setup_guide.md for details)</a:t>
             </a:r>
           </a:p>
           <a:p>
@@ -8979,7 +9061,7 @@
         <p:spPr>
           <a:xfrm>
             <a:off x="700088" y="1783831"/>
-            <a:ext cx="6787832" cy="4178057"/>
+            <a:ext cx="6928263" cy="4178057"/>
           </a:xfrm>
         </p:spPr>
         <p:txBody>
@@ -9017,7 +9099,7 @@
             </a:pPr>
             <a:r>
               <a:rPr lang="en-NZ" dirty="0"/>
-              <a:t>Set of principles and practises in programming and documentation that ensure</a:t>
+              <a:t>Set of principles and practices in scientific computing (version control, documentation, virtual environments, etc.) that ensure</a:t>
             </a:r>
           </a:p>
           <a:p>
@@ -9061,7 +9143,7 @@
             </a:pPr>
             <a:r>
               <a:rPr lang="en-NZ" dirty="0"/>
-              <a:t>3 key pillars</a:t>
+              <a:t>Allows your work to be understood and trusted by</a:t>
             </a:r>
           </a:p>
           <a:p>
@@ -9072,7 +9154,7 @@
             </a:pPr>
             <a:r>
               <a:rPr lang="en-NZ" sz="2000" dirty="0"/>
-              <a:t>Project structure</a:t>
+              <a:t>Yourself, 6 months from now</a:t>
             </a:r>
           </a:p>
           <a:p>
@@ -9083,7 +9165,7 @@
             </a:pPr>
             <a:r>
               <a:rPr lang="en-NZ" sz="2000" dirty="0"/>
-              <a:t>Version control</a:t>
+              <a:t>Your supervisor and colleagues</a:t>
             </a:r>
           </a:p>
           <a:p>
@@ -9094,7 +9176,7 @@
             </a:pPr>
             <a:r>
               <a:rPr lang="en-NZ" sz="2000" dirty="0"/>
-              <a:t>Virtual environments</a:t>
+              <a:t>The scientific community at large</a:t>
             </a:r>
           </a:p>
         </p:txBody>
@@ -9268,6 +9350,91 @@
               <a:t>5</a:t>
             </a:fld>
             <a:endParaRPr lang="en-US"/>
+          </a:p>
+        </p:txBody>
+      </p:sp>
+      <p:sp>
+        <p:nvSpPr>
+          <p:cNvPr id="4" name="Title 1">
+            <a:extLst>
+              <a:ext uri="{FF2B5EF4-FFF2-40B4-BE49-F238E27FC236}">
+                <a16:creationId xmlns:a16="http://schemas.microsoft.com/office/drawing/2014/main" id="{A1C8189B-9996-0120-7AE8-BE9763757A4C}"/>
+              </a:ext>
+            </a:extLst>
+          </p:cNvPr>
+          <p:cNvSpPr txBox="1">
+            <a:spLocks/>
+          </p:cNvSpPr>
+          <p:nvPr/>
+        </p:nvSpPr>
+        <p:spPr>
+          <a:xfrm>
+            <a:off x="7155811" y="1804770"/>
+            <a:ext cx="4652937" cy="512439"/>
+          </a:xfrm>
+          <a:prstGeom prst="rect">
+            <a:avLst/>
+          </a:prstGeom>
+          <a:ln>
+            <a:solidFill>
+              <a:schemeClr val="tx1"/>
+            </a:solidFill>
+          </a:ln>
+        </p:spPr>
+        <p:txBody>
+          <a:bodyPr vert="horz" lIns="91440" tIns="45720" rIns="91440" bIns="45720" rtlCol="0" anchor="t">
+            <a:normAutofit fontScale="92500" lnSpcReduction="20000"/>
+          </a:bodyPr>
+          <a:lstStyle>
+            <a:lvl1pPr algn="l" defTabSz="914400" rtl="0" eaLnBrk="1" latinLnBrk="0" hangingPunct="1">
+              <a:lnSpc>
+                <a:spcPct val="100000"/>
+              </a:lnSpc>
+              <a:spcBef>
+                <a:spcPct val="0"/>
+              </a:spcBef>
+              <a:buNone/>
+              <a:defRPr sz="4000" kern="1200" cap="all" spc="30" baseline="0">
+                <a:solidFill>
+                  <a:schemeClr val="tx1"/>
+                </a:solidFill>
+                <a:latin typeface="+mj-lt"/>
+                <a:ea typeface="+mj-ea"/>
+                <a:cs typeface="+mj-cs"/>
+              </a:defRPr>
+            </a:lvl1pPr>
+          </a:lstStyle>
+          <a:p>
+            <a:r>
+              <a:rPr lang="en-NZ" sz="1800" b="1" dirty="0"/>
+              <a:t>Nice paper: </a:t>
+            </a:r>
+            <a:r>
+              <a:rPr lang="en-US" sz="1800" dirty="0">
+                <a:hlinkClick r:id="rId5"/>
+              </a:rPr>
+              <a:t>Good enough practices in scientific computing (Wilson et al., 2017)</a:t>
+            </a:r>
+            <a:endParaRPr kumimoji="0" lang="en-NZ" sz="1800" i="0" u="none" strike="noStrike" kern="1200" cap="none" spc="0" normalizeH="0" baseline="0" noProof="0" dirty="0">
+              <a:ln>
+                <a:noFill/>
+              </a:ln>
+              <a:solidFill>
+                <a:srgbClr val="000000"/>
+              </a:solidFill>
+              <a:effectLst/>
+              <a:uLnTx/>
+              <a:uFillTx/>
+              <a:latin typeface="Consolas" panose="020B0609020204030204" pitchFamily="49" charset="0"/>
+              <a:ea typeface="+mn-ea"/>
+              <a:cs typeface="Courier New" panose="02070309020205020404" pitchFamily="49" charset="0"/>
+            </a:endParaRPr>
+          </a:p>
+          <a:p>
+            <a:endParaRPr lang="en-NZ" sz="1800" b="1" dirty="0"/>
+          </a:p>
+          <a:p>
+            <a:endParaRPr lang="en-NZ" sz="1800" b="1" dirty="0"/>
           </a:p>
         </p:txBody>
       </p:sp>
@@ -9787,13 +9954,18 @@
               <a:buAutoNum type="arabicPeriod"/>
             </a:pPr>
             <a:r>
-              <a:rPr lang="en-NZ" dirty="0"/>
+              <a:rPr lang="en-NZ" dirty="0">
+                <a:hlinkClick r:id="rId3"/>
+              </a:rPr>
               <a:t>Go to github.com, search </a:t>
             </a:r>
             <a:r>
-              <a:rPr lang="en-NZ" b="1" dirty="0"/>
+              <a:rPr lang="en-NZ" b="1" dirty="0">
+                <a:hlinkClick r:id="rId3"/>
+              </a:rPr>
               <a:t>snap research template</a:t>
             </a:r>
+            <a:endParaRPr lang="en-NZ" b="1" dirty="0"/>
           </a:p>
           <a:p>
             <a:pPr marL="457200" indent="-457200">
@@ -9968,15 +10140,15 @@
           <p:nvPr/>
         </p:nvPicPr>
         <p:blipFill>
-          <a:blip r:embed="rId3"/>
+          <a:blip r:embed="rId4"/>
           <a:stretch>
             <a:fillRect/>
           </a:stretch>
         </p:blipFill>
         <p:spPr>
           <a:xfrm>
-            <a:off x="1162050" y="2942844"/>
-            <a:ext cx="2033123" cy="586740"/>
+            <a:off x="1249732" y="2967896"/>
+            <a:ext cx="1806619" cy="521373"/>
           </a:xfrm>
           <a:prstGeom prst="rect">
             <a:avLst/>
@@ -10385,21 +10557,7 @@
                 <a:latin typeface="Consolas" panose="020B0609020204030204" pitchFamily="49" charset="0"/>
                 <a:cs typeface="Courier New" panose="02070309020205020404" pitchFamily="49" charset="0"/>
               </a:rPr>
-              <a:t>git commit –m “informative-commit-</a:t>
-            </a:r>
-            <a:r>
-              <a:rPr lang="en-NZ" b="1" dirty="0" err="1">
-                <a:latin typeface="Consolas" panose="020B0609020204030204" pitchFamily="49" charset="0"/>
-                <a:cs typeface="Courier New" panose="02070309020205020404" pitchFamily="49" charset="0"/>
-              </a:rPr>
-              <a:t>mssg</a:t>
-            </a:r>
-            <a:r>
-              <a:rPr lang="en-NZ" b="1" dirty="0">
-                <a:latin typeface="Consolas" panose="020B0609020204030204" pitchFamily="49" charset="0"/>
-                <a:cs typeface="Courier New" panose="02070309020205020404" pitchFamily="49" charset="0"/>
-              </a:rPr>
-              <a:t>”</a:t>
+              <a:t>git commit –m “concise but informative description of changes”</a:t>
             </a:r>
           </a:p>
           <a:p>
@@ -10979,7 +11137,7 @@
             </a:pPr>
             <a:r>
               <a:rPr lang="en-NZ" b="1" dirty="0"/>
-              <a:t>What if I only wanted to ignore the raw data, not the processed stuff?</a:t>
+              <a:t>What if you only wanted to ignore the raw data, and share the processed stuff?</a:t>
             </a:r>
           </a:p>
           <a:p>
@@ -11142,7 +11300,7 @@
             </a:r>
             <a:r>
               <a:rPr lang="en-US" dirty="0"/>
-              <a:t>Up to you how to do it: doesn't need to be anything fancy. Think about where the code and output should go, a good name for it, etc.</a:t>
+              <a:t>Up to you how to do it: doesn't need to be fancy. Think about where the code and output should go, a good name for it. Make sure can run from terminal.</a:t>
             </a:r>
           </a:p>
           <a:p>

--- a/doc/workshop_slides.pptx
+++ b/doc/workshop_slides.pptx
@@ -990,7 +990,7 @@
             </a:pPr>
             <a:r>
               <a:rPr lang="en-NZ" dirty="0"/>
-              <a:t>(Mentioned a link to a Git tutorial in the workshop description – we actually won’t be working through this, but still a useful guide for more info!)</a:t>
+              <a:t>(Mentioned a link to a Git tutorial (SC) in the workshop description – won’t actually be working through this, so we can cover more topics – but still a great resource, will have more detail on Git than we cover here.)</a:t>
             </a:r>
           </a:p>
           <a:p>
@@ -5747,7 +5747,7 @@
         <p:spPr/>
         <p:txBody>
           <a:bodyPr>
-            <a:normAutofit fontScale="92500"/>
+            <a:normAutofit fontScale="92500" lnSpcReduction="20000"/>
           </a:bodyPr>
           <a:lstStyle/>
           <a:p>
@@ -5794,7 +5794,15 @@
             </a:r>
             <a:r>
               <a:rPr lang="en-NZ" i="1" dirty="0"/>
-              <a:t>The code is available on GitHub (link) and </a:t>
+              <a:t>The code is available on GitHub (link), </a:t>
+            </a:r>
+            <a:r>
+              <a:rPr lang="en-NZ" b="1" i="1" dirty="0"/>
+              <a:t>can be used under this license</a:t>
+            </a:r>
+            <a:r>
+              <a:rPr lang="en-NZ" i="1" dirty="0"/>
+              <a:t> and </a:t>
             </a:r>
             <a:r>
               <a:rPr lang="en-NZ" b="1" i="1" dirty="0"/>
@@ -5903,8 +5911,8 @@
         </p:blipFill>
         <p:spPr>
           <a:xfrm>
-            <a:off x="6394570" y="1040462"/>
-            <a:ext cx="2213629" cy="787068"/>
+            <a:off x="5916300" y="1008458"/>
+            <a:ext cx="1893341" cy="673188"/>
           </a:xfrm>
           <a:prstGeom prst="rect">
             <a:avLst/>
@@ -5933,12 +5941,59 @@
         </p:blipFill>
         <p:spPr>
           <a:xfrm>
-            <a:off x="9281051" y="1027349"/>
+            <a:off x="9817192" y="955362"/>
             <a:ext cx="1437997" cy="813294"/>
           </a:xfrm>
           <a:prstGeom prst="rect">
             <a:avLst/>
           </a:prstGeom>
+        </p:spPr>
+      </p:pic>
+      <p:pic>
+        <p:nvPicPr>
+          <p:cNvPr id="2050" name="Picture 2" descr="figshare">
+            <a:extLst>
+              <a:ext uri="{FF2B5EF4-FFF2-40B4-BE49-F238E27FC236}">
+                <a16:creationId xmlns:a16="http://schemas.microsoft.com/office/drawing/2014/main" id="{77BC3C65-70CD-F852-29E7-2D703007F495}"/>
+              </a:ext>
+            </a:extLst>
+          </p:cNvPr>
+          <p:cNvPicPr>
+            <a:picLocks noChangeAspect="1" noChangeArrowheads="1"/>
+          </p:cNvPicPr>
+          <p:nvPr/>
+        </p:nvPicPr>
+        <p:blipFill>
+          <a:blip r:embed="rId4">
+            <a:extLst>
+              <a:ext uri="{28A0092B-C50C-407E-A947-70E740481C1C}">
+                <a14:useLocalDpi xmlns:a14="http://schemas.microsoft.com/office/drawing/2010/main" val="0"/>
+              </a:ext>
+            </a:extLst>
+          </a:blip>
+          <a:srcRect/>
+          <a:stretch>
+            <a:fillRect/>
+          </a:stretch>
+        </p:blipFill>
+        <p:spPr bwMode="auto">
+          <a:xfrm>
+            <a:off x="8109273" y="1097402"/>
+            <a:ext cx="1590675" cy="495300"/>
+          </a:xfrm>
+          <a:prstGeom prst="rect">
+            <a:avLst/>
+          </a:prstGeom>
+          <a:noFill/>
+          <a:extLst>
+            <a:ext uri="{909E8E84-426E-40DD-AFC4-6F175D3DCCD1}">
+              <a14:hiddenFill xmlns:a14="http://schemas.microsoft.com/office/drawing/2010/main">
+                <a:solidFill>
+                  <a:srgbClr val="FFFFFF"/>
+                </a:solidFill>
+              </a14:hiddenFill>
+            </a:ext>
+          </a:extLst>
         </p:spPr>
       </p:pic>
     </p:spTree>
@@ -6391,9 +6446,16 @@
             <p:ph idx="1"/>
           </p:nvPr>
         </p:nvSpPr>
-        <p:spPr/>
+        <p:spPr>
+          <a:xfrm>
+            <a:off x="700634" y="1802892"/>
+            <a:ext cx="10691265" cy="3739896"/>
+          </a:xfrm>
+        </p:spPr>
         <p:txBody>
-          <a:bodyPr/>
+          <a:bodyPr>
+            <a:normAutofit fontScale="92500" lnSpcReduction="20000"/>
+          </a:bodyPr>
           <a:lstStyle/>
           <a:p>
             <a:r>
@@ -6425,6 +6487,39 @@
               <a:rPr lang="en-NZ" dirty="0"/>
               <a:t>For VS Code users, highly recommend installing Copilot. Limited version free to everyone, unlimited if you sign up to a GitHub student account</a:t>
             </a:r>
+          </a:p>
+          <a:p>
+            <a:r>
+              <a:rPr lang="en-NZ" dirty="0"/>
+              <a:t>Great resources:</a:t>
+            </a:r>
+          </a:p>
+          <a:p>
+            <a:pPr lvl="1"/>
+            <a:r>
+              <a:rPr lang="en-US" dirty="0">
+                <a:hlinkClick r:id="rId3"/>
+              </a:rPr>
+              <a:t>Git Software Carpentry tutorial</a:t>
+            </a:r>
+            <a:r>
+              <a:rPr lang="en-US" dirty="0"/>
+              <a:t>, including Chapter 10 on Open Science</a:t>
+            </a:r>
+          </a:p>
+          <a:p>
+            <a:pPr lvl="1"/>
+            <a:r>
+              <a:rPr lang="en-US" dirty="0">
+                <a:hlinkClick r:id="rId4"/>
+              </a:rPr>
+              <a:t>Good enough practices in scientific computing (Wilson et al., 2017</a:t>
+            </a:r>
+            <a:r>
+              <a:rPr lang="en-US" dirty="0"/>
+              <a:t>)</a:t>
+            </a:r>
+            <a:endParaRPr lang="en-NZ" dirty="0"/>
           </a:p>
           <a:p>
             <a:r>
@@ -6751,6 +6846,117 @@
                                   </p:childTnLst>
                                 </p:cTn>
                               </p:par>
+                              <p:par>
+                                <p:cTn id="25" presetID="1" presetClass="entr" presetSubtype="0" fill="hold" grpId="0" nodeType="withEffect">
+                                  <p:stCondLst>
+                                    <p:cond delay="0"/>
+                                  </p:stCondLst>
+                                  <p:childTnLst>
+                                    <p:set>
+                                      <p:cBhvr>
+                                        <p:cTn id="26" dur="1" fill="hold">
+                                          <p:stCondLst>
+                                            <p:cond delay="0"/>
+                                          </p:stCondLst>
+                                        </p:cTn>
+                                        <p:tgtEl>
+                                          <p:spTgt spid="3">
+                                            <p:txEl>
+                                              <p:pRg st="6" end="6"/>
+                                            </p:txEl>
+                                          </p:spTgt>
+                                        </p:tgtEl>
+                                        <p:attrNameLst>
+                                          <p:attrName>style.visibility</p:attrName>
+                                        </p:attrNameLst>
+                                      </p:cBhvr>
+                                      <p:to>
+                                        <p:strVal val="visible"/>
+                                      </p:to>
+                                    </p:set>
+                                  </p:childTnLst>
+                                </p:cTn>
+                              </p:par>
+                              <p:par>
+                                <p:cTn id="27" presetID="1" presetClass="entr" presetSubtype="0" fill="hold" grpId="0" nodeType="withEffect">
+                                  <p:stCondLst>
+                                    <p:cond delay="0"/>
+                                  </p:stCondLst>
+                                  <p:childTnLst>
+                                    <p:set>
+                                      <p:cBhvr>
+                                        <p:cTn id="28" dur="1" fill="hold">
+                                          <p:stCondLst>
+                                            <p:cond delay="0"/>
+                                          </p:stCondLst>
+                                        </p:cTn>
+                                        <p:tgtEl>
+                                          <p:spTgt spid="3">
+                                            <p:txEl>
+                                              <p:pRg st="7" end="7"/>
+                                            </p:txEl>
+                                          </p:spTgt>
+                                        </p:tgtEl>
+                                        <p:attrNameLst>
+                                          <p:attrName>style.visibility</p:attrName>
+                                        </p:attrNameLst>
+                                      </p:cBhvr>
+                                      <p:to>
+                                        <p:strVal val="visible"/>
+                                      </p:to>
+                                    </p:set>
+                                  </p:childTnLst>
+                                </p:cTn>
+                              </p:par>
+                            </p:childTnLst>
+                          </p:cTn>
+                        </p:par>
+                      </p:childTnLst>
+                    </p:cTn>
+                  </p:par>
+                  <p:par>
+                    <p:cTn id="29" fill="hold">
+                      <p:stCondLst>
+                        <p:cond delay="indefinite"/>
+                      </p:stCondLst>
+                      <p:childTnLst>
+                        <p:par>
+                          <p:cTn id="30" fill="hold">
+                            <p:stCondLst>
+                              <p:cond delay="0"/>
+                            </p:stCondLst>
+                            <p:childTnLst>
+                              <p:par>
+                                <p:cTn id="31" presetID="1" presetClass="entr" presetSubtype="0" fill="hold" grpId="0" nodeType="clickEffect">
+                                  <p:stCondLst>
+                                    <p:cond delay="0"/>
+                                  </p:stCondLst>
+                                  <p:childTnLst>
+                                    <p:set>
+                                      <p:cBhvr>
+                                        <p:cTn id="32" dur="1" fill="hold">
+                                          <p:stCondLst>
+                                            <p:cond delay="0"/>
+                                          </p:stCondLst>
+                                        </p:cTn>
+                                        <p:tgtEl>
+                                          <p:spTgt spid="3">
+                                            <p:txEl>
+                                              <p:pRg st="8" end="8"/>
+                                            </p:txEl>
+                                          </p:spTgt>
+                                        </p:tgtEl>
+                                        <p:attrNameLst>
+                                          <p:attrName>style.visibility</p:attrName>
+                                        </p:attrNameLst>
+                                      </p:cBhvr>
+                                      <p:to>
+                                        <p:strVal val="visible"/>
+                                      </p:to>
+                                    </p:set>
+                                  </p:childTnLst>
+                                </p:cTn>
+                              </p:par>
                             </p:childTnLst>
                           </p:cTn>
                         </p:par>
@@ -7636,7 +7842,7 @@
           </a:p>
           <a:p>
             <a:r>
-              <a:rPr lang="en-NZ" dirty="0"/>
+              <a:rPr lang="en-NZ" b="1" dirty="0"/>
               <a:t>Looking for student rep</a:t>
             </a:r>
           </a:p>
@@ -7652,6 +7858,13 @@
             <a:r>
               <a:rPr lang="en-NZ" dirty="0"/>
               <a:t>Monthly meetings</a:t>
+            </a:r>
+          </a:p>
+          <a:p>
+            <a:pPr lvl="1"/>
+            <a:r>
+              <a:rPr lang="en-NZ" dirty="0"/>
+              <a:t>Good for networking and CV</a:t>
             </a:r>
           </a:p>
         </p:txBody>
@@ -9066,7 +9279,7 @@
         </p:spPr>
         <p:txBody>
           <a:bodyPr>
-            <a:normAutofit lnSpcReduction="10000"/>
+            <a:normAutofit fontScale="92500" lnSpcReduction="10000"/>
           </a:bodyPr>
           <a:lstStyle/>
           <a:p>
@@ -9176,8 +9389,13 @@
             </a:pPr>
             <a:r>
               <a:rPr lang="en-NZ" sz="2000" dirty="0"/>
-              <a:t>The scientific community at large</a:t>
-            </a:r>
+              <a:t>The scientific community at large: </a:t>
+            </a:r>
+            <a:r>
+              <a:rPr lang="en-NZ" sz="2000" b="1" dirty="0"/>
+              <a:t>the more open work is, the more widely it is cited and re-used</a:t>
+            </a:r>
+            <a:endParaRPr lang="en-NZ" sz="2000" dirty="0"/>
           </a:p>
         </p:txBody>
       </p:sp>
@@ -10365,6 +10583,535 @@
   <p:clrMapOvr>
     <a:masterClrMapping/>
   </p:clrMapOvr>
+  <p:timing>
+    <p:tnLst>
+      <p:par>
+        <p:cTn id="1" dur="indefinite" restart="never" nodeType="tmRoot">
+          <p:childTnLst>
+            <p:seq concurrent="1" nextAc="seek">
+              <p:cTn id="2" dur="indefinite" nodeType="mainSeq">
+                <p:childTnLst>
+                  <p:par>
+                    <p:cTn id="3" fill="hold">
+                      <p:stCondLst>
+                        <p:cond delay="indefinite"/>
+                      </p:stCondLst>
+                      <p:childTnLst>
+                        <p:par>
+                          <p:cTn id="4" fill="hold">
+                            <p:stCondLst>
+                              <p:cond delay="0"/>
+                            </p:stCondLst>
+                            <p:childTnLst>
+                              <p:par>
+                                <p:cTn id="5" presetID="1" presetClass="entr" presetSubtype="0" fill="hold" grpId="0" nodeType="clickEffect">
+                                  <p:stCondLst>
+                                    <p:cond delay="0"/>
+                                  </p:stCondLst>
+                                  <p:childTnLst>
+                                    <p:set>
+                                      <p:cBhvr>
+                                        <p:cTn id="6" dur="1" fill="hold">
+                                          <p:stCondLst>
+                                            <p:cond delay="0"/>
+                                          </p:stCondLst>
+                                        </p:cTn>
+                                        <p:tgtEl>
+                                          <p:spTgt spid="3">
+                                            <p:txEl>
+                                              <p:pRg st="0" end="0"/>
+                                            </p:txEl>
+                                          </p:spTgt>
+                                        </p:tgtEl>
+                                        <p:attrNameLst>
+                                          <p:attrName>style.visibility</p:attrName>
+                                        </p:attrNameLst>
+                                      </p:cBhvr>
+                                      <p:to>
+                                        <p:strVal val="visible"/>
+                                      </p:to>
+                                    </p:set>
+                                  </p:childTnLst>
+                                </p:cTn>
+                              </p:par>
+                              <p:par>
+                                <p:cTn id="7" presetID="1" presetClass="entr" presetSubtype="0" fill="hold" grpId="0" nodeType="withEffect">
+                                  <p:stCondLst>
+                                    <p:cond delay="0"/>
+                                  </p:stCondLst>
+                                  <p:childTnLst>
+                                    <p:set>
+                                      <p:cBhvr>
+                                        <p:cTn id="8" dur="1" fill="hold">
+                                          <p:stCondLst>
+                                            <p:cond delay="0"/>
+                                          </p:stCondLst>
+                                        </p:cTn>
+                                        <p:tgtEl>
+                                          <p:spTgt spid="9"/>
+                                        </p:tgtEl>
+                                        <p:attrNameLst>
+                                          <p:attrName>style.visibility</p:attrName>
+                                        </p:attrNameLst>
+                                      </p:cBhvr>
+                                      <p:to>
+                                        <p:strVal val="visible"/>
+                                      </p:to>
+                                    </p:set>
+                                  </p:childTnLst>
+                                </p:cTn>
+                              </p:par>
+                            </p:childTnLst>
+                          </p:cTn>
+                        </p:par>
+                      </p:childTnLst>
+                    </p:cTn>
+                  </p:par>
+                  <p:par>
+                    <p:cTn id="9" fill="hold">
+                      <p:stCondLst>
+                        <p:cond delay="indefinite"/>
+                      </p:stCondLst>
+                      <p:childTnLst>
+                        <p:par>
+                          <p:cTn id="10" fill="hold">
+                            <p:stCondLst>
+                              <p:cond delay="0"/>
+                            </p:stCondLst>
+                            <p:childTnLst>
+                              <p:par>
+                                <p:cTn id="11" presetID="1" presetClass="entr" presetSubtype="0" fill="hold" grpId="0" nodeType="clickEffect">
+                                  <p:stCondLst>
+                                    <p:cond delay="0"/>
+                                  </p:stCondLst>
+                                  <p:childTnLst>
+                                    <p:set>
+                                      <p:cBhvr>
+                                        <p:cTn id="12" dur="1" fill="hold">
+                                          <p:stCondLst>
+                                            <p:cond delay="0"/>
+                                          </p:stCondLst>
+                                        </p:cTn>
+                                        <p:tgtEl>
+                                          <p:spTgt spid="3">
+                                            <p:txEl>
+                                              <p:pRg st="1" end="1"/>
+                                            </p:txEl>
+                                          </p:spTgt>
+                                        </p:tgtEl>
+                                        <p:attrNameLst>
+                                          <p:attrName>style.visibility</p:attrName>
+                                        </p:attrNameLst>
+                                      </p:cBhvr>
+                                      <p:to>
+                                        <p:strVal val="visible"/>
+                                      </p:to>
+                                    </p:set>
+                                  </p:childTnLst>
+                                </p:cTn>
+                              </p:par>
+                            </p:childTnLst>
+                          </p:cTn>
+                        </p:par>
+                      </p:childTnLst>
+                    </p:cTn>
+                  </p:par>
+                  <p:par>
+                    <p:cTn id="13" fill="hold">
+                      <p:stCondLst>
+                        <p:cond delay="indefinite"/>
+                      </p:stCondLst>
+                      <p:childTnLst>
+                        <p:par>
+                          <p:cTn id="14" fill="hold">
+                            <p:stCondLst>
+                              <p:cond delay="0"/>
+                            </p:stCondLst>
+                            <p:childTnLst>
+                              <p:par>
+                                <p:cTn id="15" presetID="1" presetClass="entr" presetSubtype="0" fill="hold" grpId="0" nodeType="clickEffect">
+                                  <p:stCondLst>
+                                    <p:cond delay="0"/>
+                                  </p:stCondLst>
+                                  <p:childTnLst>
+                                    <p:set>
+                                      <p:cBhvr>
+                                        <p:cTn id="16" dur="1" fill="hold">
+                                          <p:stCondLst>
+                                            <p:cond delay="0"/>
+                                          </p:stCondLst>
+                                        </p:cTn>
+                                        <p:tgtEl>
+                                          <p:spTgt spid="3">
+                                            <p:txEl>
+                                              <p:pRg st="2" end="2"/>
+                                            </p:txEl>
+                                          </p:spTgt>
+                                        </p:tgtEl>
+                                        <p:attrNameLst>
+                                          <p:attrName>style.visibility</p:attrName>
+                                        </p:attrNameLst>
+                                      </p:cBhvr>
+                                      <p:to>
+                                        <p:strVal val="visible"/>
+                                      </p:to>
+                                    </p:set>
+                                  </p:childTnLst>
+                                </p:cTn>
+                              </p:par>
+                              <p:par>
+                                <p:cTn id="17" presetID="1" presetClass="entr" presetSubtype="0" fill="hold" nodeType="withEffect">
+                                  <p:stCondLst>
+                                    <p:cond delay="0"/>
+                                  </p:stCondLst>
+                                  <p:childTnLst>
+                                    <p:set>
+                                      <p:cBhvr>
+                                        <p:cTn id="18" dur="1" fill="hold">
+                                          <p:stCondLst>
+                                            <p:cond delay="0"/>
+                                          </p:stCondLst>
+                                        </p:cTn>
+                                        <p:tgtEl>
+                                          <p:spTgt spid="6"/>
+                                        </p:tgtEl>
+                                        <p:attrNameLst>
+                                          <p:attrName>style.visibility</p:attrName>
+                                        </p:attrNameLst>
+                                      </p:cBhvr>
+                                      <p:to>
+                                        <p:strVal val="visible"/>
+                                      </p:to>
+                                    </p:set>
+                                  </p:childTnLst>
+                                </p:cTn>
+                              </p:par>
+                            </p:childTnLst>
+                          </p:cTn>
+                        </p:par>
+                      </p:childTnLst>
+                    </p:cTn>
+                  </p:par>
+                  <p:par>
+                    <p:cTn id="19" fill="hold">
+                      <p:stCondLst>
+                        <p:cond delay="indefinite"/>
+                      </p:stCondLst>
+                      <p:childTnLst>
+                        <p:par>
+                          <p:cTn id="20" fill="hold">
+                            <p:stCondLst>
+                              <p:cond delay="0"/>
+                            </p:stCondLst>
+                            <p:childTnLst>
+                              <p:par>
+                                <p:cTn id="21" presetID="1" presetClass="entr" presetSubtype="0" fill="hold" grpId="0" nodeType="clickEffect">
+                                  <p:stCondLst>
+                                    <p:cond delay="0"/>
+                                  </p:stCondLst>
+                                  <p:childTnLst>
+                                    <p:set>
+                                      <p:cBhvr>
+                                        <p:cTn id="22" dur="1" fill="hold">
+                                          <p:stCondLst>
+                                            <p:cond delay="0"/>
+                                          </p:stCondLst>
+                                        </p:cTn>
+                                        <p:tgtEl>
+                                          <p:spTgt spid="3">
+                                            <p:txEl>
+                                              <p:pRg st="3" end="3"/>
+                                            </p:txEl>
+                                          </p:spTgt>
+                                        </p:tgtEl>
+                                        <p:attrNameLst>
+                                          <p:attrName>style.visibility</p:attrName>
+                                        </p:attrNameLst>
+                                      </p:cBhvr>
+                                      <p:to>
+                                        <p:strVal val="visible"/>
+                                      </p:to>
+                                    </p:set>
+                                  </p:childTnLst>
+                                </p:cTn>
+                              </p:par>
+                            </p:childTnLst>
+                          </p:cTn>
+                        </p:par>
+                      </p:childTnLst>
+                    </p:cTn>
+                  </p:par>
+                  <p:par>
+                    <p:cTn id="23" fill="hold">
+                      <p:stCondLst>
+                        <p:cond delay="indefinite"/>
+                      </p:stCondLst>
+                      <p:childTnLst>
+                        <p:par>
+                          <p:cTn id="24" fill="hold">
+                            <p:stCondLst>
+                              <p:cond delay="0"/>
+                            </p:stCondLst>
+                            <p:childTnLst>
+                              <p:par>
+                                <p:cTn id="25" presetID="1" presetClass="entr" presetSubtype="0" fill="hold" grpId="0" nodeType="clickEffect">
+                                  <p:stCondLst>
+                                    <p:cond delay="0"/>
+                                  </p:stCondLst>
+                                  <p:childTnLst>
+                                    <p:set>
+                                      <p:cBhvr>
+                                        <p:cTn id="26" dur="1" fill="hold">
+                                          <p:stCondLst>
+                                            <p:cond delay="0"/>
+                                          </p:stCondLst>
+                                        </p:cTn>
+                                        <p:tgtEl>
+                                          <p:spTgt spid="3">
+                                            <p:txEl>
+                                              <p:pRg st="4" end="4"/>
+                                            </p:txEl>
+                                          </p:spTgt>
+                                        </p:tgtEl>
+                                        <p:attrNameLst>
+                                          <p:attrName>style.visibility</p:attrName>
+                                        </p:attrNameLst>
+                                      </p:cBhvr>
+                                      <p:to>
+                                        <p:strVal val="visible"/>
+                                      </p:to>
+                                    </p:set>
+                                  </p:childTnLst>
+                                </p:cTn>
+                              </p:par>
+                            </p:childTnLst>
+                          </p:cTn>
+                        </p:par>
+                      </p:childTnLst>
+                    </p:cTn>
+                  </p:par>
+                  <p:par>
+                    <p:cTn id="27" fill="hold">
+                      <p:stCondLst>
+                        <p:cond delay="indefinite"/>
+                      </p:stCondLst>
+                      <p:childTnLst>
+                        <p:par>
+                          <p:cTn id="28" fill="hold">
+                            <p:stCondLst>
+                              <p:cond delay="0"/>
+                            </p:stCondLst>
+                            <p:childTnLst>
+                              <p:par>
+                                <p:cTn id="29" presetID="1" presetClass="entr" presetSubtype="0" fill="hold" grpId="0" nodeType="clickEffect">
+                                  <p:stCondLst>
+                                    <p:cond delay="0"/>
+                                  </p:stCondLst>
+                                  <p:childTnLst>
+                                    <p:set>
+                                      <p:cBhvr>
+                                        <p:cTn id="30" dur="1" fill="hold">
+                                          <p:stCondLst>
+                                            <p:cond delay="0"/>
+                                          </p:stCondLst>
+                                        </p:cTn>
+                                        <p:tgtEl>
+                                          <p:spTgt spid="3">
+                                            <p:txEl>
+                                              <p:pRg st="5" end="5"/>
+                                            </p:txEl>
+                                          </p:spTgt>
+                                        </p:tgtEl>
+                                        <p:attrNameLst>
+                                          <p:attrName>style.visibility</p:attrName>
+                                        </p:attrNameLst>
+                                      </p:cBhvr>
+                                      <p:to>
+                                        <p:strVal val="visible"/>
+                                      </p:to>
+                                    </p:set>
+                                  </p:childTnLst>
+                                </p:cTn>
+                              </p:par>
+                            </p:childTnLst>
+                          </p:cTn>
+                        </p:par>
+                      </p:childTnLst>
+                    </p:cTn>
+                  </p:par>
+                  <p:par>
+                    <p:cTn id="31" fill="hold">
+                      <p:stCondLst>
+                        <p:cond delay="indefinite"/>
+                      </p:stCondLst>
+                      <p:childTnLst>
+                        <p:par>
+                          <p:cTn id="32" fill="hold">
+                            <p:stCondLst>
+                              <p:cond delay="0"/>
+                            </p:stCondLst>
+                            <p:childTnLst>
+                              <p:par>
+                                <p:cTn id="33" presetID="1" presetClass="entr" presetSubtype="0" fill="hold" grpId="0" nodeType="clickEffect">
+                                  <p:stCondLst>
+                                    <p:cond delay="0"/>
+                                  </p:stCondLst>
+                                  <p:childTnLst>
+                                    <p:set>
+                                      <p:cBhvr>
+                                        <p:cTn id="34" dur="1" fill="hold">
+                                          <p:stCondLst>
+                                            <p:cond delay="0"/>
+                                          </p:stCondLst>
+                                        </p:cTn>
+                                        <p:tgtEl>
+                                          <p:spTgt spid="3">
+                                            <p:txEl>
+                                              <p:pRg st="6" end="6"/>
+                                            </p:txEl>
+                                          </p:spTgt>
+                                        </p:tgtEl>
+                                        <p:attrNameLst>
+                                          <p:attrName>style.visibility</p:attrName>
+                                        </p:attrNameLst>
+                                      </p:cBhvr>
+                                      <p:to>
+                                        <p:strVal val="visible"/>
+                                      </p:to>
+                                    </p:set>
+                                  </p:childTnLst>
+                                </p:cTn>
+                              </p:par>
+                            </p:childTnLst>
+                          </p:cTn>
+                        </p:par>
+                      </p:childTnLst>
+                    </p:cTn>
+                  </p:par>
+                  <p:par>
+                    <p:cTn id="35" fill="hold">
+                      <p:stCondLst>
+                        <p:cond delay="indefinite"/>
+                      </p:stCondLst>
+                      <p:childTnLst>
+                        <p:par>
+                          <p:cTn id="36" fill="hold">
+                            <p:stCondLst>
+                              <p:cond delay="0"/>
+                            </p:stCondLst>
+                            <p:childTnLst>
+                              <p:par>
+                                <p:cTn id="37" presetID="1" presetClass="entr" presetSubtype="0" fill="hold" grpId="0" nodeType="clickEffect">
+                                  <p:stCondLst>
+                                    <p:cond delay="0"/>
+                                  </p:stCondLst>
+                                  <p:childTnLst>
+                                    <p:set>
+                                      <p:cBhvr>
+                                        <p:cTn id="38" dur="1" fill="hold">
+                                          <p:stCondLst>
+                                            <p:cond delay="0"/>
+                                          </p:stCondLst>
+                                        </p:cTn>
+                                        <p:tgtEl>
+                                          <p:spTgt spid="3">
+                                            <p:txEl>
+                                              <p:pRg st="7" end="7"/>
+                                            </p:txEl>
+                                          </p:spTgt>
+                                        </p:tgtEl>
+                                        <p:attrNameLst>
+                                          <p:attrName>style.visibility</p:attrName>
+                                        </p:attrNameLst>
+                                      </p:cBhvr>
+                                      <p:to>
+                                        <p:strVal val="visible"/>
+                                      </p:to>
+                                    </p:set>
+                                  </p:childTnLst>
+                                </p:cTn>
+                              </p:par>
+                            </p:childTnLst>
+                          </p:cTn>
+                        </p:par>
+                      </p:childTnLst>
+                    </p:cTn>
+                  </p:par>
+                  <p:par>
+                    <p:cTn id="39" fill="hold">
+                      <p:stCondLst>
+                        <p:cond delay="indefinite"/>
+                      </p:stCondLst>
+                      <p:childTnLst>
+                        <p:par>
+                          <p:cTn id="40" fill="hold">
+                            <p:stCondLst>
+                              <p:cond delay="0"/>
+                            </p:stCondLst>
+                            <p:childTnLst>
+                              <p:par>
+                                <p:cTn id="41" presetID="1" presetClass="entr" presetSubtype="0" fill="hold" grpId="0" nodeType="clickEffect">
+                                  <p:stCondLst>
+                                    <p:cond delay="0"/>
+                                  </p:stCondLst>
+                                  <p:childTnLst>
+                                    <p:set>
+                                      <p:cBhvr>
+                                        <p:cTn id="42" dur="1" fill="hold">
+                                          <p:stCondLst>
+                                            <p:cond delay="0"/>
+                                          </p:stCondLst>
+                                        </p:cTn>
+                                        <p:tgtEl>
+                                          <p:spTgt spid="3">
+                                            <p:txEl>
+                                              <p:pRg st="8" end="8"/>
+                                            </p:txEl>
+                                          </p:spTgt>
+                                        </p:tgtEl>
+                                        <p:attrNameLst>
+                                          <p:attrName>style.visibility</p:attrName>
+                                        </p:attrNameLst>
+                                      </p:cBhvr>
+                                      <p:to>
+                                        <p:strVal val="visible"/>
+                                      </p:to>
+                                    </p:set>
+                                  </p:childTnLst>
+                                </p:cTn>
+                              </p:par>
+                            </p:childTnLst>
+                          </p:cTn>
+                        </p:par>
+                      </p:childTnLst>
+                    </p:cTn>
+                  </p:par>
+                </p:childTnLst>
+              </p:cTn>
+              <p:prevCondLst>
+                <p:cond evt="onPrev" delay="0">
+                  <p:tgtEl>
+                    <p:sldTgt/>
+                  </p:tgtEl>
+                </p:cond>
+              </p:prevCondLst>
+              <p:nextCondLst>
+                <p:cond evt="onNext" delay="0">
+                  <p:tgtEl>
+                    <p:sldTgt/>
+                  </p:tgtEl>
+                </p:cond>
+              </p:nextCondLst>
+            </p:seq>
+          </p:childTnLst>
+        </p:cTn>
+      </p:par>
+    </p:tnLst>
+    <p:bldLst>
+      <p:bldP spid="3" grpId="0" uiExpand="1" build="p"/>
+      <p:bldP spid="9" grpId="0" animBg="1"/>
+    </p:bldLst>
+  </p:timing>
 </p:sld>
 </file>
 
@@ -10822,7 +11569,7 @@
         </p:nvSpPr>
         <p:spPr>
           <a:xfrm>
-            <a:off x="8082636" y="4597137"/>
+            <a:off x="8082636" y="4346544"/>
             <a:ext cx="3088468" cy="1364751"/>
           </a:xfrm>
           <a:prstGeom prst="rect">
@@ -10957,6 +11704,578 @@
   <p:clrMapOvr>
     <a:masterClrMapping/>
   </p:clrMapOvr>
+  <p:timing>
+    <p:tnLst>
+      <p:par>
+        <p:cTn id="1" dur="indefinite" restart="never" nodeType="tmRoot">
+          <p:childTnLst>
+            <p:seq concurrent="1" nextAc="seek">
+              <p:cTn id="2" dur="indefinite" nodeType="mainSeq">
+                <p:childTnLst>
+                  <p:par>
+                    <p:cTn id="3" fill="hold">
+                      <p:stCondLst>
+                        <p:cond delay="indefinite"/>
+                      </p:stCondLst>
+                      <p:childTnLst>
+                        <p:par>
+                          <p:cTn id="4" fill="hold">
+                            <p:stCondLst>
+                              <p:cond delay="0"/>
+                            </p:stCondLst>
+                            <p:childTnLst>
+                              <p:par>
+                                <p:cTn id="5" presetID="1" presetClass="entr" presetSubtype="0" fill="hold" grpId="0" nodeType="clickEffect">
+                                  <p:stCondLst>
+                                    <p:cond delay="0"/>
+                                  </p:stCondLst>
+                                  <p:childTnLst>
+                                    <p:set>
+                                      <p:cBhvr>
+                                        <p:cTn id="6" dur="1" fill="hold">
+                                          <p:stCondLst>
+                                            <p:cond delay="0"/>
+                                          </p:stCondLst>
+                                        </p:cTn>
+                                        <p:tgtEl>
+                                          <p:spTgt spid="3">
+                                            <p:txEl>
+                                              <p:pRg st="0" end="0"/>
+                                            </p:txEl>
+                                          </p:spTgt>
+                                        </p:tgtEl>
+                                        <p:attrNameLst>
+                                          <p:attrName>style.visibility</p:attrName>
+                                        </p:attrNameLst>
+                                      </p:cBhvr>
+                                      <p:to>
+                                        <p:strVal val="visible"/>
+                                      </p:to>
+                                    </p:set>
+                                  </p:childTnLst>
+                                </p:cTn>
+                              </p:par>
+                            </p:childTnLst>
+                          </p:cTn>
+                        </p:par>
+                      </p:childTnLst>
+                    </p:cTn>
+                  </p:par>
+                  <p:par>
+                    <p:cTn id="7" fill="hold">
+                      <p:stCondLst>
+                        <p:cond delay="indefinite"/>
+                      </p:stCondLst>
+                      <p:childTnLst>
+                        <p:par>
+                          <p:cTn id="8" fill="hold">
+                            <p:stCondLst>
+                              <p:cond delay="0"/>
+                            </p:stCondLst>
+                            <p:childTnLst>
+                              <p:par>
+                                <p:cTn id="9" presetID="1" presetClass="entr" presetSubtype="0" fill="hold" grpId="0" nodeType="clickEffect">
+                                  <p:stCondLst>
+                                    <p:cond delay="0"/>
+                                  </p:stCondLst>
+                                  <p:childTnLst>
+                                    <p:set>
+                                      <p:cBhvr>
+                                        <p:cTn id="10" dur="1" fill="hold">
+                                          <p:stCondLst>
+                                            <p:cond delay="0"/>
+                                          </p:stCondLst>
+                                        </p:cTn>
+                                        <p:tgtEl>
+                                          <p:spTgt spid="3">
+                                            <p:txEl>
+                                              <p:pRg st="1" end="1"/>
+                                            </p:txEl>
+                                          </p:spTgt>
+                                        </p:tgtEl>
+                                        <p:attrNameLst>
+                                          <p:attrName>style.visibility</p:attrName>
+                                        </p:attrNameLst>
+                                      </p:cBhvr>
+                                      <p:to>
+                                        <p:strVal val="visible"/>
+                                      </p:to>
+                                    </p:set>
+                                  </p:childTnLst>
+                                </p:cTn>
+                              </p:par>
+                            </p:childTnLst>
+                          </p:cTn>
+                        </p:par>
+                      </p:childTnLst>
+                    </p:cTn>
+                  </p:par>
+                  <p:par>
+                    <p:cTn id="11" fill="hold">
+                      <p:stCondLst>
+                        <p:cond delay="indefinite"/>
+                      </p:stCondLst>
+                      <p:childTnLst>
+                        <p:par>
+                          <p:cTn id="12" fill="hold">
+                            <p:stCondLst>
+                              <p:cond delay="0"/>
+                            </p:stCondLst>
+                            <p:childTnLst>
+                              <p:par>
+                                <p:cTn id="13" presetID="1" presetClass="entr" presetSubtype="0" fill="hold" grpId="0" nodeType="clickEffect">
+                                  <p:stCondLst>
+                                    <p:cond delay="0"/>
+                                  </p:stCondLst>
+                                  <p:childTnLst>
+                                    <p:set>
+                                      <p:cBhvr>
+                                        <p:cTn id="14" dur="1" fill="hold">
+                                          <p:stCondLst>
+                                            <p:cond delay="0"/>
+                                          </p:stCondLst>
+                                        </p:cTn>
+                                        <p:tgtEl>
+                                          <p:spTgt spid="3">
+                                            <p:txEl>
+                                              <p:pRg st="2" end="2"/>
+                                            </p:txEl>
+                                          </p:spTgt>
+                                        </p:tgtEl>
+                                        <p:attrNameLst>
+                                          <p:attrName>style.visibility</p:attrName>
+                                        </p:attrNameLst>
+                                      </p:cBhvr>
+                                      <p:to>
+                                        <p:strVal val="visible"/>
+                                      </p:to>
+                                    </p:set>
+                                  </p:childTnLst>
+                                </p:cTn>
+                              </p:par>
+                              <p:par>
+                                <p:cTn id="15" presetID="1" presetClass="entr" presetSubtype="0" fill="hold" grpId="0" nodeType="withEffect">
+                                  <p:stCondLst>
+                                    <p:cond delay="0"/>
+                                  </p:stCondLst>
+                                  <p:childTnLst>
+                                    <p:set>
+                                      <p:cBhvr>
+                                        <p:cTn id="16" dur="1" fill="hold">
+                                          <p:stCondLst>
+                                            <p:cond delay="0"/>
+                                          </p:stCondLst>
+                                        </p:cTn>
+                                        <p:tgtEl>
+                                          <p:spTgt spid="3">
+                                            <p:txEl>
+                                              <p:pRg st="3" end="3"/>
+                                            </p:txEl>
+                                          </p:spTgt>
+                                        </p:tgtEl>
+                                        <p:attrNameLst>
+                                          <p:attrName>style.visibility</p:attrName>
+                                        </p:attrNameLst>
+                                      </p:cBhvr>
+                                      <p:to>
+                                        <p:strVal val="visible"/>
+                                      </p:to>
+                                    </p:set>
+                                  </p:childTnLst>
+                                </p:cTn>
+                              </p:par>
+                              <p:par>
+                                <p:cTn id="17" presetID="1" presetClass="entr" presetSubtype="0" fill="hold" grpId="0" nodeType="withEffect">
+                                  <p:stCondLst>
+                                    <p:cond delay="0"/>
+                                  </p:stCondLst>
+                                  <p:childTnLst>
+                                    <p:set>
+                                      <p:cBhvr>
+                                        <p:cTn id="18" dur="1" fill="hold">
+                                          <p:stCondLst>
+                                            <p:cond delay="0"/>
+                                          </p:stCondLst>
+                                        </p:cTn>
+                                        <p:tgtEl>
+                                          <p:spTgt spid="3">
+                                            <p:txEl>
+                                              <p:pRg st="4" end="4"/>
+                                            </p:txEl>
+                                          </p:spTgt>
+                                        </p:tgtEl>
+                                        <p:attrNameLst>
+                                          <p:attrName>style.visibility</p:attrName>
+                                        </p:attrNameLst>
+                                      </p:cBhvr>
+                                      <p:to>
+                                        <p:strVal val="visible"/>
+                                      </p:to>
+                                    </p:set>
+                                  </p:childTnLst>
+                                </p:cTn>
+                              </p:par>
+                              <p:par>
+                                <p:cTn id="19" presetID="1" presetClass="entr" presetSubtype="0" fill="hold" grpId="0" nodeType="withEffect">
+                                  <p:stCondLst>
+                                    <p:cond delay="0"/>
+                                  </p:stCondLst>
+                                  <p:childTnLst>
+                                    <p:set>
+                                      <p:cBhvr>
+                                        <p:cTn id="20" dur="1" fill="hold">
+                                          <p:stCondLst>
+                                            <p:cond delay="0"/>
+                                          </p:stCondLst>
+                                        </p:cTn>
+                                        <p:tgtEl>
+                                          <p:spTgt spid="3">
+                                            <p:txEl>
+                                              <p:pRg st="5" end="5"/>
+                                            </p:txEl>
+                                          </p:spTgt>
+                                        </p:tgtEl>
+                                        <p:attrNameLst>
+                                          <p:attrName>style.visibility</p:attrName>
+                                        </p:attrNameLst>
+                                      </p:cBhvr>
+                                      <p:to>
+                                        <p:strVal val="visible"/>
+                                      </p:to>
+                                    </p:set>
+                                  </p:childTnLst>
+                                </p:cTn>
+                              </p:par>
+                              <p:par>
+                                <p:cTn id="21" presetID="10" presetClass="entr" presetSubtype="0" fill="hold" grpId="0" nodeType="withEffect">
+                                  <p:stCondLst>
+                                    <p:cond delay="0"/>
+                                  </p:stCondLst>
+                                  <p:childTnLst>
+                                    <p:set>
+                                      <p:cBhvr>
+                                        <p:cTn id="22" dur="1" fill="hold">
+                                          <p:stCondLst>
+                                            <p:cond delay="0"/>
+                                          </p:stCondLst>
+                                        </p:cTn>
+                                        <p:tgtEl>
+                                          <p:spTgt spid="5"/>
+                                        </p:tgtEl>
+                                        <p:attrNameLst>
+                                          <p:attrName>style.visibility</p:attrName>
+                                        </p:attrNameLst>
+                                      </p:cBhvr>
+                                      <p:to>
+                                        <p:strVal val="visible"/>
+                                      </p:to>
+                                    </p:set>
+                                    <p:animEffect transition="in" filter="fade">
+                                      <p:cBhvr>
+                                        <p:cTn id="23" dur="500"/>
+                                        <p:tgtEl>
+                                          <p:spTgt spid="5"/>
+                                        </p:tgtEl>
+                                      </p:cBhvr>
+                                    </p:animEffect>
+                                  </p:childTnLst>
+                                </p:cTn>
+                              </p:par>
+                            </p:childTnLst>
+                          </p:cTn>
+                        </p:par>
+                      </p:childTnLst>
+                    </p:cTn>
+                  </p:par>
+                  <p:par>
+                    <p:cTn id="24" fill="hold">
+                      <p:stCondLst>
+                        <p:cond delay="indefinite"/>
+                      </p:stCondLst>
+                      <p:childTnLst>
+                        <p:par>
+                          <p:cTn id="25" fill="hold">
+                            <p:stCondLst>
+                              <p:cond delay="0"/>
+                            </p:stCondLst>
+                            <p:childTnLst>
+                              <p:par>
+                                <p:cTn id="26" presetID="1" presetClass="entr" presetSubtype="0" fill="hold" grpId="0" nodeType="clickEffect">
+                                  <p:stCondLst>
+                                    <p:cond delay="0"/>
+                                  </p:stCondLst>
+                                  <p:childTnLst>
+                                    <p:set>
+                                      <p:cBhvr>
+                                        <p:cTn id="27" dur="1" fill="hold">
+                                          <p:stCondLst>
+                                            <p:cond delay="0"/>
+                                          </p:stCondLst>
+                                        </p:cTn>
+                                        <p:tgtEl>
+                                          <p:spTgt spid="3">
+                                            <p:txEl>
+                                              <p:pRg st="6" end="6"/>
+                                            </p:txEl>
+                                          </p:spTgt>
+                                        </p:tgtEl>
+                                        <p:attrNameLst>
+                                          <p:attrName>style.visibility</p:attrName>
+                                        </p:attrNameLst>
+                                      </p:cBhvr>
+                                      <p:to>
+                                        <p:strVal val="visible"/>
+                                      </p:to>
+                                    </p:set>
+                                  </p:childTnLst>
+                                </p:cTn>
+                              </p:par>
+                              <p:par>
+                                <p:cTn id="28" presetID="1" presetClass="entr" presetSubtype="0" fill="hold" grpId="0" nodeType="withEffect">
+                                  <p:stCondLst>
+                                    <p:cond delay="0"/>
+                                  </p:stCondLst>
+                                  <p:childTnLst>
+                                    <p:set>
+                                      <p:cBhvr>
+                                        <p:cTn id="29" dur="1" fill="hold">
+                                          <p:stCondLst>
+                                            <p:cond delay="0"/>
+                                          </p:stCondLst>
+                                        </p:cTn>
+                                        <p:tgtEl>
+                                          <p:spTgt spid="3">
+                                            <p:txEl>
+                                              <p:pRg st="7" end="7"/>
+                                            </p:txEl>
+                                          </p:spTgt>
+                                        </p:tgtEl>
+                                        <p:attrNameLst>
+                                          <p:attrName>style.visibility</p:attrName>
+                                        </p:attrNameLst>
+                                      </p:cBhvr>
+                                      <p:to>
+                                        <p:strVal val="visible"/>
+                                      </p:to>
+                                    </p:set>
+                                  </p:childTnLst>
+                                </p:cTn>
+                              </p:par>
+                              <p:par>
+                                <p:cTn id="30" presetID="1" presetClass="entr" presetSubtype="0" fill="hold" grpId="0" nodeType="withEffect">
+                                  <p:stCondLst>
+                                    <p:cond delay="0"/>
+                                  </p:stCondLst>
+                                  <p:childTnLst>
+                                    <p:set>
+                                      <p:cBhvr>
+                                        <p:cTn id="31" dur="1" fill="hold">
+                                          <p:stCondLst>
+                                            <p:cond delay="0"/>
+                                          </p:stCondLst>
+                                        </p:cTn>
+                                        <p:tgtEl>
+                                          <p:spTgt spid="3">
+                                            <p:txEl>
+                                              <p:pRg st="8" end="8"/>
+                                            </p:txEl>
+                                          </p:spTgt>
+                                        </p:tgtEl>
+                                        <p:attrNameLst>
+                                          <p:attrName>style.visibility</p:attrName>
+                                        </p:attrNameLst>
+                                      </p:cBhvr>
+                                      <p:to>
+                                        <p:strVal val="visible"/>
+                                      </p:to>
+                                    </p:set>
+                                  </p:childTnLst>
+                                </p:cTn>
+                              </p:par>
+                              <p:par>
+                                <p:cTn id="32" presetID="1" presetClass="entr" presetSubtype="0" fill="hold" grpId="0" nodeType="withEffect">
+                                  <p:stCondLst>
+                                    <p:cond delay="0"/>
+                                  </p:stCondLst>
+                                  <p:childTnLst>
+                                    <p:set>
+                                      <p:cBhvr>
+                                        <p:cTn id="33" dur="1" fill="hold">
+                                          <p:stCondLst>
+                                            <p:cond delay="0"/>
+                                          </p:stCondLst>
+                                        </p:cTn>
+                                        <p:tgtEl>
+                                          <p:spTgt spid="3">
+                                            <p:txEl>
+                                              <p:pRg st="9" end="9"/>
+                                            </p:txEl>
+                                          </p:spTgt>
+                                        </p:tgtEl>
+                                        <p:attrNameLst>
+                                          <p:attrName>style.visibility</p:attrName>
+                                        </p:attrNameLst>
+                                      </p:cBhvr>
+                                      <p:to>
+                                        <p:strVal val="visible"/>
+                                      </p:to>
+                                    </p:set>
+                                  </p:childTnLst>
+                                </p:cTn>
+                              </p:par>
+                              <p:par>
+                                <p:cTn id="34" presetID="1" presetClass="entr" presetSubtype="0" fill="hold" grpId="0" nodeType="withEffect">
+                                  <p:stCondLst>
+                                    <p:cond delay="0"/>
+                                  </p:stCondLst>
+                                  <p:childTnLst>
+                                    <p:set>
+                                      <p:cBhvr>
+                                        <p:cTn id="35" dur="1" fill="hold">
+                                          <p:stCondLst>
+                                            <p:cond delay="0"/>
+                                          </p:stCondLst>
+                                        </p:cTn>
+                                        <p:tgtEl>
+                                          <p:spTgt spid="3">
+                                            <p:txEl>
+                                              <p:pRg st="10" end="10"/>
+                                            </p:txEl>
+                                          </p:spTgt>
+                                        </p:tgtEl>
+                                        <p:attrNameLst>
+                                          <p:attrName>style.visibility</p:attrName>
+                                        </p:attrNameLst>
+                                      </p:cBhvr>
+                                      <p:to>
+                                        <p:strVal val="visible"/>
+                                      </p:to>
+                                    </p:set>
+                                  </p:childTnLst>
+                                </p:cTn>
+                              </p:par>
+                              <p:par>
+                                <p:cTn id="36" presetID="1" presetClass="entr" presetSubtype="0" fill="hold" grpId="0" nodeType="withEffect">
+                                  <p:stCondLst>
+                                    <p:cond delay="0"/>
+                                  </p:stCondLst>
+                                  <p:childTnLst>
+                                    <p:set>
+                                      <p:cBhvr>
+                                        <p:cTn id="37" dur="1" fill="hold">
+                                          <p:stCondLst>
+                                            <p:cond delay="0"/>
+                                          </p:stCondLst>
+                                        </p:cTn>
+                                        <p:tgtEl>
+                                          <p:spTgt spid="3">
+                                            <p:txEl>
+                                              <p:pRg st="11" end="11"/>
+                                            </p:txEl>
+                                          </p:spTgt>
+                                        </p:tgtEl>
+                                        <p:attrNameLst>
+                                          <p:attrName>style.visibility</p:attrName>
+                                        </p:attrNameLst>
+                                      </p:cBhvr>
+                                      <p:to>
+                                        <p:strVal val="visible"/>
+                                      </p:to>
+                                    </p:set>
+                                  </p:childTnLst>
+                                </p:cTn>
+                              </p:par>
+                              <p:par>
+                                <p:cTn id="38" presetID="1" presetClass="entr" presetSubtype="0" fill="hold" grpId="0" nodeType="withEffect">
+                                  <p:stCondLst>
+                                    <p:cond delay="0"/>
+                                  </p:stCondLst>
+                                  <p:childTnLst>
+                                    <p:set>
+                                      <p:cBhvr>
+                                        <p:cTn id="39" dur="1" fill="hold">
+                                          <p:stCondLst>
+                                            <p:cond delay="0"/>
+                                          </p:stCondLst>
+                                        </p:cTn>
+                                        <p:tgtEl>
+                                          <p:spTgt spid="3">
+                                            <p:txEl>
+                                              <p:pRg st="12" end="12"/>
+                                            </p:txEl>
+                                          </p:spTgt>
+                                        </p:tgtEl>
+                                        <p:attrNameLst>
+                                          <p:attrName>style.visibility</p:attrName>
+                                        </p:attrNameLst>
+                                      </p:cBhvr>
+                                      <p:to>
+                                        <p:strVal val="visible"/>
+                                      </p:to>
+                                    </p:set>
+                                  </p:childTnLst>
+                                </p:cTn>
+                              </p:par>
+                              <p:par>
+                                <p:cTn id="40" presetID="1" presetClass="entr" presetSubtype="0" fill="hold" grpId="0" nodeType="withEffect">
+                                  <p:stCondLst>
+                                    <p:cond delay="0"/>
+                                  </p:stCondLst>
+                                  <p:childTnLst>
+                                    <p:set>
+                                      <p:cBhvr>
+                                        <p:cTn id="41" dur="1" fill="hold">
+                                          <p:stCondLst>
+                                            <p:cond delay="0"/>
+                                          </p:stCondLst>
+                                        </p:cTn>
+                                        <p:tgtEl>
+                                          <p:spTgt spid="6"/>
+                                        </p:tgtEl>
+                                        <p:attrNameLst>
+                                          <p:attrName>style.visibility</p:attrName>
+                                        </p:attrNameLst>
+                                      </p:cBhvr>
+                                      <p:to>
+                                        <p:strVal val="visible"/>
+                                      </p:to>
+                                    </p:set>
+                                  </p:childTnLst>
+                                </p:cTn>
+                              </p:par>
+                            </p:childTnLst>
+                          </p:cTn>
+                        </p:par>
+                      </p:childTnLst>
+                    </p:cTn>
+                  </p:par>
+                </p:childTnLst>
+              </p:cTn>
+              <p:prevCondLst>
+                <p:cond evt="onPrev" delay="0">
+                  <p:tgtEl>
+                    <p:sldTgt/>
+                  </p:tgtEl>
+                </p:cond>
+              </p:prevCondLst>
+              <p:nextCondLst>
+                <p:cond evt="onNext" delay="0">
+                  <p:tgtEl>
+                    <p:sldTgt/>
+                  </p:tgtEl>
+                </p:cond>
+              </p:nextCondLst>
+            </p:seq>
+          </p:childTnLst>
+        </p:cTn>
+      </p:par>
+    </p:tnLst>
+    <p:bldLst>
+      <p:bldP spid="3" grpId="0" uiExpand="1" build="p"/>
+      <p:bldP spid="5" grpId="0" animBg="1"/>
+      <p:bldP spid="6" grpId="0" animBg="1"/>
+    </p:bldLst>
+  </p:timing>
 </p:sld>
 </file>
 
@@ -11201,6 +12520,480 @@
   <p:clrMapOvr>
     <a:masterClrMapping/>
   </p:clrMapOvr>
+  <p:timing>
+    <p:tnLst>
+      <p:par>
+        <p:cTn id="1" dur="indefinite" restart="never" nodeType="tmRoot">
+          <p:childTnLst>
+            <p:seq concurrent="1" nextAc="seek">
+              <p:cTn id="2" dur="indefinite" nodeType="mainSeq">
+                <p:childTnLst>
+                  <p:par>
+                    <p:cTn id="3" fill="hold">
+                      <p:stCondLst>
+                        <p:cond delay="indefinite"/>
+                      </p:stCondLst>
+                      <p:childTnLst>
+                        <p:par>
+                          <p:cTn id="4" fill="hold">
+                            <p:stCondLst>
+                              <p:cond delay="0"/>
+                            </p:stCondLst>
+                            <p:childTnLst>
+                              <p:par>
+                                <p:cTn id="5" presetID="1" presetClass="entr" presetSubtype="0" fill="hold" grpId="0" nodeType="clickEffect">
+                                  <p:stCondLst>
+                                    <p:cond delay="0"/>
+                                  </p:stCondLst>
+                                  <p:childTnLst>
+                                    <p:set>
+                                      <p:cBhvr>
+                                        <p:cTn id="6" dur="1" fill="hold">
+                                          <p:stCondLst>
+                                            <p:cond delay="0"/>
+                                          </p:stCondLst>
+                                        </p:cTn>
+                                        <p:tgtEl>
+                                          <p:spTgt spid="3">
+                                            <p:txEl>
+                                              <p:pRg st="0" end="0"/>
+                                            </p:txEl>
+                                          </p:spTgt>
+                                        </p:tgtEl>
+                                        <p:attrNameLst>
+                                          <p:attrName>style.visibility</p:attrName>
+                                        </p:attrNameLst>
+                                      </p:cBhvr>
+                                      <p:to>
+                                        <p:strVal val="visible"/>
+                                      </p:to>
+                                    </p:set>
+                                  </p:childTnLst>
+                                </p:cTn>
+                              </p:par>
+                            </p:childTnLst>
+                          </p:cTn>
+                        </p:par>
+                      </p:childTnLst>
+                    </p:cTn>
+                  </p:par>
+                  <p:par>
+                    <p:cTn id="7" fill="hold">
+                      <p:stCondLst>
+                        <p:cond delay="indefinite"/>
+                      </p:stCondLst>
+                      <p:childTnLst>
+                        <p:par>
+                          <p:cTn id="8" fill="hold">
+                            <p:stCondLst>
+                              <p:cond delay="0"/>
+                            </p:stCondLst>
+                            <p:childTnLst>
+                              <p:par>
+                                <p:cTn id="9" presetID="1" presetClass="entr" presetSubtype="0" fill="hold" grpId="0" nodeType="clickEffect">
+                                  <p:stCondLst>
+                                    <p:cond delay="0"/>
+                                  </p:stCondLst>
+                                  <p:childTnLst>
+                                    <p:set>
+                                      <p:cBhvr>
+                                        <p:cTn id="10" dur="1" fill="hold">
+                                          <p:stCondLst>
+                                            <p:cond delay="0"/>
+                                          </p:stCondLst>
+                                        </p:cTn>
+                                        <p:tgtEl>
+                                          <p:spTgt spid="3">
+                                            <p:txEl>
+                                              <p:pRg st="1" end="1"/>
+                                            </p:txEl>
+                                          </p:spTgt>
+                                        </p:tgtEl>
+                                        <p:attrNameLst>
+                                          <p:attrName>style.visibility</p:attrName>
+                                        </p:attrNameLst>
+                                      </p:cBhvr>
+                                      <p:to>
+                                        <p:strVal val="visible"/>
+                                      </p:to>
+                                    </p:set>
+                                  </p:childTnLst>
+                                </p:cTn>
+                              </p:par>
+                            </p:childTnLst>
+                          </p:cTn>
+                        </p:par>
+                      </p:childTnLst>
+                    </p:cTn>
+                  </p:par>
+                  <p:par>
+                    <p:cTn id="11" fill="hold">
+                      <p:stCondLst>
+                        <p:cond delay="indefinite"/>
+                      </p:stCondLst>
+                      <p:childTnLst>
+                        <p:par>
+                          <p:cTn id="12" fill="hold">
+                            <p:stCondLst>
+                              <p:cond delay="0"/>
+                            </p:stCondLst>
+                            <p:childTnLst>
+                              <p:par>
+                                <p:cTn id="13" presetID="1" presetClass="entr" presetSubtype="0" fill="hold" grpId="0" nodeType="clickEffect">
+                                  <p:stCondLst>
+                                    <p:cond delay="0"/>
+                                  </p:stCondLst>
+                                  <p:childTnLst>
+                                    <p:set>
+                                      <p:cBhvr>
+                                        <p:cTn id="14" dur="1" fill="hold">
+                                          <p:stCondLst>
+                                            <p:cond delay="0"/>
+                                          </p:stCondLst>
+                                        </p:cTn>
+                                        <p:tgtEl>
+                                          <p:spTgt spid="3">
+                                            <p:txEl>
+                                              <p:pRg st="2" end="2"/>
+                                            </p:txEl>
+                                          </p:spTgt>
+                                        </p:tgtEl>
+                                        <p:attrNameLst>
+                                          <p:attrName>style.visibility</p:attrName>
+                                        </p:attrNameLst>
+                                      </p:cBhvr>
+                                      <p:to>
+                                        <p:strVal val="visible"/>
+                                      </p:to>
+                                    </p:set>
+                                  </p:childTnLst>
+                                </p:cTn>
+                              </p:par>
+                            </p:childTnLst>
+                          </p:cTn>
+                        </p:par>
+                      </p:childTnLst>
+                    </p:cTn>
+                  </p:par>
+                  <p:par>
+                    <p:cTn id="15" fill="hold">
+                      <p:stCondLst>
+                        <p:cond delay="indefinite"/>
+                      </p:stCondLst>
+                      <p:childTnLst>
+                        <p:par>
+                          <p:cTn id="16" fill="hold">
+                            <p:stCondLst>
+                              <p:cond delay="0"/>
+                            </p:stCondLst>
+                            <p:childTnLst>
+                              <p:par>
+                                <p:cTn id="17" presetID="1" presetClass="entr" presetSubtype="0" fill="hold" grpId="0" nodeType="clickEffect">
+                                  <p:stCondLst>
+                                    <p:cond delay="0"/>
+                                  </p:stCondLst>
+                                  <p:childTnLst>
+                                    <p:set>
+                                      <p:cBhvr>
+                                        <p:cTn id="18" dur="1" fill="hold">
+                                          <p:stCondLst>
+                                            <p:cond delay="0"/>
+                                          </p:stCondLst>
+                                        </p:cTn>
+                                        <p:tgtEl>
+                                          <p:spTgt spid="3">
+                                            <p:txEl>
+                                              <p:pRg st="3" end="3"/>
+                                            </p:txEl>
+                                          </p:spTgt>
+                                        </p:tgtEl>
+                                        <p:attrNameLst>
+                                          <p:attrName>style.visibility</p:attrName>
+                                        </p:attrNameLst>
+                                      </p:cBhvr>
+                                      <p:to>
+                                        <p:strVal val="visible"/>
+                                      </p:to>
+                                    </p:set>
+                                  </p:childTnLst>
+                                </p:cTn>
+                              </p:par>
+                            </p:childTnLst>
+                          </p:cTn>
+                        </p:par>
+                      </p:childTnLst>
+                    </p:cTn>
+                  </p:par>
+                  <p:par>
+                    <p:cTn id="19" fill="hold">
+                      <p:stCondLst>
+                        <p:cond delay="indefinite"/>
+                      </p:stCondLst>
+                      <p:childTnLst>
+                        <p:par>
+                          <p:cTn id="20" fill="hold">
+                            <p:stCondLst>
+                              <p:cond delay="0"/>
+                            </p:stCondLst>
+                            <p:childTnLst>
+                              <p:par>
+                                <p:cTn id="21" presetID="1" presetClass="entr" presetSubtype="0" fill="hold" grpId="0" nodeType="clickEffect">
+                                  <p:stCondLst>
+                                    <p:cond delay="0"/>
+                                  </p:stCondLst>
+                                  <p:childTnLst>
+                                    <p:set>
+                                      <p:cBhvr>
+                                        <p:cTn id="22" dur="1" fill="hold">
+                                          <p:stCondLst>
+                                            <p:cond delay="0"/>
+                                          </p:stCondLst>
+                                        </p:cTn>
+                                        <p:tgtEl>
+                                          <p:spTgt spid="3">
+                                            <p:txEl>
+                                              <p:pRg st="4" end="4"/>
+                                            </p:txEl>
+                                          </p:spTgt>
+                                        </p:tgtEl>
+                                        <p:attrNameLst>
+                                          <p:attrName>style.visibility</p:attrName>
+                                        </p:attrNameLst>
+                                      </p:cBhvr>
+                                      <p:to>
+                                        <p:strVal val="visible"/>
+                                      </p:to>
+                                    </p:set>
+                                  </p:childTnLst>
+                                </p:cTn>
+                              </p:par>
+                            </p:childTnLst>
+                          </p:cTn>
+                        </p:par>
+                      </p:childTnLst>
+                    </p:cTn>
+                  </p:par>
+                  <p:par>
+                    <p:cTn id="23" fill="hold">
+                      <p:stCondLst>
+                        <p:cond delay="indefinite"/>
+                      </p:stCondLst>
+                      <p:childTnLst>
+                        <p:par>
+                          <p:cTn id="24" fill="hold">
+                            <p:stCondLst>
+                              <p:cond delay="0"/>
+                            </p:stCondLst>
+                            <p:childTnLst>
+                              <p:par>
+                                <p:cTn id="25" presetID="1" presetClass="entr" presetSubtype="0" fill="hold" grpId="0" nodeType="clickEffect">
+                                  <p:stCondLst>
+                                    <p:cond delay="0"/>
+                                  </p:stCondLst>
+                                  <p:childTnLst>
+                                    <p:set>
+                                      <p:cBhvr>
+                                        <p:cTn id="26" dur="1" fill="hold">
+                                          <p:stCondLst>
+                                            <p:cond delay="0"/>
+                                          </p:stCondLst>
+                                        </p:cTn>
+                                        <p:tgtEl>
+                                          <p:spTgt spid="3">
+                                            <p:txEl>
+                                              <p:pRg st="5" end="5"/>
+                                            </p:txEl>
+                                          </p:spTgt>
+                                        </p:tgtEl>
+                                        <p:attrNameLst>
+                                          <p:attrName>style.visibility</p:attrName>
+                                        </p:attrNameLst>
+                                      </p:cBhvr>
+                                      <p:to>
+                                        <p:strVal val="visible"/>
+                                      </p:to>
+                                    </p:set>
+                                  </p:childTnLst>
+                                </p:cTn>
+                              </p:par>
+                            </p:childTnLst>
+                          </p:cTn>
+                        </p:par>
+                      </p:childTnLst>
+                    </p:cTn>
+                  </p:par>
+                  <p:par>
+                    <p:cTn id="27" fill="hold">
+                      <p:stCondLst>
+                        <p:cond delay="indefinite"/>
+                      </p:stCondLst>
+                      <p:childTnLst>
+                        <p:par>
+                          <p:cTn id="28" fill="hold">
+                            <p:stCondLst>
+                              <p:cond delay="0"/>
+                            </p:stCondLst>
+                            <p:childTnLst>
+                              <p:par>
+                                <p:cTn id="29" presetID="1" presetClass="entr" presetSubtype="0" fill="hold" grpId="0" nodeType="clickEffect">
+                                  <p:stCondLst>
+                                    <p:cond delay="0"/>
+                                  </p:stCondLst>
+                                  <p:childTnLst>
+                                    <p:set>
+                                      <p:cBhvr>
+                                        <p:cTn id="30" dur="1" fill="hold">
+                                          <p:stCondLst>
+                                            <p:cond delay="0"/>
+                                          </p:stCondLst>
+                                        </p:cTn>
+                                        <p:tgtEl>
+                                          <p:spTgt spid="3">
+                                            <p:txEl>
+                                              <p:pRg st="6" end="6"/>
+                                            </p:txEl>
+                                          </p:spTgt>
+                                        </p:tgtEl>
+                                        <p:attrNameLst>
+                                          <p:attrName>style.visibility</p:attrName>
+                                        </p:attrNameLst>
+                                      </p:cBhvr>
+                                      <p:to>
+                                        <p:strVal val="visible"/>
+                                      </p:to>
+                                    </p:set>
+                                  </p:childTnLst>
+                                </p:cTn>
+                              </p:par>
+                            </p:childTnLst>
+                          </p:cTn>
+                        </p:par>
+                      </p:childTnLst>
+                    </p:cTn>
+                  </p:par>
+                  <p:par>
+                    <p:cTn id="31" fill="hold">
+                      <p:stCondLst>
+                        <p:cond delay="indefinite"/>
+                      </p:stCondLst>
+                      <p:childTnLst>
+                        <p:par>
+                          <p:cTn id="32" fill="hold">
+                            <p:stCondLst>
+                              <p:cond delay="0"/>
+                            </p:stCondLst>
+                            <p:childTnLst>
+                              <p:par>
+                                <p:cTn id="33" presetID="1" presetClass="entr" presetSubtype="0" fill="hold" grpId="0" nodeType="clickEffect">
+                                  <p:stCondLst>
+                                    <p:cond delay="0"/>
+                                  </p:stCondLst>
+                                  <p:childTnLst>
+                                    <p:set>
+                                      <p:cBhvr>
+                                        <p:cTn id="34" dur="1" fill="hold">
+                                          <p:stCondLst>
+                                            <p:cond delay="0"/>
+                                          </p:stCondLst>
+                                        </p:cTn>
+                                        <p:tgtEl>
+                                          <p:spTgt spid="3">
+                                            <p:txEl>
+                                              <p:pRg st="7" end="7"/>
+                                            </p:txEl>
+                                          </p:spTgt>
+                                        </p:tgtEl>
+                                        <p:attrNameLst>
+                                          <p:attrName>style.visibility</p:attrName>
+                                        </p:attrNameLst>
+                                      </p:cBhvr>
+                                      <p:to>
+                                        <p:strVal val="visible"/>
+                                      </p:to>
+                                    </p:set>
+                                  </p:childTnLst>
+                                </p:cTn>
+                              </p:par>
+                            </p:childTnLst>
+                          </p:cTn>
+                        </p:par>
+                      </p:childTnLst>
+                    </p:cTn>
+                  </p:par>
+                  <p:par>
+                    <p:cTn id="35" fill="hold">
+                      <p:stCondLst>
+                        <p:cond delay="indefinite"/>
+                      </p:stCondLst>
+                      <p:childTnLst>
+                        <p:par>
+                          <p:cTn id="36" fill="hold">
+                            <p:stCondLst>
+                              <p:cond delay="0"/>
+                            </p:stCondLst>
+                            <p:childTnLst>
+                              <p:par>
+                                <p:cTn id="37" presetID="1" presetClass="entr" presetSubtype="0" fill="hold" grpId="0" nodeType="clickEffect">
+                                  <p:stCondLst>
+                                    <p:cond delay="0"/>
+                                  </p:stCondLst>
+                                  <p:childTnLst>
+                                    <p:set>
+                                      <p:cBhvr>
+                                        <p:cTn id="38" dur="1" fill="hold">
+                                          <p:stCondLst>
+                                            <p:cond delay="0"/>
+                                          </p:stCondLst>
+                                        </p:cTn>
+                                        <p:tgtEl>
+                                          <p:spTgt spid="3">
+                                            <p:txEl>
+                                              <p:pRg st="8" end="8"/>
+                                            </p:txEl>
+                                          </p:spTgt>
+                                        </p:tgtEl>
+                                        <p:attrNameLst>
+                                          <p:attrName>style.visibility</p:attrName>
+                                        </p:attrNameLst>
+                                      </p:cBhvr>
+                                      <p:to>
+                                        <p:strVal val="visible"/>
+                                      </p:to>
+                                    </p:set>
+                                  </p:childTnLst>
+                                </p:cTn>
+                              </p:par>
+                            </p:childTnLst>
+                          </p:cTn>
+                        </p:par>
+                      </p:childTnLst>
+                    </p:cTn>
+                  </p:par>
+                </p:childTnLst>
+              </p:cTn>
+              <p:prevCondLst>
+                <p:cond evt="onPrev" delay="0">
+                  <p:tgtEl>
+                    <p:sldTgt/>
+                  </p:tgtEl>
+                </p:cond>
+              </p:prevCondLst>
+              <p:nextCondLst>
+                <p:cond evt="onNext" delay="0">
+                  <p:tgtEl>
+                    <p:sldTgt/>
+                  </p:tgtEl>
+                </p:cond>
+              </p:nextCondLst>
+            </p:seq>
+          </p:childTnLst>
+        </p:cTn>
+      </p:par>
+    </p:tnLst>
+    <p:bldLst>
+      <p:bldP spid="3" grpId="0" build="p"/>
+    </p:bldLst>
+  </p:timing>
 </p:sld>
 </file>
 
@@ -11323,8 +13116,8 @@
               <a:t>Undoing saved (but </a:t>
             </a:r>
             <a:r>
-              <a:rPr lang="en-NZ" b="1" dirty="0" err="1"/>
-              <a:t>uncommited</a:t>
+              <a:rPr lang="en-NZ" b="1" dirty="0"/>
+              <a:t>uncommitted</a:t>
             </a:r>
             <a:r>
               <a:rPr lang="en-NZ" dirty="0"/>
@@ -11756,6 +13549,473 @@
   <p:clrMapOvr>
     <a:masterClrMapping/>
   </p:clrMapOvr>
+  <p:timing>
+    <p:tnLst>
+      <p:par>
+        <p:cTn id="1" dur="indefinite" restart="never" nodeType="tmRoot">
+          <p:childTnLst>
+            <p:seq concurrent="1" nextAc="seek">
+              <p:cTn id="2" dur="indefinite" nodeType="mainSeq">
+                <p:childTnLst>
+                  <p:par>
+                    <p:cTn id="3" fill="hold">
+                      <p:stCondLst>
+                        <p:cond delay="indefinite"/>
+                      </p:stCondLst>
+                      <p:childTnLst>
+                        <p:par>
+                          <p:cTn id="4" fill="hold">
+                            <p:stCondLst>
+                              <p:cond delay="0"/>
+                            </p:stCondLst>
+                            <p:childTnLst>
+                              <p:par>
+                                <p:cTn id="5" presetID="1" presetClass="entr" presetSubtype="0" fill="hold" grpId="0" nodeType="clickEffect">
+                                  <p:stCondLst>
+                                    <p:cond delay="0"/>
+                                  </p:stCondLst>
+                                  <p:childTnLst>
+                                    <p:set>
+                                      <p:cBhvr>
+                                        <p:cTn id="6" dur="1" fill="hold">
+                                          <p:stCondLst>
+                                            <p:cond delay="0"/>
+                                          </p:stCondLst>
+                                        </p:cTn>
+                                        <p:tgtEl>
+                                          <p:spTgt spid="3">
+                                            <p:txEl>
+                                              <p:pRg st="0" end="0"/>
+                                            </p:txEl>
+                                          </p:spTgt>
+                                        </p:tgtEl>
+                                        <p:attrNameLst>
+                                          <p:attrName>style.visibility</p:attrName>
+                                        </p:attrNameLst>
+                                      </p:cBhvr>
+                                      <p:to>
+                                        <p:strVal val="visible"/>
+                                      </p:to>
+                                    </p:set>
+                                  </p:childTnLst>
+                                </p:cTn>
+                              </p:par>
+                              <p:par>
+                                <p:cTn id="7" presetID="1" presetClass="entr" presetSubtype="0" fill="hold" grpId="0" nodeType="withEffect">
+                                  <p:stCondLst>
+                                    <p:cond delay="0"/>
+                                  </p:stCondLst>
+                                  <p:childTnLst>
+                                    <p:set>
+                                      <p:cBhvr>
+                                        <p:cTn id="8" dur="1" fill="hold">
+                                          <p:stCondLst>
+                                            <p:cond delay="0"/>
+                                          </p:stCondLst>
+                                        </p:cTn>
+                                        <p:tgtEl>
+                                          <p:spTgt spid="5"/>
+                                        </p:tgtEl>
+                                        <p:attrNameLst>
+                                          <p:attrName>style.visibility</p:attrName>
+                                        </p:attrNameLst>
+                                      </p:cBhvr>
+                                      <p:to>
+                                        <p:strVal val="visible"/>
+                                      </p:to>
+                                    </p:set>
+                                  </p:childTnLst>
+                                </p:cTn>
+                              </p:par>
+                            </p:childTnLst>
+                          </p:cTn>
+                        </p:par>
+                      </p:childTnLst>
+                    </p:cTn>
+                  </p:par>
+                  <p:par>
+                    <p:cTn id="9" fill="hold">
+                      <p:stCondLst>
+                        <p:cond delay="indefinite"/>
+                      </p:stCondLst>
+                      <p:childTnLst>
+                        <p:par>
+                          <p:cTn id="10" fill="hold">
+                            <p:stCondLst>
+                              <p:cond delay="0"/>
+                            </p:stCondLst>
+                            <p:childTnLst>
+                              <p:par>
+                                <p:cTn id="11" presetID="1" presetClass="entr" presetSubtype="0" fill="hold" grpId="0" nodeType="clickEffect">
+                                  <p:stCondLst>
+                                    <p:cond delay="0"/>
+                                  </p:stCondLst>
+                                  <p:childTnLst>
+                                    <p:set>
+                                      <p:cBhvr>
+                                        <p:cTn id="12" dur="1" fill="hold">
+                                          <p:stCondLst>
+                                            <p:cond delay="0"/>
+                                          </p:stCondLst>
+                                        </p:cTn>
+                                        <p:tgtEl>
+                                          <p:spTgt spid="3">
+                                            <p:txEl>
+                                              <p:pRg st="1" end="1"/>
+                                            </p:txEl>
+                                          </p:spTgt>
+                                        </p:tgtEl>
+                                        <p:attrNameLst>
+                                          <p:attrName>style.visibility</p:attrName>
+                                        </p:attrNameLst>
+                                      </p:cBhvr>
+                                      <p:to>
+                                        <p:strVal val="visible"/>
+                                      </p:to>
+                                    </p:set>
+                                  </p:childTnLst>
+                                </p:cTn>
+                              </p:par>
+                            </p:childTnLst>
+                          </p:cTn>
+                        </p:par>
+                      </p:childTnLst>
+                    </p:cTn>
+                  </p:par>
+                  <p:par>
+                    <p:cTn id="13" fill="hold">
+                      <p:stCondLst>
+                        <p:cond delay="indefinite"/>
+                      </p:stCondLst>
+                      <p:childTnLst>
+                        <p:par>
+                          <p:cTn id="14" fill="hold">
+                            <p:stCondLst>
+                              <p:cond delay="0"/>
+                            </p:stCondLst>
+                            <p:childTnLst>
+                              <p:par>
+                                <p:cTn id="15" presetID="1" presetClass="entr" presetSubtype="0" fill="hold" grpId="0" nodeType="clickEffect">
+                                  <p:stCondLst>
+                                    <p:cond delay="0"/>
+                                  </p:stCondLst>
+                                  <p:childTnLst>
+                                    <p:set>
+                                      <p:cBhvr>
+                                        <p:cTn id="16" dur="1" fill="hold">
+                                          <p:stCondLst>
+                                            <p:cond delay="0"/>
+                                          </p:stCondLst>
+                                        </p:cTn>
+                                        <p:tgtEl>
+                                          <p:spTgt spid="3">
+                                            <p:txEl>
+                                              <p:pRg st="2" end="2"/>
+                                            </p:txEl>
+                                          </p:spTgt>
+                                        </p:tgtEl>
+                                        <p:attrNameLst>
+                                          <p:attrName>style.visibility</p:attrName>
+                                        </p:attrNameLst>
+                                      </p:cBhvr>
+                                      <p:to>
+                                        <p:strVal val="visible"/>
+                                      </p:to>
+                                    </p:set>
+                                  </p:childTnLst>
+                                </p:cTn>
+                              </p:par>
+                              <p:par>
+                                <p:cTn id="17" presetID="1" presetClass="entr" presetSubtype="0" fill="hold" grpId="0" nodeType="withEffect">
+                                  <p:stCondLst>
+                                    <p:cond delay="0"/>
+                                  </p:stCondLst>
+                                  <p:childTnLst>
+                                    <p:set>
+                                      <p:cBhvr>
+                                        <p:cTn id="18" dur="1" fill="hold">
+                                          <p:stCondLst>
+                                            <p:cond delay="0"/>
+                                          </p:stCondLst>
+                                        </p:cTn>
+                                        <p:tgtEl>
+                                          <p:spTgt spid="3">
+                                            <p:txEl>
+                                              <p:pRg st="3" end="3"/>
+                                            </p:txEl>
+                                          </p:spTgt>
+                                        </p:tgtEl>
+                                        <p:attrNameLst>
+                                          <p:attrName>style.visibility</p:attrName>
+                                        </p:attrNameLst>
+                                      </p:cBhvr>
+                                      <p:to>
+                                        <p:strVal val="visible"/>
+                                      </p:to>
+                                    </p:set>
+                                  </p:childTnLst>
+                                </p:cTn>
+                              </p:par>
+                              <p:par>
+                                <p:cTn id="19" presetID="1" presetClass="entr" presetSubtype="0" fill="hold" grpId="0" nodeType="withEffect">
+                                  <p:stCondLst>
+                                    <p:cond delay="0"/>
+                                  </p:stCondLst>
+                                  <p:childTnLst>
+                                    <p:set>
+                                      <p:cBhvr>
+                                        <p:cTn id="20" dur="1" fill="hold">
+                                          <p:stCondLst>
+                                            <p:cond delay="0"/>
+                                          </p:stCondLst>
+                                        </p:cTn>
+                                        <p:tgtEl>
+                                          <p:spTgt spid="3">
+                                            <p:txEl>
+                                              <p:pRg st="4" end="4"/>
+                                            </p:txEl>
+                                          </p:spTgt>
+                                        </p:tgtEl>
+                                        <p:attrNameLst>
+                                          <p:attrName>style.visibility</p:attrName>
+                                        </p:attrNameLst>
+                                      </p:cBhvr>
+                                      <p:to>
+                                        <p:strVal val="visible"/>
+                                      </p:to>
+                                    </p:set>
+                                  </p:childTnLst>
+                                </p:cTn>
+                              </p:par>
+                              <p:par>
+                                <p:cTn id="21" presetID="1" presetClass="entr" presetSubtype="0" fill="hold" grpId="0" nodeType="withEffect">
+                                  <p:stCondLst>
+                                    <p:cond delay="0"/>
+                                  </p:stCondLst>
+                                  <p:childTnLst>
+                                    <p:set>
+                                      <p:cBhvr>
+                                        <p:cTn id="22" dur="1" fill="hold">
+                                          <p:stCondLst>
+                                            <p:cond delay="0"/>
+                                          </p:stCondLst>
+                                        </p:cTn>
+                                        <p:tgtEl>
+                                          <p:spTgt spid="3">
+                                            <p:txEl>
+                                              <p:pRg st="5" end="5"/>
+                                            </p:txEl>
+                                          </p:spTgt>
+                                        </p:tgtEl>
+                                        <p:attrNameLst>
+                                          <p:attrName>style.visibility</p:attrName>
+                                        </p:attrNameLst>
+                                      </p:cBhvr>
+                                      <p:to>
+                                        <p:strVal val="visible"/>
+                                      </p:to>
+                                    </p:set>
+                                  </p:childTnLst>
+                                </p:cTn>
+                              </p:par>
+                            </p:childTnLst>
+                          </p:cTn>
+                        </p:par>
+                      </p:childTnLst>
+                    </p:cTn>
+                  </p:par>
+                  <p:par>
+                    <p:cTn id="23" fill="hold">
+                      <p:stCondLst>
+                        <p:cond delay="indefinite"/>
+                      </p:stCondLst>
+                      <p:childTnLst>
+                        <p:par>
+                          <p:cTn id="24" fill="hold">
+                            <p:stCondLst>
+                              <p:cond delay="0"/>
+                            </p:stCondLst>
+                            <p:childTnLst>
+                              <p:par>
+                                <p:cTn id="25" presetID="1" presetClass="entr" presetSubtype="0" fill="hold" grpId="0" nodeType="clickEffect">
+                                  <p:stCondLst>
+                                    <p:cond delay="0"/>
+                                  </p:stCondLst>
+                                  <p:childTnLst>
+                                    <p:set>
+                                      <p:cBhvr>
+                                        <p:cTn id="26" dur="1" fill="hold">
+                                          <p:stCondLst>
+                                            <p:cond delay="0"/>
+                                          </p:stCondLst>
+                                        </p:cTn>
+                                        <p:tgtEl>
+                                          <p:spTgt spid="3">
+                                            <p:txEl>
+                                              <p:pRg st="6" end="6"/>
+                                            </p:txEl>
+                                          </p:spTgt>
+                                        </p:tgtEl>
+                                        <p:attrNameLst>
+                                          <p:attrName>style.visibility</p:attrName>
+                                        </p:attrNameLst>
+                                      </p:cBhvr>
+                                      <p:to>
+                                        <p:strVal val="visible"/>
+                                      </p:to>
+                                    </p:set>
+                                  </p:childTnLst>
+                                </p:cTn>
+                              </p:par>
+                              <p:par>
+                                <p:cTn id="27" presetID="1" presetClass="entr" presetSubtype="0" fill="hold" grpId="0" nodeType="withEffect">
+                                  <p:stCondLst>
+                                    <p:cond delay="0"/>
+                                  </p:stCondLst>
+                                  <p:childTnLst>
+                                    <p:set>
+                                      <p:cBhvr>
+                                        <p:cTn id="28" dur="1" fill="hold">
+                                          <p:stCondLst>
+                                            <p:cond delay="0"/>
+                                          </p:stCondLst>
+                                        </p:cTn>
+                                        <p:tgtEl>
+                                          <p:spTgt spid="3">
+                                            <p:txEl>
+                                              <p:pRg st="7" end="7"/>
+                                            </p:txEl>
+                                          </p:spTgt>
+                                        </p:tgtEl>
+                                        <p:attrNameLst>
+                                          <p:attrName>style.visibility</p:attrName>
+                                        </p:attrNameLst>
+                                      </p:cBhvr>
+                                      <p:to>
+                                        <p:strVal val="visible"/>
+                                      </p:to>
+                                    </p:set>
+                                  </p:childTnLst>
+                                </p:cTn>
+                              </p:par>
+                              <p:par>
+                                <p:cTn id="29" presetID="1" presetClass="entr" presetSubtype="0" fill="hold" grpId="0" nodeType="withEffect">
+                                  <p:stCondLst>
+                                    <p:cond delay="0"/>
+                                  </p:stCondLst>
+                                  <p:childTnLst>
+                                    <p:set>
+                                      <p:cBhvr>
+                                        <p:cTn id="30" dur="1" fill="hold">
+                                          <p:stCondLst>
+                                            <p:cond delay="0"/>
+                                          </p:stCondLst>
+                                        </p:cTn>
+                                        <p:tgtEl>
+                                          <p:spTgt spid="3">
+                                            <p:txEl>
+                                              <p:pRg st="8" end="8"/>
+                                            </p:txEl>
+                                          </p:spTgt>
+                                        </p:tgtEl>
+                                        <p:attrNameLst>
+                                          <p:attrName>style.visibility</p:attrName>
+                                        </p:attrNameLst>
+                                      </p:cBhvr>
+                                      <p:to>
+                                        <p:strVal val="visible"/>
+                                      </p:to>
+                                    </p:set>
+                                  </p:childTnLst>
+                                </p:cTn>
+                              </p:par>
+                              <p:par>
+                                <p:cTn id="31" presetID="1" presetClass="entr" presetSubtype="0" fill="hold" grpId="0" nodeType="withEffect">
+                                  <p:stCondLst>
+                                    <p:cond delay="0"/>
+                                  </p:stCondLst>
+                                  <p:childTnLst>
+                                    <p:set>
+                                      <p:cBhvr>
+                                        <p:cTn id="32" dur="1" fill="hold">
+                                          <p:stCondLst>
+                                            <p:cond delay="0"/>
+                                          </p:stCondLst>
+                                        </p:cTn>
+                                        <p:tgtEl>
+                                          <p:spTgt spid="6"/>
+                                        </p:tgtEl>
+                                        <p:attrNameLst>
+                                          <p:attrName>style.visibility</p:attrName>
+                                        </p:attrNameLst>
+                                      </p:cBhvr>
+                                      <p:to>
+                                        <p:strVal val="visible"/>
+                                      </p:to>
+                                    </p:set>
+                                  </p:childTnLst>
+                                </p:cTn>
+                              </p:par>
+                              <p:par>
+                                <p:cTn id="33" presetID="1" presetClass="entr" presetSubtype="0" fill="hold" nodeType="withEffect">
+                                  <p:stCondLst>
+                                    <p:cond delay="0"/>
+                                  </p:stCondLst>
+                                  <p:childTnLst>
+                                    <p:set>
+                                      <p:cBhvr>
+                                        <p:cTn id="34" dur="1" fill="hold">
+                                          <p:stCondLst>
+                                            <p:cond delay="0"/>
+                                          </p:stCondLst>
+                                        </p:cTn>
+                                        <p:tgtEl>
+                                          <p:spTgt spid="8"/>
+                                        </p:tgtEl>
+                                        <p:attrNameLst>
+                                          <p:attrName>style.visibility</p:attrName>
+                                        </p:attrNameLst>
+                                      </p:cBhvr>
+                                      <p:to>
+                                        <p:strVal val="visible"/>
+                                      </p:to>
+                                    </p:set>
+                                  </p:childTnLst>
+                                </p:cTn>
+                              </p:par>
+                            </p:childTnLst>
+                          </p:cTn>
+                        </p:par>
+                      </p:childTnLst>
+                    </p:cTn>
+                  </p:par>
+                </p:childTnLst>
+              </p:cTn>
+              <p:prevCondLst>
+                <p:cond evt="onPrev" delay="0">
+                  <p:tgtEl>
+                    <p:sldTgt/>
+                  </p:tgtEl>
+                </p:cond>
+              </p:prevCondLst>
+              <p:nextCondLst>
+                <p:cond evt="onNext" delay="0">
+                  <p:tgtEl>
+                    <p:sldTgt/>
+                  </p:tgtEl>
+                </p:cond>
+              </p:nextCondLst>
+            </p:seq>
+          </p:childTnLst>
+        </p:cTn>
+      </p:par>
+    </p:tnLst>
+    <p:bldLst>
+      <p:bldP spid="3" grpId="0" uiExpand="1" build="p"/>
+      <p:bldP spid="5" grpId="0" animBg="1"/>
+      <p:bldP spid="6" grpId="0" animBg="1"/>
+    </p:bldLst>
+  </p:timing>
 </p:sld>
 </file>
 

--- a/doc/workshop_slides.pptx
+++ b/doc/workshop_slides.pptx
@@ -210,7 +210,7 @@
           <a:p>
             <a:fld id="{31E259F6-5D16-49F4-9053-65E8E6B860B5}" type="datetimeFigureOut">
               <a:rPr lang="en-NZ" smtClean="0"/>
-              <a:t>19/02/2025</a:t>
+              <a:t>20/02/2025</a:t>
             </a:fld>
             <a:endParaRPr lang="en-NZ"/>
           </a:p>
@@ -2007,7 +2007,7 @@
           <a:p>
             <a:fld id="{FC7D2D4B-A132-4145-B888-10DED0B8E5F0}" type="datetime1">
               <a:rPr lang="en-US" smtClean="0"/>
-              <a:t>2/19/2025</a:t>
+              <a:t>2/20/2025</a:t>
             </a:fld>
             <a:endParaRPr lang="en-US"/>
           </a:p>
@@ -2207,7 +2207,7 @@
           <a:p>
             <a:fld id="{33F1754E-921B-4830-955A-57DA37DCA3D6}" type="datetime1">
               <a:rPr lang="en-US" smtClean="0"/>
-              <a:t>2/19/2025</a:t>
+              <a:t>2/20/2025</a:t>
             </a:fld>
             <a:endParaRPr lang="en-US"/>
           </a:p>
@@ -2417,7 +2417,7 @@
           <a:p>
             <a:fld id="{2ECC17DD-231A-4157-A85A-924C5FA2F0F1}" type="datetime1">
               <a:rPr lang="en-US" smtClean="0"/>
-              <a:t>2/19/2025</a:t>
+              <a:t>2/20/2025</a:t>
             </a:fld>
             <a:endParaRPr lang="en-US"/>
           </a:p>
@@ -2617,7 +2617,7 @@
           <a:p>
             <a:fld id="{517BBA3C-8EA5-460B-8CAD-02F83FDB2630}" type="datetime1">
               <a:rPr lang="en-US" smtClean="0"/>
-              <a:t>2/19/2025</a:t>
+              <a:t>2/20/2025</a:t>
             </a:fld>
             <a:endParaRPr lang="en-US"/>
           </a:p>
@@ -2893,7 +2893,7 @@
           <a:p>
             <a:fld id="{E0EC3A70-AEA5-463D-AB5C-17F27631C386}" type="datetime1">
               <a:rPr lang="en-US" smtClean="0"/>
-              <a:t>2/19/2025</a:t>
+              <a:t>2/20/2025</a:t>
             </a:fld>
             <a:endParaRPr lang="en-US"/>
           </a:p>
@@ -3166,7 +3166,7 @@
           <a:p>
             <a:fld id="{1ECBF030-A4B7-4EF8-B4E3-100EDEF1A6F7}" type="datetime1">
               <a:rPr lang="en-US" smtClean="0"/>
-              <a:t>2/19/2025</a:t>
+              <a:t>2/20/2025</a:t>
             </a:fld>
             <a:endParaRPr lang="en-US"/>
           </a:p>
@@ -3589,7 +3589,7 @@
           <a:p>
             <a:fld id="{CE023F6F-882C-43FF-A474-D6D3281C3010}" type="datetime1">
               <a:rPr lang="en-US" smtClean="0"/>
-              <a:t>2/19/2025</a:t>
+              <a:t>2/20/2025</a:t>
             </a:fld>
             <a:endParaRPr lang="en-US"/>
           </a:p>
@@ -3731,7 +3731,7 @@
           <a:p>
             <a:fld id="{EEEE9754-6607-4455-AC5A-287689C1D9BB}" type="datetime1">
               <a:rPr lang="en-US" smtClean="0"/>
-              <a:t>2/19/2025</a:t>
+              <a:t>2/20/2025</a:t>
             </a:fld>
             <a:endParaRPr lang="en-US"/>
           </a:p>
@@ -3844,7 +3844,7 @@
           <a:p>
             <a:fld id="{B60453A4-2A69-4B25-A81F-E43D92F1BCC5}" type="datetime1">
               <a:rPr lang="en-US" smtClean="0"/>
-              <a:t>2/19/2025</a:t>
+              <a:t>2/20/2025</a:t>
             </a:fld>
             <a:endParaRPr lang="en-US"/>
           </a:p>
@@ -4157,7 +4157,7 @@
           <a:p>
             <a:fld id="{121CD1DA-02FD-4D21-AB5C-3CE06C1DF49A}" type="datetime1">
               <a:rPr lang="en-US" smtClean="0"/>
-              <a:t>2/19/2025</a:t>
+              <a:t>2/20/2025</a:t>
             </a:fld>
             <a:endParaRPr lang="en-US"/>
           </a:p>
@@ -4450,7 +4450,7 @@
           <a:p>
             <a:fld id="{A99A0B8A-5A40-4D44-8F80-EB2F71CD1981}" type="datetime1">
               <a:rPr lang="en-US" smtClean="0"/>
-              <a:t>2/19/2025</a:t>
+              <a:t>2/20/2025</a:t>
             </a:fld>
             <a:endParaRPr lang="en-US"/>
           </a:p>
@@ -4692,7 +4692,7 @@
           <a:p>
             <a:fld id="{8C4CD005-E869-4B32-8BD6-0C7643B6A894}" type="datetime1">
               <a:rPr lang="en-US" smtClean="0"/>
-              <a:t>2/19/2025</a:t>
+              <a:t>2/20/2025</a:t>
             </a:fld>
             <a:endParaRPr lang="en-US"/>
           </a:p>
@@ -8029,13 +8029,13 @@
   <p:clrMapOvr>
     <a:masterClrMapping/>
   </p:clrMapOvr>
-  <mc:AlternateContent xmlns:mc="http://schemas.openxmlformats.org/markup-compatibility/2006">
-    <mc:Choice xmlns:p159="http://schemas.microsoft.com/office/powerpoint/2015/09/main" Requires="p159">
+  <mc:AlternateContent xmlns:mc="http://schemas.openxmlformats.org/markup-compatibility/2006" xmlns:p159="http://schemas.microsoft.com/office/powerpoint/2015/09/main">
+    <mc:Choice Requires="p159">
       <p:transition xmlns:p14="http://schemas.microsoft.com/office/powerpoint/2010/main" spd="slow" p14:dur="2000">
         <p159:morph option="byObject"/>
       </p:transition>
     </mc:Choice>
-    <mc:Fallback>
+    <mc:Fallback xmlns="">
       <p:transition spd="slow">
         <p:fade/>
       </p:transition>
@@ -9042,8 +9042,15 @@
             <a:pPr lvl="1"/>
             <a:r>
               <a:rPr lang="en-NZ" dirty="0"/>
-              <a:t>Git (see file doc/git_setup_guide.md for details)</a:t>
-            </a:r>
+              <a:t>Git: check you are configured with </a:t>
+            </a:r>
+            <a:r>
+              <a:rPr lang="en-NZ" dirty="0">
+                <a:latin typeface="Consolas" panose="020B0609020204030204" pitchFamily="49" charset="0"/>
+              </a:rPr>
+              <a:t>git config --list</a:t>
+            </a:r>
+            <a:endParaRPr lang="en-NZ" dirty="0"/>
           </a:p>
           <a:p>
             <a:pPr lvl="1"/>
